--- a/Presentation/ROS-Turtlebot.pptx
+++ b/Presentation/ROS-Turtlebot.pptx
@@ -7,18 +7,29 @@
     <p:sldMasterId id="2147483768" r:id="rId3"/>
   </p:sldMasterIdLst>
   <p:notesMasterIdLst>
-    <p:notesMasterId r:id="rId11"/>
+    <p:notesMasterId r:id="rId22"/>
   </p:notesMasterIdLst>
   <p:sldIdLst>
     <p:sldId id="256" r:id="rId4"/>
     <p:sldId id="258" r:id="rId5"/>
     <p:sldId id="262" r:id="rId6"/>
     <p:sldId id="260" r:id="rId7"/>
-    <p:sldId id="259" r:id="rId8"/>
-    <p:sldId id="261" r:id="rId9"/>
-    <p:sldId id="263" r:id="rId10"/>
+    <p:sldId id="266" r:id="rId8"/>
+    <p:sldId id="265" r:id="rId9"/>
+    <p:sldId id="268" r:id="rId10"/>
+    <p:sldId id="267" r:id="rId11"/>
+    <p:sldId id="269" r:id="rId12"/>
+    <p:sldId id="273" r:id="rId13"/>
+    <p:sldId id="270" r:id="rId14"/>
+    <p:sldId id="271" r:id="rId15"/>
+    <p:sldId id="274" r:id="rId16"/>
+    <p:sldId id="272" r:id="rId17"/>
+    <p:sldId id="264" r:id="rId18"/>
+    <p:sldId id="259" r:id="rId19"/>
+    <p:sldId id="261" r:id="rId20"/>
+    <p:sldId id="263" r:id="rId21"/>
   </p:sldIdLst>
-  <p:sldSz cx="12192000" cy="6858000"/>
+  <p:sldSz cx="10972800" cy="6858000"/>
   <p:notesSz cx="6858000" cy="9144000"/>
   <p:defaultTextStyle>
     <a:defPPr>
@@ -200,7 +211,8 @@
           <a:p>
             <a:fld id="{0426254E-9BCF-454A-87E2-0B445BCA8FD8}" type="datetimeFigureOut">
               <a:rPr lang="fr-FR" smtClean="0"/>
-              <a:t>17/05/2015</a:t>
+              <a:pPr/>
+              <a:t>18/05/2015</a:t>
             </a:fld>
             <a:endParaRPr lang="fr-FR"/>
           </a:p>
@@ -218,8 +230,8 @@
         </p:nvSpPr>
         <p:spPr>
           <a:xfrm>
-            <a:off x="685800" y="1143000"/>
-            <a:ext cx="5486400" cy="3086100"/>
+            <a:off x="960438" y="1143000"/>
+            <a:ext cx="4937125" cy="3086100"/>
           </a:xfrm>
           <a:prstGeom prst="rect">
             <a:avLst/>
@@ -359,7 +371,8 @@
           <a:p>
             <a:fld id="{0553A931-8B17-4BE8-AE29-661B3883E8D5}" type="slidenum">
               <a:rPr lang="fr-FR" smtClean="0"/>
-              <a:t>‹N°›</a:t>
+              <a:pPr/>
+              <a:t>‹#›</a:t>
             </a:fld>
             <a:endParaRPr lang="fr-FR"/>
           </a:p>
@@ -368,7 +381,7 @@
     </p:spTree>
     <p:extLst>
       <p:ext uri="{BB962C8B-B14F-4D97-AF65-F5344CB8AC3E}">
-        <p14:creationId xmlns:p14="http://schemas.microsoft.com/office/powerpoint/2010/main" val="497858858"/>
+        <p14:creationId xmlns:p14="http://schemas.microsoft.com/office/powerpoint/2010/main" xmlns="" val="497858858"/>
       </p:ext>
     </p:extLst>
   </p:cSld>
@@ -495,16 +508,40 @@
             <p:ph type="sldImg"/>
           </p:nvPr>
         </p:nvSpPr>
+        <p:spPr>
+          <a:xfrm>
+            <a:off x="960438" y="1143000"/>
+            <a:ext cx="4937125" cy="3086100"/>
+          </a:xfrm>
+        </p:spPr>
+      </p:sp>
+      <p:sp>
+        <p:nvSpPr>
+          <p:cNvPr id="3" name="Espace réservé des commentaires 2"/>
+          <p:cNvSpPr>
+            <a:spLocks noGrp="1"/>
+          </p:cNvSpPr>
+          <p:nvPr>
+            <p:ph type="body" idx="1"/>
+          </p:nvPr>
+        </p:nvSpPr>
         <p:spPr/>
-      </p:sp>
-      <p:sp>
-        <p:nvSpPr>
-          <p:cNvPr id="3" name="Espace réservé des commentaires 2"/>
-          <p:cNvSpPr>
-            <a:spLocks noGrp="1"/>
-          </p:cNvSpPr>
-          <p:nvPr>
-            <p:ph type="body" idx="1"/>
+        <p:txBody>
+          <a:bodyPr/>
+          <a:lstStyle/>
+          <a:p>
+            <a:endParaRPr lang="fr-FR"/>
+          </a:p>
+        </p:txBody>
+      </p:sp>
+      <p:sp>
+        <p:nvSpPr>
+          <p:cNvPr id="4" name="Espace réservé du numéro de diapositive 3"/>
+          <p:cNvSpPr>
+            <a:spLocks noGrp="1"/>
+          </p:cNvSpPr>
+          <p:nvPr>
+            <p:ph type="sldNum" sz="quarter" idx="10"/>
           </p:nvPr>
         </p:nvSpPr>
         <p:spPr/>
@@ -512,27 +549,9 @@
           <a:bodyPr/>
           <a:lstStyle/>
           <a:p>
-            <a:endParaRPr lang="fr-FR"/>
-          </a:p>
-        </p:txBody>
-      </p:sp>
-      <p:sp>
-        <p:nvSpPr>
-          <p:cNvPr id="4" name="Espace réservé du numéro de diapositive 3"/>
-          <p:cNvSpPr>
-            <a:spLocks noGrp="1"/>
-          </p:cNvSpPr>
-          <p:nvPr>
-            <p:ph type="sldNum" sz="quarter" idx="10"/>
-          </p:nvPr>
-        </p:nvSpPr>
-        <p:spPr/>
-        <p:txBody>
-          <a:bodyPr/>
-          <a:lstStyle/>
-          <a:p>
             <a:fld id="{0553A931-8B17-4BE8-AE29-661B3883E8D5}" type="slidenum">
               <a:rPr lang="fr-FR" smtClean="0"/>
+              <a:pPr/>
               <a:t>2</a:t>
             </a:fld>
             <a:endParaRPr lang="fr-FR"/>
@@ -542,7 +561,7 @@
     </p:spTree>
     <p:extLst>
       <p:ext uri="{BB962C8B-B14F-4D97-AF65-F5344CB8AC3E}">
-        <p14:creationId xmlns:p14="http://schemas.microsoft.com/office/powerpoint/2010/main" val="548999133"/>
+        <p14:creationId xmlns:p14="http://schemas.microsoft.com/office/powerpoint/2010/main" xmlns="" val="548999133"/>
       </p:ext>
     </p:extLst>
   </p:cSld>
@@ -579,16 +598,40 @@
             <p:ph type="sldImg"/>
           </p:nvPr>
         </p:nvSpPr>
+        <p:spPr>
+          <a:xfrm>
+            <a:off x="960438" y="1143000"/>
+            <a:ext cx="4937125" cy="3086100"/>
+          </a:xfrm>
+        </p:spPr>
+      </p:sp>
+      <p:sp>
+        <p:nvSpPr>
+          <p:cNvPr id="3" name="Espace réservé des commentaires 2"/>
+          <p:cNvSpPr>
+            <a:spLocks noGrp="1"/>
+          </p:cNvSpPr>
+          <p:nvPr>
+            <p:ph type="body" idx="1"/>
+          </p:nvPr>
+        </p:nvSpPr>
         <p:spPr/>
-      </p:sp>
-      <p:sp>
-        <p:nvSpPr>
-          <p:cNvPr id="3" name="Espace réservé des commentaires 2"/>
-          <p:cNvSpPr>
-            <a:spLocks noGrp="1"/>
-          </p:cNvSpPr>
-          <p:nvPr>
-            <p:ph type="body" idx="1"/>
+        <p:txBody>
+          <a:bodyPr/>
+          <a:lstStyle/>
+          <a:p>
+            <a:endParaRPr lang="fr-FR"/>
+          </a:p>
+        </p:txBody>
+      </p:sp>
+      <p:sp>
+        <p:nvSpPr>
+          <p:cNvPr id="4" name="Espace réservé du numéro de diapositive 3"/>
+          <p:cNvSpPr>
+            <a:spLocks noGrp="1"/>
+          </p:cNvSpPr>
+          <p:nvPr>
+            <p:ph type="sldNum" sz="quarter" idx="10"/>
           </p:nvPr>
         </p:nvSpPr>
         <p:spPr/>
@@ -596,28 +639,10 @@
           <a:bodyPr/>
           <a:lstStyle/>
           <a:p>
-            <a:endParaRPr lang="fr-FR"/>
-          </a:p>
-        </p:txBody>
-      </p:sp>
-      <p:sp>
-        <p:nvSpPr>
-          <p:cNvPr id="4" name="Espace réservé du numéro de diapositive 3"/>
-          <p:cNvSpPr>
-            <a:spLocks noGrp="1"/>
-          </p:cNvSpPr>
-          <p:nvPr>
-            <p:ph type="sldNum" sz="quarter" idx="10"/>
-          </p:nvPr>
-        </p:nvSpPr>
-        <p:spPr/>
-        <p:txBody>
-          <a:bodyPr/>
-          <a:lstStyle/>
-          <a:p>
             <a:fld id="{0553A931-8B17-4BE8-AE29-661B3883E8D5}" type="slidenum">
               <a:rPr lang="fr-FR" smtClean="0"/>
-              <a:t>5</a:t>
+              <a:pPr/>
+              <a:t>16</a:t>
             </a:fld>
             <a:endParaRPr lang="fr-FR"/>
           </a:p>
@@ -626,7 +651,7 @@
     </p:spTree>
     <p:extLst>
       <p:ext uri="{BB962C8B-B14F-4D97-AF65-F5344CB8AC3E}">
-        <p14:creationId xmlns:p14="http://schemas.microsoft.com/office/powerpoint/2010/main" val="3458496646"/>
+        <p14:creationId xmlns:p14="http://schemas.microsoft.com/office/powerpoint/2010/main" xmlns="" val="3458496646"/>
       </p:ext>
     </p:extLst>
   </p:cSld>
@@ -665,8 +690,8 @@
         </p:nvSpPr>
         <p:spPr>
           <a:xfrm>
-            <a:off x="1524000" y="1124530"/>
-            <a:ext cx="9144000" cy="2387600"/>
+            <a:off x="1371600" y="1124530"/>
+            <a:ext cx="8229600" cy="2387600"/>
           </a:xfrm>
         </p:spPr>
         <p:txBody>
@@ -699,8 +724,8 @@
         </p:nvSpPr>
         <p:spPr>
           <a:xfrm>
-            <a:off x="1524000" y="3602038"/>
-            <a:ext cx="9144000" cy="1655762"/>
+            <a:off x="1371600" y="3602038"/>
+            <a:ext cx="8229600" cy="1655762"/>
           </a:xfrm>
         </p:spPr>
         <p:txBody>
@@ -778,7 +803,8 @@
           <a:p>
             <a:fld id="{13FA4CE8-6F25-462E-B86C-2997EA788044}" type="datetime1">
               <a:rPr lang="fr-FR" smtClean="0"/>
-              <a:t>17/05/2015</a:t>
+              <a:pPr/>
+              <a:t>18/05/2015</a:t>
             </a:fld>
             <a:endParaRPr lang="fr-FR"/>
           </a:p>
@@ -824,7 +850,8 @@
           <a:p>
             <a:fld id="{B5DB7FC2-8201-461D-A208-F496F60082A1}" type="slidenum">
               <a:rPr lang="fr-FR" smtClean="0"/>
-              <a:t>‹N°›</a:t>
+              <a:pPr/>
+              <a:t>‹#›</a:t>
             </a:fld>
             <a:endParaRPr lang="fr-FR"/>
           </a:p>
@@ -833,7 +860,7 @@
     </p:spTree>
     <p:extLst>
       <p:ext uri="{BB962C8B-B14F-4D97-AF65-F5344CB8AC3E}">
-        <p14:creationId xmlns:p14="http://schemas.microsoft.com/office/powerpoint/2010/main" val="1365221742"/>
+        <p14:creationId xmlns:p14="http://schemas.microsoft.com/office/powerpoint/2010/main" xmlns="" val="1365221742"/>
       </p:ext>
     </p:extLst>
   </p:cSld>
@@ -952,7 +979,8 @@
           <a:p>
             <a:fld id="{63E108B8-249D-4615-8C77-FB9E5E85BF48}" type="datetime1">
               <a:rPr lang="fr-FR" smtClean="0"/>
-              <a:t>17/05/2015</a:t>
+              <a:pPr/>
+              <a:t>18/05/2015</a:t>
             </a:fld>
             <a:endParaRPr lang="fr-FR"/>
           </a:p>
@@ -998,7 +1026,8 @@
           <a:p>
             <a:fld id="{B5DB7FC2-8201-461D-A208-F496F60082A1}" type="slidenum">
               <a:rPr lang="fr-FR" smtClean="0"/>
-              <a:t>‹N°›</a:t>
+              <a:pPr/>
+              <a:t>‹#›</a:t>
             </a:fld>
             <a:endParaRPr lang="fr-FR"/>
           </a:p>
@@ -1007,7 +1036,7 @@
     </p:spTree>
     <p:extLst>
       <p:ext uri="{BB962C8B-B14F-4D97-AF65-F5344CB8AC3E}">
-        <p14:creationId xmlns:p14="http://schemas.microsoft.com/office/powerpoint/2010/main" val="638278577"/>
+        <p14:creationId xmlns:p14="http://schemas.microsoft.com/office/powerpoint/2010/main" xmlns="" val="638278577"/>
       </p:ext>
     </p:extLst>
   </p:cSld>
@@ -1046,8 +1075,8 @@
         </p:nvSpPr>
         <p:spPr>
           <a:xfrm>
-            <a:off x="8724900" y="360362"/>
-            <a:ext cx="2628900" cy="5811838"/>
+            <a:off x="7852409" y="360363"/>
+            <a:ext cx="2366010" cy="5811838"/>
           </a:xfrm>
         </p:spPr>
         <p:txBody>
@@ -1074,8 +1103,8 @@
         </p:nvSpPr>
         <p:spPr>
           <a:xfrm>
-            <a:off x="838200" y="360362"/>
-            <a:ext cx="7734300" cy="5811837"/>
+            <a:off x="754379" y="360364"/>
+            <a:ext cx="6960870" cy="5811837"/>
           </a:xfrm>
         </p:spPr>
         <p:txBody>
@@ -1136,7 +1165,8 @@
           <a:p>
             <a:fld id="{A7741E4B-BDC4-4054-8BD8-58177E2DE6B8}" type="datetime1">
               <a:rPr lang="fr-FR" smtClean="0"/>
-              <a:t>17/05/2015</a:t>
+              <a:pPr/>
+              <a:t>18/05/2015</a:t>
             </a:fld>
             <a:endParaRPr lang="fr-FR"/>
           </a:p>
@@ -1182,7 +1212,8 @@
           <a:p>
             <a:fld id="{B5DB7FC2-8201-461D-A208-F496F60082A1}" type="slidenum">
               <a:rPr lang="fr-FR" smtClean="0"/>
-              <a:t>‹N°›</a:t>
+              <a:pPr/>
+              <a:t>‹#›</a:t>
             </a:fld>
             <a:endParaRPr lang="fr-FR"/>
           </a:p>
@@ -1191,7 +1222,7 @@
     </p:spTree>
     <p:extLst>
       <p:ext uri="{BB962C8B-B14F-4D97-AF65-F5344CB8AC3E}">
-        <p14:creationId xmlns:p14="http://schemas.microsoft.com/office/powerpoint/2010/main" val="2577853164"/>
+        <p14:creationId xmlns:p14="http://schemas.microsoft.com/office/powerpoint/2010/main" xmlns="" val="2577853164"/>
       </p:ext>
     </p:extLst>
   </p:cSld>
@@ -1230,8 +1261,8 @@
         </p:nvSpPr>
         <p:spPr>
           <a:xfrm>
-            <a:off x="1524000" y="1124530"/>
-            <a:ext cx="9144000" cy="2387600"/>
+            <a:off x="1371600" y="1124530"/>
+            <a:ext cx="8229600" cy="2387600"/>
           </a:xfrm>
         </p:spPr>
         <p:txBody>
@@ -1264,8 +1295,8 @@
         </p:nvSpPr>
         <p:spPr>
           <a:xfrm>
-            <a:off x="1524000" y="3602038"/>
-            <a:ext cx="9144000" cy="1655762"/>
+            <a:off x="1371600" y="3602038"/>
+            <a:ext cx="8229600" cy="1655762"/>
           </a:xfrm>
         </p:spPr>
         <p:txBody>
@@ -1343,7 +1374,8 @@
           <a:p>
             <a:fld id="{43C3AD25-57F3-444E-9BFE-64F7543B9FF7}" type="datetime1">
               <a:rPr lang="fr-FR" smtClean="0"/>
-              <a:t>17/05/2015</a:t>
+              <a:pPr/>
+              <a:t>18/05/2015</a:t>
             </a:fld>
             <a:endParaRPr lang="fr-FR"/>
           </a:p>
@@ -1389,7 +1421,8 @@
           <a:p>
             <a:fld id="{B5DB7FC2-8201-461D-A208-F496F60082A1}" type="slidenum">
               <a:rPr lang="fr-FR" smtClean="0"/>
-              <a:t>‹N°›</a:t>
+              <a:pPr/>
+              <a:t>‹#›</a:t>
             </a:fld>
             <a:endParaRPr lang="fr-FR"/>
           </a:p>
@@ -1398,7 +1431,7 @@
     </p:spTree>
     <p:extLst>
       <p:ext uri="{BB962C8B-B14F-4D97-AF65-F5344CB8AC3E}">
-        <p14:creationId xmlns:p14="http://schemas.microsoft.com/office/powerpoint/2010/main" val="3079084854"/>
+        <p14:creationId xmlns:p14="http://schemas.microsoft.com/office/powerpoint/2010/main" xmlns="" val="3079084854"/>
       </p:ext>
     </p:extLst>
   </p:cSld>
@@ -1517,7 +1550,8 @@
           <a:p>
             <a:fld id="{CDCD28CE-77DF-4F3E-BB03-DB4C63F19F87}" type="datetime1">
               <a:rPr lang="fr-FR" smtClean="0"/>
-              <a:t>17/05/2015</a:t>
+              <a:pPr/>
+              <a:t>18/05/2015</a:t>
             </a:fld>
             <a:endParaRPr lang="fr-FR"/>
           </a:p>
@@ -1563,7 +1597,8 @@
           <a:p>
             <a:fld id="{B5DB7FC2-8201-461D-A208-F496F60082A1}" type="slidenum">
               <a:rPr lang="fr-FR" smtClean="0"/>
-              <a:t>‹N°›</a:t>
+              <a:pPr/>
+              <a:t>‹#›</a:t>
             </a:fld>
             <a:endParaRPr lang="fr-FR"/>
           </a:p>
@@ -1572,7 +1607,7 @@
     </p:spTree>
     <p:extLst>
       <p:ext uri="{BB962C8B-B14F-4D97-AF65-F5344CB8AC3E}">
-        <p14:creationId xmlns:p14="http://schemas.microsoft.com/office/powerpoint/2010/main" val="2664856110"/>
+        <p14:creationId xmlns:p14="http://schemas.microsoft.com/office/powerpoint/2010/main" xmlns="" val="2664856110"/>
       </p:ext>
     </p:extLst>
   </p:cSld>
@@ -1611,8 +1646,8 @@
         </p:nvSpPr>
         <p:spPr>
           <a:xfrm>
-            <a:off x="831850" y="1712423"/>
-            <a:ext cx="10515600" cy="2851208"/>
+            <a:off x="748668" y="1712424"/>
+            <a:ext cx="9464040" cy="2851208"/>
           </a:xfrm>
         </p:spPr>
         <p:txBody>
@@ -1645,8 +1680,8 @@
         </p:nvSpPr>
         <p:spPr>
           <a:xfrm>
-            <a:off x="831850" y="4552633"/>
-            <a:ext cx="10515600" cy="1500187"/>
+            <a:off x="748668" y="4552636"/>
+            <a:ext cx="9464040" cy="1500187"/>
           </a:xfrm>
         </p:spPr>
         <p:txBody>
@@ -1772,7 +1807,8 @@
           <a:p>
             <a:fld id="{D13C6F05-22B9-47CD-A952-5A09945CF8D7}" type="datetime1">
               <a:rPr lang="fr-FR" smtClean="0"/>
-              <a:t>17/05/2015</a:t>
+              <a:pPr/>
+              <a:t>18/05/2015</a:t>
             </a:fld>
             <a:endParaRPr lang="fr-FR"/>
           </a:p>
@@ -1818,7 +1854,8 @@
           <a:p>
             <a:fld id="{B5DB7FC2-8201-461D-A208-F496F60082A1}" type="slidenum">
               <a:rPr lang="fr-FR" smtClean="0"/>
-              <a:t>‹N°›</a:t>
+              <a:pPr/>
+              <a:t>‹#›</a:t>
             </a:fld>
             <a:endParaRPr lang="fr-FR"/>
           </a:p>
@@ -1827,7 +1864,7 @@
     </p:spTree>
     <p:extLst>
       <p:ext uri="{BB962C8B-B14F-4D97-AF65-F5344CB8AC3E}">
-        <p14:creationId xmlns:p14="http://schemas.microsoft.com/office/powerpoint/2010/main" val="2665551998"/>
+        <p14:creationId xmlns:p14="http://schemas.microsoft.com/office/powerpoint/2010/main" xmlns="" val="2665551998"/>
       </p:ext>
     </p:extLst>
   </p:cSld>
@@ -1889,8 +1926,8 @@
         </p:nvSpPr>
         <p:spPr>
           <a:xfrm>
-            <a:off x="845127" y="1828800"/>
-            <a:ext cx="5181600" cy="4351337"/>
+            <a:off x="760614" y="1828803"/>
+            <a:ext cx="4663440" cy="4351337"/>
           </a:xfrm>
         </p:spPr>
         <p:txBody>
@@ -1946,8 +1983,8 @@
         </p:nvSpPr>
         <p:spPr>
           <a:xfrm>
-            <a:off x="6172200" y="1828800"/>
-            <a:ext cx="5181600" cy="4351337"/>
+            <a:off x="5554981" y="1828803"/>
+            <a:ext cx="4663440" cy="4351337"/>
           </a:xfrm>
         </p:spPr>
         <p:txBody>
@@ -2008,7 +2045,8 @@
           <a:p>
             <a:fld id="{F62B965D-740D-46F7-88FE-D087E0CBBCC1}" type="datetime1">
               <a:rPr lang="fr-FR" smtClean="0"/>
-              <a:t>17/05/2015</a:t>
+              <a:pPr/>
+              <a:t>18/05/2015</a:t>
             </a:fld>
             <a:endParaRPr lang="fr-FR"/>
           </a:p>
@@ -2054,7 +2092,8 @@
           <a:p>
             <a:fld id="{B5DB7FC2-8201-461D-A208-F496F60082A1}" type="slidenum">
               <a:rPr lang="fr-FR" smtClean="0"/>
-              <a:t>‹N°›</a:t>
+              <a:pPr/>
+              <a:t>‹#›</a:t>
             </a:fld>
             <a:endParaRPr lang="fr-FR"/>
           </a:p>
@@ -2063,7 +2102,7 @@
     </p:spTree>
     <p:extLst>
       <p:ext uri="{BB962C8B-B14F-4D97-AF65-F5344CB8AC3E}">
-        <p14:creationId xmlns:p14="http://schemas.microsoft.com/office/powerpoint/2010/main" val="3620915963"/>
+        <p14:creationId xmlns:p14="http://schemas.microsoft.com/office/powerpoint/2010/main" xmlns="" val="3620915963"/>
       </p:ext>
     </p:extLst>
   </p:cSld>
@@ -2102,8 +2141,8 @@
         </p:nvSpPr>
         <p:spPr>
           <a:xfrm>
-            <a:off x="845127" y="1681850"/>
-            <a:ext cx="5156200" cy="825699"/>
+            <a:off x="760617" y="1681852"/>
+            <a:ext cx="4640581" cy="825699"/>
           </a:xfrm>
         </p:spPr>
         <p:txBody>
@@ -2172,8 +2211,8 @@
         </p:nvSpPr>
         <p:spPr>
           <a:xfrm>
-            <a:off x="845127" y="2507550"/>
-            <a:ext cx="5156200" cy="3680525"/>
+            <a:off x="760617" y="2507552"/>
+            <a:ext cx="4640581" cy="3680525"/>
           </a:xfrm>
         </p:spPr>
         <p:txBody>
@@ -2229,8 +2268,8 @@
         </p:nvSpPr>
         <p:spPr>
           <a:xfrm>
-            <a:off x="6172200" y="1681851"/>
-            <a:ext cx="5181601" cy="825698"/>
+            <a:off x="5554983" y="1681852"/>
+            <a:ext cx="4663442" cy="825698"/>
           </a:xfrm>
         </p:spPr>
         <p:txBody>
@@ -2297,8 +2336,8 @@
         </p:nvSpPr>
         <p:spPr>
           <a:xfrm>
-            <a:off x="6172200" y="2507550"/>
-            <a:ext cx="5181601" cy="3680525"/>
+            <a:off x="5554983" y="2507552"/>
+            <a:ext cx="4663442" cy="3680525"/>
           </a:xfrm>
         </p:spPr>
         <p:txBody>
@@ -2359,7 +2398,8 @@
           <a:p>
             <a:fld id="{7C43AF84-13A5-49B4-8091-0FD3495AF27D}" type="datetime1">
               <a:rPr lang="fr-FR" smtClean="0"/>
-              <a:t>17/05/2015</a:t>
+              <a:pPr/>
+              <a:t>18/05/2015</a:t>
             </a:fld>
             <a:endParaRPr lang="fr-FR"/>
           </a:p>
@@ -2405,7 +2445,8 @@
           <a:p>
             <a:fld id="{B5DB7FC2-8201-461D-A208-F496F60082A1}" type="slidenum">
               <a:rPr lang="fr-FR" smtClean="0"/>
-              <a:t>‹N°›</a:t>
+              <a:pPr/>
+              <a:t>‹#›</a:t>
             </a:fld>
             <a:endParaRPr lang="fr-FR"/>
           </a:p>
@@ -2437,7 +2478,7 @@
     </p:spTree>
     <p:extLst>
       <p:ext uri="{BB962C8B-B14F-4D97-AF65-F5344CB8AC3E}">
-        <p14:creationId xmlns:p14="http://schemas.microsoft.com/office/powerpoint/2010/main" val="422490247"/>
+        <p14:creationId xmlns:p14="http://schemas.microsoft.com/office/powerpoint/2010/main" xmlns="" val="422490247"/>
       </p:ext>
     </p:extLst>
   </p:cSld>
@@ -2481,7 +2522,8 @@
           <a:p>
             <a:fld id="{7B33719A-B99A-4CB0-BD3C-CE5F5107F413}" type="datetime1">
               <a:rPr lang="fr-FR" smtClean="0"/>
-              <a:t>17/05/2015</a:t>
+              <a:pPr/>
+              <a:t>18/05/2015</a:t>
             </a:fld>
             <a:endParaRPr lang="fr-FR"/>
           </a:p>
@@ -2527,7 +2569,8 @@
           <a:p>
             <a:fld id="{B5DB7FC2-8201-461D-A208-F496F60082A1}" type="slidenum">
               <a:rPr lang="fr-FR" smtClean="0"/>
-              <a:t>‹N°›</a:t>
+              <a:pPr/>
+              <a:t>‹#›</a:t>
             </a:fld>
             <a:endParaRPr lang="fr-FR"/>
           </a:p>
@@ -2559,7 +2602,7 @@
     </p:spTree>
     <p:extLst>
       <p:ext uri="{BB962C8B-B14F-4D97-AF65-F5344CB8AC3E}">
-        <p14:creationId xmlns:p14="http://schemas.microsoft.com/office/powerpoint/2010/main" val="2522063121"/>
+        <p14:creationId xmlns:p14="http://schemas.microsoft.com/office/powerpoint/2010/main" xmlns="" val="2522063121"/>
       </p:ext>
     </p:extLst>
   </p:cSld>
@@ -2603,7 +2646,8 @@
           <a:p>
             <a:fld id="{C9A122AE-09A7-473A-B6CB-635A0B1A9B1B}" type="datetime1">
               <a:rPr lang="fr-FR" smtClean="0"/>
-              <a:t>17/05/2015</a:t>
+              <a:pPr/>
+              <a:t>18/05/2015</a:t>
             </a:fld>
             <a:endParaRPr lang="fr-FR"/>
           </a:p>
@@ -2649,7 +2693,8 @@
           <a:p>
             <a:fld id="{B5DB7FC2-8201-461D-A208-F496F60082A1}" type="slidenum">
               <a:rPr lang="fr-FR" smtClean="0"/>
-              <a:t>‹N°›</a:t>
+              <a:pPr/>
+              <a:t>‹#›</a:t>
             </a:fld>
             <a:endParaRPr lang="fr-FR"/>
           </a:p>
@@ -2658,7 +2703,7 @@
     </p:spTree>
     <p:extLst>
       <p:ext uri="{BB962C8B-B14F-4D97-AF65-F5344CB8AC3E}">
-        <p14:creationId xmlns:p14="http://schemas.microsoft.com/office/powerpoint/2010/main" val="888031019"/>
+        <p14:creationId xmlns:p14="http://schemas.microsoft.com/office/powerpoint/2010/main" xmlns="" val="888031019"/>
       </p:ext>
     </p:extLst>
   </p:cSld>
@@ -2697,8 +2742,8 @@
         </p:nvSpPr>
         <p:spPr>
           <a:xfrm>
-            <a:off x="841248" y="457200"/>
-            <a:ext cx="3931920" cy="1600197"/>
+            <a:off x="757126" y="457203"/>
+            <a:ext cx="3538728" cy="1600197"/>
           </a:xfrm>
         </p:spPr>
         <p:txBody>
@@ -2731,8 +2776,8 @@
         </p:nvSpPr>
         <p:spPr>
           <a:xfrm>
-            <a:off x="5181600" y="990600"/>
-            <a:ext cx="6172200" cy="4876800"/>
+            <a:off x="4663443" y="990601"/>
+            <a:ext cx="5554981" cy="4876800"/>
           </a:xfrm>
         </p:spPr>
         <p:txBody>
@@ -2816,8 +2861,8 @@
         </p:nvSpPr>
         <p:spPr>
           <a:xfrm>
-            <a:off x="841248" y="2057399"/>
-            <a:ext cx="3931920" cy="3810001"/>
+            <a:off x="757126" y="2057401"/>
+            <a:ext cx="3538728" cy="3810001"/>
           </a:xfrm>
         </p:spPr>
         <p:txBody>
@@ -2891,7 +2936,8 @@
           <a:p>
             <a:fld id="{756AAFA2-B768-4331-8908-0A786187BE22}" type="datetime1">
               <a:rPr lang="fr-FR" smtClean="0"/>
-              <a:t>17/05/2015</a:t>
+              <a:pPr/>
+              <a:t>18/05/2015</a:t>
             </a:fld>
             <a:endParaRPr lang="fr-FR"/>
           </a:p>
@@ -2937,7 +2983,8 @@
           <a:p>
             <a:fld id="{B5DB7FC2-8201-461D-A208-F496F60082A1}" type="slidenum">
               <a:rPr lang="fr-FR" smtClean="0"/>
-              <a:t>‹N°›</a:t>
+              <a:pPr/>
+              <a:t>‹#›</a:t>
             </a:fld>
             <a:endParaRPr lang="fr-FR"/>
           </a:p>
@@ -2946,7 +2993,7 @@
     </p:spTree>
     <p:extLst>
       <p:ext uri="{BB962C8B-B14F-4D97-AF65-F5344CB8AC3E}">
-        <p14:creationId xmlns:p14="http://schemas.microsoft.com/office/powerpoint/2010/main" val="3986717722"/>
+        <p14:creationId xmlns:p14="http://schemas.microsoft.com/office/powerpoint/2010/main" xmlns="" val="3986717722"/>
       </p:ext>
     </p:extLst>
   </p:cSld>
@@ -3065,7 +3112,8 @@
           <a:p>
             <a:fld id="{268F1621-CBF4-4FA4-BF10-093B5EAE683A}" type="datetime1">
               <a:rPr lang="fr-FR" smtClean="0"/>
-              <a:t>17/05/2015</a:t>
+              <a:pPr/>
+              <a:t>18/05/2015</a:t>
             </a:fld>
             <a:endParaRPr lang="fr-FR"/>
           </a:p>
@@ -3111,7 +3159,8 @@
           <a:p>
             <a:fld id="{B5DB7FC2-8201-461D-A208-F496F60082A1}" type="slidenum">
               <a:rPr lang="fr-FR" smtClean="0"/>
-              <a:t>‹N°›</a:t>
+              <a:pPr/>
+              <a:t>‹#›</a:t>
             </a:fld>
             <a:endParaRPr lang="fr-FR"/>
           </a:p>
@@ -3120,7 +3169,7 @@
     </p:spTree>
     <p:extLst>
       <p:ext uri="{BB962C8B-B14F-4D97-AF65-F5344CB8AC3E}">
-        <p14:creationId xmlns:p14="http://schemas.microsoft.com/office/powerpoint/2010/main" val="3017038234"/>
+        <p14:creationId xmlns:p14="http://schemas.microsoft.com/office/powerpoint/2010/main" xmlns="" val="3017038234"/>
       </p:ext>
     </p:extLst>
   </p:cSld>
@@ -3159,8 +3208,8 @@
         </p:nvSpPr>
         <p:spPr>
           <a:xfrm>
-            <a:off x="841248" y="457200"/>
-            <a:ext cx="3931920" cy="1600200"/>
+            <a:off x="757126" y="457200"/>
+            <a:ext cx="3538728" cy="1600200"/>
           </a:xfrm>
         </p:spPr>
         <p:txBody>
@@ -3193,8 +3242,8 @@
         </p:nvSpPr>
         <p:spPr>
           <a:xfrm>
-            <a:off x="5181600" y="990600"/>
-            <a:ext cx="6172200" cy="4876800"/>
+            <a:off x="4663443" y="990601"/>
+            <a:ext cx="5554981" cy="4876800"/>
           </a:xfrm>
         </p:spPr>
         <p:txBody>
@@ -3258,8 +3307,8 @@
         </p:nvSpPr>
         <p:spPr>
           <a:xfrm>
-            <a:off x="841248" y="2057400"/>
-            <a:ext cx="3931920" cy="3810000"/>
+            <a:off x="757126" y="2057400"/>
+            <a:ext cx="3538728" cy="3810000"/>
           </a:xfrm>
         </p:spPr>
         <p:txBody>
@@ -3333,7 +3382,8 @@
           <a:p>
             <a:fld id="{AB40CA35-3D82-4218-BD95-57B3A9D1988B}" type="datetime1">
               <a:rPr lang="fr-FR" smtClean="0"/>
-              <a:t>17/05/2015</a:t>
+              <a:pPr/>
+              <a:t>18/05/2015</a:t>
             </a:fld>
             <a:endParaRPr lang="fr-FR"/>
           </a:p>
@@ -3379,7 +3429,8 @@
           <a:p>
             <a:fld id="{B5DB7FC2-8201-461D-A208-F496F60082A1}" type="slidenum">
               <a:rPr lang="fr-FR" smtClean="0"/>
-              <a:t>‹N°›</a:t>
+              <a:pPr/>
+              <a:t>‹#›</a:t>
             </a:fld>
             <a:endParaRPr lang="fr-FR"/>
           </a:p>
@@ -3388,7 +3439,7 @@
     </p:spTree>
     <p:extLst>
       <p:ext uri="{BB962C8B-B14F-4D97-AF65-F5344CB8AC3E}">
-        <p14:creationId xmlns:p14="http://schemas.microsoft.com/office/powerpoint/2010/main" val="2987125535"/>
+        <p14:creationId xmlns:p14="http://schemas.microsoft.com/office/powerpoint/2010/main" xmlns="" val="2987125535"/>
       </p:ext>
     </p:extLst>
   </p:cSld>
@@ -3507,7 +3558,8 @@
           <a:p>
             <a:fld id="{F4ECFA76-2707-4AA9-8459-461468E06245}" type="datetime1">
               <a:rPr lang="fr-FR" smtClean="0"/>
-              <a:t>17/05/2015</a:t>
+              <a:pPr/>
+              <a:t>18/05/2015</a:t>
             </a:fld>
             <a:endParaRPr lang="fr-FR"/>
           </a:p>
@@ -3553,7 +3605,8 @@
           <a:p>
             <a:fld id="{B5DB7FC2-8201-461D-A208-F496F60082A1}" type="slidenum">
               <a:rPr lang="fr-FR" smtClean="0"/>
-              <a:t>‹N°›</a:t>
+              <a:pPr/>
+              <a:t>‹#›</a:t>
             </a:fld>
             <a:endParaRPr lang="fr-FR"/>
           </a:p>
@@ -3562,7 +3615,7 @@
     </p:spTree>
     <p:extLst>
       <p:ext uri="{BB962C8B-B14F-4D97-AF65-F5344CB8AC3E}">
-        <p14:creationId xmlns:p14="http://schemas.microsoft.com/office/powerpoint/2010/main" val="3576951841"/>
+        <p14:creationId xmlns:p14="http://schemas.microsoft.com/office/powerpoint/2010/main" xmlns="" val="3576951841"/>
       </p:ext>
     </p:extLst>
   </p:cSld>
@@ -3601,8 +3654,8 @@
         </p:nvSpPr>
         <p:spPr>
           <a:xfrm>
-            <a:off x="8724900" y="360362"/>
-            <a:ext cx="2628900" cy="5811838"/>
+            <a:off x="7852409" y="360363"/>
+            <a:ext cx="2366010" cy="5811838"/>
           </a:xfrm>
         </p:spPr>
         <p:txBody>
@@ -3629,8 +3682,8 @@
         </p:nvSpPr>
         <p:spPr>
           <a:xfrm>
-            <a:off x="838200" y="360362"/>
-            <a:ext cx="7734300" cy="5811837"/>
+            <a:off x="754379" y="360364"/>
+            <a:ext cx="6960870" cy="5811837"/>
           </a:xfrm>
         </p:spPr>
         <p:txBody>
@@ -3691,7 +3744,8 @@
           <a:p>
             <a:fld id="{9D06E3EC-3FE8-4958-AA97-DC7CF7CB6C2B}" type="datetime1">
               <a:rPr lang="fr-FR" smtClean="0"/>
-              <a:t>17/05/2015</a:t>
+              <a:pPr/>
+              <a:t>18/05/2015</a:t>
             </a:fld>
             <a:endParaRPr lang="fr-FR"/>
           </a:p>
@@ -3737,7 +3791,8 @@
           <a:p>
             <a:fld id="{B5DB7FC2-8201-461D-A208-F496F60082A1}" type="slidenum">
               <a:rPr lang="fr-FR" smtClean="0"/>
-              <a:t>‹N°›</a:t>
+              <a:pPr/>
+              <a:t>‹#›</a:t>
             </a:fld>
             <a:endParaRPr lang="fr-FR"/>
           </a:p>
@@ -3746,7 +3801,7 @@
     </p:spTree>
     <p:extLst>
       <p:ext uri="{BB962C8B-B14F-4D97-AF65-F5344CB8AC3E}">
-        <p14:creationId xmlns:p14="http://schemas.microsoft.com/office/powerpoint/2010/main" val="1530249455"/>
+        <p14:creationId xmlns:p14="http://schemas.microsoft.com/office/powerpoint/2010/main" xmlns="" val="1530249455"/>
       </p:ext>
     </p:extLst>
   </p:cSld>
@@ -3795,8 +3850,8 @@
         </p:nvSpPr>
         <p:spPr>
           <a:xfrm>
-            <a:off x="1261872" y="758952"/>
-            <a:ext cx="9418320" cy="4041648"/>
+            <a:off x="1135688" y="758952"/>
+            <a:ext cx="8476488" cy="4041648"/>
           </a:xfrm>
         </p:spPr>
         <p:txBody>
@@ -3836,8 +3891,8 @@
         </p:nvSpPr>
         <p:spPr>
           <a:xfrm>
-            <a:off x="1261872" y="4800600"/>
-            <a:ext cx="9418320" cy="1691640"/>
+            <a:off x="1135688" y="4800600"/>
+            <a:ext cx="8476488" cy="1691640"/>
           </a:xfrm>
         </p:spPr>
         <p:txBody>
@@ -3924,7 +3979,8 @@
           <a:p>
             <a:fld id="{CE2E17EB-E417-4382-990F-4706AC52CF63}" type="datetime1">
               <a:rPr lang="fr-FR" smtClean="0"/>
-              <a:t>17/05/2015</a:t>
+              <a:pPr/>
+              <a:t>18/05/2015</a:t>
             </a:fld>
             <a:endParaRPr lang="fr-FR"/>
           </a:p>
@@ -3990,7 +4046,8 @@
           <a:p>
             <a:fld id="{B5DB7FC2-8201-461D-A208-F496F60082A1}" type="slidenum">
               <a:rPr lang="fr-FR" smtClean="0"/>
-              <a:t>‹N°›</a:t>
+              <a:pPr/>
+              <a:t>‹#›</a:t>
             </a:fld>
             <a:endParaRPr lang="fr-FR"/>
           </a:p>
@@ -4004,8 +4061,8 @@
         </p:nvSpPr>
         <p:spPr>
           <a:xfrm>
-            <a:off x="0" y="0"/>
-            <a:ext cx="457200" cy="6858000"/>
+            <a:off x="3" y="0"/>
+            <a:ext cx="411480" cy="6858000"/>
           </a:xfrm>
           <a:prstGeom prst="rect">
             <a:avLst/>
@@ -4037,7 +4094,7 @@
     </p:spTree>
     <p:extLst>
       <p:ext uri="{BB962C8B-B14F-4D97-AF65-F5344CB8AC3E}">
-        <p14:creationId xmlns:p14="http://schemas.microsoft.com/office/powerpoint/2010/main" val="3007972771"/>
+        <p14:creationId xmlns:p14="http://schemas.microsoft.com/office/powerpoint/2010/main" xmlns="" val="3007972771"/>
       </p:ext>
     </p:extLst>
   </p:cSld>
@@ -4156,7 +4213,8 @@
           <a:p>
             <a:fld id="{687DCA45-82B6-4782-B45D-BD60240AB47C}" type="datetime1">
               <a:rPr lang="fr-FR" smtClean="0"/>
-              <a:t>17/05/2015</a:t>
+              <a:pPr/>
+              <a:t>18/05/2015</a:t>
             </a:fld>
             <a:endParaRPr lang="fr-FR"/>
           </a:p>
@@ -4202,7 +4260,8 @@
           <a:p>
             <a:fld id="{B5DB7FC2-8201-461D-A208-F496F60082A1}" type="slidenum">
               <a:rPr lang="fr-FR" smtClean="0"/>
-              <a:t>‹N°›</a:t>
+              <a:pPr/>
+              <a:t>‹#›</a:t>
             </a:fld>
             <a:endParaRPr lang="fr-FR"/>
           </a:p>
@@ -4211,7 +4270,7 @@
     </p:spTree>
     <p:extLst>
       <p:ext uri="{BB962C8B-B14F-4D97-AF65-F5344CB8AC3E}">
-        <p14:creationId xmlns:p14="http://schemas.microsoft.com/office/powerpoint/2010/main" val="1142910737"/>
+        <p14:creationId xmlns:p14="http://schemas.microsoft.com/office/powerpoint/2010/main" xmlns="" val="1142910737"/>
       </p:ext>
     </p:extLst>
   </p:cSld>
@@ -4250,8 +4309,8 @@
         </p:nvSpPr>
         <p:spPr>
           <a:xfrm>
-            <a:off x="1261872" y="758952"/>
-            <a:ext cx="9418320" cy="4041648"/>
+            <a:off x="1135688" y="758952"/>
+            <a:ext cx="8476488" cy="4041648"/>
           </a:xfrm>
         </p:spPr>
         <p:txBody>
@@ -4287,8 +4346,8 @@
         </p:nvSpPr>
         <p:spPr>
           <a:xfrm>
-            <a:off x="1261872" y="4800600"/>
-            <a:ext cx="9418320" cy="1691640"/>
+            <a:off x="1135688" y="4800600"/>
+            <a:ext cx="8476488" cy="1691640"/>
           </a:xfrm>
         </p:spPr>
         <p:txBody>
@@ -4414,7 +4473,8 @@
           <a:p>
             <a:fld id="{A5CB162B-B53E-487C-B13D-58F7E75CFC82}" type="datetime1">
               <a:rPr lang="fr-FR" smtClean="0"/>
-              <a:t>17/05/2015</a:t>
+              <a:pPr/>
+              <a:t>18/05/2015</a:t>
             </a:fld>
             <a:endParaRPr lang="fr-FR"/>
           </a:p>
@@ -4460,7 +4520,8 @@
           <a:p>
             <a:fld id="{B5DB7FC2-8201-461D-A208-F496F60082A1}" type="slidenum">
               <a:rPr lang="fr-FR" smtClean="0"/>
-              <a:t>‹N°›</a:t>
+              <a:pPr/>
+              <a:t>‹#›</a:t>
             </a:fld>
             <a:endParaRPr lang="fr-FR"/>
           </a:p>
@@ -4474,8 +4535,8 @@
         </p:nvSpPr>
         <p:spPr>
           <a:xfrm>
-            <a:off x="0" y="0"/>
-            <a:ext cx="457200" cy="6858000"/>
+            <a:off x="3" y="0"/>
+            <a:ext cx="411480" cy="6858000"/>
           </a:xfrm>
           <a:prstGeom prst="rect">
             <a:avLst/>
@@ -4507,7 +4568,7 @@
     </p:spTree>
     <p:extLst>
       <p:ext uri="{BB962C8B-B14F-4D97-AF65-F5344CB8AC3E}">
-        <p14:creationId xmlns:p14="http://schemas.microsoft.com/office/powerpoint/2010/main" val="419867722"/>
+        <p14:creationId xmlns:p14="http://schemas.microsoft.com/office/powerpoint/2010/main" xmlns="" val="419867722"/>
       </p:ext>
     </p:extLst>
   </p:cSld>
@@ -4569,8 +4630,8 @@
         </p:nvSpPr>
         <p:spPr>
           <a:xfrm>
-            <a:off x="1261872" y="1828800"/>
-            <a:ext cx="4480560" cy="4351337"/>
+            <a:off x="1135687" y="1828803"/>
+            <a:ext cx="4032504" cy="4351337"/>
           </a:xfrm>
         </p:spPr>
         <p:txBody>
@@ -4654,8 +4715,8 @@
         </p:nvSpPr>
         <p:spPr>
           <a:xfrm>
-            <a:off x="6126480" y="1828800"/>
-            <a:ext cx="4480560" cy="4351337"/>
+            <a:off x="5513835" y="1828803"/>
+            <a:ext cx="4032504" cy="4351337"/>
           </a:xfrm>
         </p:spPr>
         <p:txBody>
@@ -4744,7 +4805,8 @@
           <a:p>
             <a:fld id="{17843BF6-1A67-4258-BD89-C092B0B675D1}" type="datetime1">
               <a:rPr lang="fr-FR" smtClean="0"/>
-              <a:t>17/05/2015</a:t>
+              <a:pPr/>
+              <a:t>18/05/2015</a:t>
             </a:fld>
             <a:endParaRPr lang="fr-FR"/>
           </a:p>
@@ -4790,7 +4852,8 @@
           <a:p>
             <a:fld id="{B5DB7FC2-8201-461D-A208-F496F60082A1}" type="slidenum">
               <a:rPr lang="fr-FR" smtClean="0"/>
-              <a:t>‹N°›</a:t>
+              <a:pPr/>
+              <a:t>‹#›</a:t>
             </a:fld>
             <a:endParaRPr lang="fr-FR"/>
           </a:p>
@@ -4799,7 +4862,7 @@
     </p:spTree>
     <p:extLst>
       <p:ext uri="{BB962C8B-B14F-4D97-AF65-F5344CB8AC3E}">
-        <p14:creationId xmlns:p14="http://schemas.microsoft.com/office/powerpoint/2010/main" val="1350133318"/>
+        <p14:creationId xmlns:p14="http://schemas.microsoft.com/office/powerpoint/2010/main" xmlns="" val="1350133318"/>
       </p:ext>
     </p:extLst>
   </p:cSld>
@@ -4861,8 +4924,8 @@
         </p:nvSpPr>
         <p:spPr>
           <a:xfrm>
-            <a:off x="1261872" y="1713655"/>
-            <a:ext cx="4480560" cy="731520"/>
+            <a:off x="1135687" y="1713655"/>
+            <a:ext cx="4032504" cy="731520"/>
           </a:xfrm>
         </p:spPr>
         <p:txBody>
@@ -4935,8 +4998,8 @@
         </p:nvSpPr>
         <p:spPr>
           <a:xfrm>
-            <a:off x="1261872" y="2507550"/>
-            <a:ext cx="4480560" cy="3664650"/>
+            <a:off x="1135687" y="2507550"/>
+            <a:ext cx="4032504" cy="3664650"/>
           </a:xfrm>
         </p:spPr>
         <p:txBody>
@@ -5020,8 +5083,8 @@
         </p:nvSpPr>
         <p:spPr>
           <a:xfrm>
-            <a:off x="6126480" y="1713655"/>
-            <a:ext cx="4480560" cy="731520"/>
+            <a:off x="5513835" y="1713655"/>
+            <a:ext cx="4032504" cy="731520"/>
           </a:xfrm>
         </p:spPr>
         <p:txBody>
@@ -5109,8 +5172,8 @@
         </p:nvSpPr>
         <p:spPr>
           <a:xfrm>
-            <a:off x="6126480" y="2507550"/>
-            <a:ext cx="4480560" cy="3664650"/>
+            <a:off x="5513835" y="2507550"/>
+            <a:ext cx="4032504" cy="3664650"/>
           </a:xfrm>
         </p:spPr>
         <p:txBody>
@@ -5199,7 +5262,8 @@
           <a:p>
             <a:fld id="{532C5297-572D-4ADB-866E-3D0626B38515}" type="datetime1">
               <a:rPr lang="fr-FR" smtClean="0"/>
-              <a:t>17/05/2015</a:t>
+              <a:pPr/>
+              <a:t>18/05/2015</a:t>
             </a:fld>
             <a:endParaRPr lang="fr-FR"/>
           </a:p>
@@ -5245,7 +5309,8 @@
           <a:p>
             <a:fld id="{B5DB7FC2-8201-461D-A208-F496F60082A1}" type="slidenum">
               <a:rPr lang="fr-FR" smtClean="0"/>
-              <a:t>‹N°›</a:t>
+              <a:pPr/>
+              <a:t>‹#›</a:t>
             </a:fld>
             <a:endParaRPr lang="fr-FR"/>
           </a:p>
@@ -5254,7 +5319,7 @@
     </p:spTree>
     <p:extLst>
       <p:ext uri="{BB962C8B-B14F-4D97-AF65-F5344CB8AC3E}">
-        <p14:creationId xmlns:p14="http://schemas.microsoft.com/office/powerpoint/2010/main" val="485887885"/>
+        <p14:creationId xmlns:p14="http://schemas.microsoft.com/office/powerpoint/2010/main" xmlns="" val="485887885"/>
       </p:ext>
     </p:extLst>
   </p:cSld>
@@ -5321,7 +5386,8 @@
           <a:p>
             <a:fld id="{76700C63-53E3-4167-B14D-EA2C154B42C2}" type="datetime1">
               <a:rPr lang="fr-FR" smtClean="0"/>
-              <a:t>17/05/2015</a:t>
+              <a:pPr/>
+              <a:t>18/05/2015</a:t>
             </a:fld>
             <a:endParaRPr lang="fr-FR"/>
           </a:p>
@@ -5367,7 +5433,8 @@
           <a:p>
             <a:fld id="{B5DB7FC2-8201-461D-A208-F496F60082A1}" type="slidenum">
               <a:rPr lang="fr-FR" smtClean="0"/>
-              <a:t>‹N°›</a:t>
+              <a:pPr/>
+              <a:t>‹#›</a:t>
             </a:fld>
             <a:endParaRPr lang="fr-FR"/>
           </a:p>
@@ -5376,7 +5443,7 @@
     </p:spTree>
     <p:extLst>
       <p:ext uri="{BB962C8B-B14F-4D97-AF65-F5344CB8AC3E}">
-        <p14:creationId xmlns:p14="http://schemas.microsoft.com/office/powerpoint/2010/main" val="2200501134"/>
+        <p14:creationId xmlns:p14="http://schemas.microsoft.com/office/powerpoint/2010/main" xmlns="" val="2200501134"/>
       </p:ext>
     </p:extLst>
   </p:cSld>
@@ -5420,7 +5487,8 @@
           <a:p>
             <a:fld id="{0327F170-54A2-4022-BE05-37C44F5B746E}" type="datetime1">
               <a:rPr lang="fr-FR" smtClean="0"/>
-              <a:t>17/05/2015</a:t>
+              <a:pPr/>
+              <a:t>18/05/2015</a:t>
             </a:fld>
             <a:endParaRPr lang="fr-FR"/>
           </a:p>
@@ -5466,7 +5534,8 @@
           <a:p>
             <a:fld id="{B5DB7FC2-8201-461D-A208-F496F60082A1}" type="slidenum">
               <a:rPr lang="fr-FR" smtClean="0"/>
-              <a:t>‹N°›</a:t>
+              <a:pPr/>
+              <a:t>‹#›</a:t>
             </a:fld>
             <a:endParaRPr lang="fr-FR"/>
           </a:p>
@@ -5475,7 +5544,7 @@
     </p:spTree>
     <p:extLst>
       <p:ext uri="{BB962C8B-B14F-4D97-AF65-F5344CB8AC3E}">
-        <p14:creationId xmlns:p14="http://schemas.microsoft.com/office/powerpoint/2010/main" val="3962621089"/>
+        <p14:creationId xmlns:p14="http://schemas.microsoft.com/office/powerpoint/2010/main" xmlns="" val="3962621089"/>
       </p:ext>
     </p:extLst>
   </p:cSld>
@@ -5514,8 +5583,8 @@
         </p:nvSpPr>
         <p:spPr>
           <a:xfrm>
-            <a:off x="831850" y="1712423"/>
-            <a:ext cx="10515600" cy="2851208"/>
+            <a:off x="748668" y="1712424"/>
+            <a:ext cx="9464040" cy="2851208"/>
           </a:xfrm>
         </p:spPr>
         <p:txBody>
@@ -5548,8 +5617,8 @@
         </p:nvSpPr>
         <p:spPr>
           <a:xfrm>
-            <a:off x="831850" y="4552633"/>
-            <a:ext cx="10515600" cy="1500187"/>
+            <a:off x="748668" y="4552636"/>
+            <a:ext cx="9464040" cy="1500187"/>
           </a:xfrm>
         </p:spPr>
         <p:txBody>
@@ -5675,7 +5744,8 @@
           <a:p>
             <a:fld id="{A61EAD4D-EC7B-4D5D-B934-EA8095376497}" type="datetime1">
               <a:rPr lang="fr-FR" smtClean="0"/>
-              <a:t>17/05/2015</a:t>
+              <a:pPr/>
+              <a:t>18/05/2015</a:t>
             </a:fld>
             <a:endParaRPr lang="fr-FR"/>
           </a:p>
@@ -5721,7 +5791,8 @@
           <a:p>
             <a:fld id="{B5DB7FC2-8201-461D-A208-F496F60082A1}" type="slidenum">
               <a:rPr lang="fr-FR" smtClean="0"/>
-              <a:t>‹N°›</a:t>
+              <a:pPr/>
+              <a:t>‹#›</a:t>
             </a:fld>
             <a:endParaRPr lang="fr-FR"/>
           </a:p>
@@ -5730,7 +5801,7 @@
     </p:spTree>
     <p:extLst>
       <p:ext uri="{BB962C8B-B14F-4D97-AF65-F5344CB8AC3E}">
-        <p14:creationId xmlns:p14="http://schemas.microsoft.com/office/powerpoint/2010/main" val="3249730717"/>
+        <p14:creationId xmlns:p14="http://schemas.microsoft.com/office/powerpoint/2010/main" xmlns="" val="3249730717"/>
       </p:ext>
     </p:extLst>
   </p:cSld>
@@ -5769,8 +5840,8 @@
         </p:nvSpPr>
         <p:spPr>
           <a:xfrm>
-            <a:off x="841248" y="457200"/>
-            <a:ext cx="3200400" cy="1600197"/>
+            <a:off x="757126" y="457203"/>
+            <a:ext cx="2880360" cy="1600197"/>
           </a:xfrm>
         </p:spPr>
         <p:txBody>
@@ -5803,8 +5874,8 @@
         </p:nvSpPr>
         <p:spPr>
           <a:xfrm>
-            <a:off x="4504267" y="685800"/>
-            <a:ext cx="6079066" cy="5486400"/>
+            <a:off x="4053843" y="685800"/>
+            <a:ext cx="5471160" cy="5486400"/>
           </a:xfrm>
         </p:spPr>
         <p:txBody>
@@ -5888,8 +5959,8 @@
         </p:nvSpPr>
         <p:spPr>
           <a:xfrm>
-            <a:off x="841248" y="2099734"/>
-            <a:ext cx="3200400" cy="3810001"/>
+            <a:off x="757126" y="2099737"/>
+            <a:ext cx="2880360" cy="3810001"/>
           </a:xfrm>
         </p:spPr>
         <p:txBody>
@@ -5966,7 +6037,8 @@
           <a:p>
             <a:fld id="{7A27BA73-F355-46ED-A325-D03A12DE3E61}" type="datetime1">
               <a:rPr lang="fr-FR" smtClean="0"/>
-              <a:t>17/05/2015</a:t>
+              <a:pPr/>
+              <a:t>18/05/2015</a:t>
             </a:fld>
             <a:endParaRPr lang="fr-FR"/>
           </a:p>
@@ -6012,7 +6084,8 @@
           <a:p>
             <a:fld id="{B5DB7FC2-8201-461D-A208-F496F60082A1}" type="slidenum">
               <a:rPr lang="fr-FR" smtClean="0"/>
-              <a:t>‹N°›</a:t>
+              <a:pPr/>
+              <a:t>‹#›</a:t>
             </a:fld>
             <a:endParaRPr lang="fr-FR"/>
           </a:p>
@@ -6021,7 +6094,7 @@
     </p:spTree>
     <p:extLst>
       <p:ext uri="{BB962C8B-B14F-4D97-AF65-F5344CB8AC3E}">
-        <p14:creationId xmlns:p14="http://schemas.microsoft.com/office/powerpoint/2010/main" val="843950612"/>
+        <p14:creationId xmlns:p14="http://schemas.microsoft.com/office/powerpoint/2010/main" xmlns="" val="843950612"/>
       </p:ext>
     </p:extLst>
   </p:cSld>
@@ -6056,8 +6129,8 @@
         </p:nvSpPr>
         <p:spPr>
           <a:xfrm>
-            <a:off x="0" y="5105400"/>
-            <a:ext cx="11292840" cy="1752600"/>
+            <a:off x="3" y="5105400"/>
+            <a:ext cx="10163557" cy="1752600"/>
           </a:xfrm>
           <a:prstGeom prst="rect">
             <a:avLst/>
@@ -6098,8 +6171,8 @@
         </p:nvSpPr>
         <p:spPr>
           <a:xfrm>
-            <a:off x="914400" y="5257800"/>
-            <a:ext cx="9982200" cy="914400"/>
+            <a:off x="822960" y="5257800"/>
+            <a:ext cx="8983981" cy="914400"/>
           </a:xfrm>
         </p:spPr>
         <p:txBody>
@@ -6136,8 +6209,8 @@
         </p:nvSpPr>
         <p:spPr>
           <a:xfrm>
-            <a:off x="0" y="0"/>
-            <a:ext cx="11292840" cy="5128923"/>
+            <a:off x="3" y="3"/>
+            <a:ext cx="10163557" cy="5128923"/>
           </a:xfrm>
           <a:blipFill>
             <a:blip r:embed="rId2"/>
@@ -6211,8 +6284,8 @@
         </p:nvSpPr>
         <p:spPr>
           <a:xfrm>
-            <a:off x="914400" y="6108589"/>
-            <a:ext cx="9982200" cy="597011"/>
+            <a:off x="822960" y="6108592"/>
+            <a:ext cx="8983981" cy="597011"/>
           </a:xfrm>
         </p:spPr>
         <p:txBody>
@@ -6295,7 +6368,8 @@
           <a:p>
             <a:fld id="{EA71FDB2-CC37-4B28-941B-58688BA68067}" type="datetime1">
               <a:rPr lang="fr-FR" smtClean="0"/>
-              <a:t>17/05/2015</a:t>
+              <a:pPr/>
+              <a:t>18/05/2015</a:t>
             </a:fld>
             <a:endParaRPr lang="fr-FR"/>
           </a:p>
@@ -6341,7 +6415,8 @@
           <a:p>
             <a:fld id="{B5DB7FC2-8201-461D-A208-F496F60082A1}" type="slidenum">
               <a:rPr lang="fr-FR" smtClean="0"/>
-              <a:t>‹N°›</a:t>
+              <a:pPr/>
+              <a:t>‹#›</a:t>
             </a:fld>
             <a:endParaRPr lang="fr-FR"/>
           </a:p>
@@ -6350,7 +6425,7 @@
     </p:spTree>
     <p:extLst>
       <p:ext uri="{BB962C8B-B14F-4D97-AF65-F5344CB8AC3E}">
-        <p14:creationId xmlns:p14="http://schemas.microsoft.com/office/powerpoint/2010/main" val="4134603732"/>
+        <p14:creationId xmlns:p14="http://schemas.microsoft.com/office/powerpoint/2010/main" xmlns="" val="4134603732"/>
       </p:ext>
     </p:extLst>
   </p:cSld>
@@ -6469,7 +6544,8 @@
           <a:p>
             <a:fld id="{A8582D84-27DE-48FB-B5FA-A6147F93DF3A}" type="datetime1">
               <a:rPr lang="fr-FR" smtClean="0"/>
-              <a:t>17/05/2015</a:t>
+              <a:pPr/>
+              <a:t>18/05/2015</a:t>
             </a:fld>
             <a:endParaRPr lang="fr-FR"/>
           </a:p>
@@ -6515,7 +6591,8 @@
           <a:p>
             <a:fld id="{B5DB7FC2-8201-461D-A208-F496F60082A1}" type="slidenum">
               <a:rPr lang="fr-FR" smtClean="0"/>
-              <a:t>‹N°›</a:t>
+              <a:pPr/>
+              <a:t>‹#›</a:t>
             </a:fld>
             <a:endParaRPr lang="fr-FR"/>
           </a:p>
@@ -6524,7 +6601,7 @@
     </p:spTree>
     <p:extLst>
       <p:ext uri="{BB962C8B-B14F-4D97-AF65-F5344CB8AC3E}">
-        <p14:creationId xmlns:p14="http://schemas.microsoft.com/office/powerpoint/2010/main" val="320183795"/>
+        <p14:creationId xmlns:p14="http://schemas.microsoft.com/office/powerpoint/2010/main" xmlns="" val="320183795"/>
       </p:ext>
     </p:extLst>
   </p:cSld>
@@ -6563,8 +6640,8 @@
         </p:nvSpPr>
         <p:spPr>
           <a:xfrm>
-            <a:off x="8648700" y="381000"/>
-            <a:ext cx="2476500" cy="5897562"/>
+            <a:off x="7783831" y="381000"/>
+            <a:ext cx="2228850" cy="5897562"/>
           </a:xfrm>
         </p:spPr>
         <p:txBody>
@@ -6591,8 +6668,8 @@
         </p:nvSpPr>
         <p:spPr>
           <a:xfrm>
-            <a:off x="762000" y="381000"/>
-            <a:ext cx="7734300" cy="5897562"/>
+            <a:off x="685800" y="381000"/>
+            <a:ext cx="6960870" cy="5897562"/>
           </a:xfrm>
         </p:spPr>
         <p:txBody>
@@ -6653,7 +6730,8 @@
           <a:p>
             <a:fld id="{62921E51-7382-4F54-8A48-EABB84A2797D}" type="datetime1">
               <a:rPr lang="fr-FR" smtClean="0"/>
-              <a:t>17/05/2015</a:t>
+              <a:pPr/>
+              <a:t>18/05/2015</a:t>
             </a:fld>
             <a:endParaRPr lang="fr-FR"/>
           </a:p>
@@ -6699,7 +6777,8 @@
           <a:p>
             <a:fld id="{B5DB7FC2-8201-461D-A208-F496F60082A1}" type="slidenum">
               <a:rPr lang="fr-FR" smtClean="0"/>
-              <a:t>‹N°›</a:t>
+              <a:pPr/>
+              <a:t>‹#›</a:t>
             </a:fld>
             <a:endParaRPr lang="fr-FR"/>
           </a:p>
@@ -6708,7 +6787,7 @@
     </p:spTree>
     <p:extLst>
       <p:ext uri="{BB962C8B-B14F-4D97-AF65-F5344CB8AC3E}">
-        <p14:creationId xmlns:p14="http://schemas.microsoft.com/office/powerpoint/2010/main" val="248491581"/>
+        <p14:creationId xmlns:p14="http://schemas.microsoft.com/office/powerpoint/2010/main" xmlns="" val="248491581"/>
       </p:ext>
     </p:extLst>
   </p:cSld>
@@ -6770,8 +6849,8 @@
         </p:nvSpPr>
         <p:spPr>
           <a:xfrm>
-            <a:off x="845127" y="1828800"/>
-            <a:ext cx="5181600" cy="4351337"/>
+            <a:off x="760614" y="1828803"/>
+            <a:ext cx="4663440" cy="4351337"/>
           </a:xfrm>
         </p:spPr>
         <p:txBody>
@@ -6827,8 +6906,8 @@
         </p:nvSpPr>
         <p:spPr>
           <a:xfrm>
-            <a:off x="6172200" y="1828800"/>
-            <a:ext cx="5181600" cy="4351337"/>
+            <a:off x="5554981" y="1828803"/>
+            <a:ext cx="4663440" cy="4351337"/>
           </a:xfrm>
         </p:spPr>
         <p:txBody>
@@ -6889,7 +6968,8 @@
           <a:p>
             <a:fld id="{96203B68-2705-4F96-B5B5-C0825E405CCF}" type="datetime1">
               <a:rPr lang="fr-FR" smtClean="0"/>
-              <a:t>17/05/2015</a:t>
+              <a:pPr/>
+              <a:t>18/05/2015</a:t>
             </a:fld>
             <a:endParaRPr lang="fr-FR"/>
           </a:p>
@@ -6935,7 +7015,8 @@
           <a:p>
             <a:fld id="{B5DB7FC2-8201-461D-A208-F496F60082A1}" type="slidenum">
               <a:rPr lang="fr-FR" smtClean="0"/>
-              <a:t>‹N°›</a:t>
+              <a:pPr/>
+              <a:t>‹#›</a:t>
             </a:fld>
             <a:endParaRPr lang="fr-FR"/>
           </a:p>
@@ -6944,7 +7025,7 @@
     </p:spTree>
     <p:extLst>
       <p:ext uri="{BB962C8B-B14F-4D97-AF65-F5344CB8AC3E}">
-        <p14:creationId xmlns:p14="http://schemas.microsoft.com/office/powerpoint/2010/main" val="3074940977"/>
+        <p14:creationId xmlns:p14="http://schemas.microsoft.com/office/powerpoint/2010/main" xmlns="" val="3074940977"/>
       </p:ext>
     </p:extLst>
   </p:cSld>
@@ -6983,8 +7064,8 @@
         </p:nvSpPr>
         <p:spPr>
           <a:xfrm>
-            <a:off x="845127" y="1681850"/>
-            <a:ext cx="5156200" cy="825699"/>
+            <a:off x="760617" y="1681852"/>
+            <a:ext cx="4640581" cy="825699"/>
           </a:xfrm>
         </p:spPr>
         <p:txBody>
@@ -7053,8 +7134,8 @@
         </p:nvSpPr>
         <p:spPr>
           <a:xfrm>
-            <a:off x="845127" y="2507550"/>
-            <a:ext cx="5156200" cy="3680525"/>
+            <a:off x="760617" y="2507552"/>
+            <a:ext cx="4640581" cy="3680525"/>
           </a:xfrm>
         </p:spPr>
         <p:txBody>
@@ -7110,8 +7191,8 @@
         </p:nvSpPr>
         <p:spPr>
           <a:xfrm>
-            <a:off x="6172200" y="1681851"/>
-            <a:ext cx="5181601" cy="825698"/>
+            <a:off x="5554983" y="1681852"/>
+            <a:ext cx="4663442" cy="825698"/>
           </a:xfrm>
         </p:spPr>
         <p:txBody>
@@ -7178,8 +7259,8 @@
         </p:nvSpPr>
         <p:spPr>
           <a:xfrm>
-            <a:off x="6172200" y="2507550"/>
-            <a:ext cx="5181601" cy="3680525"/>
+            <a:off x="5554983" y="2507552"/>
+            <a:ext cx="4663442" cy="3680525"/>
           </a:xfrm>
         </p:spPr>
         <p:txBody>
@@ -7240,7 +7321,8 @@
           <a:p>
             <a:fld id="{61730BB1-833C-412B-815F-6126B60AC8FD}" type="datetime1">
               <a:rPr lang="fr-FR" smtClean="0"/>
-              <a:t>17/05/2015</a:t>
+              <a:pPr/>
+              <a:t>18/05/2015</a:t>
             </a:fld>
             <a:endParaRPr lang="fr-FR"/>
           </a:p>
@@ -7286,7 +7368,8 @@
           <a:p>
             <a:fld id="{B5DB7FC2-8201-461D-A208-F496F60082A1}" type="slidenum">
               <a:rPr lang="fr-FR" smtClean="0"/>
-              <a:t>‹N°›</a:t>
+              <a:pPr/>
+              <a:t>‹#›</a:t>
             </a:fld>
             <a:endParaRPr lang="fr-FR"/>
           </a:p>
@@ -7318,7 +7401,7 @@
     </p:spTree>
     <p:extLst>
       <p:ext uri="{BB962C8B-B14F-4D97-AF65-F5344CB8AC3E}">
-        <p14:creationId xmlns:p14="http://schemas.microsoft.com/office/powerpoint/2010/main" val="2473978060"/>
+        <p14:creationId xmlns:p14="http://schemas.microsoft.com/office/powerpoint/2010/main" xmlns="" val="2473978060"/>
       </p:ext>
     </p:extLst>
   </p:cSld>
@@ -7362,7 +7445,8 @@
           <a:p>
             <a:fld id="{B6131996-CFFF-47BA-95C7-442C4C904B2B}" type="datetime1">
               <a:rPr lang="fr-FR" smtClean="0"/>
-              <a:t>17/05/2015</a:t>
+              <a:pPr/>
+              <a:t>18/05/2015</a:t>
             </a:fld>
             <a:endParaRPr lang="fr-FR"/>
           </a:p>
@@ -7408,7 +7492,8 @@
           <a:p>
             <a:fld id="{B5DB7FC2-8201-461D-A208-F496F60082A1}" type="slidenum">
               <a:rPr lang="fr-FR" smtClean="0"/>
-              <a:t>‹N°›</a:t>
+              <a:pPr/>
+              <a:t>‹#›</a:t>
             </a:fld>
             <a:endParaRPr lang="fr-FR"/>
           </a:p>
@@ -7440,7 +7525,7 @@
     </p:spTree>
     <p:extLst>
       <p:ext uri="{BB962C8B-B14F-4D97-AF65-F5344CB8AC3E}">
-        <p14:creationId xmlns:p14="http://schemas.microsoft.com/office/powerpoint/2010/main" val="1210513935"/>
+        <p14:creationId xmlns:p14="http://schemas.microsoft.com/office/powerpoint/2010/main" xmlns="" val="1210513935"/>
       </p:ext>
     </p:extLst>
   </p:cSld>
@@ -7484,7 +7569,8 @@
           <a:p>
             <a:fld id="{DE082062-62A5-48ED-B3A2-68FF180A77EF}" type="datetime1">
               <a:rPr lang="fr-FR" smtClean="0"/>
-              <a:t>17/05/2015</a:t>
+              <a:pPr/>
+              <a:t>18/05/2015</a:t>
             </a:fld>
             <a:endParaRPr lang="fr-FR"/>
           </a:p>
@@ -7530,7 +7616,8 @@
           <a:p>
             <a:fld id="{B5DB7FC2-8201-461D-A208-F496F60082A1}" type="slidenum">
               <a:rPr lang="fr-FR" smtClean="0"/>
-              <a:t>‹N°›</a:t>
+              <a:pPr/>
+              <a:t>‹#›</a:t>
             </a:fld>
             <a:endParaRPr lang="fr-FR"/>
           </a:p>
@@ -7539,7 +7626,7 @@
     </p:spTree>
     <p:extLst>
       <p:ext uri="{BB962C8B-B14F-4D97-AF65-F5344CB8AC3E}">
-        <p14:creationId xmlns:p14="http://schemas.microsoft.com/office/powerpoint/2010/main" val="2283602423"/>
+        <p14:creationId xmlns:p14="http://schemas.microsoft.com/office/powerpoint/2010/main" xmlns="" val="2283602423"/>
       </p:ext>
     </p:extLst>
   </p:cSld>
@@ -7578,8 +7665,8 @@
         </p:nvSpPr>
         <p:spPr>
           <a:xfrm>
-            <a:off x="841248" y="457200"/>
-            <a:ext cx="3931920" cy="1600197"/>
+            <a:off x="757126" y="457203"/>
+            <a:ext cx="3538728" cy="1600197"/>
           </a:xfrm>
         </p:spPr>
         <p:txBody>
@@ -7612,8 +7699,8 @@
         </p:nvSpPr>
         <p:spPr>
           <a:xfrm>
-            <a:off x="5181600" y="990600"/>
-            <a:ext cx="6172200" cy="4876800"/>
+            <a:off x="4663443" y="990601"/>
+            <a:ext cx="5554981" cy="4876800"/>
           </a:xfrm>
         </p:spPr>
         <p:txBody>
@@ -7697,8 +7784,8 @@
         </p:nvSpPr>
         <p:spPr>
           <a:xfrm>
-            <a:off x="841248" y="2057399"/>
-            <a:ext cx="3931920" cy="3810001"/>
+            <a:off x="757126" y="2057401"/>
+            <a:ext cx="3538728" cy="3810001"/>
           </a:xfrm>
         </p:spPr>
         <p:txBody>
@@ -7772,7 +7859,8 @@
           <a:p>
             <a:fld id="{D3872143-DD97-4CC0-BD56-106ED8B354E4}" type="datetime1">
               <a:rPr lang="fr-FR" smtClean="0"/>
-              <a:t>17/05/2015</a:t>
+              <a:pPr/>
+              <a:t>18/05/2015</a:t>
             </a:fld>
             <a:endParaRPr lang="fr-FR"/>
           </a:p>
@@ -7818,7 +7906,8 @@
           <a:p>
             <a:fld id="{B5DB7FC2-8201-461D-A208-F496F60082A1}" type="slidenum">
               <a:rPr lang="fr-FR" smtClean="0"/>
-              <a:t>‹N°›</a:t>
+              <a:pPr/>
+              <a:t>‹#›</a:t>
             </a:fld>
             <a:endParaRPr lang="fr-FR"/>
           </a:p>
@@ -7827,7 +7916,7 @@
     </p:spTree>
     <p:extLst>
       <p:ext uri="{BB962C8B-B14F-4D97-AF65-F5344CB8AC3E}">
-        <p14:creationId xmlns:p14="http://schemas.microsoft.com/office/powerpoint/2010/main" val="1939743812"/>
+        <p14:creationId xmlns:p14="http://schemas.microsoft.com/office/powerpoint/2010/main" xmlns="" val="1939743812"/>
       </p:ext>
     </p:extLst>
   </p:cSld>
@@ -7866,8 +7955,8 @@
         </p:nvSpPr>
         <p:spPr>
           <a:xfrm>
-            <a:off x="841248" y="457200"/>
-            <a:ext cx="3931920" cy="1600200"/>
+            <a:off x="757126" y="457200"/>
+            <a:ext cx="3538728" cy="1600200"/>
           </a:xfrm>
         </p:spPr>
         <p:txBody>
@@ -7900,8 +7989,8 @@
         </p:nvSpPr>
         <p:spPr>
           <a:xfrm>
-            <a:off x="5181600" y="990600"/>
-            <a:ext cx="6172200" cy="4876800"/>
+            <a:off x="4663443" y="990601"/>
+            <a:ext cx="5554981" cy="4876800"/>
           </a:xfrm>
         </p:spPr>
         <p:txBody>
@@ -7965,8 +8054,8 @@
         </p:nvSpPr>
         <p:spPr>
           <a:xfrm>
-            <a:off x="841248" y="2057400"/>
-            <a:ext cx="3931920" cy="3810000"/>
+            <a:off x="757126" y="2057400"/>
+            <a:ext cx="3538728" cy="3810000"/>
           </a:xfrm>
         </p:spPr>
         <p:txBody>
@@ -8040,7 +8129,8 @@
           <a:p>
             <a:fld id="{3D68BFC0-B1C2-4189-867F-7650FA50779E}" type="datetime1">
               <a:rPr lang="fr-FR" smtClean="0"/>
-              <a:t>17/05/2015</a:t>
+              <a:pPr/>
+              <a:t>18/05/2015</a:t>
             </a:fld>
             <a:endParaRPr lang="fr-FR"/>
           </a:p>
@@ -8086,7 +8176,8 @@
           <a:p>
             <a:fld id="{B5DB7FC2-8201-461D-A208-F496F60082A1}" type="slidenum">
               <a:rPr lang="fr-FR" smtClean="0"/>
-              <a:t>‹N°›</a:t>
+              <a:pPr/>
+              <a:t>‹#›</a:t>
             </a:fld>
             <a:endParaRPr lang="fr-FR"/>
           </a:p>
@@ -8095,7 +8186,7 @@
     </p:spTree>
     <p:extLst>
       <p:ext uri="{BB962C8B-B14F-4D97-AF65-F5344CB8AC3E}">
-        <p14:creationId xmlns:p14="http://schemas.microsoft.com/office/powerpoint/2010/main" val="2970017407"/>
+        <p14:creationId xmlns:p14="http://schemas.microsoft.com/office/powerpoint/2010/main" xmlns="" val="2970017407"/>
       </p:ext>
     </p:extLst>
   </p:cSld>
@@ -8139,8 +8230,8 @@
         </p:nvSpPr>
         <p:spPr>
           <a:xfrm>
-            <a:off x="845127" y="365760"/>
-            <a:ext cx="10515600" cy="1325562"/>
+            <a:off x="760617" y="365760"/>
+            <a:ext cx="9464040" cy="1325562"/>
           </a:xfrm>
           <a:prstGeom prst="rect">
             <a:avLst/>
@@ -8172,8 +8263,8 @@
         </p:nvSpPr>
         <p:spPr>
           <a:xfrm>
-            <a:off x="845127" y="1828800"/>
-            <a:ext cx="10515600" cy="4351337"/>
+            <a:off x="760617" y="1828803"/>
+            <a:ext cx="9464040" cy="4351337"/>
           </a:xfrm>
           <a:prstGeom prst="rect">
             <a:avLst/>
@@ -8234,8 +8325,8 @@
         </p:nvSpPr>
         <p:spPr>
           <a:xfrm>
-            <a:off x="838200" y="6356350"/>
-            <a:ext cx="2743200" cy="365125"/>
+            <a:off x="754381" y="6356353"/>
+            <a:ext cx="2468880" cy="365125"/>
           </a:xfrm>
           <a:prstGeom prst="rect">
             <a:avLst/>
@@ -8258,7 +8349,8 @@
           <a:p>
             <a:fld id="{32BE45BF-DA93-4601-BDAB-E019DD10F22F}" type="datetime1">
               <a:rPr lang="fr-FR" smtClean="0"/>
-              <a:t>17/05/2015</a:t>
+              <a:pPr/>
+              <a:t>18/05/2015</a:t>
             </a:fld>
             <a:endParaRPr lang="fr-FR"/>
           </a:p>
@@ -8276,8 +8368,8 @@
         </p:nvSpPr>
         <p:spPr>
           <a:xfrm>
-            <a:off x="4038600" y="6356350"/>
-            <a:ext cx="4114800" cy="365125"/>
+            <a:off x="3634744" y="6356353"/>
+            <a:ext cx="3703320" cy="365125"/>
           </a:xfrm>
           <a:prstGeom prst="rect">
             <a:avLst/>
@@ -8318,8 +8410,8 @@
         </p:nvSpPr>
         <p:spPr>
           <a:xfrm>
-            <a:off x="8617527" y="6356350"/>
-            <a:ext cx="2743200" cy="365125"/>
+            <a:off x="7755774" y="6356353"/>
+            <a:ext cx="2468880" cy="365125"/>
           </a:xfrm>
           <a:prstGeom prst="rect">
             <a:avLst/>
@@ -8341,7 +8433,8 @@
           <a:p>
             <a:fld id="{B5DB7FC2-8201-461D-A208-F496F60082A1}" type="slidenum">
               <a:rPr lang="fr-FR" smtClean="0"/>
-              <a:t>‹N°›</a:t>
+              <a:pPr/>
+              <a:t>‹#›</a:t>
             </a:fld>
             <a:endParaRPr lang="fr-FR"/>
           </a:p>
@@ -8350,7 +8443,7 @@
     </p:spTree>
     <p:extLst>
       <p:ext uri="{BB962C8B-B14F-4D97-AF65-F5344CB8AC3E}">
-        <p14:creationId xmlns:p14="http://schemas.microsoft.com/office/powerpoint/2010/main" val="4051418006"/>
+        <p14:creationId xmlns:p14="http://schemas.microsoft.com/office/powerpoint/2010/main" xmlns="" val="4051418006"/>
       </p:ext>
     </p:extLst>
   </p:cSld>
@@ -8674,8 +8767,8 @@
         </p:nvSpPr>
         <p:spPr>
           <a:xfrm>
-            <a:off x="845127" y="365760"/>
-            <a:ext cx="10515600" cy="1325562"/>
+            <a:off x="760617" y="365760"/>
+            <a:ext cx="9464040" cy="1325562"/>
           </a:xfrm>
           <a:prstGeom prst="rect">
             <a:avLst/>
@@ -8707,8 +8800,8 @@
         </p:nvSpPr>
         <p:spPr>
           <a:xfrm>
-            <a:off x="845127" y="1828800"/>
-            <a:ext cx="10515600" cy="4351337"/>
+            <a:off x="760617" y="1828803"/>
+            <a:ext cx="9464040" cy="4351337"/>
           </a:xfrm>
           <a:prstGeom prst="rect">
             <a:avLst/>
@@ -8769,8 +8862,8 @@
         </p:nvSpPr>
         <p:spPr>
           <a:xfrm>
-            <a:off x="838200" y="6356350"/>
-            <a:ext cx="2743200" cy="365125"/>
+            <a:off x="754381" y="6356353"/>
+            <a:ext cx="2468880" cy="365125"/>
           </a:xfrm>
           <a:prstGeom prst="rect">
             <a:avLst/>
@@ -8793,7 +8886,8 @@
           <a:p>
             <a:fld id="{BF2152C9-6010-4A59-8917-137323F6F8D5}" type="datetime1">
               <a:rPr lang="fr-FR" smtClean="0"/>
-              <a:t>17/05/2015</a:t>
+              <a:pPr/>
+              <a:t>18/05/2015</a:t>
             </a:fld>
             <a:endParaRPr lang="fr-FR"/>
           </a:p>
@@ -8811,8 +8905,8 @@
         </p:nvSpPr>
         <p:spPr>
           <a:xfrm>
-            <a:off x="4038600" y="6356350"/>
-            <a:ext cx="4114800" cy="365125"/>
+            <a:off x="3634744" y="6356353"/>
+            <a:ext cx="3703320" cy="365125"/>
           </a:xfrm>
           <a:prstGeom prst="rect">
             <a:avLst/>
@@ -8853,8 +8947,8 @@
         </p:nvSpPr>
         <p:spPr>
           <a:xfrm>
-            <a:off x="8617527" y="6356350"/>
-            <a:ext cx="2743200" cy="365125"/>
+            <a:off x="7755774" y="6356353"/>
+            <a:ext cx="2468880" cy="365125"/>
           </a:xfrm>
           <a:prstGeom prst="rect">
             <a:avLst/>
@@ -8876,7 +8970,8 @@
           <a:p>
             <a:fld id="{B5DB7FC2-8201-461D-A208-F496F60082A1}" type="slidenum">
               <a:rPr lang="fr-FR" smtClean="0"/>
-              <a:t>‹N°›</a:t>
+              <a:pPr/>
+              <a:t>‹#›</a:t>
             </a:fld>
             <a:endParaRPr lang="fr-FR"/>
           </a:p>
@@ -8885,7 +8980,7 @@
     </p:spTree>
     <p:extLst>
       <p:ext uri="{BB962C8B-B14F-4D97-AF65-F5344CB8AC3E}">
-        <p14:creationId xmlns:p14="http://schemas.microsoft.com/office/powerpoint/2010/main" val="4249800670"/>
+        <p14:creationId xmlns:p14="http://schemas.microsoft.com/office/powerpoint/2010/main" xmlns="" val="4249800670"/>
       </p:ext>
     </p:extLst>
   </p:cSld>
@@ -9205,8 +9300,8 @@
         </p:nvSpPr>
         <p:spPr>
           <a:xfrm>
-            <a:off x="11292840" y="0"/>
-            <a:ext cx="914400" cy="6858000"/>
+            <a:off x="10163557" y="0"/>
+            <a:ext cx="822960" cy="6858000"/>
           </a:xfrm>
           <a:prstGeom prst="rect">
             <a:avLst/>
@@ -9249,8 +9344,8 @@
         </p:nvSpPr>
         <p:spPr>
           <a:xfrm>
-            <a:off x="1261872" y="365760"/>
-            <a:ext cx="9692640" cy="1325562"/>
+            <a:off x="1135685" y="365760"/>
+            <a:ext cx="8723376" cy="1325562"/>
           </a:xfrm>
           <a:prstGeom prst="rect">
             <a:avLst/>
@@ -9282,8 +9377,8 @@
         </p:nvSpPr>
         <p:spPr>
           <a:xfrm>
-            <a:off x="1261872" y="1828800"/>
-            <a:ext cx="8595360" cy="4351337"/>
+            <a:off x="1135685" y="1828803"/>
+            <a:ext cx="7735824" cy="4351337"/>
           </a:xfrm>
           <a:prstGeom prst="rect">
             <a:avLst/>
@@ -9344,8 +9439,8 @@
         </p:nvSpPr>
         <p:spPr>
           <a:xfrm rot="16200000">
-            <a:off x="10797542" y="998537"/>
-            <a:ext cx="1904999" cy="365125"/>
+            <a:off x="9622541" y="1016796"/>
+            <a:ext cx="1904999" cy="328613"/>
           </a:xfrm>
           <a:prstGeom prst="rect">
             <a:avLst/>
@@ -9368,7 +9463,8 @@
           <a:p>
             <a:fld id="{91FF71E5-60E8-4FF2-A44B-8C0C706ADE35}" type="datetime1">
               <a:rPr lang="fr-FR" smtClean="0"/>
-              <a:t>17/05/2015</a:t>
+              <a:pPr/>
+              <a:t>18/05/2015</a:t>
             </a:fld>
             <a:endParaRPr lang="fr-FR"/>
           </a:p>
@@ -9386,8 +9482,8 @@
         </p:nvSpPr>
         <p:spPr>
           <a:xfrm rot="16200000">
-            <a:off x="9959341" y="4046537"/>
-            <a:ext cx="3581400" cy="365125"/>
+            <a:off x="8784339" y="4064796"/>
+            <a:ext cx="3581400" cy="328613"/>
           </a:xfrm>
           <a:prstGeom prst="rect">
             <a:avLst/>
@@ -9428,8 +9524,8 @@
         </p:nvSpPr>
         <p:spPr>
           <a:xfrm>
-            <a:off x="11292840" y="6172200"/>
-            <a:ext cx="914400" cy="593725"/>
+            <a:off x="10163557" y="6172203"/>
+            <a:ext cx="822960" cy="593725"/>
           </a:xfrm>
           <a:prstGeom prst="rect">
             <a:avLst/>
@@ -9454,7 +9550,8 @@
           <a:p>
             <a:fld id="{B5DB7FC2-8201-461D-A208-F496F60082A1}" type="slidenum">
               <a:rPr lang="fr-FR" smtClean="0"/>
-              <a:t>‹N°›</a:t>
+              <a:pPr/>
+              <a:t>‹#›</a:t>
             </a:fld>
             <a:endParaRPr lang="fr-FR"/>
           </a:p>
@@ -9463,7 +9560,7 @@
     </p:spTree>
     <p:extLst>
       <p:ext uri="{BB962C8B-B14F-4D97-AF65-F5344CB8AC3E}">
-        <p14:creationId xmlns:p14="http://schemas.microsoft.com/office/powerpoint/2010/main" val="700923303"/>
+        <p14:creationId xmlns:p14="http://schemas.microsoft.com/office/powerpoint/2010/main" xmlns="" val="700923303"/>
       </p:ext>
     </p:extLst>
   </p:cSld>
@@ -9914,7 +10011,2252 @@
     </p:spTree>
     <p:extLst>
       <p:ext uri="{BB962C8B-B14F-4D97-AF65-F5344CB8AC3E}">
-        <p14:creationId xmlns:p14="http://schemas.microsoft.com/office/powerpoint/2010/main" val="962487894"/>
+        <p14:creationId xmlns:p14="http://schemas.microsoft.com/office/powerpoint/2010/main" xmlns="" val="962487894"/>
+      </p:ext>
+    </p:extLst>
+  </p:cSld>
+  <p:clrMapOvr>
+    <a:masterClrMapping/>
+  </p:clrMapOvr>
+</p:sld>
+</file>
+
+<file path=ppt/slides/slide10.xml><?xml version="1.0" encoding="utf-8"?>
+<p:sld xmlns:a="http://schemas.openxmlformats.org/drawingml/2006/main" xmlns:r="http://schemas.openxmlformats.org/officeDocument/2006/relationships" xmlns:p="http://schemas.openxmlformats.org/presentationml/2006/main">
+  <p:cSld>
+    <p:spTree>
+      <p:nvGrpSpPr>
+        <p:cNvPr id="1" name=""/>
+        <p:cNvGrpSpPr/>
+        <p:nvPr/>
+      </p:nvGrpSpPr>
+      <p:grpSpPr>
+        <a:xfrm>
+          <a:off x="0" y="0"/>
+          <a:ext cx="0" cy="0"/>
+          <a:chOff x="0" y="0"/>
+          <a:chExt cx="0" cy="0"/>
+        </a:xfrm>
+      </p:grpSpPr>
+      <p:sp>
+        <p:nvSpPr>
+          <p:cNvPr id="2" name="Titre 1"/>
+          <p:cNvSpPr>
+            <a:spLocks noGrp="1"/>
+          </p:cNvSpPr>
+          <p:nvPr>
+            <p:ph type="ctrTitle"/>
+          </p:nvPr>
+        </p:nvSpPr>
+        <p:spPr>
+          <a:xfrm>
+            <a:off x="228600" y="279400"/>
+            <a:ext cx="7823200" cy="749300"/>
+          </a:xfrm>
+        </p:spPr>
+        <p:txBody>
+          <a:bodyPr>
+            <a:noAutofit/>
+          </a:bodyPr>
+          <a:lstStyle/>
+          <a:p>
+            <a:r>
+              <a:rPr lang="en-US" sz="3200" dirty="0" smtClean="0"/>
+              <a:t>Goal 2 : Advanced Motion of Mobile Base</a:t>
+            </a:r>
+            <a:endParaRPr lang="fr-FR" sz="3200" dirty="0"/>
+          </a:p>
+        </p:txBody>
+      </p:sp>
+      <p:sp>
+        <p:nvSpPr>
+          <p:cNvPr id="5" name="Rectangle 4"/>
+          <p:cNvSpPr/>
+          <p:nvPr/>
+        </p:nvSpPr>
+        <p:spPr>
+          <a:xfrm>
+            <a:off x="582932" y="995742"/>
+            <a:ext cx="5463541" cy="5109091"/>
+          </a:xfrm>
+          <a:prstGeom prst="rect">
+            <a:avLst/>
+          </a:prstGeom>
+        </p:spPr>
+        <p:txBody>
+          <a:bodyPr wrap="square">
+            <a:spAutoFit/>
+          </a:bodyPr>
+          <a:lstStyle/>
+          <a:p>
+            <a:r>
+              <a:rPr lang="en-US" sz="1400" b="1" u="sng" dirty="0" smtClean="0"/>
+              <a:t>Algorithm 2: ODOMETRY based out and </a:t>
+            </a:r>
+            <a:r>
+              <a:rPr lang="en-US" sz="1400" b="1" u="sng" dirty="0" smtClean="0"/>
+              <a:t>back (</a:t>
+            </a:r>
+            <a:r>
+              <a:rPr lang="en-US" sz="1400" dirty="0" smtClean="0"/>
+              <a:t>odom_out_and_back.py)</a:t>
+            </a:r>
+            <a:endParaRPr lang="en-US" sz="1400" b="1" u="sng" dirty="0" smtClean="0"/>
+          </a:p>
+          <a:p>
+            <a:r>
+              <a:rPr lang="en-US" sz="1200" dirty="0" smtClean="0"/>
+              <a:t>rate = 50</a:t>
+            </a:r>
+          </a:p>
+          <a:p>
+            <a:r>
+              <a:rPr lang="en-US" sz="1200" dirty="0" err="1" smtClean="0"/>
+              <a:t>goal_distance</a:t>
+            </a:r>
+            <a:r>
+              <a:rPr lang="en-US" sz="1200" dirty="0" smtClean="0"/>
+              <a:t> = 1.0 m</a:t>
+            </a:r>
+          </a:p>
+          <a:p>
+            <a:r>
+              <a:rPr lang="en-US" sz="1200" dirty="0" err="1" smtClean="0"/>
+              <a:t>linear_speed</a:t>
+            </a:r>
+            <a:r>
+              <a:rPr lang="en-US" sz="1200" dirty="0" smtClean="0"/>
+              <a:t> = 0.2m/s</a:t>
+            </a:r>
+          </a:p>
+          <a:p>
+            <a:r>
+              <a:rPr lang="en-US" sz="1200" dirty="0" err="1" smtClean="0"/>
+              <a:t>linear_duration</a:t>
+            </a:r>
+            <a:r>
+              <a:rPr lang="en-US" sz="1200" dirty="0" smtClean="0"/>
+              <a:t> = </a:t>
+            </a:r>
+            <a:r>
+              <a:rPr lang="en-US" sz="1200" dirty="0" err="1" smtClean="0"/>
+              <a:t>goal_distance</a:t>
+            </a:r>
+            <a:r>
+              <a:rPr lang="en-US" sz="1200" dirty="0" smtClean="0"/>
+              <a:t> / </a:t>
+            </a:r>
+            <a:r>
+              <a:rPr lang="en-US" sz="1200" dirty="0" err="1" smtClean="0"/>
+              <a:t>linear_speed</a:t>
+            </a:r>
+            <a:r>
+              <a:rPr lang="en-US" sz="1200" dirty="0" smtClean="0"/>
+              <a:t>;</a:t>
+            </a:r>
+          </a:p>
+          <a:p>
+            <a:r>
+              <a:rPr lang="en-US" sz="1200" dirty="0" err="1" smtClean="0"/>
+              <a:t>angular_speed</a:t>
+            </a:r>
+            <a:r>
+              <a:rPr lang="en-US" sz="1200" dirty="0" smtClean="0"/>
+              <a:t> = 1.0</a:t>
+            </a:r>
+          </a:p>
+          <a:p>
+            <a:r>
+              <a:rPr lang="en-US" sz="1200" dirty="0" err="1" smtClean="0"/>
+              <a:t>goal_angle</a:t>
+            </a:r>
+            <a:r>
+              <a:rPr lang="en-US" sz="1200" dirty="0" smtClean="0"/>
+              <a:t> = pi</a:t>
+            </a:r>
+          </a:p>
+          <a:p>
+            <a:r>
+              <a:rPr lang="en-US" sz="1200" dirty="0" err="1" smtClean="0"/>
+              <a:t>angular_duration</a:t>
+            </a:r>
+            <a:r>
+              <a:rPr lang="en-US" sz="1200" dirty="0" smtClean="0"/>
+              <a:t> = </a:t>
+            </a:r>
+            <a:r>
+              <a:rPr lang="en-US" sz="1200" dirty="0" err="1" smtClean="0"/>
+              <a:t>goal_angle</a:t>
+            </a:r>
+            <a:r>
+              <a:rPr lang="en-US" sz="1200" dirty="0" smtClean="0"/>
+              <a:t> / </a:t>
+            </a:r>
+            <a:r>
+              <a:rPr lang="en-US" sz="1200" dirty="0" err="1" smtClean="0"/>
+              <a:t>angular_speed</a:t>
+            </a:r>
+            <a:r>
+              <a:rPr lang="en-US" sz="1200" dirty="0" smtClean="0"/>
+              <a:t>;</a:t>
+            </a:r>
+          </a:p>
+          <a:p>
+            <a:r>
+              <a:rPr lang="en-US" sz="1200" dirty="0" smtClean="0"/>
+              <a:t>A: Repeat step 1 to 6 twice</a:t>
+            </a:r>
+          </a:p>
+          <a:p>
+            <a:r>
+              <a:rPr lang="en-US" sz="1200" dirty="0" smtClean="0"/>
+              <a:t>	1</a:t>
+            </a:r>
+            <a:r>
+              <a:rPr lang="en-US" sz="1200" dirty="0" smtClean="0"/>
+              <a:t>. get initial position</a:t>
+            </a:r>
+          </a:p>
+          <a:p>
+            <a:r>
+              <a:rPr lang="en-US" sz="1200" dirty="0" smtClean="0"/>
+              <a:t>	2</a:t>
+            </a:r>
+            <a:r>
+              <a:rPr lang="en-US" sz="1200" dirty="0" smtClean="0"/>
+              <a:t>. while distance &lt; </a:t>
+            </a:r>
+            <a:r>
+              <a:rPr lang="en-US" sz="1200" dirty="0" err="1" smtClean="0"/>
+              <a:t>goal_distance</a:t>
+            </a:r>
+            <a:endParaRPr lang="en-US" sz="1200" dirty="0" smtClean="0"/>
+          </a:p>
+          <a:p>
+            <a:r>
+              <a:rPr lang="en-US" sz="1200" dirty="0" smtClean="0"/>
+              <a:t>	robot </a:t>
+            </a:r>
+            <a:r>
+              <a:rPr lang="en-US" sz="1200" dirty="0" smtClean="0"/>
+              <a:t>will go at a speed set by </a:t>
+            </a:r>
+            <a:r>
+              <a:rPr lang="en-US" sz="1200" dirty="0" err="1" smtClean="0"/>
+              <a:t>linear_speed</a:t>
+            </a:r>
+            <a:endParaRPr lang="en-US" sz="1200" dirty="0" smtClean="0"/>
+          </a:p>
+          <a:p>
+            <a:r>
+              <a:rPr lang="en-US" sz="1200" dirty="0" smtClean="0"/>
+              <a:t>	sleep </a:t>
+            </a:r>
+            <a:r>
+              <a:rPr lang="en-US" sz="1200" dirty="0" smtClean="0"/>
+              <a:t>1 cycle</a:t>
+            </a:r>
+          </a:p>
+          <a:p>
+            <a:r>
+              <a:rPr lang="en-US" sz="1200" dirty="0" smtClean="0"/>
+              <a:t>	get </a:t>
+            </a:r>
+            <a:r>
+              <a:rPr lang="en-US" sz="1200" dirty="0" smtClean="0"/>
+              <a:t>new linear position from ODOMETRY</a:t>
+            </a:r>
+          </a:p>
+          <a:p>
+            <a:r>
+              <a:rPr lang="en-US" sz="1200" dirty="0" smtClean="0"/>
+              <a:t>	calculate </a:t>
+            </a:r>
+            <a:r>
+              <a:rPr lang="en-US" sz="1200" dirty="0" smtClean="0"/>
+              <a:t>new distance from new position and old position</a:t>
+            </a:r>
+          </a:p>
+          <a:p>
+            <a:r>
+              <a:rPr lang="en-US" sz="1200" dirty="0" smtClean="0"/>
+              <a:t>	3</a:t>
+            </a:r>
+            <a:r>
+              <a:rPr lang="en-US" sz="1200" dirty="0" smtClean="0"/>
+              <a:t>. stop the robot</a:t>
+            </a:r>
+          </a:p>
+          <a:p>
+            <a:r>
+              <a:rPr lang="en-US" sz="1200" dirty="0" smtClean="0"/>
+              <a:t>	Set </a:t>
+            </a:r>
+            <a:r>
+              <a:rPr lang="en-US" sz="1200" dirty="0" err="1" smtClean="0"/>
+              <a:t>last_angle</a:t>
+            </a:r>
+            <a:r>
+              <a:rPr lang="en-US" sz="1200" dirty="0" smtClean="0"/>
+              <a:t> = rotation</a:t>
+            </a:r>
+          </a:p>
+          <a:p>
+            <a:r>
+              <a:rPr lang="en-US" sz="1200" dirty="0" smtClean="0"/>
+              <a:t>	</a:t>
+            </a:r>
+            <a:r>
+              <a:rPr lang="en-US" sz="1200" dirty="0" err="1" smtClean="0"/>
+              <a:t>turn_angle</a:t>
+            </a:r>
+            <a:r>
+              <a:rPr lang="en-US" sz="1200" dirty="0" smtClean="0"/>
+              <a:t> </a:t>
+            </a:r>
+            <a:r>
+              <a:rPr lang="en-US" sz="1200" dirty="0" smtClean="0"/>
+              <a:t>= 0</a:t>
+            </a:r>
+          </a:p>
+          <a:p>
+            <a:r>
+              <a:rPr lang="en-US" sz="1200" dirty="0" smtClean="0"/>
+              <a:t>	4</a:t>
+            </a:r>
+            <a:r>
+              <a:rPr lang="en-US" sz="1200" dirty="0" smtClean="0"/>
+              <a:t>. while (</a:t>
+            </a:r>
+            <a:r>
+              <a:rPr lang="en-US" sz="1200" dirty="0" err="1" smtClean="0"/>
+              <a:t>turn_angle</a:t>
+            </a:r>
+            <a:r>
+              <a:rPr lang="en-US" sz="1200" dirty="0" smtClean="0"/>
+              <a:t> &lt; </a:t>
+            </a:r>
+            <a:r>
+              <a:rPr lang="en-US" sz="1200" dirty="0" err="1" smtClean="0"/>
+              <a:t>goal_angle</a:t>
+            </a:r>
+            <a:r>
+              <a:rPr lang="en-US" sz="1200" dirty="0" smtClean="0"/>
+              <a:t>)</a:t>
+            </a:r>
+          </a:p>
+          <a:p>
+            <a:r>
+              <a:rPr lang="en-US" sz="1200" dirty="0" smtClean="0"/>
+              <a:t>	start </a:t>
+            </a:r>
+            <a:r>
+              <a:rPr lang="en-US" sz="1200" dirty="0" smtClean="0"/>
+              <a:t>rotating</a:t>
+            </a:r>
+          </a:p>
+          <a:p>
+            <a:r>
+              <a:rPr lang="en-US" sz="1200" dirty="0" smtClean="0"/>
+              <a:t>	sleep </a:t>
+            </a:r>
+            <a:r>
+              <a:rPr lang="en-US" sz="1200" dirty="0" smtClean="0"/>
+              <a:t>1 cycle</a:t>
+            </a:r>
+          </a:p>
+          <a:p>
+            <a:r>
+              <a:rPr lang="en-US" sz="1200" dirty="0" smtClean="0"/>
+              <a:t>	get </a:t>
+            </a:r>
+            <a:r>
+              <a:rPr lang="en-US" sz="1200" dirty="0" smtClean="0"/>
+              <a:t>new rotation position </a:t>
+            </a:r>
+            <a:r>
+              <a:rPr lang="en-US" sz="1200" dirty="0" smtClean="0"/>
+              <a:t>from ODOMETRY</a:t>
+            </a:r>
+            <a:endParaRPr lang="en-US" sz="1200" dirty="0" smtClean="0"/>
+          </a:p>
+          <a:p>
+            <a:r>
+              <a:rPr lang="en-US" sz="1200" dirty="0" smtClean="0"/>
+              <a:t>	</a:t>
+            </a:r>
+            <a:r>
+              <a:rPr lang="en-US" sz="1200" dirty="0" err="1" smtClean="0"/>
+              <a:t>delta_angle</a:t>
+            </a:r>
+            <a:r>
+              <a:rPr lang="en-US" sz="1200" dirty="0" smtClean="0"/>
+              <a:t> </a:t>
+            </a:r>
+            <a:r>
+              <a:rPr lang="en-US" sz="1200" dirty="0" smtClean="0"/>
+              <a:t>= (rotation - </a:t>
+            </a:r>
+            <a:r>
+              <a:rPr lang="en-US" sz="1200" dirty="0" err="1" smtClean="0"/>
+              <a:t>last_angle</a:t>
+            </a:r>
+            <a:r>
+              <a:rPr lang="en-US" sz="1200" dirty="0" smtClean="0"/>
+              <a:t>)</a:t>
+            </a:r>
+          </a:p>
+          <a:p>
+            <a:r>
+              <a:rPr lang="en-US" sz="1200" dirty="0" smtClean="0"/>
+              <a:t>	</a:t>
+            </a:r>
+            <a:r>
+              <a:rPr lang="en-US" sz="1200" dirty="0" err="1" smtClean="0"/>
+              <a:t>turn_angle</a:t>
+            </a:r>
+            <a:r>
+              <a:rPr lang="en-US" sz="1200" dirty="0" smtClean="0"/>
+              <a:t> </a:t>
+            </a:r>
+            <a:r>
+              <a:rPr lang="en-US" sz="1200" dirty="0" smtClean="0"/>
+              <a:t>+= </a:t>
+            </a:r>
+            <a:r>
+              <a:rPr lang="en-US" sz="1200" dirty="0" err="1" smtClean="0"/>
+              <a:t>delta_angle</a:t>
+            </a:r>
+            <a:endParaRPr lang="en-US" sz="1200" dirty="0" smtClean="0"/>
+          </a:p>
+          <a:p>
+            <a:r>
+              <a:rPr lang="en-US" sz="1200" dirty="0" smtClean="0"/>
+              <a:t>	</a:t>
+            </a:r>
+            <a:r>
+              <a:rPr lang="en-US" sz="1200" dirty="0" err="1" smtClean="0"/>
+              <a:t>last_angle</a:t>
+            </a:r>
+            <a:r>
+              <a:rPr lang="en-US" sz="1200" dirty="0" smtClean="0"/>
+              <a:t> </a:t>
+            </a:r>
+            <a:r>
+              <a:rPr lang="en-US" sz="1200" dirty="0" smtClean="0"/>
+              <a:t>= rotation</a:t>
+            </a:r>
+          </a:p>
+          <a:p>
+            <a:r>
+              <a:rPr lang="en-US" sz="1200" dirty="0" smtClean="0"/>
+              <a:t>	5</a:t>
+            </a:r>
+            <a:r>
+              <a:rPr lang="en-US" sz="1200" dirty="0" smtClean="0"/>
+              <a:t>. stop the robot 1 cycle before next run</a:t>
+            </a:r>
+          </a:p>
+          <a:p>
+            <a:r>
+              <a:rPr lang="en-US" sz="1200" dirty="0" smtClean="0"/>
+              <a:t>B: Program Terminates</a:t>
+            </a:r>
+            <a:endParaRPr lang="en-US" sz="1050" dirty="0"/>
+          </a:p>
+        </p:txBody>
+      </p:sp>
+      <p:pic>
+        <p:nvPicPr>
+          <p:cNvPr id="4098" name="Picture 2" descr="C:\Users\EpicFailure\Desktop\bsc2\Robotic Engineering 2 (ROS)\Report\images\odom_out_and_back.jpg"/>
+          <p:cNvPicPr>
+            <a:picLocks noChangeAspect="1" noChangeArrowheads="1"/>
+          </p:cNvPicPr>
+          <p:nvPr/>
+        </p:nvPicPr>
+        <p:blipFill>
+          <a:blip r:embed="rId2"/>
+          <a:srcRect/>
+          <a:stretch>
+            <a:fillRect/>
+          </a:stretch>
+        </p:blipFill>
+        <p:spPr bwMode="auto">
+          <a:xfrm>
+            <a:off x="5154931" y="1755777"/>
+            <a:ext cx="5115757" cy="4391025"/>
+          </a:xfrm>
+          <a:prstGeom prst="rect">
+            <a:avLst/>
+          </a:prstGeom>
+          <a:noFill/>
+        </p:spPr>
+      </p:pic>
+    </p:spTree>
+    <p:extLst>
+      <p:ext uri="{BB962C8B-B14F-4D97-AF65-F5344CB8AC3E}">
+        <p14:creationId xmlns:p14="http://schemas.microsoft.com/office/powerpoint/2010/main" xmlns="" val="827552370"/>
+      </p:ext>
+    </p:extLst>
+  </p:cSld>
+  <p:clrMapOvr>
+    <a:masterClrMapping/>
+  </p:clrMapOvr>
+</p:sld>
+</file>
+
+<file path=ppt/slides/slide11.xml><?xml version="1.0" encoding="utf-8"?>
+<p:sld xmlns:a="http://schemas.openxmlformats.org/drawingml/2006/main" xmlns:r="http://schemas.openxmlformats.org/officeDocument/2006/relationships" xmlns:p="http://schemas.openxmlformats.org/presentationml/2006/main">
+  <p:cSld>
+    <p:spTree>
+      <p:nvGrpSpPr>
+        <p:cNvPr id="1" name=""/>
+        <p:cNvGrpSpPr/>
+        <p:nvPr/>
+      </p:nvGrpSpPr>
+      <p:grpSpPr>
+        <a:xfrm>
+          <a:off x="0" y="0"/>
+          <a:ext cx="0" cy="0"/>
+          <a:chOff x="0" y="0"/>
+          <a:chExt cx="0" cy="0"/>
+        </a:xfrm>
+      </p:grpSpPr>
+      <p:sp>
+        <p:nvSpPr>
+          <p:cNvPr id="2" name="Titre 1"/>
+          <p:cNvSpPr>
+            <a:spLocks noGrp="1"/>
+          </p:cNvSpPr>
+          <p:nvPr>
+            <p:ph type="ctrTitle"/>
+          </p:nvPr>
+        </p:nvSpPr>
+        <p:spPr>
+          <a:xfrm>
+            <a:off x="228603" y="279400"/>
+            <a:ext cx="9189720" cy="749300"/>
+          </a:xfrm>
+        </p:spPr>
+        <p:txBody>
+          <a:bodyPr>
+            <a:noAutofit/>
+          </a:bodyPr>
+          <a:lstStyle/>
+          <a:p>
+            <a:r>
+              <a:rPr lang="en-US" sz="2800" dirty="0" smtClean="0"/>
+              <a:t>Goal </a:t>
+            </a:r>
+            <a:r>
+              <a:rPr lang="en-US" sz="2800" dirty="0" smtClean="0"/>
+              <a:t>3 : Navigating a Square using </a:t>
+            </a:r>
+            <a:r>
+              <a:rPr lang="en-US" sz="2800" dirty="0" err="1" smtClean="0"/>
+              <a:t>Twist+Odometry</a:t>
+            </a:r>
+            <a:endParaRPr lang="fr-FR" sz="2800" dirty="0"/>
+          </a:p>
+        </p:txBody>
+      </p:sp>
+      <p:sp>
+        <p:nvSpPr>
+          <p:cNvPr id="5" name="Rectangle 4"/>
+          <p:cNvSpPr/>
+          <p:nvPr/>
+        </p:nvSpPr>
+        <p:spPr>
+          <a:xfrm>
+            <a:off x="582932" y="995741"/>
+            <a:ext cx="5463541" cy="1600438"/>
+          </a:xfrm>
+          <a:prstGeom prst="rect">
+            <a:avLst/>
+          </a:prstGeom>
+        </p:spPr>
+        <p:txBody>
+          <a:bodyPr wrap="square">
+            <a:spAutoFit/>
+          </a:bodyPr>
+          <a:lstStyle/>
+          <a:p>
+            <a:r>
+              <a:rPr lang="en-US" sz="1400" dirty="0" smtClean="0"/>
+              <a:t>The </a:t>
+            </a:r>
+            <a:r>
+              <a:rPr lang="en-US" sz="1400" dirty="0" err="1" smtClean="0"/>
+              <a:t>nav</a:t>
+            </a:r>
+            <a:r>
+              <a:rPr lang="en-US" sz="1400" dirty="0" smtClean="0"/>
+              <a:t> square.py algorithm is nearly identical to the </a:t>
+            </a:r>
+            <a:r>
+              <a:rPr lang="en-US" sz="1400" dirty="0" err="1" smtClean="0"/>
+              <a:t>odometry</a:t>
+            </a:r>
+            <a:r>
+              <a:rPr lang="en-US" sz="1400" dirty="0" smtClean="0"/>
+              <a:t>-based out-and-back algorithm. The only</a:t>
+            </a:r>
+          </a:p>
+          <a:p>
+            <a:r>
+              <a:rPr lang="en-US" sz="1400" dirty="0" smtClean="0"/>
+              <a:t>difference is that it we now send the robot along four 1 meter legs using 90 degree rotations instead of two 1 meter</a:t>
+            </a:r>
+          </a:p>
+          <a:p>
+            <a:r>
+              <a:rPr lang="en-US" sz="1400" dirty="0" smtClean="0"/>
+              <a:t>legs using 180 rotations.</a:t>
+            </a:r>
+          </a:p>
+          <a:p>
+            <a:r>
+              <a:rPr lang="en-US" sz="1400" dirty="0" smtClean="0"/>
+              <a:t>At the end of the run, we can see that the errors accumulated in </a:t>
+            </a:r>
+            <a:r>
+              <a:rPr lang="en-US" sz="1400" dirty="0" err="1" smtClean="0"/>
+              <a:t>odometry</a:t>
+            </a:r>
+            <a:r>
+              <a:rPr lang="en-US" sz="1400" dirty="0" smtClean="0"/>
+              <a:t> are visible, it didn’t move in a </a:t>
+            </a:r>
+            <a:r>
+              <a:rPr lang="en-US" sz="1400" dirty="0" smtClean="0"/>
+              <a:t>perfect square.</a:t>
+            </a:r>
+            <a:endParaRPr lang="en-US" sz="1050" dirty="0"/>
+          </a:p>
+        </p:txBody>
+      </p:sp>
+      <p:pic>
+        <p:nvPicPr>
+          <p:cNvPr id="3075" name="Picture 3" descr="C:\Users\EpicFailure\Desktop\bsc2\Robotic Engineering 2 (ROS)\Report\images\square_py.jpg"/>
+          <p:cNvPicPr>
+            <a:picLocks noChangeAspect="1" noChangeArrowheads="1"/>
+          </p:cNvPicPr>
+          <p:nvPr/>
+        </p:nvPicPr>
+        <p:blipFill>
+          <a:blip r:embed="rId2"/>
+          <a:srcRect/>
+          <a:stretch>
+            <a:fillRect/>
+          </a:stretch>
+        </p:blipFill>
+        <p:spPr bwMode="auto">
+          <a:xfrm>
+            <a:off x="6088713" y="2626211"/>
+            <a:ext cx="4359302" cy="3699353"/>
+          </a:xfrm>
+          <a:prstGeom prst="rect">
+            <a:avLst/>
+          </a:prstGeom>
+          <a:noFill/>
+        </p:spPr>
+      </p:pic>
+    </p:spTree>
+    <p:extLst>
+      <p:ext uri="{BB962C8B-B14F-4D97-AF65-F5344CB8AC3E}">
+        <p14:creationId xmlns:p14="http://schemas.microsoft.com/office/powerpoint/2010/main" xmlns="" val="827552370"/>
+      </p:ext>
+    </p:extLst>
+  </p:cSld>
+  <p:clrMapOvr>
+    <a:masterClrMapping/>
+  </p:clrMapOvr>
+</p:sld>
+</file>
+
+<file path=ppt/slides/slide12.xml><?xml version="1.0" encoding="utf-8"?>
+<p:sld xmlns:a="http://schemas.openxmlformats.org/drawingml/2006/main" xmlns:r="http://schemas.openxmlformats.org/officeDocument/2006/relationships" xmlns:p="http://schemas.openxmlformats.org/presentationml/2006/main">
+  <p:cSld>
+    <p:spTree>
+      <p:nvGrpSpPr>
+        <p:cNvPr id="1" name=""/>
+        <p:cNvGrpSpPr/>
+        <p:nvPr/>
+      </p:nvGrpSpPr>
+      <p:grpSpPr>
+        <a:xfrm>
+          <a:off x="0" y="0"/>
+          <a:ext cx="0" cy="0"/>
+          <a:chOff x="0" y="0"/>
+          <a:chExt cx="0" cy="0"/>
+        </a:xfrm>
+      </p:grpSpPr>
+      <p:sp>
+        <p:nvSpPr>
+          <p:cNvPr id="2" name="Titre 1"/>
+          <p:cNvSpPr>
+            <a:spLocks noGrp="1"/>
+          </p:cNvSpPr>
+          <p:nvPr>
+            <p:ph type="ctrTitle"/>
+          </p:nvPr>
+        </p:nvSpPr>
+        <p:spPr>
+          <a:xfrm>
+            <a:off x="228603" y="279400"/>
+            <a:ext cx="9189720" cy="749300"/>
+          </a:xfrm>
+        </p:spPr>
+        <p:txBody>
+          <a:bodyPr>
+            <a:noAutofit/>
+          </a:bodyPr>
+          <a:lstStyle/>
+          <a:p>
+            <a:r>
+              <a:rPr lang="en-US" sz="2800" b="1" dirty="0" smtClean="0"/>
+              <a:t>Goal </a:t>
+            </a:r>
+            <a:r>
+              <a:rPr lang="en-US" sz="2800" b="1" dirty="0" smtClean="0"/>
+              <a:t>4: </a:t>
+            </a:r>
+            <a:r>
+              <a:rPr lang="en-US" sz="2800" b="1" dirty="0" smtClean="0"/>
+              <a:t>Navigation with Path Planning -&gt; </a:t>
+            </a:r>
+            <a:r>
+              <a:rPr lang="en-US" sz="2800" b="1" dirty="0" err="1" smtClean="0"/>
+              <a:t>move_base</a:t>
+            </a:r>
+            <a:endParaRPr lang="fr-FR" sz="2800" b="1" dirty="0"/>
+          </a:p>
+        </p:txBody>
+      </p:sp>
+      <p:pic>
+        <p:nvPicPr>
+          <p:cNvPr id="6" name="Picture 2" descr="attachment:overview_tf.png"/>
+          <p:cNvPicPr>
+            <a:picLocks noChangeAspect="1" noChangeArrowheads="1"/>
+          </p:cNvPicPr>
+          <p:nvPr/>
+        </p:nvPicPr>
+        <p:blipFill>
+          <a:blip r:embed="rId2"/>
+          <a:srcRect/>
+          <a:stretch>
+            <a:fillRect/>
+          </a:stretch>
+        </p:blipFill>
+        <p:spPr bwMode="auto">
+          <a:xfrm>
+            <a:off x="431800" y="1185862"/>
+            <a:ext cx="9799251" cy="4452937"/>
+          </a:xfrm>
+          <a:prstGeom prst="rect">
+            <a:avLst/>
+          </a:prstGeom>
+          <a:noFill/>
+        </p:spPr>
+      </p:pic>
+      <p:sp>
+        <p:nvSpPr>
+          <p:cNvPr id="7" name="Rectangle 6"/>
+          <p:cNvSpPr/>
+          <p:nvPr/>
+        </p:nvSpPr>
+        <p:spPr>
+          <a:xfrm>
+            <a:off x="558800" y="5701437"/>
+            <a:ext cx="9626600" cy="1200329"/>
+          </a:xfrm>
+          <a:prstGeom prst="rect">
+            <a:avLst/>
+          </a:prstGeom>
+        </p:spPr>
+        <p:txBody>
+          <a:bodyPr wrap="square">
+            <a:spAutoFit/>
+          </a:bodyPr>
+          <a:lstStyle/>
+          <a:p>
+            <a:r>
+              <a:rPr lang="en-US" dirty="0" smtClean="0"/>
+              <a:t>This package includes a node also called </a:t>
+            </a:r>
+            <a:r>
+              <a:rPr lang="en-US" b="1" dirty="0" err="1" smtClean="0"/>
+              <a:t>move_base</a:t>
+            </a:r>
+            <a:r>
+              <a:rPr lang="en-US" dirty="0" smtClean="0"/>
+              <a:t>, which subscribes to the topic </a:t>
+            </a:r>
+            <a:r>
+              <a:rPr lang="en-US" b="1" dirty="0" smtClean="0"/>
+              <a:t>/map </a:t>
+            </a:r>
+            <a:r>
+              <a:rPr lang="en-US" dirty="0" smtClean="0"/>
+              <a:t>of the node </a:t>
+            </a:r>
+            <a:r>
+              <a:rPr lang="en-US" b="1" dirty="0" err="1" smtClean="0"/>
+              <a:t>map_server</a:t>
+            </a:r>
+            <a:r>
+              <a:rPr lang="en-US" dirty="0" smtClean="0"/>
+              <a:t>, and to other topics as </a:t>
+            </a:r>
+            <a:r>
+              <a:rPr lang="en-US" b="1" dirty="0" smtClean="0"/>
+              <a:t>/</a:t>
+            </a:r>
+            <a:r>
+              <a:rPr lang="en-US" b="1" dirty="0" err="1" smtClean="0"/>
+              <a:t>odom</a:t>
+            </a:r>
+            <a:r>
+              <a:rPr lang="en-US" dirty="0" smtClean="0"/>
+              <a:t>, </a:t>
+            </a:r>
+            <a:r>
+              <a:rPr lang="en-US" b="1" dirty="0" smtClean="0"/>
+              <a:t>/</a:t>
+            </a:r>
+            <a:r>
+              <a:rPr lang="en-US" b="1" dirty="0" err="1" smtClean="0"/>
+              <a:t>tf</a:t>
+            </a:r>
+            <a:r>
+              <a:rPr lang="en-US" b="1" dirty="0" smtClean="0"/>
+              <a:t> </a:t>
+            </a:r>
+            <a:r>
+              <a:rPr lang="en-US" dirty="0" smtClean="0"/>
+              <a:t>(sensor transforms) and to the probabilistic localization system </a:t>
+            </a:r>
+            <a:r>
+              <a:rPr lang="en-US" dirty="0" err="1" smtClean="0"/>
+              <a:t>amcl</a:t>
+            </a:r>
+            <a:r>
+              <a:rPr lang="en-US" dirty="0" smtClean="0"/>
+              <a:t> (adaptive Monte Carlo localization approach), to control the robot </a:t>
+            </a:r>
+            <a:r>
+              <a:rPr lang="en-US" dirty="0" smtClean="0"/>
+              <a:t>movement and publishes to /</a:t>
+            </a:r>
+            <a:r>
+              <a:rPr lang="en-US" dirty="0" err="1" smtClean="0"/>
+              <a:t>cmd_vel</a:t>
+            </a:r>
+            <a:r>
+              <a:rPr lang="en-US" dirty="0" smtClean="0"/>
+              <a:t> topic</a:t>
+            </a:r>
+            <a:endParaRPr lang="en-US" dirty="0"/>
+          </a:p>
+        </p:txBody>
+      </p:sp>
+    </p:spTree>
+    <p:extLst>
+      <p:ext uri="{BB962C8B-B14F-4D97-AF65-F5344CB8AC3E}">
+        <p14:creationId xmlns:p14="http://schemas.microsoft.com/office/powerpoint/2010/main" xmlns="" val="827552370"/>
+      </p:ext>
+    </p:extLst>
+  </p:cSld>
+  <p:clrMapOvr>
+    <a:masterClrMapping/>
+  </p:clrMapOvr>
+</p:sld>
+</file>
+
+<file path=ppt/slides/slide13.xml><?xml version="1.0" encoding="utf-8"?>
+<p:sld xmlns:a="http://schemas.openxmlformats.org/drawingml/2006/main" xmlns:r="http://schemas.openxmlformats.org/officeDocument/2006/relationships" xmlns:p="http://schemas.openxmlformats.org/presentationml/2006/main">
+  <p:cSld>
+    <p:spTree>
+      <p:nvGrpSpPr>
+        <p:cNvPr id="1" name=""/>
+        <p:cNvGrpSpPr/>
+        <p:nvPr/>
+      </p:nvGrpSpPr>
+      <p:grpSpPr>
+        <a:xfrm>
+          <a:off x="0" y="0"/>
+          <a:ext cx="0" cy="0"/>
+          <a:chOff x="0" y="0"/>
+          <a:chExt cx="0" cy="0"/>
+        </a:xfrm>
+      </p:grpSpPr>
+      <p:sp>
+        <p:nvSpPr>
+          <p:cNvPr id="2" name="Titre 1"/>
+          <p:cNvSpPr>
+            <a:spLocks noGrp="1"/>
+          </p:cNvSpPr>
+          <p:nvPr>
+            <p:ph type="ctrTitle"/>
+          </p:nvPr>
+        </p:nvSpPr>
+        <p:spPr>
+          <a:xfrm>
+            <a:off x="228603" y="279400"/>
+            <a:ext cx="9189720" cy="749300"/>
+          </a:xfrm>
+        </p:spPr>
+        <p:txBody>
+          <a:bodyPr>
+            <a:noAutofit/>
+          </a:bodyPr>
+          <a:lstStyle/>
+          <a:p>
+            <a:r>
+              <a:rPr lang="en-US" sz="2800" b="1" dirty="0" smtClean="0"/>
+              <a:t>Goal </a:t>
+            </a:r>
+            <a:r>
+              <a:rPr lang="en-US" sz="2800" b="1" dirty="0" smtClean="0"/>
+              <a:t>4: </a:t>
+            </a:r>
+            <a:r>
+              <a:rPr lang="en-US" sz="2800" b="1" dirty="0" smtClean="0"/>
+              <a:t>Navigation with Path Planning -&gt; </a:t>
+            </a:r>
+            <a:r>
+              <a:rPr lang="en-US" sz="2800" b="1" dirty="0" err="1" smtClean="0"/>
+              <a:t>move_base</a:t>
+            </a:r>
+            <a:endParaRPr lang="fr-FR" sz="2800" b="1" dirty="0"/>
+          </a:p>
+        </p:txBody>
+      </p:sp>
+      <p:sp>
+        <p:nvSpPr>
+          <p:cNvPr id="4" name="Rectangle 3"/>
+          <p:cNvSpPr/>
+          <p:nvPr/>
+        </p:nvSpPr>
+        <p:spPr>
+          <a:xfrm>
+            <a:off x="825500" y="1282700"/>
+            <a:ext cx="7404100" cy="3139321"/>
+          </a:xfrm>
+          <a:prstGeom prst="rect">
+            <a:avLst/>
+          </a:prstGeom>
+        </p:spPr>
+        <p:txBody>
+          <a:bodyPr wrap="square">
+            <a:spAutoFit/>
+          </a:bodyPr>
+          <a:lstStyle/>
+          <a:p>
+            <a:r>
+              <a:rPr lang="en-US" dirty="0" smtClean="0"/>
+              <a:t>Move base nodes requires four configuration files before it can run. These files defines a number of parameters related to the cost of running into obstacle, the radius of the robot, the range of velocities, the resolution of the map, the robot base </a:t>
+            </a:r>
+            <a:r>
+              <a:rPr lang="en-US" dirty="0" smtClean="0"/>
+              <a:t>frame and </a:t>
+            </a:r>
+            <a:r>
+              <a:rPr lang="en-US" dirty="0" smtClean="0"/>
+              <a:t>how far the path planner should look.</a:t>
+            </a:r>
+          </a:p>
+          <a:p>
+            <a:endParaRPr lang="en-US" dirty="0" smtClean="0"/>
+          </a:p>
+          <a:p>
+            <a:r>
+              <a:rPr lang="en-US" dirty="0" smtClean="0"/>
+              <a:t>The </a:t>
+            </a:r>
+            <a:r>
+              <a:rPr lang="en-US" dirty="0" smtClean="0"/>
+              <a:t>four configuration files can be found in the </a:t>
+            </a:r>
+            <a:r>
+              <a:rPr lang="en-US" dirty="0" err="1" smtClean="0"/>
+              <a:t>config</a:t>
+            </a:r>
+            <a:r>
+              <a:rPr lang="en-US" dirty="0" smtClean="0"/>
+              <a:t> subdirectory of the rbx1 </a:t>
+            </a:r>
+            <a:r>
+              <a:rPr lang="en-US" dirty="0" err="1" smtClean="0"/>
+              <a:t>nav</a:t>
+            </a:r>
+            <a:r>
+              <a:rPr lang="en-US" dirty="0" smtClean="0"/>
+              <a:t> package and are called:</a:t>
+            </a:r>
+          </a:p>
+          <a:p>
+            <a:r>
+              <a:rPr lang="en-US" dirty="0" smtClean="0"/>
+              <a:t>- base local planner </a:t>
+            </a:r>
+            <a:r>
+              <a:rPr lang="en-US" dirty="0" err="1" smtClean="0"/>
+              <a:t>params.yaml</a:t>
+            </a:r>
+            <a:endParaRPr lang="en-US" dirty="0" smtClean="0"/>
+          </a:p>
+          <a:p>
+            <a:r>
+              <a:rPr lang="en-US" dirty="0" smtClean="0"/>
+              <a:t>- </a:t>
+            </a:r>
+            <a:r>
+              <a:rPr lang="en-US" dirty="0" err="1" smtClean="0"/>
+              <a:t>costmap</a:t>
+            </a:r>
+            <a:r>
+              <a:rPr lang="en-US" dirty="0" smtClean="0"/>
+              <a:t> common </a:t>
+            </a:r>
+            <a:r>
+              <a:rPr lang="en-US" dirty="0" err="1" smtClean="0"/>
+              <a:t>params.yaml</a:t>
+            </a:r>
+            <a:endParaRPr lang="en-US" dirty="0" smtClean="0"/>
+          </a:p>
+          <a:p>
+            <a:r>
+              <a:rPr lang="en-US" dirty="0" smtClean="0"/>
+              <a:t>- global </a:t>
+            </a:r>
+            <a:r>
+              <a:rPr lang="en-US" dirty="0" err="1" smtClean="0"/>
+              <a:t>costmap</a:t>
+            </a:r>
+            <a:r>
+              <a:rPr lang="en-US" dirty="0" smtClean="0"/>
+              <a:t> </a:t>
+            </a:r>
+            <a:r>
+              <a:rPr lang="en-US" dirty="0" err="1" smtClean="0"/>
+              <a:t>params.yaml</a:t>
+            </a:r>
+            <a:r>
+              <a:rPr lang="en-US" dirty="0" smtClean="0"/>
+              <a:t> </a:t>
+            </a:r>
+          </a:p>
+          <a:p>
+            <a:r>
+              <a:rPr lang="en-US" dirty="0" smtClean="0"/>
+              <a:t>- local </a:t>
+            </a:r>
+            <a:r>
+              <a:rPr lang="en-US" dirty="0" err="1" smtClean="0"/>
+              <a:t>costmap</a:t>
+            </a:r>
+            <a:r>
+              <a:rPr lang="en-US" dirty="0" smtClean="0"/>
+              <a:t> </a:t>
+            </a:r>
+            <a:r>
+              <a:rPr lang="en-US" dirty="0" err="1" smtClean="0"/>
+              <a:t>params.yaml</a:t>
+            </a:r>
+            <a:endParaRPr lang="en-US" dirty="0" smtClean="0"/>
+          </a:p>
+        </p:txBody>
+      </p:sp>
+      <p:pic>
+        <p:nvPicPr>
+          <p:cNvPr id="55298" name="Picture 2" descr="C:\Users\EpicFailure\Desktop\bsc2\Robotic Engineering 2 (ROS)\Report\images\move_base_square.jpg"/>
+          <p:cNvPicPr>
+            <a:picLocks noChangeAspect="1" noChangeArrowheads="1"/>
+          </p:cNvPicPr>
+          <p:nvPr/>
+        </p:nvPicPr>
+        <p:blipFill>
+          <a:blip r:embed="rId2" cstate="print"/>
+          <a:srcRect/>
+          <a:stretch>
+            <a:fillRect/>
+          </a:stretch>
+        </p:blipFill>
+        <p:spPr bwMode="auto">
+          <a:xfrm>
+            <a:off x="6537430" y="3238500"/>
+            <a:ext cx="3838470" cy="2930524"/>
+          </a:xfrm>
+          <a:prstGeom prst="rect">
+            <a:avLst/>
+          </a:prstGeom>
+          <a:noFill/>
+        </p:spPr>
+      </p:pic>
+    </p:spTree>
+    <p:extLst>
+      <p:ext uri="{BB962C8B-B14F-4D97-AF65-F5344CB8AC3E}">
+        <p14:creationId xmlns:p14="http://schemas.microsoft.com/office/powerpoint/2010/main" xmlns="" val="827552370"/>
+      </p:ext>
+    </p:extLst>
+  </p:cSld>
+  <p:clrMapOvr>
+    <a:masterClrMapping/>
+  </p:clrMapOvr>
+</p:sld>
+</file>
+
+<file path=ppt/slides/slide14.xml><?xml version="1.0" encoding="utf-8"?>
+<p:sld xmlns:a="http://schemas.openxmlformats.org/drawingml/2006/main" xmlns:r="http://schemas.openxmlformats.org/officeDocument/2006/relationships" xmlns:p="http://schemas.openxmlformats.org/presentationml/2006/main">
+  <p:cSld>
+    <p:spTree>
+      <p:nvGrpSpPr>
+        <p:cNvPr id="1" name=""/>
+        <p:cNvGrpSpPr/>
+        <p:nvPr/>
+      </p:nvGrpSpPr>
+      <p:grpSpPr>
+        <a:xfrm>
+          <a:off x="0" y="0"/>
+          <a:ext cx="0" cy="0"/>
+          <a:chOff x="0" y="0"/>
+          <a:chExt cx="0" cy="0"/>
+        </a:xfrm>
+      </p:grpSpPr>
+      <p:sp>
+        <p:nvSpPr>
+          <p:cNvPr id="2" name="Titre 1"/>
+          <p:cNvSpPr>
+            <a:spLocks noGrp="1"/>
+          </p:cNvSpPr>
+          <p:nvPr>
+            <p:ph type="ctrTitle"/>
+          </p:nvPr>
+        </p:nvSpPr>
+        <p:spPr>
+          <a:xfrm>
+            <a:off x="228603" y="279400"/>
+            <a:ext cx="9189720" cy="749300"/>
+          </a:xfrm>
+        </p:spPr>
+        <p:txBody>
+          <a:bodyPr>
+            <a:noAutofit/>
+          </a:bodyPr>
+          <a:lstStyle/>
+          <a:p>
+            <a:r>
+              <a:rPr lang="en-US" sz="2800" b="1" dirty="0" smtClean="0"/>
+              <a:t>Goal </a:t>
+            </a:r>
+            <a:r>
+              <a:rPr lang="en-US" sz="2800" b="1" dirty="0" smtClean="0"/>
+              <a:t>4: </a:t>
+            </a:r>
+            <a:r>
+              <a:rPr lang="en-US" sz="2800" b="1" dirty="0" smtClean="0"/>
+              <a:t>Navigation with Path Planning -&gt; </a:t>
+            </a:r>
+            <a:r>
+              <a:rPr lang="en-US" sz="2800" b="1" dirty="0" err="1" smtClean="0"/>
+              <a:t>move_base</a:t>
+            </a:r>
+            <a:endParaRPr lang="fr-FR" sz="2800" b="1" dirty="0"/>
+          </a:p>
+        </p:txBody>
+      </p:sp>
+      <p:sp>
+        <p:nvSpPr>
+          <p:cNvPr id="4" name="Rectangle 3"/>
+          <p:cNvSpPr/>
+          <p:nvPr/>
+        </p:nvSpPr>
+        <p:spPr>
+          <a:xfrm>
+            <a:off x="508000" y="1206500"/>
+            <a:ext cx="7404100" cy="3139321"/>
+          </a:xfrm>
+          <a:prstGeom prst="rect">
+            <a:avLst/>
+          </a:prstGeom>
+        </p:spPr>
+        <p:txBody>
+          <a:bodyPr wrap="square">
+            <a:spAutoFit/>
+          </a:bodyPr>
+          <a:lstStyle/>
+          <a:p>
+            <a:r>
+              <a:rPr lang="en-US" dirty="0" smtClean="0"/>
+              <a:t>The </a:t>
+            </a:r>
+            <a:r>
+              <a:rPr lang="en-US" dirty="0" err="1" smtClean="0"/>
+              <a:t>move_base</a:t>
+            </a:r>
+            <a:r>
+              <a:rPr lang="en-US" dirty="0" smtClean="0"/>
+              <a:t> package, which includes a path planner and is linked to the </a:t>
+            </a:r>
+            <a:r>
+              <a:rPr lang="en-US" b="1" dirty="0" err="1" smtClean="0"/>
+              <a:t>base_local_planner</a:t>
+            </a:r>
+            <a:r>
+              <a:rPr lang="en-US" dirty="0" smtClean="0"/>
+              <a:t>, a package that uses </a:t>
+            </a:r>
+            <a:r>
+              <a:rPr lang="en-US" b="1" dirty="0" err="1" smtClean="0"/>
+              <a:t>odometry</a:t>
+            </a:r>
+            <a:r>
+              <a:rPr lang="en-US" dirty="0" smtClean="0"/>
+              <a:t> besides </a:t>
+            </a:r>
+            <a:r>
+              <a:rPr lang="en-US" b="1" dirty="0" smtClean="0"/>
+              <a:t>global and local cost maps </a:t>
+            </a:r>
+            <a:r>
+              <a:rPr lang="en-US" dirty="0" smtClean="0"/>
+              <a:t>to define the path. With the </a:t>
+            </a:r>
+            <a:r>
+              <a:rPr lang="en-US" b="1" dirty="0" err="1" smtClean="0"/>
+              <a:t>move_base</a:t>
+            </a:r>
+            <a:r>
+              <a:rPr lang="en-US" dirty="0" smtClean="0"/>
+              <a:t> package it is possible to set a target position and orientation of the robot using a reference frame, and it will try to move the robot to the goal avoiding obstacles</a:t>
+            </a:r>
+            <a:r>
+              <a:rPr lang="en-US" dirty="0" smtClean="0"/>
+              <a:t>.</a:t>
+            </a:r>
+          </a:p>
+          <a:p>
+            <a:endParaRPr lang="en-US" dirty="0" smtClean="0"/>
+          </a:p>
+          <a:p>
+            <a:r>
+              <a:rPr lang="en-US" dirty="0" smtClean="0"/>
+              <a:t>The </a:t>
+            </a:r>
+            <a:r>
+              <a:rPr lang="en-US" dirty="0" err="1" smtClean="0"/>
+              <a:t>move_base</a:t>
+            </a:r>
+            <a:r>
+              <a:rPr lang="en-US" dirty="0" smtClean="0"/>
+              <a:t> package uses messages of type </a:t>
+            </a:r>
+            <a:r>
+              <a:rPr lang="en-US" b="1" dirty="0" err="1" smtClean="0"/>
+              <a:t>MoveBaseActionGoal</a:t>
+            </a:r>
+            <a:r>
+              <a:rPr lang="en-US" dirty="0" smtClean="0"/>
+              <a:t> and includes sub-messages of type </a:t>
+            </a:r>
+            <a:r>
+              <a:rPr lang="en-US" b="1" dirty="0" err="1" smtClean="0"/>
+              <a:t>PoseStamped</a:t>
+            </a:r>
+            <a:r>
+              <a:rPr lang="en-US" dirty="0" smtClean="0"/>
+              <a:t>. This type of sub-message encompass a header and a pose, which contains a </a:t>
+            </a:r>
+            <a:r>
+              <a:rPr lang="en-US" b="1" dirty="0" smtClean="0"/>
+              <a:t>position</a:t>
+            </a:r>
+            <a:r>
+              <a:rPr lang="en-US" dirty="0" smtClean="0"/>
+              <a:t> and an </a:t>
+            </a:r>
+            <a:r>
+              <a:rPr lang="en-US" b="1" dirty="0" smtClean="0"/>
+              <a:t>orientation</a:t>
+            </a:r>
+            <a:r>
+              <a:rPr lang="en-US" dirty="0" smtClean="0"/>
+              <a:t>, given by a point of coordinates x, y, z and a quaternion of coordinates x, y, z, w, respectively.</a:t>
+            </a:r>
+          </a:p>
+        </p:txBody>
+      </p:sp>
+      <p:sp>
+        <p:nvSpPr>
+          <p:cNvPr id="5" name="Rectangle 4"/>
+          <p:cNvSpPr/>
+          <p:nvPr/>
+        </p:nvSpPr>
+        <p:spPr>
+          <a:xfrm>
+            <a:off x="7772400" y="2216646"/>
+            <a:ext cx="2933700" cy="4339650"/>
+          </a:xfrm>
+          <a:prstGeom prst="rect">
+            <a:avLst/>
+          </a:prstGeom>
+        </p:spPr>
+        <p:txBody>
+          <a:bodyPr wrap="square">
+            <a:spAutoFit/>
+          </a:bodyPr>
+          <a:lstStyle/>
+          <a:p>
+            <a:r>
+              <a:rPr lang="en-US" sz="1200" dirty="0" smtClean="0"/>
+              <a:t>Header </a:t>
+            </a:r>
+            <a:r>
+              <a:rPr lang="en-US" sz="1200" dirty="0" err="1" smtClean="0"/>
+              <a:t>header</a:t>
+            </a:r>
+            <a:r>
+              <a:rPr lang="en-US" sz="1200" dirty="0" smtClean="0"/>
+              <a:t> </a:t>
+            </a:r>
+          </a:p>
+          <a:p>
+            <a:r>
+              <a:rPr lang="en-US" sz="1200" dirty="0" smtClean="0"/>
+              <a:t>uint32 </a:t>
+            </a:r>
+            <a:r>
+              <a:rPr lang="en-US" sz="1200" dirty="0" err="1" smtClean="0"/>
+              <a:t>seq</a:t>
+            </a:r>
+            <a:r>
+              <a:rPr lang="en-US" sz="1200" dirty="0" smtClean="0"/>
+              <a:t> </a:t>
+            </a:r>
+          </a:p>
+          <a:p>
+            <a:r>
+              <a:rPr lang="en-US" sz="1200" dirty="0" smtClean="0"/>
+              <a:t>time stamp </a:t>
+            </a:r>
+          </a:p>
+          <a:p>
+            <a:r>
+              <a:rPr lang="en-US" sz="1200" dirty="0" smtClean="0"/>
+              <a:t>string </a:t>
+            </a:r>
+            <a:r>
+              <a:rPr lang="en-US" sz="1200" dirty="0" err="1" smtClean="0"/>
+              <a:t>frame_id</a:t>
+            </a:r>
+            <a:r>
+              <a:rPr lang="en-US" sz="1200" dirty="0" smtClean="0"/>
+              <a:t> </a:t>
+            </a:r>
+          </a:p>
+          <a:p>
+            <a:r>
+              <a:rPr lang="en-US" sz="1200" dirty="0" err="1" smtClean="0"/>
+              <a:t>actionlib_msgs</a:t>
+            </a:r>
+            <a:r>
+              <a:rPr lang="en-US" sz="1200" dirty="0" smtClean="0"/>
+              <a:t>/</a:t>
+            </a:r>
+            <a:r>
+              <a:rPr lang="en-US" sz="1200" dirty="0" err="1" smtClean="0"/>
+              <a:t>GoalID</a:t>
+            </a:r>
+            <a:r>
+              <a:rPr lang="en-US" sz="1200" dirty="0" smtClean="0"/>
+              <a:t> </a:t>
+            </a:r>
+            <a:r>
+              <a:rPr lang="en-US" sz="1200" dirty="0" err="1" smtClean="0"/>
+              <a:t>goal_id</a:t>
+            </a:r>
+            <a:r>
+              <a:rPr lang="en-US" sz="1200" dirty="0" smtClean="0"/>
+              <a:t> </a:t>
+            </a:r>
+          </a:p>
+          <a:p>
+            <a:r>
+              <a:rPr lang="en-US" sz="1200" dirty="0" smtClean="0"/>
+              <a:t>time stamp </a:t>
+            </a:r>
+          </a:p>
+          <a:p>
+            <a:r>
+              <a:rPr lang="en-US" sz="1200" dirty="0" smtClean="0"/>
+              <a:t>string id </a:t>
+            </a:r>
+          </a:p>
+          <a:p>
+            <a:r>
+              <a:rPr lang="en-US" sz="1200" dirty="0" err="1" smtClean="0"/>
+              <a:t>move_base_msgs</a:t>
+            </a:r>
+            <a:r>
+              <a:rPr lang="en-US" sz="1200" dirty="0" smtClean="0"/>
+              <a:t>/</a:t>
+            </a:r>
+            <a:r>
+              <a:rPr lang="en-US" sz="1200" dirty="0" err="1" smtClean="0"/>
+              <a:t>MoveBaseGoal</a:t>
+            </a:r>
+            <a:r>
+              <a:rPr lang="en-US" sz="1200" dirty="0" smtClean="0"/>
+              <a:t> goal </a:t>
+            </a:r>
+          </a:p>
+          <a:p>
+            <a:r>
+              <a:rPr lang="en-US" sz="1200" dirty="0" err="1" smtClean="0"/>
+              <a:t>geometry_msgs</a:t>
+            </a:r>
+            <a:r>
+              <a:rPr lang="en-US" sz="1200" dirty="0" smtClean="0"/>
+              <a:t>/</a:t>
+            </a:r>
+            <a:r>
+              <a:rPr lang="en-US" sz="1200" dirty="0" err="1" smtClean="0"/>
+              <a:t>PoseStamped</a:t>
+            </a:r>
+            <a:r>
+              <a:rPr lang="en-US" sz="1200" dirty="0" smtClean="0"/>
+              <a:t> </a:t>
+            </a:r>
+            <a:r>
+              <a:rPr lang="en-US" sz="1200" dirty="0" err="1" smtClean="0"/>
+              <a:t>target_pose</a:t>
+            </a:r>
+            <a:r>
+              <a:rPr lang="en-US" sz="1200" dirty="0" smtClean="0"/>
+              <a:t> </a:t>
+            </a:r>
+          </a:p>
+          <a:p>
+            <a:r>
+              <a:rPr lang="en-US" sz="1200" dirty="0" smtClean="0"/>
+              <a:t>Header </a:t>
+            </a:r>
+            <a:r>
+              <a:rPr lang="en-US" sz="1200" dirty="0" err="1" smtClean="0"/>
+              <a:t>header</a:t>
+            </a:r>
+            <a:r>
+              <a:rPr lang="en-US" sz="1200" dirty="0" smtClean="0"/>
+              <a:t> </a:t>
+            </a:r>
+          </a:p>
+          <a:p>
+            <a:r>
+              <a:rPr lang="en-US" sz="1200" dirty="0" smtClean="0"/>
+              <a:t>uint32 </a:t>
+            </a:r>
+            <a:r>
+              <a:rPr lang="en-US" sz="1200" dirty="0" err="1" smtClean="0"/>
+              <a:t>seq</a:t>
+            </a:r>
+            <a:r>
+              <a:rPr lang="en-US" sz="1200" dirty="0" smtClean="0"/>
+              <a:t> </a:t>
+            </a:r>
+          </a:p>
+          <a:p>
+            <a:r>
+              <a:rPr lang="en-US" sz="1200" dirty="0" smtClean="0"/>
+              <a:t>time stamp </a:t>
+            </a:r>
+          </a:p>
+          <a:p>
+            <a:r>
+              <a:rPr lang="en-US" sz="1200" dirty="0" smtClean="0"/>
+              <a:t>string </a:t>
+            </a:r>
+            <a:r>
+              <a:rPr lang="en-US" sz="1200" dirty="0" err="1" smtClean="0"/>
+              <a:t>frame_id</a:t>
+            </a:r>
+            <a:r>
+              <a:rPr lang="en-US" sz="1200" dirty="0" smtClean="0"/>
+              <a:t> </a:t>
+            </a:r>
+          </a:p>
+          <a:p>
+            <a:r>
+              <a:rPr lang="en-US" sz="1200" dirty="0" err="1" smtClean="0"/>
+              <a:t>geometry_msgs</a:t>
+            </a:r>
+            <a:r>
+              <a:rPr lang="en-US" sz="1200" dirty="0" smtClean="0"/>
+              <a:t>/Pose </a:t>
+            </a:r>
+            <a:r>
+              <a:rPr lang="en-US" sz="1200" dirty="0" err="1" smtClean="0"/>
+              <a:t>pose</a:t>
+            </a:r>
+            <a:r>
+              <a:rPr lang="en-US" sz="1200" dirty="0" smtClean="0"/>
+              <a:t> </a:t>
+            </a:r>
+          </a:p>
+          <a:p>
+            <a:r>
+              <a:rPr lang="en-US" sz="1200" dirty="0" err="1" smtClean="0"/>
+              <a:t>geometry_msgs</a:t>
+            </a:r>
+            <a:r>
+              <a:rPr lang="en-US" sz="1200" dirty="0" smtClean="0"/>
+              <a:t>/Point position </a:t>
+            </a:r>
+          </a:p>
+          <a:p>
+            <a:r>
+              <a:rPr lang="en-US" sz="1200" dirty="0" smtClean="0"/>
+              <a:t>float64 x </a:t>
+            </a:r>
+          </a:p>
+          <a:p>
+            <a:r>
+              <a:rPr lang="en-US" sz="1200" dirty="0" smtClean="0"/>
+              <a:t>float64 y </a:t>
+            </a:r>
+          </a:p>
+          <a:p>
+            <a:r>
+              <a:rPr lang="en-US" sz="1200" dirty="0" smtClean="0"/>
+              <a:t>float64 z </a:t>
+            </a:r>
+          </a:p>
+          <a:p>
+            <a:r>
+              <a:rPr lang="en-US" sz="1200" dirty="0" err="1" smtClean="0"/>
+              <a:t>geometry_msgs</a:t>
+            </a:r>
+            <a:r>
+              <a:rPr lang="en-US" sz="1200" dirty="0" smtClean="0"/>
+              <a:t>/Quaternion orientation </a:t>
+            </a:r>
+          </a:p>
+          <a:p>
+            <a:r>
+              <a:rPr lang="en-US" sz="1200" dirty="0" smtClean="0"/>
+              <a:t>float64 x </a:t>
+            </a:r>
+          </a:p>
+          <a:p>
+            <a:r>
+              <a:rPr lang="en-US" sz="1200" dirty="0" smtClean="0"/>
+              <a:t>float64 y </a:t>
+            </a:r>
+          </a:p>
+          <a:p>
+            <a:r>
+              <a:rPr lang="en-US" sz="1200" dirty="0" smtClean="0"/>
+              <a:t>float64 z </a:t>
+            </a:r>
+          </a:p>
+          <a:p>
+            <a:r>
+              <a:rPr lang="en-US" sz="1200" dirty="0" smtClean="0"/>
+              <a:t>float64 w</a:t>
+            </a:r>
+            <a:endParaRPr lang="en-US" sz="1200" dirty="0"/>
+          </a:p>
+        </p:txBody>
+      </p:sp>
+    </p:spTree>
+    <p:extLst>
+      <p:ext uri="{BB962C8B-B14F-4D97-AF65-F5344CB8AC3E}">
+        <p14:creationId xmlns:p14="http://schemas.microsoft.com/office/powerpoint/2010/main" xmlns="" val="827552370"/>
+      </p:ext>
+    </p:extLst>
+  </p:cSld>
+  <p:clrMapOvr>
+    <a:masterClrMapping/>
+  </p:clrMapOvr>
+</p:sld>
+</file>
+
+<file path=ppt/slides/slide15.xml><?xml version="1.0" encoding="utf-8"?>
+<p:sld xmlns:a="http://schemas.openxmlformats.org/drawingml/2006/main" xmlns:r="http://schemas.openxmlformats.org/officeDocument/2006/relationships" xmlns:p="http://schemas.openxmlformats.org/presentationml/2006/main">
+  <p:cSld>
+    <p:spTree>
+      <p:nvGrpSpPr>
+        <p:cNvPr id="1" name=""/>
+        <p:cNvGrpSpPr/>
+        <p:nvPr/>
+      </p:nvGrpSpPr>
+      <p:grpSpPr>
+        <a:xfrm>
+          <a:off x="0" y="0"/>
+          <a:ext cx="0" cy="0"/>
+          <a:chOff x="0" y="0"/>
+          <a:chExt cx="0" cy="0"/>
+        </a:xfrm>
+      </p:grpSpPr>
+      <p:sp>
+        <p:nvSpPr>
+          <p:cNvPr id="2" name="Titre 1"/>
+          <p:cNvSpPr>
+            <a:spLocks noGrp="1"/>
+          </p:cNvSpPr>
+          <p:nvPr>
+            <p:ph type="ctrTitle"/>
+          </p:nvPr>
+        </p:nvSpPr>
+        <p:spPr/>
+        <p:txBody>
+          <a:bodyPr/>
+          <a:lstStyle/>
+          <a:p>
+            <a:r>
+              <a:rPr lang="fr-FR" dirty="0" smtClean="0"/>
+              <a:t>Android Control</a:t>
+            </a:r>
+            <a:endParaRPr lang="fr-FR" dirty="0"/>
+          </a:p>
+        </p:txBody>
+      </p:sp>
+      <p:sp>
+        <p:nvSpPr>
+          <p:cNvPr id="3" name="Sous-titre 2"/>
+          <p:cNvSpPr>
+            <a:spLocks noGrp="1"/>
+          </p:cNvSpPr>
+          <p:nvPr>
+            <p:ph type="subTitle" idx="1"/>
+          </p:nvPr>
+        </p:nvSpPr>
+        <p:spPr/>
+        <p:txBody>
+          <a:bodyPr/>
+          <a:lstStyle/>
+          <a:p>
+            <a:r>
+              <a:rPr lang="fr-FR" dirty="0" err="1" smtClean="0"/>
+              <a:t>Pairing</a:t>
+            </a:r>
+            <a:r>
+              <a:rPr lang="fr-FR" dirty="0" smtClean="0"/>
+              <a:t> </a:t>
+            </a:r>
+            <a:r>
+              <a:rPr lang="fr-FR" dirty="0" smtClean="0"/>
+              <a:t>and </a:t>
+            </a:r>
+            <a:r>
+              <a:rPr lang="fr-FR" dirty="0" err="1" smtClean="0"/>
+              <a:t>Demonstration</a:t>
+            </a:r>
+            <a:endParaRPr lang="fr-FR" dirty="0"/>
+          </a:p>
+        </p:txBody>
+      </p:sp>
+    </p:spTree>
+    <p:extLst>
+      <p:ext uri="{BB962C8B-B14F-4D97-AF65-F5344CB8AC3E}">
+        <p14:creationId xmlns:p14="http://schemas.microsoft.com/office/powerpoint/2010/main" xmlns="" val="827552370"/>
+      </p:ext>
+    </p:extLst>
+  </p:cSld>
+  <p:clrMapOvr>
+    <a:masterClrMapping/>
+  </p:clrMapOvr>
+</p:sld>
+</file>
+
+<file path=ppt/slides/slide16.xml><?xml version="1.0" encoding="utf-8"?>
+<p:sld xmlns:a="http://schemas.openxmlformats.org/drawingml/2006/main" xmlns:r="http://schemas.openxmlformats.org/officeDocument/2006/relationships" xmlns:p="http://schemas.openxmlformats.org/presentationml/2006/main">
+  <p:cSld>
+    <p:spTree>
+      <p:nvGrpSpPr>
+        <p:cNvPr id="1" name=""/>
+        <p:cNvGrpSpPr/>
+        <p:nvPr/>
+      </p:nvGrpSpPr>
+      <p:grpSpPr>
+        <a:xfrm>
+          <a:off x="0" y="0"/>
+          <a:ext cx="0" cy="0"/>
+          <a:chOff x="0" y="0"/>
+          <a:chExt cx="0" cy="0"/>
+        </a:xfrm>
+      </p:grpSpPr>
+      <p:sp>
+        <p:nvSpPr>
+          <p:cNvPr id="4" name="Titre 3"/>
+          <p:cNvSpPr>
+            <a:spLocks noGrp="1"/>
+          </p:cNvSpPr>
+          <p:nvPr>
+            <p:ph type="title"/>
+          </p:nvPr>
+        </p:nvSpPr>
+        <p:spPr/>
+        <p:txBody>
+          <a:bodyPr/>
+          <a:lstStyle/>
+          <a:p>
+            <a:r>
+              <a:rPr lang="fr-FR" dirty="0" err="1" smtClean="0"/>
+              <a:t>Pairing</a:t>
+            </a:r>
+            <a:endParaRPr lang="fr-FR" dirty="0"/>
+          </a:p>
+        </p:txBody>
+      </p:sp>
+      <p:sp>
+        <p:nvSpPr>
+          <p:cNvPr id="5" name="Espace réservé du contenu 4"/>
+          <p:cNvSpPr>
+            <a:spLocks noGrp="1"/>
+          </p:cNvSpPr>
+          <p:nvPr>
+            <p:ph idx="1"/>
+          </p:nvPr>
+        </p:nvSpPr>
+        <p:spPr/>
+        <p:txBody>
+          <a:bodyPr/>
+          <a:lstStyle/>
+          <a:p>
+            <a:r>
+              <a:rPr lang="fr-FR" dirty="0" smtClean="0"/>
+              <a:t> </a:t>
+            </a:r>
+            <a:r>
+              <a:rPr lang="fr-FR" dirty="0" err="1" smtClean="0"/>
+              <a:t>Connect</a:t>
+            </a:r>
+            <a:r>
+              <a:rPr lang="fr-FR" dirty="0" smtClean="0"/>
+              <a:t> on the </a:t>
+            </a:r>
+            <a:r>
+              <a:rPr lang="fr-FR" dirty="0" err="1" smtClean="0"/>
+              <a:t>same</a:t>
+            </a:r>
+            <a:r>
+              <a:rPr lang="fr-FR" dirty="0" smtClean="0"/>
+              <a:t> Network </a:t>
+            </a:r>
+          </a:p>
+          <a:p>
+            <a:endParaRPr lang="fr-FR" dirty="0" smtClean="0"/>
+          </a:p>
+          <a:p>
+            <a:endParaRPr lang="fr-FR" dirty="0"/>
+          </a:p>
+          <a:p>
+            <a:r>
+              <a:rPr lang="fr-FR" dirty="0" smtClean="0"/>
+              <a:t> </a:t>
+            </a:r>
+            <a:r>
+              <a:rPr lang="fr-FR" dirty="0" err="1" smtClean="0"/>
+              <a:t>Download</a:t>
+            </a:r>
+            <a:r>
+              <a:rPr lang="fr-FR" dirty="0" smtClean="0"/>
+              <a:t> ROS </a:t>
+            </a:r>
+            <a:r>
+              <a:rPr lang="fr-FR" dirty="0" err="1" smtClean="0"/>
+              <a:t>Teleop</a:t>
+            </a:r>
+            <a:r>
+              <a:rPr lang="fr-FR" dirty="0" smtClean="0"/>
+              <a:t> (Hydro)</a:t>
+            </a:r>
+          </a:p>
+          <a:p>
+            <a:endParaRPr lang="fr-FR" dirty="0" smtClean="0"/>
+          </a:p>
+          <a:p>
+            <a:pPr marL="0" indent="0">
+              <a:buNone/>
+            </a:pPr>
+            <a:endParaRPr lang="fr-FR" dirty="0"/>
+          </a:p>
+          <a:p>
+            <a:r>
+              <a:rPr lang="fr-FR" dirty="0" err="1" smtClean="0"/>
+              <a:t>Bringup</a:t>
+            </a:r>
+            <a:r>
+              <a:rPr lang="fr-FR" dirty="0" smtClean="0"/>
+              <a:t> </a:t>
+            </a:r>
+            <a:r>
+              <a:rPr lang="fr-FR" dirty="0" err="1" smtClean="0"/>
+              <a:t>with</a:t>
+            </a:r>
+            <a:r>
+              <a:rPr lang="fr-FR" dirty="0" smtClean="0"/>
+              <a:t> concert file </a:t>
+            </a:r>
+            <a:endParaRPr lang="fr-FR" dirty="0"/>
+          </a:p>
+        </p:txBody>
+      </p:sp>
+      <p:sp>
+        <p:nvSpPr>
+          <p:cNvPr id="2" name="Espace réservé du pied de page 1"/>
+          <p:cNvSpPr>
+            <a:spLocks noGrp="1"/>
+          </p:cNvSpPr>
+          <p:nvPr>
+            <p:ph type="ftr" sz="quarter" idx="11"/>
+          </p:nvPr>
+        </p:nvSpPr>
+        <p:spPr/>
+        <p:txBody>
+          <a:bodyPr/>
+          <a:lstStyle/>
+          <a:p>
+            <a:r>
+              <a:rPr lang="fr-FR" dirty="0" smtClean="0"/>
+              <a:t>Motion control     Navigation &amp; </a:t>
+            </a:r>
+            <a:r>
+              <a:rPr lang="fr-FR" dirty="0" err="1" smtClean="0"/>
+              <a:t>Localization</a:t>
+            </a:r>
+            <a:r>
+              <a:rPr lang="fr-FR" dirty="0" smtClean="0"/>
+              <a:t>    </a:t>
+            </a:r>
+            <a:r>
+              <a:rPr lang="fr-FR" dirty="0" smtClean="0">
+                <a:solidFill>
+                  <a:srgbClr val="FF0000"/>
+                </a:solidFill>
+              </a:rPr>
+              <a:t>Android</a:t>
+            </a:r>
+            <a:endParaRPr lang="fr-FR" dirty="0">
+              <a:solidFill>
+                <a:srgbClr val="FF0000"/>
+              </a:solidFill>
+            </a:endParaRPr>
+          </a:p>
+        </p:txBody>
+      </p:sp>
+      <p:sp>
+        <p:nvSpPr>
+          <p:cNvPr id="3" name="Espace réservé du numéro de diapositive 2"/>
+          <p:cNvSpPr>
+            <a:spLocks noGrp="1"/>
+          </p:cNvSpPr>
+          <p:nvPr>
+            <p:ph type="sldNum" sz="quarter" idx="12"/>
+          </p:nvPr>
+        </p:nvSpPr>
+        <p:spPr/>
+        <p:txBody>
+          <a:bodyPr>
+            <a:normAutofit fontScale="92500" lnSpcReduction="10000"/>
+          </a:bodyPr>
+          <a:lstStyle/>
+          <a:p>
+            <a:fld id="{B5DB7FC2-8201-461D-A208-F496F60082A1}" type="slidenum">
+              <a:rPr lang="fr-FR" smtClean="0"/>
+              <a:pPr/>
+              <a:t>16</a:t>
+            </a:fld>
+            <a:endParaRPr lang="fr-FR"/>
+          </a:p>
+        </p:txBody>
+      </p:sp>
+      <p:pic>
+        <p:nvPicPr>
+          <p:cNvPr id="6" name="Image 5"/>
+          <p:cNvPicPr>
+            <a:picLocks noChangeAspect="1"/>
+          </p:cNvPicPr>
+          <p:nvPr/>
+        </p:nvPicPr>
+        <p:blipFill>
+          <a:blip r:embed="rId3">
+            <a:extLst>
+              <a:ext uri="{28A0092B-C50C-407E-A947-70E740481C1C}">
+                <a14:useLocalDpi xmlns:a14="http://schemas.microsoft.com/office/drawing/2010/main" xmlns="" val="0"/>
+              </a:ext>
+            </a:extLst>
+          </a:blip>
+          <a:stretch>
+            <a:fillRect/>
+          </a:stretch>
+        </p:blipFill>
+        <p:spPr>
+          <a:xfrm>
+            <a:off x="4787826" y="2920657"/>
+            <a:ext cx="3153137" cy="1083812"/>
+          </a:xfrm>
+          <a:prstGeom prst="rect">
+            <a:avLst/>
+          </a:prstGeom>
+        </p:spPr>
+      </p:pic>
+      <p:pic>
+        <p:nvPicPr>
+          <p:cNvPr id="7" name="Image 6"/>
+          <p:cNvPicPr>
+            <a:picLocks noChangeAspect="1"/>
+          </p:cNvPicPr>
+          <p:nvPr/>
+        </p:nvPicPr>
+        <p:blipFill>
+          <a:blip r:embed="rId4" cstate="print">
+            <a:extLst>
+              <a:ext uri="{28A0092B-C50C-407E-A947-70E740481C1C}">
+                <a14:useLocalDpi xmlns:a14="http://schemas.microsoft.com/office/drawing/2010/main" xmlns="" val="0"/>
+              </a:ext>
+            </a:extLst>
+          </a:blip>
+          <a:stretch>
+            <a:fillRect/>
+          </a:stretch>
+        </p:blipFill>
+        <p:spPr>
+          <a:xfrm flipV="1">
+            <a:off x="4921301" y="4652929"/>
+            <a:ext cx="4937760" cy="1816135"/>
+          </a:xfrm>
+          <a:prstGeom prst="rect">
+            <a:avLst/>
+          </a:prstGeom>
+        </p:spPr>
+      </p:pic>
+    </p:spTree>
+    <p:extLst>
+      <p:ext uri="{BB962C8B-B14F-4D97-AF65-F5344CB8AC3E}">
+        <p14:creationId xmlns:p14="http://schemas.microsoft.com/office/powerpoint/2010/main" xmlns="" val="35265262"/>
+      </p:ext>
+    </p:extLst>
+  </p:cSld>
+  <p:clrMapOvr>
+    <a:masterClrMapping/>
+  </p:clrMapOvr>
+</p:sld>
+</file>
+
+<file path=ppt/slides/slide17.xml><?xml version="1.0" encoding="utf-8"?>
+<p:sld xmlns:a="http://schemas.openxmlformats.org/drawingml/2006/main" xmlns:r="http://schemas.openxmlformats.org/officeDocument/2006/relationships" xmlns:p="http://schemas.openxmlformats.org/presentationml/2006/main">
+  <p:cSld>
+    <p:spTree>
+      <p:nvGrpSpPr>
+        <p:cNvPr id="1" name=""/>
+        <p:cNvGrpSpPr/>
+        <p:nvPr/>
+      </p:nvGrpSpPr>
+      <p:grpSpPr>
+        <a:xfrm>
+          <a:off x="0" y="0"/>
+          <a:ext cx="0" cy="0"/>
+          <a:chOff x="0" y="0"/>
+          <a:chExt cx="0" cy="0"/>
+        </a:xfrm>
+      </p:grpSpPr>
+      <p:sp>
+        <p:nvSpPr>
+          <p:cNvPr id="2" name="Titre 1"/>
+          <p:cNvSpPr>
+            <a:spLocks noGrp="1"/>
+          </p:cNvSpPr>
+          <p:nvPr>
+            <p:ph type="title"/>
+          </p:nvPr>
+        </p:nvSpPr>
+        <p:spPr/>
+        <p:txBody>
+          <a:bodyPr/>
+          <a:lstStyle/>
+          <a:p>
+            <a:r>
+              <a:rPr lang="fr-FR" dirty="0" err="1" smtClean="0"/>
+              <a:t>Demonstration</a:t>
+            </a:r>
+            <a:endParaRPr lang="fr-FR" dirty="0"/>
+          </a:p>
+        </p:txBody>
+      </p:sp>
+      <p:sp>
+        <p:nvSpPr>
+          <p:cNvPr id="3" name="Espace réservé du contenu 2"/>
+          <p:cNvSpPr>
+            <a:spLocks noGrp="1"/>
+          </p:cNvSpPr>
+          <p:nvPr>
+            <p:ph idx="1"/>
+          </p:nvPr>
+        </p:nvSpPr>
+        <p:spPr>
+          <a:xfrm>
+            <a:off x="1135685" y="5560365"/>
+            <a:ext cx="7735824" cy="413182"/>
+          </a:xfrm>
+        </p:spPr>
+        <p:txBody>
+          <a:bodyPr/>
+          <a:lstStyle/>
+          <a:p>
+            <a:pPr algn="ctr"/>
+            <a:r>
+              <a:rPr lang="fr-FR" dirty="0"/>
+              <a:t>https://www.youtube.com/watch?v=pBYmtod4o18</a:t>
+            </a:r>
+          </a:p>
+        </p:txBody>
+      </p:sp>
+      <p:sp>
+        <p:nvSpPr>
+          <p:cNvPr id="4" name="Espace réservé du pied de page 3"/>
+          <p:cNvSpPr>
+            <a:spLocks noGrp="1"/>
+          </p:cNvSpPr>
+          <p:nvPr>
+            <p:ph type="ftr" sz="quarter" idx="11"/>
+          </p:nvPr>
+        </p:nvSpPr>
+        <p:spPr/>
+        <p:txBody>
+          <a:bodyPr/>
+          <a:lstStyle/>
+          <a:p>
+            <a:r>
+              <a:rPr lang="fr-FR" dirty="0" smtClean="0"/>
+              <a:t>Motion control     Navigation &amp; </a:t>
+            </a:r>
+            <a:r>
+              <a:rPr lang="fr-FR" dirty="0" err="1" smtClean="0"/>
+              <a:t>Localization</a:t>
+            </a:r>
+            <a:r>
+              <a:rPr lang="fr-FR" dirty="0" smtClean="0"/>
+              <a:t>    </a:t>
+            </a:r>
+            <a:r>
+              <a:rPr lang="fr-FR" dirty="0" smtClean="0">
+                <a:solidFill>
+                  <a:srgbClr val="FF0000"/>
+                </a:solidFill>
+              </a:rPr>
+              <a:t>Android</a:t>
+            </a:r>
+            <a:endParaRPr lang="fr-FR" dirty="0">
+              <a:solidFill>
+                <a:srgbClr val="FF0000"/>
+              </a:solidFill>
+            </a:endParaRPr>
+          </a:p>
+        </p:txBody>
+      </p:sp>
+      <p:sp>
+        <p:nvSpPr>
+          <p:cNvPr id="5" name="Espace réservé du numéro de diapositive 4"/>
+          <p:cNvSpPr>
+            <a:spLocks noGrp="1"/>
+          </p:cNvSpPr>
+          <p:nvPr>
+            <p:ph type="sldNum" sz="quarter" idx="12"/>
+          </p:nvPr>
+        </p:nvSpPr>
+        <p:spPr/>
+        <p:txBody>
+          <a:bodyPr>
+            <a:normAutofit fontScale="92500" lnSpcReduction="10000"/>
+          </a:bodyPr>
+          <a:lstStyle/>
+          <a:p>
+            <a:fld id="{B5DB7FC2-8201-461D-A208-F496F60082A1}" type="slidenum">
+              <a:rPr lang="fr-FR" smtClean="0"/>
+              <a:pPr/>
+              <a:t>17</a:t>
+            </a:fld>
+            <a:endParaRPr lang="fr-FR"/>
+          </a:p>
+        </p:txBody>
+      </p:sp>
+      <p:pic>
+        <p:nvPicPr>
+          <p:cNvPr id="6" name="Image 5"/>
+          <p:cNvPicPr>
+            <a:picLocks noChangeAspect="1"/>
+          </p:cNvPicPr>
+          <p:nvPr/>
+        </p:nvPicPr>
+        <p:blipFill>
+          <a:blip r:embed="rId2">
+            <a:extLst>
+              <a:ext uri="{28A0092B-C50C-407E-A947-70E740481C1C}">
+                <a14:useLocalDpi xmlns:a14="http://schemas.microsoft.com/office/drawing/2010/main" xmlns="" val="0"/>
+              </a:ext>
+            </a:extLst>
+          </a:blip>
+          <a:stretch>
+            <a:fillRect/>
+          </a:stretch>
+        </p:blipFill>
+        <p:spPr>
+          <a:xfrm>
+            <a:off x="2243694" y="2004199"/>
+            <a:ext cx="5519813" cy="3449883"/>
+          </a:xfrm>
+          <a:prstGeom prst="rect">
+            <a:avLst/>
+          </a:prstGeom>
+        </p:spPr>
+      </p:pic>
+    </p:spTree>
+    <p:extLst>
+      <p:ext uri="{BB962C8B-B14F-4D97-AF65-F5344CB8AC3E}">
+        <p14:creationId xmlns:p14="http://schemas.microsoft.com/office/powerpoint/2010/main" xmlns="" val="30160649"/>
+      </p:ext>
+    </p:extLst>
+  </p:cSld>
+  <p:clrMapOvr>
+    <a:masterClrMapping/>
+  </p:clrMapOvr>
+</p:sld>
+</file>
+
+<file path=ppt/slides/slide18.xml><?xml version="1.0" encoding="utf-8"?>
+<p:sld xmlns:a="http://schemas.openxmlformats.org/drawingml/2006/main" xmlns:r="http://schemas.openxmlformats.org/officeDocument/2006/relationships" xmlns:p="http://schemas.openxmlformats.org/presentationml/2006/main">
+  <p:cSld>
+    <p:spTree>
+      <p:nvGrpSpPr>
+        <p:cNvPr id="1" name=""/>
+        <p:cNvGrpSpPr/>
+        <p:nvPr/>
+      </p:nvGrpSpPr>
+      <p:grpSpPr>
+        <a:xfrm>
+          <a:off x="0" y="0"/>
+          <a:ext cx="0" cy="0"/>
+          <a:chOff x="0" y="0"/>
+          <a:chExt cx="0" cy="0"/>
+        </a:xfrm>
+      </p:grpSpPr>
+      <p:sp>
+        <p:nvSpPr>
+          <p:cNvPr id="2" name="Titre 1"/>
+          <p:cNvSpPr>
+            <a:spLocks noGrp="1"/>
+          </p:cNvSpPr>
+          <p:nvPr>
+            <p:ph type="title"/>
+          </p:nvPr>
+        </p:nvSpPr>
+        <p:spPr/>
+        <p:txBody>
+          <a:bodyPr/>
+          <a:lstStyle/>
+          <a:p>
+            <a:r>
+              <a:rPr lang="fr-FR" dirty="0" smtClean="0"/>
+              <a:t>Conclusion</a:t>
+            </a:r>
+            <a:endParaRPr lang="fr-FR" dirty="0"/>
+          </a:p>
+        </p:txBody>
+      </p:sp>
+      <p:sp>
+        <p:nvSpPr>
+          <p:cNvPr id="3" name="Espace réservé du contenu 2"/>
+          <p:cNvSpPr>
+            <a:spLocks noGrp="1"/>
+          </p:cNvSpPr>
+          <p:nvPr>
+            <p:ph idx="1"/>
+          </p:nvPr>
+        </p:nvSpPr>
+        <p:spPr/>
+        <p:txBody>
+          <a:bodyPr/>
+          <a:lstStyle/>
+          <a:p>
+            <a:r>
+              <a:rPr lang="fr-FR" dirty="0" smtClean="0"/>
+              <a:t> Time </a:t>
+            </a:r>
+            <a:r>
+              <a:rPr lang="fr-FR" dirty="0" err="1" smtClean="0"/>
+              <a:t>spent</a:t>
+            </a:r>
+            <a:r>
+              <a:rPr lang="fr-FR" dirty="0" smtClean="0"/>
+              <a:t> on </a:t>
+            </a:r>
+            <a:r>
+              <a:rPr lang="fr-FR" dirty="0" err="1" smtClean="0"/>
+              <a:t>android</a:t>
+            </a:r>
+            <a:r>
+              <a:rPr lang="fr-FR" dirty="0" smtClean="0"/>
+              <a:t> code and home made concert file </a:t>
+            </a:r>
+            <a:endParaRPr lang="fr-FR" dirty="0"/>
+          </a:p>
+        </p:txBody>
+      </p:sp>
+      <p:sp>
+        <p:nvSpPr>
+          <p:cNvPr id="4" name="Espace réservé du pied de page 3"/>
+          <p:cNvSpPr>
+            <a:spLocks noGrp="1"/>
+          </p:cNvSpPr>
+          <p:nvPr>
+            <p:ph type="ftr" sz="quarter" idx="11"/>
+          </p:nvPr>
+        </p:nvSpPr>
+        <p:spPr/>
+        <p:txBody>
+          <a:bodyPr/>
+          <a:lstStyle/>
+          <a:p>
+            <a:r>
+              <a:rPr lang="fr-FR" smtClean="0"/>
+              <a:t>Motion control     Navigation &amp; Localization    Android</a:t>
+            </a:r>
+            <a:endParaRPr lang="fr-FR"/>
+          </a:p>
+        </p:txBody>
+      </p:sp>
+      <p:sp>
+        <p:nvSpPr>
+          <p:cNvPr id="5" name="Espace réservé du numéro de diapositive 4"/>
+          <p:cNvSpPr>
+            <a:spLocks noGrp="1"/>
+          </p:cNvSpPr>
+          <p:nvPr>
+            <p:ph type="sldNum" sz="quarter" idx="12"/>
+          </p:nvPr>
+        </p:nvSpPr>
+        <p:spPr/>
+        <p:txBody>
+          <a:bodyPr>
+            <a:normAutofit fontScale="92500" lnSpcReduction="10000"/>
+          </a:bodyPr>
+          <a:lstStyle/>
+          <a:p>
+            <a:fld id="{B5DB7FC2-8201-461D-A208-F496F60082A1}" type="slidenum">
+              <a:rPr lang="fr-FR" smtClean="0"/>
+              <a:pPr/>
+              <a:t>18</a:t>
+            </a:fld>
+            <a:endParaRPr lang="fr-FR"/>
+          </a:p>
+        </p:txBody>
+      </p:sp>
+    </p:spTree>
+    <p:extLst>
+      <p:ext uri="{BB962C8B-B14F-4D97-AF65-F5344CB8AC3E}">
+        <p14:creationId xmlns:p14="http://schemas.microsoft.com/office/powerpoint/2010/main" xmlns="" val="1709056602"/>
       </p:ext>
     </p:extLst>
   </p:cSld>
@@ -10031,6 +12373,7 @@
           <a:p>
             <a:fld id="{B5DB7FC2-8201-461D-A208-F496F60082A1}" type="slidenum">
               <a:rPr lang="fr-FR" smtClean="0"/>
+              <a:pPr/>
               <a:t>2</a:t>
             </a:fld>
             <a:endParaRPr lang="fr-FR"/>
@@ -10040,7 +12383,7 @@
     </p:spTree>
     <p:extLst>
       <p:ext uri="{BB962C8B-B14F-4D97-AF65-F5344CB8AC3E}">
-        <p14:creationId xmlns:p14="http://schemas.microsoft.com/office/powerpoint/2010/main" val="1338518905"/>
+        <p14:creationId xmlns:p14="http://schemas.microsoft.com/office/powerpoint/2010/main" xmlns="" val="1338518905"/>
       </p:ext>
     </p:extLst>
   </p:cSld>
@@ -10102,8 +12445,8 @@
         </p:nvSpPr>
         <p:spPr>
           <a:xfrm>
-            <a:off x="1261872" y="2732809"/>
-            <a:ext cx="8595360" cy="3447328"/>
+            <a:off x="1135685" y="2732810"/>
+            <a:ext cx="7735824" cy="3447328"/>
           </a:xfrm>
         </p:spPr>
         <p:txBody>
@@ -10187,6 +12530,7 @@
           <a:p>
             <a:fld id="{B5DB7FC2-8201-461D-A208-F496F60082A1}" type="slidenum">
               <a:rPr lang="fr-FR" smtClean="0"/>
+              <a:pPr/>
               <a:t>3</a:t>
             </a:fld>
             <a:endParaRPr lang="fr-FR"/>
@@ -10196,7 +12540,7 @@
     </p:spTree>
     <p:extLst>
       <p:ext uri="{BB962C8B-B14F-4D97-AF65-F5344CB8AC3E}">
-        <p14:creationId xmlns:p14="http://schemas.microsoft.com/office/powerpoint/2010/main" val="256498503"/>
+        <p14:creationId xmlns:p14="http://schemas.microsoft.com/office/powerpoint/2010/main" xmlns="" val="256498503"/>
       </p:ext>
     </p:extLst>
   </p:cSld>
@@ -10233,54 +12577,64 @@
             <p:ph type="ctrTitle"/>
           </p:nvPr>
         </p:nvSpPr>
-        <p:spPr/>
-        <p:txBody>
-          <a:bodyPr/>
-          <a:lstStyle/>
-          <a:p>
-            <a:r>
-              <a:rPr lang="fr-FR" dirty="0" smtClean="0"/>
-              <a:t>Android Control</a:t>
-            </a:r>
-            <a:endParaRPr lang="fr-FR" dirty="0"/>
-          </a:p>
-        </p:txBody>
-      </p:sp>
-      <p:sp>
-        <p:nvSpPr>
-          <p:cNvPr id="3" name="Sous-titre 2"/>
-          <p:cNvSpPr>
-            <a:spLocks noGrp="1"/>
-          </p:cNvSpPr>
-          <p:nvPr>
-            <p:ph type="subTitle" idx="1"/>
-          </p:nvPr>
-        </p:nvSpPr>
-        <p:spPr/>
-        <p:txBody>
-          <a:bodyPr/>
-          <a:lstStyle/>
-          <a:p>
-            <a:r>
-              <a:rPr lang="fr-FR" dirty="0" err="1" smtClean="0"/>
-              <a:t>Pairing</a:t>
-            </a:r>
-            <a:r>
-              <a:rPr lang="fr-FR" dirty="0" smtClean="0"/>
-              <a:t> and </a:t>
-            </a:r>
-            <a:r>
-              <a:rPr lang="fr-FR" dirty="0" err="1" smtClean="0"/>
-              <a:t>Demonstration</a:t>
-            </a:r>
-            <a:endParaRPr lang="fr-FR" dirty="0"/>
-          </a:p>
-        </p:txBody>
-      </p:sp>
+        <p:spPr>
+          <a:xfrm>
+            <a:off x="228600" y="279400"/>
+            <a:ext cx="7406640" cy="749300"/>
+          </a:xfrm>
+        </p:spPr>
+        <p:txBody>
+          <a:bodyPr>
+            <a:noAutofit/>
+          </a:bodyPr>
+          <a:lstStyle/>
+          <a:p>
+            <a:r>
+              <a:rPr lang="fr-FR" sz="4800" dirty="0" err="1" smtClean="0"/>
+              <a:t>Levels</a:t>
+            </a:r>
+            <a:r>
+              <a:rPr lang="fr-FR" sz="4800" dirty="0" smtClean="0"/>
+              <a:t> of Motion </a:t>
+            </a:r>
+            <a:r>
+              <a:rPr lang="fr-FR" sz="4800" dirty="0" smtClean="0"/>
+              <a:t>Control</a:t>
+            </a:r>
+            <a:endParaRPr lang="fr-FR" sz="4800" dirty="0"/>
+          </a:p>
+        </p:txBody>
+      </p:sp>
+      <p:pic>
+        <p:nvPicPr>
+          <p:cNvPr id="1026" name="Picture 2" descr="C:\Users\EpicFailure\Desktop\bsc2\Robotic Engineering 2 (ROS)\Report\images\motion_control.png"/>
+          <p:cNvPicPr>
+            <a:picLocks noChangeAspect="1" noChangeArrowheads="1"/>
+          </p:cNvPicPr>
+          <p:nvPr/>
+        </p:nvPicPr>
+        <p:blipFill>
+          <a:blip r:embed="rId2"/>
+          <a:srcRect/>
+          <a:stretch>
+            <a:fillRect/>
+          </a:stretch>
+        </p:blipFill>
+        <p:spPr bwMode="auto">
+          <a:xfrm>
+            <a:off x="4363404" y="1079501"/>
+            <a:ext cx="1157288" cy="5141914"/>
+          </a:xfrm>
+          <a:prstGeom prst="rect">
+            <a:avLst/>
+          </a:prstGeom>
+          <a:noFill/>
+        </p:spPr>
+      </p:pic>
     </p:spTree>
     <p:extLst>
       <p:ext uri="{BB962C8B-B14F-4D97-AF65-F5344CB8AC3E}">
-        <p14:creationId xmlns:p14="http://schemas.microsoft.com/office/powerpoint/2010/main" val="827552370"/>
+        <p14:creationId xmlns:p14="http://schemas.microsoft.com/office/powerpoint/2010/main" xmlns="" val="827552370"/>
       </p:ext>
     </p:extLst>
   </p:cSld>
@@ -10309,253 +12663,464 @@
       </p:grpSpPr>
       <p:sp>
         <p:nvSpPr>
-          <p:cNvPr id="4" name="Titre 3"/>
-          <p:cNvSpPr>
-            <a:spLocks noGrp="1"/>
-          </p:cNvSpPr>
-          <p:nvPr>
-            <p:ph type="title"/>
-          </p:nvPr>
-        </p:nvSpPr>
-        <p:spPr/>
-        <p:txBody>
-          <a:bodyPr/>
-          <a:lstStyle/>
-          <a:p>
-            <a:r>
-              <a:rPr lang="fr-FR" dirty="0" err="1" smtClean="0"/>
-              <a:t>Pairing</a:t>
-            </a:r>
-            <a:endParaRPr lang="fr-FR" dirty="0"/>
-          </a:p>
-        </p:txBody>
-      </p:sp>
-      <p:sp>
-        <p:nvSpPr>
-          <p:cNvPr id="5" name="Espace réservé du contenu 4"/>
-          <p:cNvSpPr>
-            <a:spLocks noGrp="1"/>
-          </p:cNvSpPr>
-          <p:nvPr>
-            <p:ph idx="1"/>
-          </p:nvPr>
-        </p:nvSpPr>
-        <p:spPr/>
-        <p:txBody>
-          <a:bodyPr/>
-          <a:lstStyle/>
-          <a:p>
-            <a:r>
-              <a:rPr lang="fr-FR" dirty="0" smtClean="0"/>
-              <a:t> </a:t>
-            </a:r>
-            <a:r>
-              <a:rPr lang="fr-FR" dirty="0" err="1" smtClean="0"/>
-              <a:t>Connect</a:t>
-            </a:r>
-            <a:r>
-              <a:rPr lang="fr-FR" dirty="0" smtClean="0"/>
-              <a:t> on the </a:t>
-            </a:r>
-            <a:r>
-              <a:rPr lang="fr-FR" dirty="0" err="1" smtClean="0"/>
-              <a:t>same</a:t>
-            </a:r>
-            <a:r>
-              <a:rPr lang="fr-FR" dirty="0" smtClean="0"/>
-              <a:t> Network </a:t>
-            </a:r>
-          </a:p>
-          <a:p>
-            <a:endParaRPr lang="fr-FR" dirty="0" smtClean="0"/>
-          </a:p>
-          <a:p>
-            <a:endParaRPr lang="fr-FR" dirty="0"/>
-          </a:p>
-          <a:p>
-            <a:r>
-              <a:rPr lang="fr-FR" dirty="0" smtClean="0"/>
-              <a:t> </a:t>
-            </a:r>
-            <a:r>
-              <a:rPr lang="fr-FR" dirty="0" err="1" smtClean="0"/>
-              <a:t>Download</a:t>
-            </a:r>
-            <a:r>
-              <a:rPr lang="fr-FR" dirty="0" smtClean="0"/>
-              <a:t> ROS </a:t>
-            </a:r>
-            <a:r>
-              <a:rPr lang="fr-FR" dirty="0" err="1" smtClean="0"/>
-              <a:t>Teleop</a:t>
-            </a:r>
-            <a:r>
-              <a:rPr lang="fr-FR" dirty="0" smtClean="0"/>
-              <a:t> (Hydro)</a:t>
-            </a:r>
-          </a:p>
-          <a:p>
-            <a:endParaRPr lang="fr-FR" dirty="0" smtClean="0"/>
-          </a:p>
-          <a:p>
-            <a:pPr marL="0" indent="0">
-              <a:buNone/>
-            </a:pPr>
-            <a:endParaRPr lang="fr-FR" dirty="0"/>
-          </a:p>
-          <a:p>
-            <a:r>
-              <a:rPr lang="fr-FR" dirty="0" err="1" smtClean="0"/>
-              <a:t>Bringup</a:t>
-            </a:r>
-            <a:r>
-              <a:rPr lang="fr-FR" dirty="0" smtClean="0"/>
-              <a:t> </a:t>
-            </a:r>
-            <a:r>
-              <a:rPr lang="fr-FR" dirty="0" err="1" smtClean="0"/>
-              <a:t>with</a:t>
-            </a:r>
-            <a:r>
-              <a:rPr lang="fr-FR" dirty="0" smtClean="0"/>
-              <a:t> concert file </a:t>
-            </a:r>
-            <a:endParaRPr lang="fr-FR" dirty="0"/>
-          </a:p>
-        </p:txBody>
-      </p:sp>
-      <p:sp>
-        <p:nvSpPr>
-          <p:cNvPr id="2" name="Espace réservé du pied de page 1"/>
-          <p:cNvSpPr>
-            <a:spLocks noGrp="1"/>
-          </p:cNvSpPr>
-          <p:nvPr>
-            <p:ph type="ftr" sz="quarter" idx="11"/>
-          </p:nvPr>
-        </p:nvSpPr>
-        <p:spPr/>
-        <p:txBody>
-          <a:bodyPr/>
-          <a:lstStyle/>
-          <a:p>
-            <a:r>
-              <a:rPr lang="fr-FR" dirty="0" smtClean="0"/>
-              <a:t>Motion control     Navigation &amp; </a:t>
-            </a:r>
-            <a:r>
-              <a:rPr lang="fr-FR" dirty="0" err="1" smtClean="0"/>
-              <a:t>Localization</a:t>
-            </a:r>
-            <a:r>
-              <a:rPr lang="fr-FR" dirty="0" smtClean="0"/>
-              <a:t>    </a:t>
-            </a:r>
-            <a:r>
-              <a:rPr lang="fr-FR" dirty="0" smtClean="0">
-                <a:solidFill>
-                  <a:srgbClr val="FF0000"/>
-                </a:solidFill>
-              </a:rPr>
-              <a:t>Android</a:t>
-            </a:r>
-            <a:endParaRPr lang="fr-FR" dirty="0">
-              <a:solidFill>
-                <a:srgbClr val="FF0000"/>
-              </a:solidFill>
-            </a:endParaRPr>
-          </a:p>
-        </p:txBody>
-      </p:sp>
-      <p:sp>
-        <p:nvSpPr>
-          <p:cNvPr id="3" name="Espace réservé du numéro de diapositive 2"/>
-          <p:cNvSpPr>
-            <a:spLocks noGrp="1"/>
-          </p:cNvSpPr>
-          <p:nvPr>
-            <p:ph type="sldNum" sz="quarter" idx="12"/>
-          </p:nvPr>
-        </p:nvSpPr>
-        <p:spPr/>
+          <p:cNvPr id="2" name="Titre 1"/>
+          <p:cNvSpPr>
+            <a:spLocks noGrp="1"/>
+          </p:cNvSpPr>
+          <p:nvPr>
+            <p:ph type="ctrTitle"/>
+          </p:nvPr>
+        </p:nvSpPr>
+        <p:spPr>
+          <a:xfrm>
+            <a:off x="228600" y="279400"/>
+            <a:ext cx="7406640" cy="749300"/>
+          </a:xfrm>
+        </p:spPr>
         <p:txBody>
           <a:bodyPr>
-            <a:normAutofit lnSpcReduction="10000"/>
+            <a:noAutofit/>
           </a:bodyPr>
           <a:lstStyle/>
           <a:p>
-            <a:fld id="{B5DB7FC2-8201-461D-A208-F496F60082A1}" type="slidenum">
-              <a:rPr lang="fr-FR" smtClean="0"/>
-              <a:t>5</a:t>
-            </a:fld>
-            <a:endParaRPr lang="fr-FR"/>
+            <a:r>
+              <a:rPr lang="fr-FR" sz="4800" dirty="0" err="1" smtClean="0"/>
+              <a:t>Levels</a:t>
+            </a:r>
+            <a:r>
+              <a:rPr lang="fr-FR" sz="4800" dirty="0" smtClean="0"/>
+              <a:t> of Motion </a:t>
+            </a:r>
+            <a:r>
+              <a:rPr lang="fr-FR" sz="4800" dirty="0" smtClean="0"/>
+              <a:t>Control</a:t>
+            </a:r>
+            <a:endParaRPr lang="fr-FR" sz="4800" dirty="0"/>
           </a:p>
         </p:txBody>
       </p:sp>
       <p:pic>
         <p:nvPicPr>
-          <p:cNvPr id="6" name="Image 5"/>
+          <p:cNvPr id="1026" name="Picture 2" descr="C:\Users\EpicFailure\Desktop\bsc2\Robotic Engineering 2 (ROS)\Report\images\motion_control.png"/>
           <p:cNvPicPr>
-            <a:picLocks noChangeAspect="1"/>
+            <a:picLocks noChangeAspect="1" noChangeArrowheads="1"/>
           </p:cNvPicPr>
           <p:nvPr/>
         </p:nvPicPr>
         <p:blipFill>
-          <a:blip r:embed="rId3">
-            <a:extLst>
-              <a:ext uri="{28A0092B-C50C-407E-A947-70E740481C1C}">
-                <a14:useLocalDpi xmlns:a14="http://schemas.microsoft.com/office/drawing/2010/main" val="0"/>
-              </a:ext>
-            </a:extLst>
-          </a:blip>
+          <a:blip r:embed="rId2"/>
+          <a:srcRect/>
           <a:stretch>
             <a:fillRect/>
           </a:stretch>
         </p:blipFill>
+        <p:spPr bwMode="auto">
+          <a:xfrm>
+            <a:off x="9015415" y="787401"/>
+            <a:ext cx="1157288" cy="5141914"/>
+          </a:xfrm>
+          <a:prstGeom prst="rect">
+            <a:avLst/>
+          </a:prstGeom>
+          <a:noFill/>
+        </p:spPr>
+      </p:pic>
+      <p:sp>
+        <p:nvSpPr>
+          <p:cNvPr id="5" name="Rectangle 4"/>
+          <p:cNvSpPr/>
+          <p:nvPr/>
+        </p:nvSpPr>
         <p:spPr>
           <a:xfrm>
-            <a:off x="5319806" y="2920656"/>
-            <a:ext cx="3503487" cy="1083812"/>
+            <a:off x="582931" y="995743"/>
+            <a:ext cx="8069581" cy="1384995"/>
           </a:xfrm>
           <a:prstGeom prst="rect">
             <a:avLst/>
           </a:prstGeom>
         </p:spPr>
-      </p:pic>
-      <p:pic>
-        <p:nvPicPr>
-          <p:cNvPr id="7" name="Image 6"/>
-          <p:cNvPicPr>
-            <a:picLocks noChangeAspect="1"/>
-          </p:cNvPicPr>
+        <p:txBody>
+          <a:bodyPr wrap="square">
+            <a:spAutoFit/>
+          </a:bodyPr>
+          <a:lstStyle/>
+          <a:p>
+            <a:r>
+              <a:rPr lang="en-US" sz="1400" b="1" dirty="0" smtClean="0"/>
+              <a:t>1.2.1 Motors, Wheels and Encoders</a:t>
+            </a:r>
+          </a:p>
+          <a:p>
+            <a:r>
+              <a:rPr lang="en-US" sz="1400" dirty="0" err="1" smtClean="0"/>
+              <a:t>Turtlebot</a:t>
+            </a:r>
+            <a:r>
+              <a:rPr lang="en-US" sz="1400" dirty="0" smtClean="0"/>
+              <a:t> uses </a:t>
+            </a:r>
+            <a:r>
+              <a:rPr lang="en-US" sz="1400" b="1" dirty="0" smtClean="0"/>
+              <a:t>Encoders</a:t>
+            </a:r>
+            <a:r>
+              <a:rPr lang="en-US" sz="1400" dirty="0" smtClean="0"/>
+              <a:t> to drive it’s </a:t>
+            </a:r>
+            <a:r>
+              <a:rPr lang="en-US" sz="1400" b="1" dirty="0" smtClean="0"/>
+              <a:t>motors or wheels</a:t>
+            </a:r>
+            <a:r>
+              <a:rPr lang="en-US" sz="1400" dirty="0" smtClean="0"/>
+              <a:t>. Encoder registers certain number of </a:t>
+            </a:r>
+            <a:r>
+              <a:rPr lang="en-US" sz="1400" b="1" dirty="0" smtClean="0"/>
+              <a:t>ticks</a:t>
+            </a:r>
+            <a:r>
+              <a:rPr lang="en-US" sz="1400" dirty="0" smtClean="0"/>
+              <a:t> per </a:t>
+            </a:r>
+            <a:r>
+              <a:rPr lang="en-US" sz="1400" dirty="0" smtClean="0"/>
+              <a:t>revolution for </a:t>
+            </a:r>
+            <a:r>
+              <a:rPr lang="en-US" sz="1400" dirty="0" smtClean="0"/>
+              <a:t>a wheel. Knowing the diameter and distance between the wheels, from these ticks we can find distance </a:t>
+            </a:r>
+            <a:r>
+              <a:rPr lang="en-US" sz="1400" dirty="0" smtClean="0"/>
+              <a:t>traveled by </a:t>
+            </a:r>
+            <a:r>
+              <a:rPr lang="en-US" sz="1400" dirty="0" smtClean="0"/>
+              <a:t>the robot. To compute </a:t>
+            </a:r>
+            <a:r>
+              <a:rPr lang="en-US" sz="1400" b="1" dirty="0" smtClean="0"/>
+              <a:t>speed</a:t>
+            </a:r>
+            <a:r>
+              <a:rPr lang="en-US" sz="1400" dirty="0" smtClean="0"/>
+              <a:t>, these values are simply divided by the time interval between measurements. </a:t>
+            </a:r>
+            <a:r>
+              <a:rPr lang="en-US" sz="1400" dirty="0" smtClean="0"/>
+              <a:t>This internal </a:t>
+            </a:r>
+            <a:r>
+              <a:rPr lang="en-US" sz="1400" dirty="0" smtClean="0"/>
+              <a:t>motion data is known as </a:t>
+            </a:r>
+            <a:r>
+              <a:rPr lang="en-US" sz="1400" b="1" dirty="0" err="1" smtClean="0"/>
+              <a:t>odometry</a:t>
+            </a:r>
+            <a:r>
+              <a:rPr lang="en-US" sz="1400" dirty="0" smtClean="0"/>
+              <a:t>. </a:t>
+            </a:r>
+            <a:r>
+              <a:rPr lang="en-US" sz="1400" dirty="0" smtClean="0"/>
+              <a:t>Due to Environmental and other errors this data is not </a:t>
+            </a:r>
+            <a:r>
+              <a:rPr lang="en-US" sz="1400" dirty="0" smtClean="0"/>
+              <a:t>generally accurate</a:t>
+            </a:r>
+            <a:r>
+              <a:rPr lang="en-US" sz="1400" dirty="0" smtClean="0"/>
+              <a:t>. We need to use other motion data sources to get better estimation.</a:t>
+            </a:r>
+            <a:endParaRPr lang="en-US" sz="1400" dirty="0"/>
+          </a:p>
+        </p:txBody>
+      </p:sp>
+      <p:sp>
+        <p:nvSpPr>
+          <p:cNvPr id="7" name="Rectangle 6"/>
+          <p:cNvSpPr/>
           <p:nvPr/>
-        </p:nvPicPr>
-        <p:blipFill>
-          <a:blip r:embed="rId4" cstate="print">
-            <a:extLst>
-              <a:ext uri="{28A0092B-C50C-407E-A947-70E740481C1C}">
-                <a14:useLocalDpi xmlns:a14="http://schemas.microsoft.com/office/drawing/2010/main" val="0"/>
-              </a:ext>
-            </a:extLst>
-          </a:blip>
-          <a:stretch>
-            <a:fillRect/>
-          </a:stretch>
-        </p:blipFill>
+        </p:nvSpPr>
         <p:spPr>
-          <a:xfrm flipV="1">
-            <a:off x="5468112" y="4652927"/>
-            <a:ext cx="5486400" cy="1816135"/>
+          <a:xfrm>
+            <a:off x="617219" y="2425704"/>
+            <a:ext cx="7783830" cy="3539430"/>
           </a:xfrm>
           <a:prstGeom prst="rect">
             <a:avLst/>
           </a:prstGeom>
         </p:spPr>
-      </p:pic>
+        <p:txBody>
+          <a:bodyPr wrap="square">
+            <a:spAutoFit/>
+          </a:bodyPr>
+          <a:lstStyle/>
+          <a:p>
+            <a:r>
+              <a:rPr lang="en-US" sz="1400" b="1" dirty="0" smtClean="0"/>
+              <a:t>1.2.2 Motor Controllers and Drivers</a:t>
+            </a:r>
+          </a:p>
+          <a:p>
+            <a:r>
+              <a:rPr lang="en-US" sz="1400" dirty="0" smtClean="0"/>
+              <a:t>At the lowest level of motion control, a </a:t>
+            </a:r>
+            <a:r>
+              <a:rPr lang="en-US" sz="1400" b="1" dirty="0" smtClean="0"/>
+              <a:t>driver</a:t>
+            </a:r>
+            <a:r>
+              <a:rPr lang="en-US" sz="1400" dirty="0" smtClean="0"/>
+              <a:t> for the robot’s motor controller turns the wheels at a desired </a:t>
+            </a:r>
+            <a:r>
+              <a:rPr lang="en-US" sz="1400" b="1" dirty="0" smtClean="0"/>
+              <a:t>speed</a:t>
+            </a:r>
+            <a:r>
+              <a:rPr lang="en-US" sz="1400" dirty="0" smtClean="0"/>
+              <a:t>, usually </a:t>
+            </a:r>
+            <a:r>
+              <a:rPr lang="en-US" sz="1400" dirty="0" smtClean="0"/>
+              <a:t>using internal units such </a:t>
+            </a:r>
+            <a:r>
+              <a:rPr lang="en-US" sz="1400" b="1" dirty="0" smtClean="0"/>
+              <a:t>as encoder ticks per second </a:t>
+            </a:r>
+            <a:r>
+              <a:rPr lang="en-US" sz="1400" dirty="0" smtClean="0"/>
+              <a:t>or a percentage of max speed.</a:t>
+            </a:r>
+          </a:p>
+          <a:p>
+            <a:endParaRPr lang="en-US" sz="1400" b="1" dirty="0" smtClean="0"/>
+          </a:p>
+          <a:p>
+            <a:r>
+              <a:rPr lang="en-US" sz="1400" b="1" dirty="0" smtClean="0"/>
+              <a:t>1.2.3 </a:t>
+            </a:r>
+            <a:r>
+              <a:rPr lang="en-US" sz="1400" b="1" dirty="0" smtClean="0"/>
+              <a:t>The ROS Base Controller</a:t>
+            </a:r>
+          </a:p>
+          <a:p>
+            <a:r>
+              <a:rPr lang="en-US" sz="1400" dirty="0" smtClean="0"/>
+              <a:t>At this level of abstraction, the desired speed of the robot is specified in real-world units such </a:t>
+            </a:r>
+            <a:r>
+              <a:rPr lang="en-US" sz="1400" b="1" dirty="0" smtClean="0"/>
+              <a:t>as meters </a:t>
+            </a:r>
+            <a:r>
+              <a:rPr lang="en-US" sz="1400" b="1" dirty="0" smtClean="0"/>
+              <a:t>and radians </a:t>
+            </a:r>
+            <a:r>
+              <a:rPr lang="en-US" sz="1400" b="1" dirty="0" smtClean="0"/>
+              <a:t>per second</a:t>
+            </a:r>
+            <a:r>
+              <a:rPr lang="en-US" sz="1400" dirty="0" smtClean="0"/>
+              <a:t>. It also commonly employs </a:t>
+            </a:r>
+            <a:r>
+              <a:rPr lang="en-US" sz="1400" dirty="0" smtClean="0"/>
+              <a:t>some PID control (Proportional Integral Derivative), which in layman </a:t>
+            </a:r>
+            <a:r>
+              <a:rPr lang="en-US" sz="1400" dirty="0" smtClean="0"/>
+              <a:t>terms generally does it’s best to move the robot in the way we have requested</a:t>
+            </a:r>
+            <a:r>
+              <a:rPr lang="en-US" sz="1400" dirty="0" smtClean="0"/>
+              <a:t>.</a:t>
+            </a:r>
+            <a:endParaRPr lang="en-US" sz="1400" dirty="0" smtClean="0"/>
+          </a:p>
+          <a:p>
+            <a:r>
+              <a:rPr lang="en-US" sz="1400" dirty="0" smtClean="0"/>
+              <a:t>The </a:t>
+            </a:r>
+            <a:r>
+              <a:rPr lang="en-US" sz="1400" b="1" dirty="0" smtClean="0"/>
+              <a:t>driver</a:t>
+            </a:r>
+            <a:r>
+              <a:rPr lang="en-US" sz="1400" dirty="0" smtClean="0"/>
+              <a:t> and </a:t>
+            </a:r>
+            <a:r>
+              <a:rPr lang="en-US" sz="1400" b="1" dirty="0" smtClean="0"/>
+              <a:t>PID control </a:t>
+            </a:r>
+            <a:r>
+              <a:rPr lang="en-US" sz="1400" dirty="0" smtClean="0"/>
+              <a:t>are combined inside a single ROS node called </a:t>
+            </a:r>
+            <a:r>
+              <a:rPr lang="en-US" sz="1400" b="1" dirty="0" smtClean="0"/>
+              <a:t>base controller</a:t>
+            </a:r>
+            <a:r>
+              <a:rPr lang="en-US" sz="1400" dirty="0" smtClean="0"/>
+              <a:t>.</a:t>
+            </a:r>
+          </a:p>
+          <a:p>
+            <a:r>
+              <a:rPr lang="en-US" sz="1400" dirty="0" smtClean="0"/>
+              <a:t>The base controller node typically </a:t>
+            </a:r>
+            <a:r>
+              <a:rPr lang="en-US" sz="1400" b="1" dirty="0" smtClean="0"/>
+              <a:t>publishes </a:t>
+            </a:r>
+            <a:r>
+              <a:rPr lang="en-US" sz="1400" b="1" dirty="0" err="1" smtClean="0"/>
+              <a:t>odometry</a:t>
+            </a:r>
+            <a:r>
+              <a:rPr lang="en-US" sz="1400" b="1" dirty="0" smtClean="0"/>
+              <a:t> data </a:t>
+            </a:r>
+            <a:r>
+              <a:rPr lang="en-US" sz="1400" dirty="0" smtClean="0"/>
+              <a:t>on the</a:t>
+            </a:r>
+            <a:r>
+              <a:rPr lang="en-US" sz="1400" b="1" dirty="0" smtClean="0"/>
+              <a:t> /</a:t>
+            </a:r>
+            <a:r>
+              <a:rPr lang="en-US" sz="1400" b="1" dirty="0" err="1" smtClean="0"/>
+              <a:t>odom</a:t>
+            </a:r>
+            <a:r>
+              <a:rPr lang="en-US" sz="1400" b="1" dirty="0" smtClean="0"/>
+              <a:t> </a:t>
+            </a:r>
+            <a:r>
+              <a:rPr lang="en-US" sz="1400" dirty="0" smtClean="0"/>
+              <a:t>topic and listens for motion </a:t>
+            </a:r>
+            <a:r>
+              <a:rPr lang="en-US" sz="1400" dirty="0" smtClean="0"/>
+              <a:t>commands on </a:t>
+            </a:r>
+            <a:r>
+              <a:rPr lang="en-US" sz="1400" dirty="0" smtClean="0"/>
+              <a:t>the </a:t>
+            </a:r>
+            <a:r>
+              <a:rPr lang="en-US" sz="1400" b="1" dirty="0" smtClean="0"/>
+              <a:t>/</a:t>
+            </a:r>
+            <a:r>
+              <a:rPr lang="en-US" sz="1400" b="1" dirty="0" err="1" smtClean="0"/>
+              <a:t>cmd</a:t>
+            </a:r>
+            <a:r>
+              <a:rPr lang="en-US" sz="1400" b="1" dirty="0" smtClean="0"/>
+              <a:t> </a:t>
+            </a:r>
+            <a:r>
+              <a:rPr lang="en-US" sz="1400" b="1" dirty="0" err="1" smtClean="0"/>
+              <a:t>vel</a:t>
+            </a:r>
+            <a:r>
+              <a:rPr lang="en-US" sz="1400" b="1" dirty="0" smtClean="0"/>
+              <a:t> </a:t>
+            </a:r>
+            <a:r>
+              <a:rPr lang="en-US" sz="1400" dirty="0" smtClean="0"/>
+              <a:t>topic.</a:t>
+            </a:r>
+          </a:p>
+          <a:p>
+            <a:r>
+              <a:rPr lang="en-US" sz="1400" dirty="0" smtClean="0"/>
+              <a:t>Also a transform from the </a:t>
+            </a:r>
+            <a:r>
+              <a:rPr lang="en-US" sz="1400" b="1" dirty="0" smtClean="0"/>
+              <a:t>/</a:t>
+            </a:r>
+            <a:r>
+              <a:rPr lang="en-US" sz="1400" b="1" dirty="0" err="1" smtClean="0"/>
+              <a:t>odom</a:t>
+            </a:r>
+            <a:r>
+              <a:rPr lang="en-US" sz="1400" b="1" dirty="0" smtClean="0"/>
+              <a:t> </a:t>
+            </a:r>
+            <a:r>
+              <a:rPr lang="en-US" sz="1400" dirty="0" smtClean="0"/>
+              <a:t>frame to the base frame—either /base link or </a:t>
+            </a:r>
+            <a:r>
+              <a:rPr lang="en-US" sz="1400" b="1" dirty="0" smtClean="0"/>
+              <a:t>/base footprint </a:t>
+            </a:r>
+            <a:r>
+              <a:rPr lang="en-US" sz="1400" dirty="0" smtClean="0"/>
+              <a:t>(</a:t>
+            </a:r>
+            <a:r>
+              <a:rPr lang="en-US" sz="1400" dirty="0" err="1" smtClean="0"/>
+              <a:t>Turtlebot</a:t>
+            </a:r>
+            <a:r>
+              <a:rPr lang="en-US" sz="1400" dirty="0" smtClean="0"/>
+              <a:t>) is </a:t>
+            </a:r>
+            <a:r>
+              <a:rPr lang="en-US" sz="1400" dirty="0" smtClean="0"/>
+              <a:t>done depending on the robot types.</a:t>
+            </a:r>
+          </a:p>
+          <a:p>
+            <a:r>
+              <a:rPr lang="en-US" sz="1400" dirty="0" smtClean="0"/>
+              <a:t>Once we have our </a:t>
+            </a:r>
+            <a:r>
+              <a:rPr lang="en-US" sz="1400" b="1" dirty="0" smtClean="0"/>
+              <a:t>base controller with a ROS interface </a:t>
+            </a:r>
+            <a:r>
+              <a:rPr lang="en-US" sz="1400" dirty="0" smtClean="0"/>
+              <a:t>our programming can focus purely on the desired</a:t>
+            </a:r>
+          </a:p>
+          <a:p>
+            <a:r>
+              <a:rPr lang="en-US" sz="1400" dirty="0" smtClean="0"/>
+              <a:t>linear and angular velocities in real-world units</a:t>
+            </a:r>
+            <a:r>
+              <a:rPr lang="en-US" sz="1400" dirty="0" smtClean="0"/>
+              <a:t>.</a:t>
+            </a:r>
+            <a:endParaRPr lang="en-US" sz="1400" dirty="0" smtClean="0"/>
+          </a:p>
+        </p:txBody>
+      </p:sp>
     </p:spTree>
     <p:extLst>
       <p:ext uri="{BB962C8B-B14F-4D97-AF65-F5344CB8AC3E}">
-        <p14:creationId xmlns:p14="http://schemas.microsoft.com/office/powerpoint/2010/main" val="35265262"/>
+        <p14:creationId xmlns:p14="http://schemas.microsoft.com/office/powerpoint/2010/main" xmlns="" val="827552370"/>
       </p:ext>
     </p:extLst>
   </p:cSld>
@@ -10589,152 +13154,254 @@
             <a:spLocks noGrp="1"/>
           </p:cNvSpPr>
           <p:nvPr>
-            <p:ph type="title"/>
-          </p:nvPr>
-        </p:nvSpPr>
-        <p:spPr/>
-        <p:txBody>
-          <a:bodyPr/>
-          <a:lstStyle/>
-          <a:p>
-            <a:r>
-              <a:rPr lang="fr-FR" dirty="0" err="1" smtClean="0"/>
-              <a:t>Demonstration</a:t>
-            </a:r>
-            <a:endParaRPr lang="fr-FR" dirty="0"/>
-          </a:p>
-        </p:txBody>
-      </p:sp>
-      <p:sp>
-        <p:nvSpPr>
-          <p:cNvPr id="3" name="Espace réservé du contenu 2"/>
-          <p:cNvSpPr>
-            <a:spLocks noGrp="1"/>
-          </p:cNvSpPr>
-          <p:nvPr>
-            <p:ph idx="1"/>
+            <p:ph type="ctrTitle"/>
           </p:nvPr>
         </p:nvSpPr>
         <p:spPr>
           <a:xfrm>
-            <a:off x="1261872" y="5560364"/>
-            <a:ext cx="8595360" cy="413182"/>
+            <a:off x="228600" y="279400"/>
+            <a:ext cx="7406640" cy="749300"/>
           </a:xfrm>
         </p:spPr>
         <p:txBody>
-          <a:bodyPr/>
-          <a:lstStyle/>
-          <a:p>
-            <a:pPr algn="ctr"/>
-            <a:r>
-              <a:rPr lang="fr-FR" dirty="0"/>
-              <a:t>https://www.youtube.com/watch?v=pBYmtod4o18</a:t>
-            </a:r>
-          </a:p>
-        </p:txBody>
-      </p:sp>
-      <p:sp>
-        <p:nvSpPr>
-          <p:cNvPr id="4" name="Espace réservé du pied de page 3"/>
-          <p:cNvSpPr>
-            <a:spLocks noGrp="1"/>
-          </p:cNvSpPr>
-          <p:nvPr>
-            <p:ph type="ftr" sz="quarter" idx="11"/>
-          </p:nvPr>
-        </p:nvSpPr>
-        <p:spPr/>
-        <p:txBody>
-          <a:bodyPr/>
-          <a:lstStyle/>
-          <a:p>
-            <a:r>
-              <a:rPr lang="fr-FR" dirty="0" smtClean="0"/>
-              <a:t>Motion control     Navigation &amp; </a:t>
-            </a:r>
-            <a:r>
-              <a:rPr lang="fr-FR" dirty="0" err="1" smtClean="0"/>
-              <a:t>Localization</a:t>
-            </a:r>
-            <a:r>
-              <a:rPr lang="fr-FR" dirty="0" smtClean="0"/>
-              <a:t>    </a:t>
-            </a:r>
-            <a:r>
-              <a:rPr lang="fr-FR" dirty="0" smtClean="0">
-                <a:solidFill>
-                  <a:srgbClr val="FF0000"/>
-                </a:solidFill>
-              </a:rPr>
-              <a:t>Android</a:t>
-            </a:r>
-            <a:endParaRPr lang="fr-FR" dirty="0">
-              <a:solidFill>
-                <a:srgbClr val="FF0000"/>
-              </a:solidFill>
-            </a:endParaRPr>
-          </a:p>
-        </p:txBody>
-      </p:sp>
-      <p:sp>
-        <p:nvSpPr>
-          <p:cNvPr id="5" name="Espace réservé du numéro de diapositive 4"/>
-          <p:cNvSpPr>
-            <a:spLocks noGrp="1"/>
-          </p:cNvSpPr>
-          <p:nvPr>
-            <p:ph type="sldNum" sz="quarter" idx="12"/>
-          </p:nvPr>
-        </p:nvSpPr>
-        <p:spPr/>
-        <p:txBody>
           <a:bodyPr>
-            <a:normAutofit lnSpcReduction="10000"/>
+            <a:noAutofit/>
           </a:bodyPr>
           <a:lstStyle/>
           <a:p>
-            <a:fld id="{B5DB7FC2-8201-461D-A208-F496F60082A1}" type="slidenum">
-              <a:rPr lang="fr-FR" smtClean="0"/>
-              <a:t>6</a:t>
-            </a:fld>
-            <a:endParaRPr lang="fr-FR"/>
+            <a:r>
+              <a:rPr lang="fr-FR" sz="4800" dirty="0" err="1" smtClean="0"/>
+              <a:t>Levels</a:t>
+            </a:r>
+            <a:r>
+              <a:rPr lang="fr-FR" sz="4800" dirty="0" smtClean="0"/>
+              <a:t> of Motion </a:t>
+            </a:r>
+            <a:r>
+              <a:rPr lang="fr-FR" sz="4800" dirty="0" smtClean="0"/>
+              <a:t>Control</a:t>
+            </a:r>
+            <a:endParaRPr lang="fr-FR" sz="4800" dirty="0"/>
           </a:p>
         </p:txBody>
       </p:sp>
       <p:pic>
         <p:nvPicPr>
-          <p:cNvPr id="6" name="Image 5"/>
+          <p:cNvPr id="1026" name="Picture 2" descr="C:\Users\EpicFailure\Desktop\bsc2\Robotic Engineering 2 (ROS)\Report\images\motion_control.png"/>
           <p:cNvPicPr>
-            <a:picLocks noChangeAspect="1"/>
+            <a:picLocks noChangeAspect="1" noChangeArrowheads="1"/>
           </p:cNvPicPr>
           <p:nvPr/>
         </p:nvPicPr>
         <p:blipFill>
-          <a:blip r:embed="rId2">
-            <a:extLst>
-              <a:ext uri="{28A0092B-C50C-407E-A947-70E740481C1C}">
-                <a14:useLocalDpi xmlns:a14="http://schemas.microsoft.com/office/drawing/2010/main" val="0"/>
-              </a:ext>
-            </a:extLst>
-          </a:blip>
+          <a:blip r:embed="rId2"/>
+          <a:srcRect/>
           <a:stretch>
             <a:fillRect/>
           </a:stretch>
         </p:blipFill>
+        <p:spPr bwMode="auto">
+          <a:xfrm>
+            <a:off x="9015415" y="787401"/>
+            <a:ext cx="1157288" cy="5141914"/>
+          </a:xfrm>
+          <a:prstGeom prst="rect">
+            <a:avLst/>
+          </a:prstGeom>
+          <a:noFill/>
+        </p:spPr>
+      </p:pic>
+      <p:sp>
+        <p:nvSpPr>
+          <p:cNvPr id="5" name="Rectangle 4"/>
+          <p:cNvSpPr/>
+          <p:nvPr/>
+        </p:nvSpPr>
         <p:spPr>
           <a:xfrm>
-            <a:off x="2492989" y="2004197"/>
-            <a:ext cx="6133126" cy="3449883"/>
+            <a:off x="582931" y="995743"/>
+            <a:ext cx="8069581" cy="3970318"/>
           </a:xfrm>
           <a:prstGeom prst="rect">
             <a:avLst/>
           </a:prstGeom>
         </p:spPr>
-      </p:pic>
+        <p:txBody>
+          <a:bodyPr wrap="square">
+            <a:spAutoFit/>
+          </a:bodyPr>
+          <a:lstStyle/>
+          <a:p>
+            <a:r>
+              <a:rPr lang="en-US" sz="1400" b="1" dirty="0" smtClean="0"/>
+              <a:t>1.2.4 Frame-Base Motion using the move base ROS Package</a:t>
+            </a:r>
+          </a:p>
+          <a:p>
+            <a:r>
+              <a:rPr lang="en-US" sz="1400" dirty="0" smtClean="0"/>
+              <a:t>The </a:t>
+            </a:r>
+            <a:r>
+              <a:rPr lang="en-US" sz="1400" b="1" dirty="0" smtClean="0"/>
+              <a:t>move base </a:t>
+            </a:r>
+            <a:r>
+              <a:rPr lang="en-US" sz="1400" dirty="0" smtClean="0"/>
+              <a:t>package is a very sophisticated path planner and combines </a:t>
+            </a:r>
+            <a:r>
+              <a:rPr lang="en-US" sz="1400" b="1" dirty="0" err="1" smtClean="0"/>
+              <a:t>odometry</a:t>
+            </a:r>
+            <a:r>
+              <a:rPr lang="en-US" sz="1400" dirty="0" smtClean="0"/>
+              <a:t> data with </a:t>
+            </a:r>
+            <a:r>
+              <a:rPr lang="en-US" sz="1400" b="1" dirty="0" smtClean="0"/>
+              <a:t>both local and</a:t>
+            </a:r>
+          </a:p>
+          <a:p>
+            <a:r>
+              <a:rPr lang="en-US" sz="1400" b="1" dirty="0" smtClean="0"/>
+              <a:t>global cost maps </a:t>
+            </a:r>
+            <a:r>
+              <a:rPr lang="en-US" sz="1400" dirty="0" smtClean="0"/>
+              <a:t>when selecting a path for the robot to follow. </a:t>
+            </a:r>
+            <a:endParaRPr lang="en-US" sz="1400" dirty="0" smtClean="0"/>
+          </a:p>
+          <a:p>
+            <a:endParaRPr lang="en-US" sz="1400" dirty="0" smtClean="0"/>
+          </a:p>
+          <a:p>
+            <a:r>
+              <a:rPr lang="en-US" sz="1400" b="1" dirty="0" smtClean="0"/>
+              <a:t>1.2.5 </a:t>
+            </a:r>
+            <a:r>
+              <a:rPr lang="en-US" sz="1400" b="1" dirty="0" smtClean="0"/>
+              <a:t>SLAM using the </a:t>
+            </a:r>
+            <a:r>
+              <a:rPr lang="en-US" sz="1400" b="1" dirty="0" err="1" smtClean="0"/>
+              <a:t>gmapping</a:t>
+            </a:r>
+            <a:r>
+              <a:rPr lang="en-US" sz="1400" b="1" dirty="0" smtClean="0"/>
+              <a:t> and </a:t>
+            </a:r>
+            <a:r>
+              <a:rPr lang="en-US" sz="1400" b="1" dirty="0" err="1" smtClean="0"/>
+              <a:t>amcl</a:t>
+            </a:r>
+            <a:r>
+              <a:rPr lang="en-US" sz="1400" b="1" dirty="0" smtClean="0"/>
+              <a:t> ROS Packages</a:t>
+            </a:r>
+          </a:p>
+          <a:p>
+            <a:r>
+              <a:rPr lang="en-US" sz="1400" dirty="0" smtClean="0"/>
+              <a:t>At an even higher level, ROS enables our robot to create a map of its environment using the </a:t>
+            </a:r>
+            <a:r>
+              <a:rPr lang="en-US" sz="1400" b="1" dirty="0" smtClean="0"/>
+              <a:t>SLAM </a:t>
+            </a:r>
+            <a:r>
+              <a:rPr lang="en-US" sz="1400" b="1" dirty="0" err="1" smtClean="0"/>
+              <a:t>gmapping</a:t>
+            </a:r>
+            <a:endParaRPr lang="en-US" sz="1400" b="1" dirty="0" smtClean="0"/>
+          </a:p>
+          <a:p>
+            <a:r>
+              <a:rPr lang="en-US" sz="1400" dirty="0" smtClean="0"/>
+              <a:t>package.</a:t>
+            </a:r>
+          </a:p>
+          <a:p>
+            <a:r>
+              <a:rPr lang="en-US" sz="1400" dirty="0" smtClean="0"/>
+              <a:t>Once a map of the environment is available, ROS provides the </a:t>
+            </a:r>
+            <a:r>
+              <a:rPr lang="en-US" sz="1400" b="1" dirty="0" err="1" smtClean="0"/>
+              <a:t>amcl</a:t>
+            </a:r>
+            <a:r>
+              <a:rPr lang="en-US" sz="1400" b="1" dirty="0" smtClean="0"/>
+              <a:t> package </a:t>
+            </a:r>
+            <a:r>
+              <a:rPr lang="en-US" sz="1400" dirty="0" smtClean="0"/>
+              <a:t>(adaptive Monte Carlo localization)</a:t>
+            </a:r>
+          </a:p>
+          <a:p>
+            <a:r>
+              <a:rPr lang="en-US" sz="1400" dirty="0" smtClean="0"/>
+              <a:t>for automatically </a:t>
+            </a:r>
+            <a:r>
+              <a:rPr lang="en-US" sz="1400" b="1" dirty="0" smtClean="0"/>
+              <a:t>localizing the robot based on its current scan and </a:t>
+            </a:r>
+            <a:r>
+              <a:rPr lang="en-US" sz="1400" b="1" dirty="0" err="1" smtClean="0"/>
+              <a:t>odometry</a:t>
+            </a:r>
+            <a:r>
+              <a:rPr lang="en-US" sz="1400" b="1" dirty="0" smtClean="0"/>
+              <a:t> data</a:t>
+            </a:r>
+            <a:r>
+              <a:rPr lang="en-US" sz="1400" dirty="0" smtClean="0"/>
+              <a:t>.</a:t>
+            </a:r>
+          </a:p>
+          <a:p>
+            <a:endParaRPr lang="en-US" sz="1400" dirty="0" smtClean="0"/>
+          </a:p>
+          <a:p>
+            <a:r>
+              <a:rPr lang="en-US" sz="1400" b="1" dirty="0" smtClean="0"/>
+              <a:t>1.2.6 </a:t>
+            </a:r>
+            <a:r>
+              <a:rPr lang="en-US" sz="1400" b="1" dirty="0" smtClean="0"/>
+              <a:t>Semantic Goals</a:t>
+            </a:r>
+          </a:p>
+          <a:p>
+            <a:r>
+              <a:rPr lang="en-US" sz="1400" dirty="0" smtClean="0"/>
+              <a:t>Finally, at the highest level of abstraction, motion goals are specified semantically such as ”go to the kitchen and</a:t>
+            </a:r>
+          </a:p>
+          <a:p>
+            <a:r>
+              <a:rPr lang="en-US" sz="1400" dirty="0" smtClean="0"/>
+              <a:t>bring me a beer”, or simply, ”bring me a beer”. These are generally segmented into smaller tasks and passed to</a:t>
+            </a:r>
+          </a:p>
+          <a:p>
+            <a:r>
+              <a:rPr lang="en-US" sz="1400" dirty="0" smtClean="0"/>
+              <a:t>lower levels.</a:t>
+            </a:r>
+            <a:endParaRPr lang="en-US" sz="1400" dirty="0"/>
+          </a:p>
+        </p:txBody>
+      </p:sp>
     </p:spTree>
     <p:extLst>
       <p:ext uri="{BB962C8B-B14F-4D97-AF65-F5344CB8AC3E}">
-        <p14:creationId xmlns:p14="http://schemas.microsoft.com/office/powerpoint/2010/main" val="30160649"/>
+        <p14:creationId xmlns:p14="http://schemas.microsoft.com/office/powerpoint/2010/main" xmlns="" val="827552370"/>
       </p:ext>
     </p:extLst>
   </p:cSld>
@@ -10768,113 +13435,888 @@
             <a:spLocks noGrp="1"/>
           </p:cNvSpPr>
           <p:nvPr>
-            <p:ph type="title"/>
-          </p:nvPr>
-        </p:nvSpPr>
-        <p:spPr/>
-        <p:txBody>
-          <a:bodyPr/>
-          <a:lstStyle/>
-          <a:p>
-            <a:r>
-              <a:rPr lang="fr-FR" dirty="0" smtClean="0"/>
-              <a:t>Conclusion</a:t>
-            </a:r>
-            <a:endParaRPr lang="fr-FR" dirty="0"/>
-          </a:p>
-        </p:txBody>
-      </p:sp>
-      <p:sp>
-        <p:nvSpPr>
-          <p:cNvPr id="3" name="Espace réservé du contenu 2"/>
-          <p:cNvSpPr>
-            <a:spLocks noGrp="1"/>
-          </p:cNvSpPr>
-          <p:nvPr>
-            <p:ph idx="1"/>
-          </p:nvPr>
-        </p:nvSpPr>
-        <p:spPr/>
-        <p:txBody>
-          <a:bodyPr/>
-          <a:lstStyle/>
-          <a:p>
-            <a:r>
-              <a:rPr lang="fr-FR" dirty="0" smtClean="0"/>
-              <a:t> Time </a:t>
-            </a:r>
-            <a:r>
-              <a:rPr lang="fr-FR" dirty="0" err="1" smtClean="0"/>
-              <a:t>spent</a:t>
-            </a:r>
-            <a:r>
-              <a:rPr lang="fr-FR" dirty="0" smtClean="0"/>
-              <a:t> on </a:t>
-            </a:r>
-            <a:r>
-              <a:rPr lang="fr-FR" dirty="0" err="1" smtClean="0"/>
-              <a:t>android</a:t>
-            </a:r>
-            <a:r>
-              <a:rPr lang="fr-FR" dirty="0" smtClean="0"/>
-              <a:t> code and home made concert file </a:t>
-            </a:r>
-            <a:endParaRPr lang="fr-FR" dirty="0"/>
-          </a:p>
-        </p:txBody>
-      </p:sp>
-      <p:sp>
-        <p:nvSpPr>
-          <p:cNvPr id="4" name="Espace réservé du pied de page 3"/>
-          <p:cNvSpPr>
-            <a:spLocks noGrp="1"/>
-          </p:cNvSpPr>
-          <p:nvPr>
-            <p:ph type="ftr" sz="quarter" idx="11"/>
-          </p:nvPr>
-        </p:nvSpPr>
-        <p:spPr/>
-        <p:txBody>
-          <a:bodyPr/>
-          <a:lstStyle/>
-          <a:p>
-            <a:r>
-              <a:rPr lang="fr-FR" smtClean="0"/>
-              <a:t>Motion control     Navigation &amp; Localization    Android</a:t>
-            </a:r>
-            <a:endParaRPr lang="fr-FR"/>
-          </a:p>
-        </p:txBody>
-      </p:sp>
-      <p:sp>
-        <p:nvSpPr>
-          <p:cNvPr id="5" name="Espace réservé du numéro de diapositive 4"/>
-          <p:cNvSpPr>
-            <a:spLocks noGrp="1"/>
-          </p:cNvSpPr>
-          <p:nvPr>
-            <p:ph type="sldNum" sz="quarter" idx="12"/>
-          </p:nvPr>
-        </p:nvSpPr>
-        <p:spPr/>
+            <p:ph type="ctrTitle"/>
+          </p:nvPr>
+        </p:nvSpPr>
+        <p:spPr>
+          <a:xfrm>
+            <a:off x="228600" y="279400"/>
+            <a:ext cx="7406640" cy="749300"/>
+          </a:xfrm>
+        </p:spPr>
         <p:txBody>
           <a:bodyPr>
-            <a:normAutofit lnSpcReduction="10000"/>
+            <a:noAutofit/>
           </a:bodyPr>
           <a:lstStyle/>
           <a:p>
-            <a:fld id="{B5DB7FC2-8201-461D-A208-F496F60082A1}" type="slidenum">
-              <a:rPr lang="fr-FR" smtClean="0"/>
-              <a:t>7</a:t>
-            </a:fld>
-            <a:endParaRPr lang="fr-FR"/>
-          </a:p>
-        </p:txBody>
-      </p:sp>
+            <a:r>
+              <a:rPr lang="en-US" sz="3600" b="1" dirty="0" smtClean="0"/>
+              <a:t>Twisting and Turning with ROS</a:t>
+            </a:r>
+            <a:endParaRPr lang="fr-FR" sz="3600" dirty="0"/>
+          </a:p>
+        </p:txBody>
+      </p:sp>
+      <p:sp>
+        <p:nvSpPr>
+          <p:cNvPr id="5" name="Rectangle 4"/>
+          <p:cNvSpPr/>
+          <p:nvPr/>
+        </p:nvSpPr>
+        <p:spPr>
+          <a:xfrm>
+            <a:off x="582931" y="995743"/>
+            <a:ext cx="8069581" cy="3108543"/>
+          </a:xfrm>
+          <a:prstGeom prst="rect">
+            <a:avLst/>
+          </a:prstGeom>
+        </p:spPr>
+        <p:txBody>
+          <a:bodyPr wrap="square">
+            <a:spAutoFit/>
+          </a:bodyPr>
+          <a:lstStyle/>
+          <a:p>
+            <a:r>
+              <a:rPr lang="en-US" sz="1400" dirty="0" smtClean="0"/>
+              <a:t>ROS </a:t>
+            </a:r>
+            <a:r>
+              <a:rPr lang="en-US" sz="1400" dirty="0" smtClean="0"/>
+              <a:t>uses the Twist message type (see details below) for publishing motion commands to be used by the base controller. </a:t>
+            </a:r>
+            <a:r>
+              <a:rPr lang="en-US" sz="1400" dirty="0" smtClean="0"/>
+              <a:t>The </a:t>
+            </a:r>
+            <a:r>
+              <a:rPr lang="en-US" sz="1400" dirty="0" smtClean="0"/>
+              <a:t>base controller node subscribes to the </a:t>
+            </a:r>
+            <a:r>
+              <a:rPr lang="en-US" sz="1400" b="1" dirty="0" smtClean="0"/>
+              <a:t>/</a:t>
+            </a:r>
+            <a:r>
+              <a:rPr lang="en-US" sz="1400" b="1" dirty="0" err="1" smtClean="0"/>
+              <a:t>cmd_vel</a:t>
+            </a:r>
+            <a:r>
+              <a:rPr lang="en-US" sz="1400" b="1" dirty="0" smtClean="0"/>
+              <a:t> </a:t>
+            </a:r>
+            <a:r>
+              <a:rPr lang="en-US" sz="1400" dirty="0" smtClean="0"/>
+              <a:t>topic and translates Twist messages into motor signals that actually turn the </a:t>
+            </a:r>
+            <a:r>
+              <a:rPr lang="en-US" sz="1400" dirty="0" smtClean="0"/>
+              <a:t>wheels.</a:t>
+            </a:r>
+            <a:endParaRPr lang="en-US" sz="1400" dirty="0" smtClean="0"/>
+          </a:p>
+          <a:p>
+            <a:endParaRPr lang="en-US" sz="1400" dirty="0" smtClean="0"/>
+          </a:p>
+          <a:p>
+            <a:r>
+              <a:rPr lang="en-US" sz="1400" dirty="0" smtClean="0"/>
+              <a:t>$</a:t>
+            </a:r>
+            <a:r>
+              <a:rPr lang="en-US" sz="1400" b="1" dirty="0" err="1" smtClean="0"/>
+              <a:t>rosmsg</a:t>
+            </a:r>
+            <a:r>
+              <a:rPr lang="en-US" sz="1400" b="1" dirty="0" smtClean="0"/>
+              <a:t> show </a:t>
+            </a:r>
+            <a:r>
+              <a:rPr lang="en-US" sz="1400" b="1" dirty="0" err="1" smtClean="0"/>
+              <a:t>geometry_msgs</a:t>
+            </a:r>
+            <a:r>
+              <a:rPr lang="en-US" sz="1400" b="1" dirty="0" smtClean="0"/>
+              <a:t>/Twist</a:t>
+            </a:r>
+          </a:p>
+          <a:p>
+            <a:endParaRPr lang="en-US" sz="1400" dirty="0" smtClean="0"/>
+          </a:p>
+          <a:p>
+            <a:r>
+              <a:rPr lang="en-US" sz="1400" dirty="0" err="1" smtClean="0"/>
+              <a:t>geometry_msgs</a:t>
+            </a:r>
+            <a:r>
+              <a:rPr lang="en-US" sz="1400" dirty="0" smtClean="0"/>
+              <a:t>/Vector3 </a:t>
+            </a:r>
+            <a:r>
+              <a:rPr lang="en-US" sz="1400" dirty="0" smtClean="0"/>
+              <a:t>linear </a:t>
+            </a:r>
+          </a:p>
+          <a:p>
+            <a:r>
+              <a:rPr lang="en-US" sz="1400" dirty="0" smtClean="0"/>
+              <a:t>float64 x </a:t>
+            </a:r>
+          </a:p>
+          <a:p>
+            <a:r>
+              <a:rPr lang="en-US" sz="1400" dirty="0" smtClean="0"/>
+              <a:t>float64 y </a:t>
+            </a:r>
+          </a:p>
+          <a:p>
+            <a:r>
+              <a:rPr lang="en-US" sz="1400" dirty="0" smtClean="0"/>
+              <a:t>float64 z </a:t>
+            </a:r>
+          </a:p>
+          <a:p>
+            <a:r>
+              <a:rPr lang="en-US" sz="1400" dirty="0" err="1" smtClean="0"/>
+              <a:t>geometry_msgs</a:t>
+            </a:r>
+            <a:r>
+              <a:rPr lang="en-US" sz="1400" dirty="0" smtClean="0"/>
+              <a:t>/Vector3 angular </a:t>
+            </a:r>
+          </a:p>
+          <a:p>
+            <a:r>
+              <a:rPr lang="en-US" sz="1400" dirty="0" smtClean="0"/>
+              <a:t>float64 x </a:t>
+            </a:r>
+          </a:p>
+          <a:p>
+            <a:r>
+              <a:rPr lang="en-US" sz="1400" dirty="0" smtClean="0"/>
+              <a:t>float64 y </a:t>
+            </a:r>
+          </a:p>
+          <a:p>
+            <a:r>
+              <a:rPr lang="en-US" sz="1400" dirty="0" smtClean="0"/>
+              <a:t>float64 z </a:t>
+            </a:r>
+            <a:endParaRPr lang="en-US" sz="1400" dirty="0"/>
+          </a:p>
+        </p:txBody>
+      </p:sp>
+      <p:sp>
+        <p:nvSpPr>
+          <p:cNvPr id="6" name="Rectangle 5"/>
+          <p:cNvSpPr/>
+          <p:nvPr/>
+        </p:nvSpPr>
+        <p:spPr>
+          <a:xfrm>
+            <a:off x="628650" y="4478638"/>
+            <a:ext cx="5337810" cy="646331"/>
+          </a:xfrm>
+          <a:prstGeom prst="rect">
+            <a:avLst/>
+          </a:prstGeom>
+        </p:spPr>
+        <p:txBody>
+          <a:bodyPr wrap="square">
+            <a:spAutoFit/>
+          </a:bodyPr>
+          <a:lstStyle/>
+          <a:p>
+            <a:r>
+              <a:rPr lang="en-US" dirty="0" smtClean="0"/>
+              <a:t>$</a:t>
+            </a:r>
+            <a:r>
+              <a:rPr lang="en-US" dirty="0" err="1" smtClean="0"/>
+              <a:t>rostopic</a:t>
+            </a:r>
+            <a:r>
+              <a:rPr lang="en-US" dirty="0" smtClean="0"/>
+              <a:t> pub -r 10 /</a:t>
+            </a:r>
+            <a:r>
+              <a:rPr lang="en-US" dirty="0" err="1" smtClean="0"/>
+              <a:t>cmd_vel</a:t>
+            </a:r>
+            <a:r>
+              <a:rPr lang="en-US" dirty="0" smtClean="0"/>
+              <a:t> </a:t>
+            </a:r>
+            <a:r>
+              <a:rPr lang="en-US" dirty="0" err="1" smtClean="0"/>
+              <a:t>geometry_msgs</a:t>
+            </a:r>
+            <a:r>
+              <a:rPr lang="en-US" dirty="0" smtClean="0"/>
+              <a:t>/Twist ’{linear: {x: 0.15, y: 0, z: 0</a:t>
+            </a:r>
+            <a:r>
+              <a:rPr lang="en-US" dirty="0" smtClean="0"/>
+              <a:t>}, </a:t>
+            </a:r>
+            <a:r>
+              <a:rPr lang="es-ES" dirty="0" smtClean="0"/>
+              <a:t>angular</a:t>
+            </a:r>
+            <a:r>
+              <a:rPr lang="es-ES" dirty="0" smtClean="0"/>
+              <a:t>: {x: 0, y: 0, z: -0.4}}’</a:t>
+            </a:r>
+            <a:endParaRPr lang="en-US" dirty="0"/>
+          </a:p>
+        </p:txBody>
+      </p:sp>
+      <p:pic>
+        <p:nvPicPr>
+          <p:cNvPr id="2050" name="Picture 2" descr="C:\Users\EpicFailure\Desktop\bsc2\Robotic Engineering 2 (ROS)\Report\Presentation\twist.png"/>
+          <p:cNvPicPr>
+            <a:picLocks noChangeAspect="1" noChangeArrowheads="1"/>
+          </p:cNvPicPr>
+          <p:nvPr/>
+        </p:nvPicPr>
+        <p:blipFill>
+          <a:blip r:embed="rId2"/>
+          <a:srcRect/>
+          <a:stretch>
+            <a:fillRect/>
+          </a:stretch>
+        </p:blipFill>
+        <p:spPr bwMode="auto">
+          <a:xfrm>
+            <a:off x="6332224" y="1755775"/>
+            <a:ext cx="4251960" cy="3524250"/>
+          </a:xfrm>
+          <a:prstGeom prst="rect">
+            <a:avLst/>
+          </a:prstGeom>
+          <a:noFill/>
+        </p:spPr>
+      </p:pic>
     </p:spTree>
     <p:extLst>
       <p:ext uri="{BB962C8B-B14F-4D97-AF65-F5344CB8AC3E}">
-        <p14:creationId xmlns:p14="http://schemas.microsoft.com/office/powerpoint/2010/main" val="1709056602"/>
+        <p14:creationId xmlns:p14="http://schemas.microsoft.com/office/powerpoint/2010/main" xmlns="" val="827552370"/>
+      </p:ext>
+    </p:extLst>
+  </p:cSld>
+  <p:clrMapOvr>
+    <a:masterClrMapping/>
+  </p:clrMapOvr>
+</p:sld>
+</file>
+
+<file path=ppt/slides/slide8.xml><?xml version="1.0" encoding="utf-8"?>
+<p:sld xmlns:a="http://schemas.openxmlformats.org/drawingml/2006/main" xmlns:r="http://schemas.openxmlformats.org/officeDocument/2006/relationships" xmlns:p="http://schemas.openxmlformats.org/presentationml/2006/main">
+  <p:cSld>
+    <p:spTree>
+      <p:nvGrpSpPr>
+        <p:cNvPr id="1" name=""/>
+        <p:cNvGrpSpPr/>
+        <p:nvPr/>
+      </p:nvGrpSpPr>
+      <p:grpSpPr>
+        <a:xfrm>
+          <a:off x="0" y="0"/>
+          <a:ext cx="0" cy="0"/>
+          <a:chOff x="0" y="0"/>
+          <a:chExt cx="0" cy="0"/>
+        </a:xfrm>
+      </p:grpSpPr>
+      <p:sp>
+        <p:nvSpPr>
+          <p:cNvPr id="2" name="Titre 1"/>
+          <p:cNvSpPr>
+            <a:spLocks noGrp="1"/>
+          </p:cNvSpPr>
+          <p:nvPr>
+            <p:ph type="ctrTitle"/>
+          </p:nvPr>
+        </p:nvSpPr>
+        <p:spPr>
+          <a:xfrm>
+            <a:off x="228600" y="279400"/>
+            <a:ext cx="7886700" cy="749300"/>
+          </a:xfrm>
+        </p:spPr>
+        <p:txBody>
+          <a:bodyPr>
+            <a:noAutofit/>
+          </a:bodyPr>
+          <a:lstStyle/>
+          <a:p>
+            <a:r>
+              <a:rPr lang="en-US" sz="3600" dirty="0" smtClean="0"/>
+              <a:t>Goal 1 : Basic Motion of Mobile Base</a:t>
+            </a:r>
+            <a:endParaRPr lang="fr-FR" sz="3600" dirty="0"/>
+          </a:p>
+        </p:txBody>
+      </p:sp>
+      <p:sp>
+        <p:nvSpPr>
+          <p:cNvPr id="5" name="Rectangle 4"/>
+          <p:cNvSpPr/>
+          <p:nvPr/>
+        </p:nvSpPr>
+        <p:spPr>
+          <a:xfrm>
+            <a:off x="582932" y="995740"/>
+            <a:ext cx="5463541" cy="5016758"/>
+          </a:xfrm>
+          <a:prstGeom prst="rect">
+            <a:avLst/>
+          </a:prstGeom>
+        </p:spPr>
+        <p:txBody>
+          <a:bodyPr wrap="square">
+            <a:spAutoFit/>
+          </a:bodyPr>
+          <a:lstStyle/>
+          <a:p>
+            <a:r>
+              <a:rPr lang="en-US" b="1" u="sng" dirty="0" smtClean="0"/>
+              <a:t>Algorithm 1: Time and Speed based out and </a:t>
+            </a:r>
+            <a:r>
+              <a:rPr lang="en-US" b="1" u="sng" dirty="0" smtClean="0"/>
+              <a:t>back (</a:t>
+            </a:r>
+            <a:endParaRPr lang="en-US" dirty="0" smtClean="0"/>
+          </a:p>
+          <a:p>
+            <a:r>
+              <a:rPr lang="en-US" dirty="0" smtClean="0"/>
+              <a:t>$</a:t>
+            </a:r>
+            <a:r>
+              <a:rPr lang="en-US" dirty="0" err="1" smtClean="0"/>
+              <a:t>rosrun</a:t>
+            </a:r>
+            <a:r>
+              <a:rPr lang="en-US" dirty="0" smtClean="0"/>
+              <a:t> rbx1_nav </a:t>
+            </a:r>
+            <a:r>
+              <a:rPr lang="en-US" dirty="0" smtClean="0"/>
+              <a:t>timed_out_and_back.py)</a:t>
+            </a:r>
+          </a:p>
+          <a:p>
+            <a:endParaRPr lang="en-US" b="1" u="sng" dirty="0" smtClean="0"/>
+          </a:p>
+          <a:p>
+            <a:r>
+              <a:rPr lang="en-US" sz="1400" dirty="0" smtClean="0"/>
+              <a:t>rate </a:t>
+            </a:r>
+            <a:r>
+              <a:rPr lang="en-US" sz="1400" dirty="0" smtClean="0"/>
+              <a:t>= 50</a:t>
+            </a:r>
+          </a:p>
+          <a:p>
+            <a:r>
+              <a:rPr lang="en-US" sz="1400" dirty="0" err="1" smtClean="0"/>
+              <a:t>goal_distance</a:t>
+            </a:r>
+            <a:r>
+              <a:rPr lang="en-US" sz="1400" dirty="0" smtClean="0"/>
+              <a:t> = 1.0 m</a:t>
+            </a:r>
+          </a:p>
+          <a:p>
+            <a:r>
+              <a:rPr lang="en-US" sz="1400" dirty="0" err="1" smtClean="0"/>
+              <a:t>linear_speed</a:t>
+            </a:r>
+            <a:r>
+              <a:rPr lang="en-US" sz="1400" dirty="0" smtClean="0"/>
+              <a:t> = 0.2m/s</a:t>
+            </a:r>
+          </a:p>
+          <a:p>
+            <a:r>
+              <a:rPr lang="en-US" sz="1400" dirty="0" err="1" smtClean="0"/>
+              <a:t>linear_duration</a:t>
+            </a:r>
+            <a:r>
+              <a:rPr lang="en-US" sz="1400" dirty="0" smtClean="0"/>
+              <a:t> = </a:t>
+            </a:r>
+            <a:r>
+              <a:rPr lang="en-US" sz="1400" dirty="0" err="1" smtClean="0"/>
+              <a:t>goal_distance</a:t>
+            </a:r>
+            <a:r>
+              <a:rPr lang="en-US" sz="1400" dirty="0" smtClean="0"/>
+              <a:t> / </a:t>
+            </a:r>
+            <a:r>
+              <a:rPr lang="en-US" sz="1400" dirty="0" err="1" smtClean="0"/>
+              <a:t>linear_speed</a:t>
+            </a:r>
+            <a:r>
+              <a:rPr lang="en-US" sz="1400" dirty="0" smtClean="0"/>
+              <a:t>;</a:t>
+            </a:r>
+          </a:p>
+          <a:p>
+            <a:endParaRPr lang="en-US" sz="1400" dirty="0" smtClean="0"/>
+          </a:p>
+          <a:p>
+            <a:r>
+              <a:rPr lang="en-US" sz="1400" dirty="0" err="1" smtClean="0"/>
+              <a:t>angular_speed</a:t>
+            </a:r>
+            <a:r>
+              <a:rPr lang="en-US" sz="1400" dirty="0" smtClean="0"/>
+              <a:t> </a:t>
+            </a:r>
+            <a:r>
+              <a:rPr lang="en-US" sz="1400" dirty="0" smtClean="0"/>
+              <a:t>= 1.0</a:t>
+            </a:r>
+          </a:p>
+          <a:p>
+            <a:r>
+              <a:rPr lang="en-US" sz="1400" dirty="0" err="1" smtClean="0"/>
+              <a:t>goal_angle</a:t>
+            </a:r>
+            <a:r>
+              <a:rPr lang="en-US" sz="1400" dirty="0" smtClean="0"/>
+              <a:t> = pi</a:t>
+            </a:r>
+          </a:p>
+          <a:p>
+            <a:r>
+              <a:rPr lang="en-US" sz="1400" dirty="0" err="1" smtClean="0"/>
+              <a:t>angular_duration</a:t>
+            </a:r>
+            <a:r>
+              <a:rPr lang="en-US" sz="1400" dirty="0" smtClean="0"/>
+              <a:t> = </a:t>
+            </a:r>
+            <a:r>
+              <a:rPr lang="en-US" sz="1400" dirty="0" err="1" smtClean="0"/>
+              <a:t>goal_angle</a:t>
+            </a:r>
+            <a:r>
+              <a:rPr lang="en-US" sz="1400" dirty="0" smtClean="0"/>
+              <a:t> / </a:t>
+            </a:r>
+            <a:r>
+              <a:rPr lang="en-US" sz="1400" dirty="0" err="1" smtClean="0"/>
+              <a:t>angular_speed</a:t>
+            </a:r>
+            <a:r>
+              <a:rPr lang="en-US" sz="1400" dirty="0" smtClean="0"/>
+              <a:t>;</a:t>
+            </a:r>
+          </a:p>
+          <a:p>
+            <a:endParaRPr lang="en-US" sz="1400" dirty="0" smtClean="0"/>
+          </a:p>
+          <a:p>
+            <a:r>
+              <a:rPr lang="en-US" sz="1400" dirty="0" smtClean="0"/>
+              <a:t>A: Repeat step 1 to 6 twice</a:t>
+            </a:r>
+          </a:p>
+          <a:p>
+            <a:r>
+              <a:rPr lang="en-US" sz="1400" dirty="0" smtClean="0"/>
+              <a:t>	1</a:t>
+            </a:r>
+            <a:r>
+              <a:rPr lang="en-US" sz="1400" dirty="0" smtClean="0"/>
+              <a:t>. ticks = </a:t>
+            </a:r>
+            <a:r>
+              <a:rPr lang="en-US" sz="1400" dirty="0" err="1" smtClean="0"/>
+              <a:t>linear_duration</a:t>
+            </a:r>
+            <a:r>
+              <a:rPr lang="en-US" sz="1400" dirty="0" smtClean="0"/>
+              <a:t> / rate</a:t>
+            </a:r>
+          </a:p>
+          <a:p>
+            <a:r>
+              <a:rPr lang="en-US" sz="1400" dirty="0" smtClean="0"/>
+              <a:t>	2</a:t>
+            </a:r>
+            <a:r>
+              <a:rPr lang="en-US" sz="1400" dirty="0" smtClean="0"/>
+              <a:t>. while(t &lt; ticks)</a:t>
+            </a:r>
+          </a:p>
+          <a:p>
+            <a:r>
+              <a:rPr lang="en-US" sz="1400" dirty="0" smtClean="0"/>
+              <a:t>		robot </a:t>
+            </a:r>
+            <a:r>
+              <a:rPr lang="en-US" sz="1400" dirty="0" smtClean="0"/>
+              <a:t>will walk 1 meter straight</a:t>
+            </a:r>
+          </a:p>
+          <a:p>
+            <a:r>
+              <a:rPr lang="en-US" sz="1400" dirty="0" smtClean="0"/>
+              <a:t>	3</a:t>
+            </a:r>
+            <a:r>
+              <a:rPr lang="en-US" sz="1400" dirty="0" smtClean="0"/>
+              <a:t>. robot will sleep 1 cycle</a:t>
+            </a:r>
+          </a:p>
+          <a:p>
+            <a:r>
+              <a:rPr lang="en-US" sz="1400" dirty="0" smtClean="0"/>
+              <a:t>	4</a:t>
+            </a:r>
+            <a:r>
+              <a:rPr lang="en-US" sz="1400" dirty="0" smtClean="0"/>
+              <a:t>. ticks = </a:t>
+            </a:r>
+            <a:r>
+              <a:rPr lang="en-US" sz="1400" dirty="0" err="1" smtClean="0"/>
+              <a:t>goal_angle</a:t>
+            </a:r>
+            <a:r>
+              <a:rPr lang="en-US" sz="1400" dirty="0" smtClean="0"/>
+              <a:t> * rate</a:t>
+            </a:r>
+          </a:p>
+          <a:p>
+            <a:r>
+              <a:rPr lang="en-US" sz="1400" dirty="0" smtClean="0"/>
+              <a:t>	5</a:t>
+            </a:r>
+            <a:r>
+              <a:rPr lang="en-US" sz="1400" dirty="0" smtClean="0"/>
+              <a:t>. while(t&lt;ticks)</a:t>
+            </a:r>
+          </a:p>
+          <a:p>
+            <a:r>
+              <a:rPr lang="en-US" sz="1400" dirty="0" smtClean="0"/>
+              <a:t>		robot </a:t>
+            </a:r>
+            <a:r>
+              <a:rPr lang="en-US" sz="1400" dirty="0" smtClean="0"/>
+              <a:t>rotates 180*</a:t>
+            </a:r>
+          </a:p>
+          <a:p>
+            <a:r>
+              <a:rPr lang="en-US" sz="1400" dirty="0" smtClean="0"/>
+              <a:t>	6</a:t>
+            </a:r>
+            <a:r>
+              <a:rPr lang="en-US" sz="1400" dirty="0" smtClean="0"/>
+              <a:t>. robot will sleep 1 cycle</a:t>
+            </a:r>
+          </a:p>
+          <a:p>
+            <a:r>
+              <a:rPr lang="en-US" sz="1400" dirty="0" smtClean="0"/>
+              <a:t>B: Program Terminates</a:t>
+            </a:r>
+            <a:endParaRPr lang="en-US" sz="1400" dirty="0"/>
+          </a:p>
+        </p:txBody>
+      </p:sp>
+      <p:pic>
+        <p:nvPicPr>
+          <p:cNvPr id="5123" name="Picture 3" descr="C:\Users\EpicFailure\Desktop\bsc2\Robotic Engineering 2 (ROS)\Report\Presentation\timed_out_and_back.png"/>
+          <p:cNvPicPr>
+            <a:picLocks noChangeAspect="1" noChangeArrowheads="1"/>
+          </p:cNvPicPr>
+          <p:nvPr/>
+        </p:nvPicPr>
+        <p:blipFill>
+          <a:blip r:embed="rId2"/>
+          <a:srcRect/>
+          <a:stretch>
+            <a:fillRect/>
+          </a:stretch>
+        </p:blipFill>
+        <p:spPr bwMode="auto">
+          <a:xfrm>
+            <a:off x="5580698" y="1876425"/>
+            <a:ext cx="4786312" cy="4066600"/>
+          </a:xfrm>
+          <a:prstGeom prst="rect">
+            <a:avLst/>
+          </a:prstGeom>
+          <a:noFill/>
+        </p:spPr>
+      </p:pic>
+    </p:spTree>
+    <p:extLst>
+      <p:ext uri="{BB962C8B-B14F-4D97-AF65-F5344CB8AC3E}">
+        <p14:creationId xmlns:p14="http://schemas.microsoft.com/office/powerpoint/2010/main" xmlns="" val="827552370"/>
+      </p:ext>
+    </p:extLst>
+  </p:cSld>
+  <p:clrMapOvr>
+    <a:masterClrMapping/>
+  </p:clrMapOvr>
+</p:sld>
+</file>
+
+<file path=ppt/slides/slide9.xml><?xml version="1.0" encoding="utf-8"?>
+<p:sld xmlns:a="http://schemas.openxmlformats.org/drawingml/2006/main" xmlns:r="http://schemas.openxmlformats.org/officeDocument/2006/relationships" xmlns:p="http://schemas.openxmlformats.org/presentationml/2006/main">
+  <p:cSld>
+    <p:spTree>
+      <p:nvGrpSpPr>
+        <p:cNvPr id="1" name=""/>
+        <p:cNvGrpSpPr/>
+        <p:nvPr/>
+      </p:nvGrpSpPr>
+      <p:grpSpPr>
+        <a:xfrm>
+          <a:off x="0" y="0"/>
+          <a:ext cx="0" cy="0"/>
+          <a:chOff x="0" y="0"/>
+          <a:chExt cx="0" cy="0"/>
+        </a:xfrm>
+      </p:grpSpPr>
+      <p:sp>
+        <p:nvSpPr>
+          <p:cNvPr id="2" name="Titre 1"/>
+          <p:cNvSpPr>
+            <a:spLocks noGrp="1"/>
+          </p:cNvSpPr>
+          <p:nvPr>
+            <p:ph type="ctrTitle"/>
+          </p:nvPr>
+        </p:nvSpPr>
+        <p:spPr>
+          <a:xfrm>
+            <a:off x="228600" y="279400"/>
+            <a:ext cx="7823200" cy="749300"/>
+          </a:xfrm>
+        </p:spPr>
+        <p:txBody>
+          <a:bodyPr>
+            <a:noAutofit/>
+          </a:bodyPr>
+          <a:lstStyle/>
+          <a:p>
+            <a:r>
+              <a:rPr lang="en-US" sz="3200" dirty="0" smtClean="0"/>
+              <a:t>Goal 2 : Advanced Motion of Mobile Base</a:t>
+            </a:r>
+            <a:endParaRPr lang="fr-FR" sz="3200" dirty="0"/>
+          </a:p>
+        </p:txBody>
+      </p:sp>
+      <p:pic>
+        <p:nvPicPr>
+          <p:cNvPr id="4099" name="Picture 3" descr="C:\Users\EpicFailure\Desktop\bsc2\Robotic Engineering 2 (ROS)\Report\images\simple_robot.png"/>
+          <p:cNvPicPr>
+            <a:picLocks noChangeAspect="1" noChangeArrowheads="1"/>
+          </p:cNvPicPr>
+          <p:nvPr/>
+        </p:nvPicPr>
+        <p:blipFill>
+          <a:blip r:embed="rId2"/>
+          <a:srcRect/>
+          <a:stretch>
+            <a:fillRect/>
+          </a:stretch>
+        </p:blipFill>
+        <p:spPr bwMode="auto">
+          <a:xfrm>
+            <a:off x="893763" y="1457325"/>
+            <a:ext cx="8067675" cy="1706563"/>
+          </a:xfrm>
+          <a:prstGeom prst="rect">
+            <a:avLst/>
+          </a:prstGeom>
+          <a:noFill/>
+        </p:spPr>
+      </p:pic>
+      <p:sp>
+        <p:nvSpPr>
+          <p:cNvPr id="6" name="Rectangle 5"/>
+          <p:cNvSpPr/>
+          <p:nvPr/>
+        </p:nvSpPr>
+        <p:spPr>
+          <a:xfrm>
+            <a:off x="660400" y="3627041"/>
+            <a:ext cx="8775700" cy="2031325"/>
+          </a:xfrm>
+          <a:prstGeom prst="rect">
+            <a:avLst/>
+          </a:prstGeom>
+        </p:spPr>
+        <p:txBody>
+          <a:bodyPr wrap="square">
+            <a:spAutoFit/>
+          </a:bodyPr>
+          <a:lstStyle/>
+          <a:p>
+            <a:r>
+              <a:rPr lang="en-US" dirty="0" smtClean="0"/>
+              <a:t>Such is the case for the </a:t>
+            </a:r>
+            <a:r>
+              <a:rPr lang="en-US" dirty="0" err="1" smtClean="0"/>
+              <a:t>turtlebot</a:t>
+            </a:r>
+            <a:r>
+              <a:rPr lang="en-US" dirty="0" smtClean="0"/>
+              <a:t> </a:t>
+            </a:r>
+            <a:r>
+              <a:rPr lang="en-US" dirty="0" err="1" smtClean="0"/>
+              <a:t>Odometry</a:t>
+            </a:r>
+            <a:r>
+              <a:rPr lang="en-US" dirty="0" smtClean="0"/>
+              <a:t> data we use to move the robot. While the </a:t>
+            </a:r>
+            <a:r>
+              <a:rPr lang="en-US" b="1" dirty="0" smtClean="0"/>
+              <a:t>/base link </a:t>
+            </a:r>
+            <a:r>
+              <a:rPr lang="en-US" dirty="0" smtClean="0"/>
+              <a:t>frame corresponds to a real physical part of Controlling a Mobile Base robot, the </a:t>
+            </a:r>
+            <a:r>
+              <a:rPr lang="en-US" b="1" dirty="0" smtClean="0"/>
+              <a:t>/</a:t>
+            </a:r>
+            <a:r>
+              <a:rPr lang="en-US" b="1" dirty="0" err="1" smtClean="0"/>
+              <a:t>odom</a:t>
+            </a:r>
+            <a:r>
+              <a:rPr lang="en-US" b="1" dirty="0" smtClean="0"/>
+              <a:t> </a:t>
+            </a:r>
+            <a:r>
+              <a:rPr lang="en-US" dirty="0" smtClean="0"/>
+              <a:t>frame is defined by the translations and rotations encapsulated in the </a:t>
+            </a:r>
+            <a:r>
+              <a:rPr lang="en-US" dirty="0" err="1" smtClean="0"/>
+              <a:t>odometry</a:t>
+            </a:r>
+            <a:r>
+              <a:rPr lang="en-US" dirty="0" smtClean="0"/>
+              <a:t> data. These transformations move the robot relative to the /</a:t>
+            </a:r>
+            <a:r>
+              <a:rPr lang="en-US" dirty="0" err="1" smtClean="0"/>
+              <a:t>odom</a:t>
+            </a:r>
+            <a:r>
+              <a:rPr lang="en-US" dirty="0" smtClean="0"/>
+              <a:t> frame. In ROS if we see the </a:t>
+            </a:r>
+            <a:r>
+              <a:rPr lang="en-US" dirty="0" err="1" smtClean="0"/>
+              <a:t>nav</a:t>
+            </a:r>
+            <a:r>
+              <a:rPr lang="en-US" dirty="0" smtClean="0"/>
+              <a:t> </a:t>
+            </a:r>
+            <a:r>
+              <a:rPr lang="en-US" dirty="0" err="1" smtClean="0"/>
+              <a:t>msgs</a:t>
+            </a:r>
+            <a:r>
+              <a:rPr lang="en-US" dirty="0" smtClean="0"/>
+              <a:t>/</a:t>
+            </a:r>
+            <a:r>
+              <a:rPr lang="en-US" dirty="0" err="1" smtClean="0"/>
+              <a:t>Odometry</a:t>
+            </a:r>
+            <a:r>
+              <a:rPr lang="en-US" dirty="0" smtClean="0"/>
+              <a:t> message structure, </a:t>
+            </a:r>
+            <a:r>
+              <a:rPr lang="en-US" b="1" dirty="0" smtClean="0"/>
+              <a:t>/</a:t>
+            </a:r>
+            <a:r>
+              <a:rPr lang="en-US" b="1" dirty="0" err="1" smtClean="0"/>
+              <a:t>odom</a:t>
+            </a:r>
+            <a:r>
+              <a:rPr lang="en-US" b="1" dirty="0" smtClean="0"/>
+              <a:t> </a:t>
+            </a:r>
+            <a:r>
+              <a:rPr lang="en-US" dirty="0" smtClean="0"/>
+              <a:t>is used as the parent frame and</a:t>
+            </a:r>
+          </a:p>
+          <a:p>
+            <a:r>
+              <a:rPr lang="en-US" b="1" dirty="0" smtClean="0"/>
+              <a:t>/</a:t>
+            </a:r>
+            <a:r>
+              <a:rPr lang="en-US" b="1" dirty="0" err="1" smtClean="0"/>
+              <a:t>base_footprint</a:t>
+            </a:r>
+            <a:r>
+              <a:rPr lang="en-US" dirty="0" smtClean="0"/>
+              <a:t> </a:t>
+            </a:r>
+            <a:r>
+              <a:rPr lang="en-US" dirty="0" smtClean="0"/>
+              <a:t>(for </a:t>
+            </a:r>
+            <a:r>
+              <a:rPr lang="en-US" dirty="0" err="1" smtClean="0"/>
+              <a:t>turtlebot</a:t>
+            </a:r>
+            <a:r>
+              <a:rPr lang="en-US" dirty="0" smtClean="0"/>
+              <a:t>) as the child frame id. The transformation between these two frames, is with </a:t>
+            </a:r>
+            <a:r>
+              <a:rPr lang="en-US" dirty="0" smtClean="0"/>
+              <a:t>the help </a:t>
+            </a:r>
+            <a:r>
+              <a:rPr lang="en-US" dirty="0" smtClean="0"/>
+              <a:t>of </a:t>
+            </a:r>
+            <a:r>
+              <a:rPr lang="en-US" b="1" dirty="0" err="1" smtClean="0"/>
+              <a:t>tf</a:t>
+            </a:r>
+            <a:r>
+              <a:rPr lang="en-US" dirty="0" smtClean="0"/>
+              <a:t> library.</a:t>
+            </a:r>
+            <a:endParaRPr lang="en-US" dirty="0"/>
+          </a:p>
+        </p:txBody>
+      </p:sp>
+    </p:spTree>
+    <p:extLst>
+      <p:ext uri="{BB962C8B-B14F-4D97-AF65-F5344CB8AC3E}">
+        <p14:creationId xmlns:p14="http://schemas.microsoft.com/office/powerpoint/2010/main" xmlns="" val="827552370"/>
       </p:ext>
     </p:extLst>
   </p:cSld>
@@ -11433,7 +14875,7 @@
     </a:clrScheme>
     <a:fontScheme name="View">
       <a:majorFont>
-        <a:latin typeface="Century Schoolbook" panose="02040604050505020304"/>
+        <a:latin typeface="Century Schoolbook"/>
         <a:ea typeface=""/>
         <a:cs typeface=""/>
         <a:font script="Jpan" typeface="ＭＳ ゴシック"/>
@@ -11468,7 +14910,7 @@
         <a:font script="Geor" typeface="Sylfaen"/>
       </a:majorFont>
       <a:minorFont>
-        <a:latin typeface="Century Schoolbook" panose="02040604050505020304"/>
+        <a:latin typeface="Century Schoolbook"/>
         <a:ea typeface=""/>
         <a:cs typeface=""/>
         <a:font script="Jpan" typeface="ＭＳ ゴシック"/>
@@ -11637,7 +15079,7 @@
   <a:extraClrSchemeLst/>
   <a:extLst>
     <a:ext uri="{05A4C25C-085E-4340-85A3-A5531E510DB2}">
-      <thm15:themeFamily xmlns:thm15="http://schemas.microsoft.com/office/thememl/2012/main" name="View" id="{BA0EB5A6-F2D4-4F82-977B-64ADEE4A2A69}" vid="{3969A8A2-35DB-4E3B-8885-16FD20568674}"/>
+      <thm15:themeFamily xmlns:thm15="http://schemas.microsoft.com/office/thememl/2012/main" xmlns="" name="View" id="{BA0EB5A6-F2D4-4F82-977B-64ADEE4A2A69}" vid="{3969A8A2-35DB-4E3B-8885-16FD20568674}"/>
     </a:ext>
   </a:extLst>
 </a:theme>
@@ -11686,7 +15128,7 @@
     </a:clrScheme>
     <a:fontScheme name="Office">
       <a:majorFont>
-        <a:latin typeface="Calibri Light" panose="020F0302020204030204"/>
+        <a:latin typeface="Calibri Light"/>
         <a:ea typeface=""/>
         <a:cs typeface=""/>
         <a:font script="Jpan" typeface="ＭＳ Ｐゴシック"/>
@@ -11721,7 +15163,7 @@
         <a:font script="Geor" typeface="Sylfaen"/>
       </a:majorFont>
       <a:minorFont>
-        <a:latin typeface="Calibri" panose="020F0502020204030204"/>
+        <a:latin typeface="Calibri"/>
         <a:ea typeface=""/>
         <a:cs typeface=""/>
         <a:font script="Jpan" typeface="ＭＳ Ｐゴシック"/>
@@ -11898,7 +15340,7 @@
   <a:extraClrSchemeLst/>
   <a:extLst>
     <a:ext uri="{05A4C25C-085E-4340-85A3-A5531E510DB2}">
-      <thm15:themeFamily xmlns:thm15="http://schemas.microsoft.com/office/thememl/2012/main" name="Office Theme" id="{62F939B6-93AF-4DB8-9C6B-D6C7DFDC589F}" vid="{4A3C46E8-61CC-4603-A589-7422A47A8E4A}"/>
+      <thm15:themeFamily xmlns:thm15="http://schemas.microsoft.com/office/thememl/2012/main" xmlns="" name="Office Theme" id="{62F939B6-93AF-4DB8-9C6B-D6C7DFDC589F}" vid="{4A3C46E8-61CC-4603-A589-7422A47A8E4A}"/>
     </a:ext>
   </a:extLst>
 </a:theme>

--- a/Presentation/ROS-Turtlebot.pptx
+++ b/Presentation/ROS-Turtlebot.pptx
@@ -7,27 +7,25 @@
     <p:sldMasterId id="2147483768" r:id="rId3"/>
   </p:sldMasterIdLst>
   <p:notesMasterIdLst>
-    <p:notesMasterId r:id="rId22"/>
+    <p:notesMasterId r:id="rId20"/>
   </p:notesMasterIdLst>
   <p:sldIdLst>
     <p:sldId id="256" r:id="rId4"/>
     <p:sldId id="258" r:id="rId5"/>
     <p:sldId id="262" r:id="rId6"/>
     <p:sldId id="260" r:id="rId7"/>
-    <p:sldId id="266" r:id="rId8"/>
-    <p:sldId id="265" r:id="rId9"/>
-    <p:sldId id="268" r:id="rId10"/>
-    <p:sldId id="267" r:id="rId11"/>
-    <p:sldId id="269" r:id="rId12"/>
-    <p:sldId id="273" r:id="rId13"/>
-    <p:sldId id="270" r:id="rId14"/>
-    <p:sldId id="271" r:id="rId15"/>
-    <p:sldId id="274" r:id="rId16"/>
-    <p:sldId id="272" r:id="rId17"/>
-    <p:sldId id="264" r:id="rId18"/>
-    <p:sldId id="259" r:id="rId19"/>
-    <p:sldId id="261" r:id="rId20"/>
-    <p:sldId id="263" r:id="rId21"/>
+    <p:sldId id="268" r:id="rId8"/>
+    <p:sldId id="267" r:id="rId9"/>
+    <p:sldId id="273" r:id="rId10"/>
+    <p:sldId id="269" r:id="rId11"/>
+    <p:sldId id="270" r:id="rId12"/>
+    <p:sldId id="271" r:id="rId13"/>
+    <p:sldId id="274" r:id="rId14"/>
+    <p:sldId id="272" r:id="rId15"/>
+    <p:sldId id="264" r:id="rId16"/>
+    <p:sldId id="259" r:id="rId17"/>
+    <p:sldId id="261" r:id="rId18"/>
+    <p:sldId id="263" r:id="rId19"/>
   </p:sldIdLst>
   <p:sldSz cx="10972800" cy="6858000"/>
   <p:notesSz cx="6858000" cy="9144000"/>
@@ -381,7 +379,7 @@
     </p:spTree>
     <p:extLst>
       <p:ext uri="{BB962C8B-B14F-4D97-AF65-F5344CB8AC3E}">
-        <p14:creationId xmlns:p14="http://schemas.microsoft.com/office/powerpoint/2010/main" xmlns="" val="497858858"/>
+        <p14:creationId xmlns="" xmlns:p14="http://schemas.microsoft.com/office/powerpoint/2010/main" val="497858858"/>
       </p:ext>
     </p:extLst>
   </p:cSld>
@@ -561,7 +559,7 @@
     </p:spTree>
     <p:extLst>
       <p:ext uri="{BB962C8B-B14F-4D97-AF65-F5344CB8AC3E}">
-        <p14:creationId xmlns:p14="http://schemas.microsoft.com/office/powerpoint/2010/main" xmlns="" val="548999133"/>
+        <p14:creationId xmlns="" xmlns:p14="http://schemas.microsoft.com/office/powerpoint/2010/main" val="548999133"/>
       </p:ext>
     </p:extLst>
   </p:cSld>
@@ -642,7 +640,7 @@
             <a:fld id="{0553A931-8B17-4BE8-AE29-661B3883E8D5}" type="slidenum">
               <a:rPr lang="fr-FR" smtClean="0"/>
               <a:pPr/>
-              <a:t>16</a:t>
+              <a:t>14</a:t>
             </a:fld>
             <a:endParaRPr lang="fr-FR"/>
           </a:p>
@@ -651,7 +649,7 @@
     </p:spTree>
     <p:extLst>
       <p:ext uri="{BB962C8B-B14F-4D97-AF65-F5344CB8AC3E}">
-        <p14:creationId xmlns:p14="http://schemas.microsoft.com/office/powerpoint/2010/main" xmlns="" val="3458496646"/>
+        <p14:creationId xmlns="" xmlns:p14="http://schemas.microsoft.com/office/powerpoint/2010/main" val="3458496646"/>
       </p:ext>
     </p:extLst>
   </p:cSld>
@@ -860,7 +858,7 @@
     </p:spTree>
     <p:extLst>
       <p:ext uri="{BB962C8B-B14F-4D97-AF65-F5344CB8AC3E}">
-        <p14:creationId xmlns:p14="http://schemas.microsoft.com/office/powerpoint/2010/main" xmlns="" val="1365221742"/>
+        <p14:creationId xmlns="" xmlns:p14="http://schemas.microsoft.com/office/powerpoint/2010/main" val="1365221742"/>
       </p:ext>
     </p:extLst>
   </p:cSld>
@@ -1036,7 +1034,7 @@
     </p:spTree>
     <p:extLst>
       <p:ext uri="{BB962C8B-B14F-4D97-AF65-F5344CB8AC3E}">
-        <p14:creationId xmlns:p14="http://schemas.microsoft.com/office/powerpoint/2010/main" xmlns="" val="638278577"/>
+        <p14:creationId xmlns="" xmlns:p14="http://schemas.microsoft.com/office/powerpoint/2010/main" val="638278577"/>
       </p:ext>
     </p:extLst>
   </p:cSld>
@@ -1222,7 +1220,7 @@
     </p:spTree>
     <p:extLst>
       <p:ext uri="{BB962C8B-B14F-4D97-AF65-F5344CB8AC3E}">
-        <p14:creationId xmlns:p14="http://schemas.microsoft.com/office/powerpoint/2010/main" xmlns="" val="2577853164"/>
+        <p14:creationId xmlns="" xmlns:p14="http://schemas.microsoft.com/office/powerpoint/2010/main" val="2577853164"/>
       </p:ext>
     </p:extLst>
   </p:cSld>
@@ -1431,7 +1429,7 @@
     </p:spTree>
     <p:extLst>
       <p:ext uri="{BB962C8B-B14F-4D97-AF65-F5344CB8AC3E}">
-        <p14:creationId xmlns:p14="http://schemas.microsoft.com/office/powerpoint/2010/main" xmlns="" val="3079084854"/>
+        <p14:creationId xmlns="" xmlns:p14="http://schemas.microsoft.com/office/powerpoint/2010/main" val="3079084854"/>
       </p:ext>
     </p:extLst>
   </p:cSld>
@@ -1607,7 +1605,7 @@
     </p:spTree>
     <p:extLst>
       <p:ext uri="{BB962C8B-B14F-4D97-AF65-F5344CB8AC3E}">
-        <p14:creationId xmlns:p14="http://schemas.microsoft.com/office/powerpoint/2010/main" xmlns="" val="2664856110"/>
+        <p14:creationId xmlns="" xmlns:p14="http://schemas.microsoft.com/office/powerpoint/2010/main" val="2664856110"/>
       </p:ext>
     </p:extLst>
   </p:cSld>
@@ -1864,7 +1862,7 @@
     </p:spTree>
     <p:extLst>
       <p:ext uri="{BB962C8B-B14F-4D97-AF65-F5344CB8AC3E}">
-        <p14:creationId xmlns:p14="http://schemas.microsoft.com/office/powerpoint/2010/main" xmlns="" val="2665551998"/>
+        <p14:creationId xmlns="" xmlns:p14="http://schemas.microsoft.com/office/powerpoint/2010/main" val="2665551998"/>
       </p:ext>
     </p:extLst>
   </p:cSld>
@@ -2102,7 +2100,7 @@
     </p:spTree>
     <p:extLst>
       <p:ext uri="{BB962C8B-B14F-4D97-AF65-F5344CB8AC3E}">
-        <p14:creationId xmlns:p14="http://schemas.microsoft.com/office/powerpoint/2010/main" xmlns="" val="3620915963"/>
+        <p14:creationId xmlns="" xmlns:p14="http://schemas.microsoft.com/office/powerpoint/2010/main" val="3620915963"/>
       </p:ext>
     </p:extLst>
   </p:cSld>
@@ -2478,7 +2476,7 @@
     </p:spTree>
     <p:extLst>
       <p:ext uri="{BB962C8B-B14F-4D97-AF65-F5344CB8AC3E}">
-        <p14:creationId xmlns:p14="http://schemas.microsoft.com/office/powerpoint/2010/main" xmlns="" val="422490247"/>
+        <p14:creationId xmlns="" xmlns:p14="http://schemas.microsoft.com/office/powerpoint/2010/main" val="422490247"/>
       </p:ext>
     </p:extLst>
   </p:cSld>
@@ -2602,7 +2600,7 @@
     </p:spTree>
     <p:extLst>
       <p:ext uri="{BB962C8B-B14F-4D97-AF65-F5344CB8AC3E}">
-        <p14:creationId xmlns:p14="http://schemas.microsoft.com/office/powerpoint/2010/main" xmlns="" val="2522063121"/>
+        <p14:creationId xmlns="" xmlns:p14="http://schemas.microsoft.com/office/powerpoint/2010/main" val="2522063121"/>
       </p:ext>
     </p:extLst>
   </p:cSld>
@@ -2703,7 +2701,7 @@
     </p:spTree>
     <p:extLst>
       <p:ext uri="{BB962C8B-B14F-4D97-AF65-F5344CB8AC3E}">
-        <p14:creationId xmlns:p14="http://schemas.microsoft.com/office/powerpoint/2010/main" xmlns="" val="888031019"/>
+        <p14:creationId xmlns="" xmlns:p14="http://schemas.microsoft.com/office/powerpoint/2010/main" val="888031019"/>
       </p:ext>
     </p:extLst>
   </p:cSld>
@@ -2993,7 +2991,7 @@
     </p:spTree>
     <p:extLst>
       <p:ext uri="{BB962C8B-B14F-4D97-AF65-F5344CB8AC3E}">
-        <p14:creationId xmlns:p14="http://schemas.microsoft.com/office/powerpoint/2010/main" xmlns="" val="3986717722"/>
+        <p14:creationId xmlns="" xmlns:p14="http://schemas.microsoft.com/office/powerpoint/2010/main" val="3986717722"/>
       </p:ext>
     </p:extLst>
   </p:cSld>
@@ -3169,7 +3167,7 @@
     </p:spTree>
     <p:extLst>
       <p:ext uri="{BB962C8B-B14F-4D97-AF65-F5344CB8AC3E}">
-        <p14:creationId xmlns:p14="http://schemas.microsoft.com/office/powerpoint/2010/main" xmlns="" val="3017038234"/>
+        <p14:creationId xmlns="" xmlns:p14="http://schemas.microsoft.com/office/powerpoint/2010/main" val="3017038234"/>
       </p:ext>
     </p:extLst>
   </p:cSld>
@@ -3439,7 +3437,7 @@
     </p:spTree>
     <p:extLst>
       <p:ext uri="{BB962C8B-B14F-4D97-AF65-F5344CB8AC3E}">
-        <p14:creationId xmlns:p14="http://schemas.microsoft.com/office/powerpoint/2010/main" xmlns="" val="2987125535"/>
+        <p14:creationId xmlns="" xmlns:p14="http://schemas.microsoft.com/office/powerpoint/2010/main" val="2987125535"/>
       </p:ext>
     </p:extLst>
   </p:cSld>
@@ -3615,7 +3613,7 @@
     </p:spTree>
     <p:extLst>
       <p:ext uri="{BB962C8B-B14F-4D97-AF65-F5344CB8AC3E}">
-        <p14:creationId xmlns:p14="http://schemas.microsoft.com/office/powerpoint/2010/main" xmlns="" val="3576951841"/>
+        <p14:creationId xmlns="" xmlns:p14="http://schemas.microsoft.com/office/powerpoint/2010/main" val="3576951841"/>
       </p:ext>
     </p:extLst>
   </p:cSld>
@@ -3801,7 +3799,7 @@
     </p:spTree>
     <p:extLst>
       <p:ext uri="{BB962C8B-B14F-4D97-AF65-F5344CB8AC3E}">
-        <p14:creationId xmlns:p14="http://schemas.microsoft.com/office/powerpoint/2010/main" xmlns="" val="1530249455"/>
+        <p14:creationId xmlns="" xmlns:p14="http://schemas.microsoft.com/office/powerpoint/2010/main" val="1530249455"/>
       </p:ext>
     </p:extLst>
   </p:cSld>
@@ -4094,7 +4092,7 @@
     </p:spTree>
     <p:extLst>
       <p:ext uri="{BB962C8B-B14F-4D97-AF65-F5344CB8AC3E}">
-        <p14:creationId xmlns:p14="http://schemas.microsoft.com/office/powerpoint/2010/main" xmlns="" val="3007972771"/>
+        <p14:creationId xmlns="" xmlns:p14="http://schemas.microsoft.com/office/powerpoint/2010/main" val="3007972771"/>
       </p:ext>
     </p:extLst>
   </p:cSld>
@@ -4270,7 +4268,7 @@
     </p:spTree>
     <p:extLst>
       <p:ext uri="{BB962C8B-B14F-4D97-AF65-F5344CB8AC3E}">
-        <p14:creationId xmlns:p14="http://schemas.microsoft.com/office/powerpoint/2010/main" xmlns="" val="1142910737"/>
+        <p14:creationId xmlns="" xmlns:p14="http://schemas.microsoft.com/office/powerpoint/2010/main" val="1142910737"/>
       </p:ext>
     </p:extLst>
   </p:cSld>
@@ -4568,7 +4566,7 @@
     </p:spTree>
     <p:extLst>
       <p:ext uri="{BB962C8B-B14F-4D97-AF65-F5344CB8AC3E}">
-        <p14:creationId xmlns:p14="http://schemas.microsoft.com/office/powerpoint/2010/main" xmlns="" val="419867722"/>
+        <p14:creationId xmlns="" xmlns:p14="http://schemas.microsoft.com/office/powerpoint/2010/main" val="419867722"/>
       </p:ext>
     </p:extLst>
   </p:cSld>
@@ -4862,7 +4860,7 @@
     </p:spTree>
     <p:extLst>
       <p:ext uri="{BB962C8B-B14F-4D97-AF65-F5344CB8AC3E}">
-        <p14:creationId xmlns:p14="http://schemas.microsoft.com/office/powerpoint/2010/main" xmlns="" val="1350133318"/>
+        <p14:creationId xmlns="" xmlns:p14="http://schemas.microsoft.com/office/powerpoint/2010/main" val="1350133318"/>
       </p:ext>
     </p:extLst>
   </p:cSld>
@@ -5319,7 +5317,7 @@
     </p:spTree>
     <p:extLst>
       <p:ext uri="{BB962C8B-B14F-4D97-AF65-F5344CB8AC3E}">
-        <p14:creationId xmlns:p14="http://schemas.microsoft.com/office/powerpoint/2010/main" xmlns="" val="485887885"/>
+        <p14:creationId xmlns="" xmlns:p14="http://schemas.microsoft.com/office/powerpoint/2010/main" val="485887885"/>
       </p:ext>
     </p:extLst>
   </p:cSld>
@@ -5443,7 +5441,7 @@
     </p:spTree>
     <p:extLst>
       <p:ext uri="{BB962C8B-B14F-4D97-AF65-F5344CB8AC3E}">
-        <p14:creationId xmlns:p14="http://schemas.microsoft.com/office/powerpoint/2010/main" xmlns="" val="2200501134"/>
+        <p14:creationId xmlns="" xmlns:p14="http://schemas.microsoft.com/office/powerpoint/2010/main" val="2200501134"/>
       </p:ext>
     </p:extLst>
   </p:cSld>
@@ -5544,7 +5542,7 @@
     </p:spTree>
     <p:extLst>
       <p:ext uri="{BB962C8B-B14F-4D97-AF65-F5344CB8AC3E}">
-        <p14:creationId xmlns:p14="http://schemas.microsoft.com/office/powerpoint/2010/main" xmlns="" val="3962621089"/>
+        <p14:creationId xmlns="" xmlns:p14="http://schemas.microsoft.com/office/powerpoint/2010/main" val="3962621089"/>
       </p:ext>
     </p:extLst>
   </p:cSld>
@@ -5801,7 +5799,7 @@
     </p:spTree>
     <p:extLst>
       <p:ext uri="{BB962C8B-B14F-4D97-AF65-F5344CB8AC3E}">
-        <p14:creationId xmlns:p14="http://schemas.microsoft.com/office/powerpoint/2010/main" xmlns="" val="3249730717"/>
+        <p14:creationId xmlns="" xmlns:p14="http://schemas.microsoft.com/office/powerpoint/2010/main" val="3249730717"/>
       </p:ext>
     </p:extLst>
   </p:cSld>
@@ -6094,7 +6092,7 @@
     </p:spTree>
     <p:extLst>
       <p:ext uri="{BB962C8B-B14F-4D97-AF65-F5344CB8AC3E}">
-        <p14:creationId xmlns:p14="http://schemas.microsoft.com/office/powerpoint/2010/main" xmlns="" val="843950612"/>
+        <p14:creationId xmlns="" xmlns:p14="http://schemas.microsoft.com/office/powerpoint/2010/main" val="843950612"/>
       </p:ext>
     </p:extLst>
   </p:cSld>
@@ -6425,7 +6423,7 @@
     </p:spTree>
     <p:extLst>
       <p:ext uri="{BB962C8B-B14F-4D97-AF65-F5344CB8AC3E}">
-        <p14:creationId xmlns:p14="http://schemas.microsoft.com/office/powerpoint/2010/main" xmlns="" val="4134603732"/>
+        <p14:creationId xmlns="" xmlns:p14="http://schemas.microsoft.com/office/powerpoint/2010/main" val="4134603732"/>
       </p:ext>
     </p:extLst>
   </p:cSld>
@@ -6601,7 +6599,7 @@
     </p:spTree>
     <p:extLst>
       <p:ext uri="{BB962C8B-B14F-4D97-AF65-F5344CB8AC3E}">
-        <p14:creationId xmlns:p14="http://schemas.microsoft.com/office/powerpoint/2010/main" xmlns="" val="320183795"/>
+        <p14:creationId xmlns="" xmlns:p14="http://schemas.microsoft.com/office/powerpoint/2010/main" val="320183795"/>
       </p:ext>
     </p:extLst>
   </p:cSld>
@@ -6787,7 +6785,7 @@
     </p:spTree>
     <p:extLst>
       <p:ext uri="{BB962C8B-B14F-4D97-AF65-F5344CB8AC3E}">
-        <p14:creationId xmlns:p14="http://schemas.microsoft.com/office/powerpoint/2010/main" xmlns="" val="248491581"/>
+        <p14:creationId xmlns="" xmlns:p14="http://schemas.microsoft.com/office/powerpoint/2010/main" val="248491581"/>
       </p:ext>
     </p:extLst>
   </p:cSld>
@@ -7025,7 +7023,7 @@
     </p:spTree>
     <p:extLst>
       <p:ext uri="{BB962C8B-B14F-4D97-AF65-F5344CB8AC3E}">
-        <p14:creationId xmlns:p14="http://schemas.microsoft.com/office/powerpoint/2010/main" xmlns="" val="3074940977"/>
+        <p14:creationId xmlns="" xmlns:p14="http://schemas.microsoft.com/office/powerpoint/2010/main" val="3074940977"/>
       </p:ext>
     </p:extLst>
   </p:cSld>
@@ -7401,7 +7399,7 @@
     </p:spTree>
     <p:extLst>
       <p:ext uri="{BB962C8B-B14F-4D97-AF65-F5344CB8AC3E}">
-        <p14:creationId xmlns:p14="http://schemas.microsoft.com/office/powerpoint/2010/main" xmlns="" val="2473978060"/>
+        <p14:creationId xmlns="" xmlns:p14="http://schemas.microsoft.com/office/powerpoint/2010/main" val="2473978060"/>
       </p:ext>
     </p:extLst>
   </p:cSld>
@@ -7525,7 +7523,7 @@
     </p:spTree>
     <p:extLst>
       <p:ext uri="{BB962C8B-B14F-4D97-AF65-F5344CB8AC3E}">
-        <p14:creationId xmlns:p14="http://schemas.microsoft.com/office/powerpoint/2010/main" xmlns="" val="1210513935"/>
+        <p14:creationId xmlns="" xmlns:p14="http://schemas.microsoft.com/office/powerpoint/2010/main" val="1210513935"/>
       </p:ext>
     </p:extLst>
   </p:cSld>
@@ -7626,7 +7624,7 @@
     </p:spTree>
     <p:extLst>
       <p:ext uri="{BB962C8B-B14F-4D97-AF65-F5344CB8AC3E}">
-        <p14:creationId xmlns:p14="http://schemas.microsoft.com/office/powerpoint/2010/main" xmlns="" val="2283602423"/>
+        <p14:creationId xmlns="" xmlns:p14="http://schemas.microsoft.com/office/powerpoint/2010/main" val="2283602423"/>
       </p:ext>
     </p:extLst>
   </p:cSld>
@@ -7916,7 +7914,7 @@
     </p:spTree>
     <p:extLst>
       <p:ext uri="{BB962C8B-B14F-4D97-AF65-F5344CB8AC3E}">
-        <p14:creationId xmlns:p14="http://schemas.microsoft.com/office/powerpoint/2010/main" xmlns="" val="1939743812"/>
+        <p14:creationId xmlns="" xmlns:p14="http://schemas.microsoft.com/office/powerpoint/2010/main" val="1939743812"/>
       </p:ext>
     </p:extLst>
   </p:cSld>
@@ -8186,7 +8184,7 @@
     </p:spTree>
     <p:extLst>
       <p:ext uri="{BB962C8B-B14F-4D97-AF65-F5344CB8AC3E}">
-        <p14:creationId xmlns:p14="http://schemas.microsoft.com/office/powerpoint/2010/main" xmlns="" val="2970017407"/>
+        <p14:creationId xmlns="" xmlns:p14="http://schemas.microsoft.com/office/powerpoint/2010/main" val="2970017407"/>
       </p:ext>
     </p:extLst>
   </p:cSld>
@@ -8443,7 +8441,7 @@
     </p:spTree>
     <p:extLst>
       <p:ext uri="{BB962C8B-B14F-4D97-AF65-F5344CB8AC3E}">
-        <p14:creationId xmlns:p14="http://schemas.microsoft.com/office/powerpoint/2010/main" xmlns="" val="4051418006"/>
+        <p14:creationId xmlns="" xmlns:p14="http://schemas.microsoft.com/office/powerpoint/2010/main" val="4051418006"/>
       </p:ext>
     </p:extLst>
   </p:cSld>
@@ -8980,7 +8978,7 @@
     </p:spTree>
     <p:extLst>
       <p:ext uri="{BB962C8B-B14F-4D97-AF65-F5344CB8AC3E}">
-        <p14:creationId xmlns:p14="http://schemas.microsoft.com/office/powerpoint/2010/main" xmlns="" val="4249800670"/>
+        <p14:creationId xmlns="" xmlns:p14="http://schemas.microsoft.com/office/powerpoint/2010/main" val="4249800670"/>
       </p:ext>
     </p:extLst>
   </p:cSld>
@@ -9560,7 +9558,7 @@
     </p:spTree>
     <p:extLst>
       <p:ext uri="{BB962C8B-B14F-4D97-AF65-F5344CB8AC3E}">
-        <p14:creationId xmlns:p14="http://schemas.microsoft.com/office/powerpoint/2010/main" xmlns="" val="700923303"/>
+        <p14:creationId xmlns="" xmlns:p14="http://schemas.microsoft.com/office/powerpoint/2010/main" val="700923303"/>
       </p:ext>
     </p:extLst>
   </p:cSld>
@@ -10011,7 +10009,7 @@
     </p:spTree>
     <p:extLst>
       <p:ext uri="{BB962C8B-B14F-4D97-AF65-F5344CB8AC3E}">
-        <p14:creationId xmlns:p14="http://schemas.microsoft.com/office/powerpoint/2010/main" xmlns="" val="962487894"/>
+        <p14:creationId xmlns="" xmlns:p14="http://schemas.microsoft.com/office/powerpoint/2010/main" val="962487894"/>
       </p:ext>
     </p:extLst>
   </p:cSld>
@@ -10050,6 +10048,2592 @@
         </p:nvSpPr>
         <p:spPr>
           <a:xfrm>
+            <a:off x="228603" y="279400"/>
+            <a:ext cx="9189720" cy="749300"/>
+          </a:xfrm>
+        </p:spPr>
+        <p:txBody>
+          <a:bodyPr>
+            <a:noAutofit/>
+          </a:bodyPr>
+          <a:lstStyle/>
+          <a:p>
+            <a:r>
+              <a:rPr lang="en-US" sz="2800" b="1" dirty="0" smtClean="0"/>
+              <a:t>Goal 4: Navigation with Path Planning -&gt; </a:t>
+            </a:r>
+            <a:r>
+              <a:rPr lang="en-US" sz="2800" b="1" dirty="0" err="1" smtClean="0"/>
+              <a:t>move_base</a:t>
+            </a:r>
+            <a:endParaRPr lang="fr-FR" sz="2800" b="1" dirty="0"/>
+          </a:p>
+        </p:txBody>
+      </p:sp>
+      <p:pic>
+        <p:nvPicPr>
+          <p:cNvPr id="6" name="Picture 2" descr="attachment:overview_tf.png"/>
+          <p:cNvPicPr>
+            <a:picLocks noChangeAspect="1" noChangeArrowheads="1"/>
+          </p:cNvPicPr>
+          <p:nvPr/>
+        </p:nvPicPr>
+        <p:blipFill>
+          <a:blip r:embed="rId2"/>
+          <a:srcRect/>
+          <a:stretch>
+            <a:fillRect/>
+          </a:stretch>
+        </p:blipFill>
+        <p:spPr bwMode="auto">
+          <a:xfrm>
+            <a:off x="431800" y="1185862"/>
+            <a:ext cx="9799251" cy="4452937"/>
+          </a:xfrm>
+          <a:prstGeom prst="rect">
+            <a:avLst/>
+          </a:prstGeom>
+          <a:noFill/>
+        </p:spPr>
+      </p:pic>
+      <p:sp>
+        <p:nvSpPr>
+          <p:cNvPr id="7" name="Rectangle 6"/>
+          <p:cNvSpPr/>
+          <p:nvPr/>
+        </p:nvSpPr>
+        <p:spPr>
+          <a:xfrm>
+            <a:off x="558800" y="5701437"/>
+            <a:ext cx="9626600" cy="1200329"/>
+          </a:xfrm>
+          <a:prstGeom prst="rect">
+            <a:avLst/>
+          </a:prstGeom>
+        </p:spPr>
+        <p:txBody>
+          <a:bodyPr wrap="square">
+            <a:spAutoFit/>
+          </a:bodyPr>
+          <a:lstStyle/>
+          <a:p>
+            <a:r>
+              <a:rPr lang="en-US" dirty="0" smtClean="0"/>
+              <a:t>This package includes a node also called </a:t>
+            </a:r>
+            <a:r>
+              <a:rPr lang="en-US" b="1" dirty="0" err="1" smtClean="0"/>
+              <a:t>move_base</a:t>
+            </a:r>
+            <a:r>
+              <a:rPr lang="en-US" dirty="0" smtClean="0"/>
+              <a:t>, which subscribes to the topic </a:t>
+            </a:r>
+            <a:r>
+              <a:rPr lang="en-US" b="1" dirty="0" smtClean="0"/>
+              <a:t>/map </a:t>
+            </a:r>
+            <a:r>
+              <a:rPr lang="en-US" dirty="0" smtClean="0"/>
+              <a:t>of the node </a:t>
+            </a:r>
+            <a:r>
+              <a:rPr lang="en-US" b="1" dirty="0" err="1" smtClean="0"/>
+              <a:t>map_server</a:t>
+            </a:r>
+            <a:r>
+              <a:rPr lang="en-US" dirty="0" smtClean="0"/>
+              <a:t>, and to other topics as </a:t>
+            </a:r>
+            <a:r>
+              <a:rPr lang="en-US" b="1" dirty="0" smtClean="0"/>
+              <a:t>/</a:t>
+            </a:r>
+            <a:r>
+              <a:rPr lang="en-US" b="1" dirty="0" err="1" smtClean="0"/>
+              <a:t>odom</a:t>
+            </a:r>
+            <a:r>
+              <a:rPr lang="en-US" dirty="0" smtClean="0"/>
+              <a:t>, </a:t>
+            </a:r>
+            <a:r>
+              <a:rPr lang="en-US" b="1" dirty="0" smtClean="0"/>
+              <a:t>/</a:t>
+            </a:r>
+            <a:r>
+              <a:rPr lang="en-US" b="1" dirty="0" err="1" smtClean="0"/>
+              <a:t>tf</a:t>
+            </a:r>
+            <a:r>
+              <a:rPr lang="en-US" b="1" dirty="0" smtClean="0"/>
+              <a:t> </a:t>
+            </a:r>
+            <a:r>
+              <a:rPr lang="en-US" dirty="0" smtClean="0"/>
+              <a:t>(sensor transforms) and to the probabilistic localization system </a:t>
+            </a:r>
+            <a:r>
+              <a:rPr lang="en-US" dirty="0" err="1" smtClean="0"/>
+              <a:t>amcl</a:t>
+            </a:r>
+            <a:r>
+              <a:rPr lang="en-US" dirty="0" smtClean="0"/>
+              <a:t> (adaptive Monte Carlo localization approach), to control the robot movement and publishes to </a:t>
+            </a:r>
+            <a:r>
+              <a:rPr lang="en-US" b="1" dirty="0" smtClean="0"/>
+              <a:t>/</a:t>
+            </a:r>
+            <a:r>
+              <a:rPr lang="en-US" b="1" dirty="0" err="1" smtClean="0"/>
+              <a:t>cmd_vel</a:t>
+            </a:r>
+            <a:r>
+              <a:rPr lang="en-US" b="1" dirty="0" smtClean="0"/>
+              <a:t> </a:t>
+            </a:r>
+            <a:r>
+              <a:rPr lang="en-US" dirty="0" smtClean="0"/>
+              <a:t>topic</a:t>
+            </a:r>
+            <a:endParaRPr lang="en-US" dirty="0"/>
+          </a:p>
+        </p:txBody>
+      </p:sp>
+    </p:spTree>
+    <p:extLst>
+      <p:ext uri="{BB962C8B-B14F-4D97-AF65-F5344CB8AC3E}">
+        <p14:creationId xmlns="" xmlns:p14="http://schemas.microsoft.com/office/powerpoint/2010/main" val="827552370"/>
+      </p:ext>
+    </p:extLst>
+  </p:cSld>
+  <p:clrMapOvr>
+    <a:masterClrMapping/>
+  </p:clrMapOvr>
+</p:sld>
+</file>
+
+<file path=ppt/slides/slide11.xml><?xml version="1.0" encoding="utf-8"?>
+<p:sld xmlns:a="http://schemas.openxmlformats.org/drawingml/2006/main" xmlns:r="http://schemas.openxmlformats.org/officeDocument/2006/relationships" xmlns:p="http://schemas.openxmlformats.org/presentationml/2006/main">
+  <p:cSld>
+    <p:spTree>
+      <p:nvGrpSpPr>
+        <p:cNvPr id="1" name=""/>
+        <p:cNvGrpSpPr/>
+        <p:nvPr/>
+      </p:nvGrpSpPr>
+      <p:grpSpPr>
+        <a:xfrm>
+          <a:off x="0" y="0"/>
+          <a:ext cx="0" cy="0"/>
+          <a:chOff x="0" y="0"/>
+          <a:chExt cx="0" cy="0"/>
+        </a:xfrm>
+      </p:grpSpPr>
+      <p:sp>
+        <p:nvSpPr>
+          <p:cNvPr id="2" name="Titre 1"/>
+          <p:cNvSpPr>
+            <a:spLocks noGrp="1"/>
+          </p:cNvSpPr>
+          <p:nvPr>
+            <p:ph type="ctrTitle"/>
+          </p:nvPr>
+        </p:nvSpPr>
+        <p:spPr>
+          <a:xfrm>
+            <a:off x="228603" y="279400"/>
+            <a:ext cx="9189720" cy="749300"/>
+          </a:xfrm>
+        </p:spPr>
+        <p:txBody>
+          <a:bodyPr>
+            <a:noAutofit/>
+          </a:bodyPr>
+          <a:lstStyle/>
+          <a:p>
+            <a:r>
+              <a:rPr lang="en-US" sz="2800" b="1" dirty="0" smtClean="0"/>
+              <a:t>Goal 4: Navigation with Path Planning -&gt; </a:t>
+            </a:r>
+            <a:r>
+              <a:rPr lang="en-US" sz="2800" b="1" dirty="0" err="1" smtClean="0"/>
+              <a:t>move_base</a:t>
+            </a:r>
+            <a:endParaRPr lang="fr-FR" sz="2800" b="1" dirty="0"/>
+          </a:p>
+        </p:txBody>
+      </p:sp>
+      <p:sp>
+        <p:nvSpPr>
+          <p:cNvPr id="4" name="Rectangle 3"/>
+          <p:cNvSpPr/>
+          <p:nvPr/>
+        </p:nvSpPr>
+        <p:spPr>
+          <a:xfrm>
+            <a:off x="825500" y="1282700"/>
+            <a:ext cx="7404100" cy="3139321"/>
+          </a:xfrm>
+          <a:prstGeom prst="rect">
+            <a:avLst/>
+          </a:prstGeom>
+        </p:spPr>
+        <p:txBody>
+          <a:bodyPr wrap="square">
+            <a:spAutoFit/>
+          </a:bodyPr>
+          <a:lstStyle/>
+          <a:p>
+            <a:r>
+              <a:rPr lang="en-US" dirty="0" smtClean="0"/>
+              <a:t>Move base nodes requires four configuration files before it can run. These files defines a number of parameters related to the cost of running into obstacle, the radius of the robot, the range of velocities, the resolution of the map, the robot base frame and how far the path planner should look.</a:t>
+            </a:r>
+          </a:p>
+          <a:p>
+            <a:endParaRPr lang="en-US" dirty="0" smtClean="0"/>
+          </a:p>
+          <a:p>
+            <a:r>
+              <a:rPr lang="en-US" dirty="0" smtClean="0"/>
+              <a:t>The four configuration files can be found in the </a:t>
+            </a:r>
+            <a:r>
+              <a:rPr lang="en-US" dirty="0" err="1" smtClean="0"/>
+              <a:t>config</a:t>
+            </a:r>
+            <a:r>
+              <a:rPr lang="en-US" dirty="0" smtClean="0"/>
+              <a:t> subdirectory of the rbx1 </a:t>
+            </a:r>
+            <a:r>
+              <a:rPr lang="en-US" dirty="0" err="1" smtClean="0"/>
+              <a:t>nav</a:t>
+            </a:r>
+            <a:r>
+              <a:rPr lang="en-US" dirty="0" smtClean="0"/>
+              <a:t> package and are called:</a:t>
+            </a:r>
+          </a:p>
+          <a:p>
+            <a:r>
+              <a:rPr lang="en-US" dirty="0" smtClean="0"/>
+              <a:t>- base local planner </a:t>
+            </a:r>
+            <a:r>
+              <a:rPr lang="en-US" dirty="0" err="1" smtClean="0"/>
+              <a:t>params.yaml</a:t>
+            </a:r>
+            <a:endParaRPr lang="en-US" dirty="0" smtClean="0"/>
+          </a:p>
+          <a:p>
+            <a:r>
+              <a:rPr lang="en-US" dirty="0" smtClean="0"/>
+              <a:t>- </a:t>
+            </a:r>
+            <a:r>
+              <a:rPr lang="en-US" dirty="0" err="1" smtClean="0"/>
+              <a:t>costmap</a:t>
+            </a:r>
+            <a:r>
+              <a:rPr lang="en-US" dirty="0" smtClean="0"/>
+              <a:t> common </a:t>
+            </a:r>
+            <a:r>
+              <a:rPr lang="en-US" dirty="0" err="1" smtClean="0"/>
+              <a:t>params.yaml</a:t>
+            </a:r>
+            <a:endParaRPr lang="en-US" dirty="0" smtClean="0"/>
+          </a:p>
+          <a:p>
+            <a:r>
+              <a:rPr lang="en-US" dirty="0" smtClean="0"/>
+              <a:t>- global </a:t>
+            </a:r>
+            <a:r>
+              <a:rPr lang="en-US" dirty="0" err="1" smtClean="0"/>
+              <a:t>costmap</a:t>
+            </a:r>
+            <a:r>
+              <a:rPr lang="en-US" dirty="0" smtClean="0"/>
+              <a:t> </a:t>
+            </a:r>
+            <a:r>
+              <a:rPr lang="en-US" dirty="0" err="1" smtClean="0"/>
+              <a:t>params.yaml</a:t>
+            </a:r>
+            <a:r>
+              <a:rPr lang="en-US" dirty="0" smtClean="0"/>
+              <a:t> </a:t>
+            </a:r>
+          </a:p>
+          <a:p>
+            <a:r>
+              <a:rPr lang="en-US" dirty="0" smtClean="0"/>
+              <a:t>- local </a:t>
+            </a:r>
+            <a:r>
+              <a:rPr lang="en-US" dirty="0" err="1" smtClean="0"/>
+              <a:t>costmap</a:t>
+            </a:r>
+            <a:r>
+              <a:rPr lang="en-US" dirty="0" smtClean="0"/>
+              <a:t> </a:t>
+            </a:r>
+            <a:r>
+              <a:rPr lang="en-US" dirty="0" err="1" smtClean="0"/>
+              <a:t>params.yaml</a:t>
+            </a:r>
+            <a:endParaRPr lang="en-US" dirty="0" smtClean="0"/>
+          </a:p>
+        </p:txBody>
+      </p:sp>
+      <p:pic>
+        <p:nvPicPr>
+          <p:cNvPr id="55298" name="Picture 2" descr="C:\Users\EpicFailure\Desktop\bsc2\Robotic Engineering 2 (ROS)\Report\images\move_base_square.jpg"/>
+          <p:cNvPicPr>
+            <a:picLocks noChangeAspect="1" noChangeArrowheads="1"/>
+          </p:cNvPicPr>
+          <p:nvPr/>
+        </p:nvPicPr>
+        <p:blipFill>
+          <a:blip r:embed="rId2" cstate="print"/>
+          <a:srcRect/>
+          <a:stretch>
+            <a:fillRect/>
+          </a:stretch>
+        </p:blipFill>
+        <p:spPr bwMode="auto">
+          <a:xfrm>
+            <a:off x="6537430" y="3238500"/>
+            <a:ext cx="3838470" cy="2930524"/>
+          </a:xfrm>
+          <a:prstGeom prst="rect">
+            <a:avLst/>
+          </a:prstGeom>
+          <a:noFill/>
+        </p:spPr>
+      </p:pic>
+    </p:spTree>
+    <p:extLst>
+      <p:ext uri="{BB962C8B-B14F-4D97-AF65-F5344CB8AC3E}">
+        <p14:creationId xmlns="" xmlns:p14="http://schemas.microsoft.com/office/powerpoint/2010/main" val="827552370"/>
+      </p:ext>
+    </p:extLst>
+  </p:cSld>
+  <p:clrMapOvr>
+    <a:masterClrMapping/>
+  </p:clrMapOvr>
+</p:sld>
+</file>
+
+<file path=ppt/slides/slide12.xml><?xml version="1.0" encoding="utf-8"?>
+<p:sld xmlns:a="http://schemas.openxmlformats.org/drawingml/2006/main" xmlns:r="http://schemas.openxmlformats.org/officeDocument/2006/relationships" xmlns:p="http://schemas.openxmlformats.org/presentationml/2006/main">
+  <p:cSld>
+    <p:spTree>
+      <p:nvGrpSpPr>
+        <p:cNvPr id="1" name=""/>
+        <p:cNvGrpSpPr/>
+        <p:nvPr/>
+      </p:nvGrpSpPr>
+      <p:grpSpPr>
+        <a:xfrm>
+          <a:off x="0" y="0"/>
+          <a:ext cx="0" cy="0"/>
+          <a:chOff x="0" y="0"/>
+          <a:chExt cx="0" cy="0"/>
+        </a:xfrm>
+      </p:grpSpPr>
+      <p:sp>
+        <p:nvSpPr>
+          <p:cNvPr id="2" name="Titre 1"/>
+          <p:cNvSpPr>
+            <a:spLocks noGrp="1"/>
+          </p:cNvSpPr>
+          <p:nvPr>
+            <p:ph type="ctrTitle"/>
+          </p:nvPr>
+        </p:nvSpPr>
+        <p:spPr>
+          <a:xfrm>
+            <a:off x="228603" y="279400"/>
+            <a:ext cx="9189720" cy="749300"/>
+          </a:xfrm>
+        </p:spPr>
+        <p:txBody>
+          <a:bodyPr>
+            <a:noAutofit/>
+          </a:bodyPr>
+          <a:lstStyle/>
+          <a:p>
+            <a:r>
+              <a:rPr lang="en-US" sz="2800" b="1" dirty="0" smtClean="0"/>
+              <a:t>Goal 4: Navigation with Path Planning -&gt; </a:t>
+            </a:r>
+            <a:r>
+              <a:rPr lang="en-US" sz="2800" b="1" dirty="0" err="1" smtClean="0"/>
+              <a:t>move_base</a:t>
+            </a:r>
+            <a:endParaRPr lang="fr-FR" sz="2800" b="1" dirty="0"/>
+          </a:p>
+        </p:txBody>
+      </p:sp>
+      <p:sp>
+        <p:nvSpPr>
+          <p:cNvPr id="4" name="Rectangle 3"/>
+          <p:cNvSpPr/>
+          <p:nvPr/>
+        </p:nvSpPr>
+        <p:spPr>
+          <a:xfrm>
+            <a:off x="508000" y="1206500"/>
+            <a:ext cx="7404100" cy="3139321"/>
+          </a:xfrm>
+          <a:prstGeom prst="rect">
+            <a:avLst/>
+          </a:prstGeom>
+        </p:spPr>
+        <p:txBody>
+          <a:bodyPr wrap="square">
+            <a:spAutoFit/>
+          </a:bodyPr>
+          <a:lstStyle/>
+          <a:p>
+            <a:r>
+              <a:rPr lang="en-US" dirty="0" smtClean="0"/>
+              <a:t>The </a:t>
+            </a:r>
+            <a:r>
+              <a:rPr lang="en-US" dirty="0" err="1" smtClean="0"/>
+              <a:t>move_base</a:t>
+            </a:r>
+            <a:r>
+              <a:rPr lang="en-US" dirty="0" smtClean="0"/>
+              <a:t> package, which includes a path planner and is linked to the </a:t>
+            </a:r>
+            <a:r>
+              <a:rPr lang="en-US" b="1" dirty="0" err="1" smtClean="0"/>
+              <a:t>base_local_planner</a:t>
+            </a:r>
+            <a:r>
+              <a:rPr lang="en-US" dirty="0" smtClean="0"/>
+              <a:t>, a package that uses </a:t>
+            </a:r>
+            <a:r>
+              <a:rPr lang="en-US" b="1" dirty="0" err="1" smtClean="0"/>
+              <a:t>odometry</a:t>
+            </a:r>
+            <a:r>
+              <a:rPr lang="en-US" dirty="0" smtClean="0"/>
+              <a:t> besides </a:t>
+            </a:r>
+            <a:r>
+              <a:rPr lang="en-US" b="1" dirty="0" smtClean="0"/>
+              <a:t>global and local cost maps </a:t>
+            </a:r>
+            <a:r>
+              <a:rPr lang="en-US" dirty="0" smtClean="0"/>
+              <a:t>to define the path. With the </a:t>
+            </a:r>
+            <a:r>
+              <a:rPr lang="en-US" b="1" dirty="0" err="1" smtClean="0"/>
+              <a:t>move_base</a:t>
+            </a:r>
+            <a:r>
+              <a:rPr lang="en-US" dirty="0" smtClean="0"/>
+              <a:t> package it is possible to set a target position and orientation of the robot using a reference frame, and it will try to move the robot to the goal avoiding obstacles.</a:t>
+            </a:r>
+          </a:p>
+          <a:p>
+            <a:endParaRPr lang="en-US" dirty="0" smtClean="0"/>
+          </a:p>
+          <a:p>
+            <a:r>
+              <a:rPr lang="en-US" dirty="0" smtClean="0"/>
+              <a:t>The </a:t>
+            </a:r>
+            <a:r>
+              <a:rPr lang="en-US" dirty="0" err="1" smtClean="0"/>
+              <a:t>move_base</a:t>
+            </a:r>
+            <a:r>
+              <a:rPr lang="en-US" dirty="0" smtClean="0"/>
+              <a:t> package uses messages of type </a:t>
+            </a:r>
+            <a:r>
+              <a:rPr lang="en-US" b="1" dirty="0" err="1" smtClean="0"/>
+              <a:t>MoveBaseActionGoal</a:t>
+            </a:r>
+            <a:r>
+              <a:rPr lang="en-US" dirty="0" smtClean="0"/>
+              <a:t> and includes sub-messages of type </a:t>
+            </a:r>
+            <a:r>
+              <a:rPr lang="en-US" b="1" dirty="0" err="1" smtClean="0"/>
+              <a:t>PoseStamped</a:t>
+            </a:r>
+            <a:r>
+              <a:rPr lang="en-US" dirty="0" smtClean="0"/>
+              <a:t>. This type of sub-message encompass a header and a pose, which contains a </a:t>
+            </a:r>
+            <a:r>
+              <a:rPr lang="en-US" b="1" dirty="0" smtClean="0"/>
+              <a:t>position</a:t>
+            </a:r>
+            <a:r>
+              <a:rPr lang="en-US" dirty="0" smtClean="0"/>
+              <a:t> and an </a:t>
+            </a:r>
+            <a:r>
+              <a:rPr lang="en-US" b="1" dirty="0" smtClean="0"/>
+              <a:t>orientation</a:t>
+            </a:r>
+            <a:r>
+              <a:rPr lang="en-US" dirty="0" smtClean="0"/>
+              <a:t>, given by a point of coordinates x, y, z and a quaternion of coordinates x, y, z, w, respectively.</a:t>
+            </a:r>
+          </a:p>
+        </p:txBody>
+      </p:sp>
+      <p:sp>
+        <p:nvSpPr>
+          <p:cNvPr id="5" name="Rectangle 4"/>
+          <p:cNvSpPr/>
+          <p:nvPr/>
+        </p:nvSpPr>
+        <p:spPr>
+          <a:xfrm>
+            <a:off x="7772400" y="2216646"/>
+            <a:ext cx="2933700" cy="4339650"/>
+          </a:xfrm>
+          <a:prstGeom prst="rect">
+            <a:avLst/>
+          </a:prstGeom>
+        </p:spPr>
+        <p:txBody>
+          <a:bodyPr wrap="square">
+            <a:spAutoFit/>
+          </a:bodyPr>
+          <a:lstStyle/>
+          <a:p>
+            <a:r>
+              <a:rPr lang="en-US" sz="1200" dirty="0" smtClean="0"/>
+              <a:t>Header </a:t>
+            </a:r>
+            <a:r>
+              <a:rPr lang="en-US" sz="1200" dirty="0" err="1" smtClean="0"/>
+              <a:t>header</a:t>
+            </a:r>
+            <a:r>
+              <a:rPr lang="en-US" sz="1200" dirty="0" smtClean="0"/>
+              <a:t> </a:t>
+            </a:r>
+          </a:p>
+          <a:p>
+            <a:r>
+              <a:rPr lang="en-US" sz="1200" dirty="0" smtClean="0"/>
+              <a:t>uint32 </a:t>
+            </a:r>
+            <a:r>
+              <a:rPr lang="en-US" sz="1200" dirty="0" err="1" smtClean="0"/>
+              <a:t>seq</a:t>
+            </a:r>
+            <a:r>
+              <a:rPr lang="en-US" sz="1200" dirty="0" smtClean="0"/>
+              <a:t> </a:t>
+            </a:r>
+          </a:p>
+          <a:p>
+            <a:r>
+              <a:rPr lang="en-US" sz="1200" dirty="0" smtClean="0"/>
+              <a:t>time stamp </a:t>
+            </a:r>
+          </a:p>
+          <a:p>
+            <a:r>
+              <a:rPr lang="en-US" sz="1200" dirty="0" smtClean="0"/>
+              <a:t>string </a:t>
+            </a:r>
+            <a:r>
+              <a:rPr lang="en-US" sz="1200" dirty="0" err="1" smtClean="0"/>
+              <a:t>frame_id</a:t>
+            </a:r>
+            <a:r>
+              <a:rPr lang="en-US" sz="1200" dirty="0" smtClean="0"/>
+              <a:t> </a:t>
+            </a:r>
+          </a:p>
+          <a:p>
+            <a:r>
+              <a:rPr lang="en-US" sz="1200" dirty="0" err="1" smtClean="0"/>
+              <a:t>actionlib_msgs</a:t>
+            </a:r>
+            <a:r>
+              <a:rPr lang="en-US" sz="1200" dirty="0" smtClean="0"/>
+              <a:t>/</a:t>
+            </a:r>
+            <a:r>
+              <a:rPr lang="en-US" sz="1200" dirty="0" err="1" smtClean="0"/>
+              <a:t>GoalID</a:t>
+            </a:r>
+            <a:r>
+              <a:rPr lang="en-US" sz="1200" dirty="0" smtClean="0"/>
+              <a:t> </a:t>
+            </a:r>
+            <a:r>
+              <a:rPr lang="en-US" sz="1200" dirty="0" err="1" smtClean="0"/>
+              <a:t>goal_id</a:t>
+            </a:r>
+            <a:r>
+              <a:rPr lang="en-US" sz="1200" dirty="0" smtClean="0"/>
+              <a:t> </a:t>
+            </a:r>
+          </a:p>
+          <a:p>
+            <a:r>
+              <a:rPr lang="en-US" sz="1200" dirty="0" smtClean="0"/>
+              <a:t>time stamp </a:t>
+            </a:r>
+          </a:p>
+          <a:p>
+            <a:r>
+              <a:rPr lang="en-US" sz="1200" dirty="0" smtClean="0"/>
+              <a:t>string id </a:t>
+            </a:r>
+          </a:p>
+          <a:p>
+            <a:r>
+              <a:rPr lang="en-US" sz="1200" dirty="0" err="1" smtClean="0"/>
+              <a:t>move_base_msgs</a:t>
+            </a:r>
+            <a:r>
+              <a:rPr lang="en-US" sz="1200" dirty="0" smtClean="0"/>
+              <a:t>/</a:t>
+            </a:r>
+            <a:r>
+              <a:rPr lang="en-US" sz="1200" dirty="0" err="1" smtClean="0"/>
+              <a:t>MoveBaseGoal</a:t>
+            </a:r>
+            <a:r>
+              <a:rPr lang="en-US" sz="1200" dirty="0" smtClean="0"/>
+              <a:t> goal </a:t>
+            </a:r>
+          </a:p>
+          <a:p>
+            <a:r>
+              <a:rPr lang="en-US" sz="1200" dirty="0" err="1" smtClean="0"/>
+              <a:t>geometry_msgs</a:t>
+            </a:r>
+            <a:r>
+              <a:rPr lang="en-US" sz="1200" dirty="0" smtClean="0"/>
+              <a:t>/</a:t>
+            </a:r>
+            <a:r>
+              <a:rPr lang="en-US" sz="1200" dirty="0" err="1" smtClean="0"/>
+              <a:t>PoseStamped</a:t>
+            </a:r>
+            <a:r>
+              <a:rPr lang="en-US" sz="1200" dirty="0" smtClean="0"/>
+              <a:t> </a:t>
+            </a:r>
+            <a:r>
+              <a:rPr lang="en-US" sz="1200" dirty="0" err="1" smtClean="0"/>
+              <a:t>target_pose</a:t>
+            </a:r>
+            <a:r>
+              <a:rPr lang="en-US" sz="1200" dirty="0" smtClean="0"/>
+              <a:t> </a:t>
+            </a:r>
+          </a:p>
+          <a:p>
+            <a:r>
+              <a:rPr lang="en-US" sz="1200" dirty="0" smtClean="0"/>
+              <a:t>Header </a:t>
+            </a:r>
+            <a:r>
+              <a:rPr lang="en-US" sz="1200" dirty="0" err="1" smtClean="0"/>
+              <a:t>header</a:t>
+            </a:r>
+            <a:r>
+              <a:rPr lang="en-US" sz="1200" dirty="0" smtClean="0"/>
+              <a:t> </a:t>
+            </a:r>
+          </a:p>
+          <a:p>
+            <a:r>
+              <a:rPr lang="en-US" sz="1200" dirty="0" smtClean="0"/>
+              <a:t>uint32 </a:t>
+            </a:r>
+            <a:r>
+              <a:rPr lang="en-US" sz="1200" dirty="0" err="1" smtClean="0"/>
+              <a:t>seq</a:t>
+            </a:r>
+            <a:r>
+              <a:rPr lang="en-US" sz="1200" dirty="0" smtClean="0"/>
+              <a:t> </a:t>
+            </a:r>
+          </a:p>
+          <a:p>
+            <a:r>
+              <a:rPr lang="en-US" sz="1200" dirty="0" smtClean="0"/>
+              <a:t>time stamp </a:t>
+            </a:r>
+          </a:p>
+          <a:p>
+            <a:r>
+              <a:rPr lang="en-US" sz="1200" dirty="0" smtClean="0"/>
+              <a:t>string </a:t>
+            </a:r>
+            <a:r>
+              <a:rPr lang="en-US" sz="1200" dirty="0" err="1" smtClean="0"/>
+              <a:t>frame_id</a:t>
+            </a:r>
+            <a:r>
+              <a:rPr lang="en-US" sz="1200" dirty="0" smtClean="0"/>
+              <a:t> </a:t>
+            </a:r>
+          </a:p>
+          <a:p>
+            <a:r>
+              <a:rPr lang="en-US" sz="1200" dirty="0" err="1" smtClean="0"/>
+              <a:t>geometry_msgs</a:t>
+            </a:r>
+            <a:r>
+              <a:rPr lang="en-US" sz="1200" dirty="0" smtClean="0"/>
+              <a:t>/Pose </a:t>
+            </a:r>
+            <a:r>
+              <a:rPr lang="en-US" sz="1200" dirty="0" err="1" smtClean="0"/>
+              <a:t>pose</a:t>
+            </a:r>
+            <a:r>
+              <a:rPr lang="en-US" sz="1200" dirty="0" smtClean="0"/>
+              <a:t> </a:t>
+            </a:r>
+          </a:p>
+          <a:p>
+            <a:r>
+              <a:rPr lang="en-US" sz="1200" dirty="0" err="1" smtClean="0"/>
+              <a:t>geometry_msgs</a:t>
+            </a:r>
+            <a:r>
+              <a:rPr lang="en-US" sz="1200" dirty="0" smtClean="0"/>
+              <a:t>/Point position </a:t>
+            </a:r>
+          </a:p>
+          <a:p>
+            <a:r>
+              <a:rPr lang="en-US" sz="1200" dirty="0" smtClean="0"/>
+              <a:t>float64 x </a:t>
+            </a:r>
+          </a:p>
+          <a:p>
+            <a:r>
+              <a:rPr lang="en-US" sz="1200" dirty="0" smtClean="0"/>
+              <a:t>float64 y </a:t>
+            </a:r>
+          </a:p>
+          <a:p>
+            <a:r>
+              <a:rPr lang="en-US" sz="1200" dirty="0" smtClean="0"/>
+              <a:t>float64 z </a:t>
+            </a:r>
+          </a:p>
+          <a:p>
+            <a:r>
+              <a:rPr lang="en-US" sz="1200" dirty="0" err="1" smtClean="0"/>
+              <a:t>geometry_msgs</a:t>
+            </a:r>
+            <a:r>
+              <a:rPr lang="en-US" sz="1200" dirty="0" smtClean="0"/>
+              <a:t>/Quaternion orientation </a:t>
+            </a:r>
+          </a:p>
+          <a:p>
+            <a:r>
+              <a:rPr lang="en-US" sz="1200" dirty="0" smtClean="0"/>
+              <a:t>float64 x </a:t>
+            </a:r>
+          </a:p>
+          <a:p>
+            <a:r>
+              <a:rPr lang="en-US" sz="1200" dirty="0" smtClean="0"/>
+              <a:t>float64 y </a:t>
+            </a:r>
+          </a:p>
+          <a:p>
+            <a:r>
+              <a:rPr lang="en-US" sz="1200" dirty="0" smtClean="0"/>
+              <a:t>float64 z </a:t>
+            </a:r>
+          </a:p>
+          <a:p>
+            <a:r>
+              <a:rPr lang="en-US" sz="1200" dirty="0" smtClean="0"/>
+              <a:t>float64 w</a:t>
+            </a:r>
+            <a:endParaRPr lang="en-US" sz="1200" dirty="0"/>
+          </a:p>
+        </p:txBody>
+      </p:sp>
+    </p:spTree>
+    <p:extLst>
+      <p:ext uri="{BB962C8B-B14F-4D97-AF65-F5344CB8AC3E}">
+        <p14:creationId xmlns="" xmlns:p14="http://schemas.microsoft.com/office/powerpoint/2010/main" val="827552370"/>
+      </p:ext>
+    </p:extLst>
+  </p:cSld>
+  <p:clrMapOvr>
+    <a:masterClrMapping/>
+  </p:clrMapOvr>
+</p:sld>
+</file>
+
+<file path=ppt/slides/slide13.xml><?xml version="1.0" encoding="utf-8"?>
+<p:sld xmlns:a="http://schemas.openxmlformats.org/drawingml/2006/main" xmlns:r="http://schemas.openxmlformats.org/officeDocument/2006/relationships" xmlns:p="http://schemas.openxmlformats.org/presentationml/2006/main">
+  <p:cSld>
+    <p:spTree>
+      <p:nvGrpSpPr>
+        <p:cNvPr id="1" name=""/>
+        <p:cNvGrpSpPr/>
+        <p:nvPr/>
+      </p:nvGrpSpPr>
+      <p:grpSpPr>
+        <a:xfrm>
+          <a:off x="0" y="0"/>
+          <a:ext cx="0" cy="0"/>
+          <a:chOff x="0" y="0"/>
+          <a:chExt cx="0" cy="0"/>
+        </a:xfrm>
+      </p:grpSpPr>
+      <p:sp>
+        <p:nvSpPr>
+          <p:cNvPr id="2" name="Titre 1"/>
+          <p:cNvSpPr>
+            <a:spLocks noGrp="1"/>
+          </p:cNvSpPr>
+          <p:nvPr>
+            <p:ph type="ctrTitle"/>
+          </p:nvPr>
+        </p:nvSpPr>
+        <p:spPr/>
+        <p:txBody>
+          <a:bodyPr/>
+          <a:lstStyle/>
+          <a:p>
+            <a:r>
+              <a:rPr lang="fr-FR" dirty="0" smtClean="0"/>
+              <a:t>Android Control</a:t>
+            </a:r>
+            <a:endParaRPr lang="fr-FR" dirty="0"/>
+          </a:p>
+        </p:txBody>
+      </p:sp>
+      <p:sp>
+        <p:nvSpPr>
+          <p:cNvPr id="3" name="Sous-titre 2"/>
+          <p:cNvSpPr>
+            <a:spLocks noGrp="1"/>
+          </p:cNvSpPr>
+          <p:nvPr>
+            <p:ph type="subTitle" idx="1"/>
+          </p:nvPr>
+        </p:nvSpPr>
+        <p:spPr/>
+        <p:txBody>
+          <a:bodyPr/>
+          <a:lstStyle/>
+          <a:p>
+            <a:r>
+              <a:rPr lang="fr-FR" dirty="0" err="1" smtClean="0"/>
+              <a:t>Pairing</a:t>
+            </a:r>
+            <a:r>
+              <a:rPr lang="fr-FR" dirty="0" smtClean="0"/>
+              <a:t> and </a:t>
+            </a:r>
+            <a:r>
+              <a:rPr lang="fr-FR" dirty="0" err="1" smtClean="0"/>
+              <a:t>Demonstration</a:t>
+            </a:r>
+            <a:endParaRPr lang="fr-FR" dirty="0"/>
+          </a:p>
+        </p:txBody>
+      </p:sp>
+    </p:spTree>
+    <p:extLst>
+      <p:ext uri="{BB962C8B-B14F-4D97-AF65-F5344CB8AC3E}">
+        <p14:creationId xmlns="" xmlns:p14="http://schemas.microsoft.com/office/powerpoint/2010/main" val="827552370"/>
+      </p:ext>
+    </p:extLst>
+  </p:cSld>
+  <p:clrMapOvr>
+    <a:masterClrMapping/>
+  </p:clrMapOvr>
+</p:sld>
+</file>
+
+<file path=ppt/slides/slide14.xml><?xml version="1.0" encoding="utf-8"?>
+<p:sld xmlns:a="http://schemas.openxmlformats.org/drawingml/2006/main" xmlns:r="http://schemas.openxmlformats.org/officeDocument/2006/relationships" xmlns:p="http://schemas.openxmlformats.org/presentationml/2006/main">
+  <p:cSld>
+    <p:spTree>
+      <p:nvGrpSpPr>
+        <p:cNvPr id="1" name=""/>
+        <p:cNvGrpSpPr/>
+        <p:nvPr/>
+      </p:nvGrpSpPr>
+      <p:grpSpPr>
+        <a:xfrm>
+          <a:off x="0" y="0"/>
+          <a:ext cx="0" cy="0"/>
+          <a:chOff x="0" y="0"/>
+          <a:chExt cx="0" cy="0"/>
+        </a:xfrm>
+      </p:grpSpPr>
+      <p:sp>
+        <p:nvSpPr>
+          <p:cNvPr id="4" name="Titre 3"/>
+          <p:cNvSpPr>
+            <a:spLocks noGrp="1"/>
+          </p:cNvSpPr>
+          <p:nvPr>
+            <p:ph type="title"/>
+          </p:nvPr>
+        </p:nvSpPr>
+        <p:spPr/>
+        <p:txBody>
+          <a:bodyPr/>
+          <a:lstStyle/>
+          <a:p>
+            <a:r>
+              <a:rPr lang="fr-FR" dirty="0" err="1" smtClean="0"/>
+              <a:t>Pairing</a:t>
+            </a:r>
+            <a:endParaRPr lang="fr-FR" dirty="0"/>
+          </a:p>
+        </p:txBody>
+      </p:sp>
+      <p:sp>
+        <p:nvSpPr>
+          <p:cNvPr id="5" name="Espace réservé du contenu 4"/>
+          <p:cNvSpPr>
+            <a:spLocks noGrp="1"/>
+          </p:cNvSpPr>
+          <p:nvPr>
+            <p:ph idx="1"/>
+          </p:nvPr>
+        </p:nvSpPr>
+        <p:spPr/>
+        <p:txBody>
+          <a:bodyPr/>
+          <a:lstStyle/>
+          <a:p>
+            <a:r>
+              <a:rPr lang="fr-FR" dirty="0" smtClean="0"/>
+              <a:t> </a:t>
+            </a:r>
+            <a:r>
+              <a:rPr lang="fr-FR" dirty="0" err="1" smtClean="0"/>
+              <a:t>Connect</a:t>
+            </a:r>
+            <a:r>
+              <a:rPr lang="fr-FR" dirty="0" smtClean="0"/>
+              <a:t> on the </a:t>
+            </a:r>
+            <a:r>
+              <a:rPr lang="fr-FR" dirty="0" err="1" smtClean="0"/>
+              <a:t>same</a:t>
+            </a:r>
+            <a:r>
+              <a:rPr lang="fr-FR" dirty="0" smtClean="0"/>
+              <a:t> Network </a:t>
+            </a:r>
+          </a:p>
+          <a:p>
+            <a:endParaRPr lang="fr-FR" dirty="0" smtClean="0"/>
+          </a:p>
+          <a:p>
+            <a:endParaRPr lang="fr-FR" dirty="0"/>
+          </a:p>
+          <a:p>
+            <a:r>
+              <a:rPr lang="fr-FR" dirty="0" smtClean="0"/>
+              <a:t> </a:t>
+            </a:r>
+            <a:r>
+              <a:rPr lang="fr-FR" dirty="0" err="1" smtClean="0"/>
+              <a:t>Download</a:t>
+            </a:r>
+            <a:r>
+              <a:rPr lang="fr-FR" dirty="0" smtClean="0"/>
+              <a:t> ROS </a:t>
+            </a:r>
+            <a:r>
+              <a:rPr lang="fr-FR" dirty="0" err="1" smtClean="0"/>
+              <a:t>Teleop</a:t>
+            </a:r>
+            <a:r>
+              <a:rPr lang="fr-FR" dirty="0" smtClean="0"/>
+              <a:t> (Hydro)</a:t>
+            </a:r>
+          </a:p>
+          <a:p>
+            <a:endParaRPr lang="fr-FR" dirty="0" smtClean="0"/>
+          </a:p>
+          <a:p>
+            <a:pPr marL="0" indent="0">
+              <a:buNone/>
+            </a:pPr>
+            <a:endParaRPr lang="fr-FR" dirty="0"/>
+          </a:p>
+          <a:p>
+            <a:r>
+              <a:rPr lang="fr-FR" dirty="0" err="1" smtClean="0"/>
+              <a:t>Bringup</a:t>
+            </a:r>
+            <a:r>
+              <a:rPr lang="fr-FR" dirty="0" smtClean="0"/>
+              <a:t> </a:t>
+            </a:r>
+            <a:r>
+              <a:rPr lang="fr-FR" dirty="0" err="1" smtClean="0"/>
+              <a:t>with</a:t>
+            </a:r>
+            <a:r>
+              <a:rPr lang="fr-FR" dirty="0" smtClean="0"/>
+              <a:t> concert file </a:t>
+            </a:r>
+            <a:endParaRPr lang="fr-FR" dirty="0"/>
+          </a:p>
+        </p:txBody>
+      </p:sp>
+      <p:sp>
+        <p:nvSpPr>
+          <p:cNvPr id="2" name="Espace réservé du pied de page 1"/>
+          <p:cNvSpPr>
+            <a:spLocks noGrp="1"/>
+          </p:cNvSpPr>
+          <p:nvPr>
+            <p:ph type="ftr" sz="quarter" idx="11"/>
+          </p:nvPr>
+        </p:nvSpPr>
+        <p:spPr/>
+        <p:txBody>
+          <a:bodyPr/>
+          <a:lstStyle/>
+          <a:p>
+            <a:r>
+              <a:rPr lang="fr-FR" dirty="0" smtClean="0"/>
+              <a:t>Motion control     Navigation &amp; </a:t>
+            </a:r>
+            <a:r>
+              <a:rPr lang="fr-FR" dirty="0" err="1" smtClean="0"/>
+              <a:t>Localization</a:t>
+            </a:r>
+            <a:r>
+              <a:rPr lang="fr-FR" dirty="0" smtClean="0"/>
+              <a:t>    </a:t>
+            </a:r>
+            <a:r>
+              <a:rPr lang="fr-FR" dirty="0" smtClean="0">
+                <a:solidFill>
+                  <a:srgbClr val="FF0000"/>
+                </a:solidFill>
+              </a:rPr>
+              <a:t>Android</a:t>
+            </a:r>
+            <a:endParaRPr lang="fr-FR" dirty="0">
+              <a:solidFill>
+                <a:srgbClr val="FF0000"/>
+              </a:solidFill>
+            </a:endParaRPr>
+          </a:p>
+        </p:txBody>
+      </p:sp>
+      <p:sp>
+        <p:nvSpPr>
+          <p:cNvPr id="3" name="Espace réservé du numéro de diapositive 2"/>
+          <p:cNvSpPr>
+            <a:spLocks noGrp="1"/>
+          </p:cNvSpPr>
+          <p:nvPr>
+            <p:ph type="sldNum" sz="quarter" idx="12"/>
+          </p:nvPr>
+        </p:nvSpPr>
+        <p:spPr/>
+        <p:txBody>
+          <a:bodyPr>
+            <a:normAutofit fontScale="92500" lnSpcReduction="10000"/>
+          </a:bodyPr>
+          <a:lstStyle/>
+          <a:p>
+            <a:fld id="{B5DB7FC2-8201-461D-A208-F496F60082A1}" type="slidenum">
+              <a:rPr lang="fr-FR" smtClean="0"/>
+              <a:pPr/>
+              <a:t>14</a:t>
+            </a:fld>
+            <a:endParaRPr lang="fr-FR"/>
+          </a:p>
+        </p:txBody>
+      </p:sp>
+      <p:pic>
+        <p:nvPicPr>
+          <p:cNvPr id="6" name="Image 5"/>
+          <p:cNvPicPr>
+            <a:picLocks noChangeAspect="1"/>
+          </p:cNvPicPr>
+          <p:nvPr/>
+        </p:nvPicPr>
+        <p:blipFill>
+          <a:blip r:embed="rId3">
+            <a:extLst>
+              <a:ext uri="{28A0092B-C50C-407E-A947-70E740481C1C}">
+                <a14:useLocalDpi xmlns="" xmlns:a14="http://schemas.microsoft.com/office/drawing/2010/main" val="0"/>
+              </a:ext>
+            </a:extLst>
+          </a:blip>
+          <a:stretch>
+            <a:fillRect/>
+          </a:stretch>
+        </p:blipFill>
+        <p:spPr>
+          <a:xfrm>
+            <a:off x="4787826" y="2920657"/>
+            <a:ext cx="3153137" cy="1083812"/>
+          </a:xfrm>
+          <a:prstGeom prst="rect">
+            <a:avLst/>
+          </a:prstGeom>
+        </p:spPr>
+      </p:pic>
+      <p:pic>
+        <p:nvPicPr>
+          <p:cNvPr id="7" name="Image 6"/>
+          <p:cNvPicPr>
+            <a:picLocks noChangeAspect="1"/>
+          </p:cNvPicPr>
+          <p:nvPr/>
+        </p:nvPicPr>
+        <p:blipFill>
+          <a:blip r:embed="rId4" cstate="print">
+            <a:extLst>
+              <a:ext uri="{28A0092B-C50C-407E-A947-70E740481C1C}">
+                <a14:useLocalDpi xmlns="" xmlns:a14="http://schemas.microsoft.com/office/drawing/2010/main" val="0"/>
+              </a:ext>
+            </a:extLst>
+          </a:blip>
+          <a:stretch>
+            <a:fillRect/>
+          </a:stretch>
+        </p:blipFill>
+        <p:spPr>
+          <a:xfrm flipV="1">
+            <a:off x="4921301" y="4652929"/>
+            <a:ext cx="4937760" cy="1816135"/>
+          </a:xfrm>
+          <a:prstGeom prst="rect">
+            <a:avLst/>
+          </a:prstGeom>
+        </p:spPr>
+      </p:pic>
+    </p:spTree>
+    <p:extLst>
+      <p:ext uri="{BB962C8B-B14F-4D97-AF65-F5344CB8AC3E}">
+        <p14:creationId xmlns="" xmlns:p14="http://schemas.microsoft.com/office/powerpoint/2010/main" val="35265262"/>
+      </p:ext>
+    </p:extLst>
+  </p:cSld>
+  <p:clrMapOvr>
+    <a:masterClrMapping/>
+  </p:clrMapOvr>
+</p:sld>
+</file>
+
+<file path=ppt/slides/slide15.xml><?xml version="1.0" encoding="utf-8"?>
+<p:sld xmlns:a="http://schemas.openxmlformats.org/drawingml/2006/main" xmlns:r="http://schemas.openxmlformats.org/officeDocument/2006/relationships" xmlns:p="http://schemas.openxmlformats.org/presentationml/2006/main">
+  <p:cSld>
+    <p:spTree>
+      <p:nvGrpSpPr>
+        <p:cNvPr id="1" name=""/>
+        <p:cNvGrpSpPr/>
+        <p:nvPr/>
+      </p:nvGrpSpPr>
+      <p:grpSpPr>
+        <a:xfrm>
+          <a:off x="0" y="0"/>
+          <a:ext cx="0" cy="0"/>
+          <a:chOff x="0" y="0"/>
+          <a:chExt cx="0" cy="0"/>
+        </a:xfrm>
+      </p:grpSpPr>
+      <p:sp>
+        <p:nvSpPr>
+          <p:cNvPr id="2" name="Titre 1"/>
+          <p:cNvSpPr>
+            <a:spLocks noGrp="1"/>
+          </p:cNvSpPr>
+          <p:nvPr>
+            <p:ph type="title"/>
+          </p:nvPr>
+        </p:nvSpPr>
+        <p:spPr/>
+        <p:txBody>
+          <a:bodyPr/>
+          <a:lstStyle/>
+          <a:p>
+            <a:r>
+              <a:rPr lang="fr-FR" dirty="0" err="1" smtClean="0"/>
+              <a:t>Demonstration</a:t>
+            </a:r>
+            <a:endParaRPr lang="fr-FR" dirty="0"/>
+          </a:p>
+        </p:txBody>
+      </p:sp>
+      <p:sp>
+        <p:nvSpPr>
+          <p:cNvPr id="3" name="Espace réservé du contenu 2"/>
+          <p:cNvSpPr>
+            <a:spLocks noGrp="1"/>
+          </p:cNvSpPr>
+          <p:nvPr>
+            <p:ph idx="1"/>
+          </p:nvPr>
+        </p:nvSpPr>
+        <p:spPr>
+          <a:xfrm>
+            <a:off x="1135685" y="5560365"/>
+            <a:ext cx="7735824" cy="413182"/>
+          </a:xfrm>
+        </p:spPr>
+        <p:txBody>
+          <a:bodyPr/>
+          <a:lstStyle/>
+          <a:p>
+            <a:pPr algn="ctr"/>
+            <a:r>
+              <a:rPr lang="fr-FR" dirty="0"/>
+              <a:t>https://www.youtube.com/watch?v=pBYmtod4o18</a:t>
+            </a:r>
+          </a:p>
+        </p:txBody>
+      </p:sp>
+      <p:sp>
+        <p:nvSpPr>
+          <p:cNvPr id="4" name="Espace réservé du pied de page 3"/>
+          <p:cNvSpPr>
+            <a:spLocks noGrp="1"/>
+          </p:cNvSpPr>
+          <p:nvPr>
+            <p:ph type="ftr" sz="quarter" idx="11"/>
+          </p:nvPr>
+        </p:nvSpPr>
+        <p:spPr/>
+        <p:txBody>
+          <a:bodyPr/>
+          <a:lstStyle/>
+          <a:p>
+            <a:r>
+              <a:rPr lang="fr-FR" dirty="0" smtClean="0"/>
+              <a:t>Motion control     Navigation &amp; </a:t>
+            </a:r>
+            <a:r>
+              <a:rPr lang="fr-FR" dirty="0" err="1" smtClean="0"/>
+              <a:t>Localization</a:t>
+            </a:r>
+            <a:r>
+              <a:rPr lang="fr-FR" dirty="0" smtClean="0"/>
+              <a:t>    </a:t>
+            </a:r>
+            <a:r>
+              <a:rPr lang="fr-FR" dirty="0" smtClean="0">
+                <a:solidFill>
+                  <a:srgbClr val="FF0000"/>
+                </a:solidFill>
+              </a:rPr>
+              <a:t>Android</a:t>
+            </a:r>
+            <a:endParaRPr lang="fr-FR" dirty="0">
+              <a:solidFill>
+                <a:srgbClr val="FF0000"/>
+              </a:solidFill>
+            </a:endParaRPr>
+          </a:p>
+        </p:txBody>
+      </p:sp>
+      <p:sp>
+        <p:nvSpPr>
+          <p:cNvPr id="5" name="Espace réservé du numéro de diapositive 4"/>
+          <p:cNvSpPr>
+            <a:spLocks noGrp="1"/>
+          </p:cNvSpPr>
+          <p:nvPr>
+            <p:ph type="sldNum" sz="quarter" idx="12"/>
+          </p:nvPr>
+        </p:nvSpPr>
+        <p:spPr/>
+        <p:txBody>
+          <a:bodyPr>
+            <a:normAutofit fontScale="92500" lnSpcReduction="10000"/>
+          </a:bodyPr>
+          <a:lstStyle/>
+          <a:p>
+            <a:fld id="{B5DB7FC2-8201-461D-A208-F496F60082A1}" type="slidenum">
+              <a:rPr lang="fr-FR" smtClean="0"/>
+              <a:pPr/>
+              <a:t>15</a:t>
+            </a:fld>
+            <a:endParaRPr lang="fr-FR"/>
+          </a:p>
+        </p:txBody>
+      </p:sp>
+      <p:pic>
+        <p:nvPicPr>
+          <p:cNvPr id="6" name="Image 5"/>
+          <p:cNvPicPr>
+            <a:picLocks noChangeAspect="1"/>
+          </p:cNvPicPr>
+          <p:nvPr/>
+        </p:nvPicPr>
+        <p:blipFill>
+          <a:blip r:embed="rId2">
+            <a:extLst>
+              <a:ext uri="{28A0092B-C50C-407E-A947-70E740481C1C}">
+                <a14:useLocalDpi xmlns="" xmlns:a14="http://schemas.microsoft.com/office/drawing/2010/main" val="0"/>
+              </a:ext>
+            </a:extLst>
+          </a:blip>
+          <a:stretch>
+            <a:fillRect/>
+          </a:stretch>
+        </p:blipFill>
+        <p:spPr>
+          <a:xfrm>
+            <a:off x="2243694" y="2004199"/>
+            <a:ext cx="5519813" cy="3449883"/>
+          </a:xfrm>
+          <a:prstGeom prst="rect">
+            <a:avLst/>
+          </a:prstGeom>
+        </p:spPr>
+      </p:pic>
+    </p:spTree>
+    <p:extLst>
+      <p:ext uri="{BB962C8B-B14F-4D97-AF65-F5344CB8AC3E}">
+        <p14:creationId xmlns="" xmlns:p14="http://schemas.microsoft.com/office/powerpoint/2010/main" val="30160649"/>
+      </p:ext>
+    </p:extLst>
+  </p:cSld>
+  <p:clrMapOvr>
+    <a:masterClrMapping/>
+  </p:clrMapOvr>
+</p:sld>
+</file>
+
+<file path=ppt/slides/slide16.xml><?xml version="1.0" encoding="utf-8"?>
+<p:sld xmlns:a="http://schemas.openxmlformats.org/drawingml/2006/main" xmlns:r="http://schemas.openxmlformats.org/officeDocument/2006/relationships" xmlns:p="http://schemas.openxmlformats.org/presentationml/2006/main">
+  <p:cSld>
+    <p:spTree>
+      <p:nvGrpSpPr>
+        <p:cNvPr id="1" name=""/>
+        <p:cNvGrpSpPr/>
+        <p:nvPr/>
+      </p:nvGrpSpPr>
+      <p:grpSpPr>
+        <a:xfrm>
+          <a:off x="0" y="0"/>
+          <a:ext cx="0" cy="0"/>
+          <a:chOff x="0" y="0"/>
+          <a:chExt cx="0" cy="0"/>
+        </a:xfrm>
+      </p:grpSpPr>
+      <p:sp>
+        <p:nvSpPr>
+          <p:cNvPr id="2" name="Titre 1"/>
+          <p:cNvSpPr>
+            <a:spLocks noGrp="1"/>
+          </p:cNvSpPr>
+          <p:nvPr>
+            <p:ph type="title"/>
+          </p:nvPr>
+        </p:nvSpPr>
+        <p:spPr/>
+        <p:txBody>
+          <a:bodyPr/>
+          <a:lstStyle/>
+          <a:p>
+            <a:r>
+              <a:rPr lang="fr-FR" dirty="0" smtClean="0"/>
+              <a:t>Conclusion</a:t>
+            </a:r>
+            <a:endParaRPr lang="fr-FR" dirty="0"/>
+          </a:p>
+        </p:txBody>
+      </p:sp>
+      <p:sp>
+        <p:nvSpPr>
+          <p:cNvPr id="3" name="Espace réservé du contenu 2"/>
+          <p:cNvSpPr>
+            <a:spLocks noGrp="1"/>
+          </p:cNvSpPr>
+          <p:nvPr>
+            <p:ph idx="1"/>
+          </p:nvPr>
+        </p:nvSpPr>
+        <p:spPr/>
+        <p:txBody>
+          <a:bodyPr/>
+          <a:lstStyle/>
+          <a:p>
+            <a:r>
+              <a:rPr lang="fr-FR" dirty="0" smtClean="0"/>
+              <a:t> Time </a:t>
+            </a:r>
+            <a:r>
+              <a:rPr lang="fr-FR" dirty="0" err="1" smtClean="0"/>
+              <a:t>spent</a:t>
+            </a:r>
+            <a:r>
+              <a:rPr lang="fr-FR" dirty="0" smtClean="0"/>
+              <a:t> on </a:t>
+            </a:r>
+            <a:r>
+              <a:rPr lang="fr-FR" dirty="0" err="1" smtClean="0"/>
+              <a:t>android</a:t>
+            </a:r>
+            <a:r>
+              <a:rPr lang="fr-FR" dirty="0" smtClean="0"/>
+              <a:t> code and home made concert file </a:t>
+            </a:r>
+            <a:endParaRPr lang="fr-FR" dirty="0"/>
+          </a:p>
+        </p:txBody>
+      </p:sp>
+      <p:sp>
+        <p:nvSpPr>
+          <p:cNvPr id="4" name="Espace réservé du pied de page 3"/>
+          <p:cNvSpPr>
+            <a:spLocks noGrp="1"/>
+          </p:cNvSpPr>
+          <p:nvPr>
+            <p:ph type="ftr" sz="quarter" idx="11"/>
+          </p:nvPr>
+        </p:nvSpPr>
+        <p:spPr/>
+        <p:txBody>
+          <a:bodyPr/>
+          <a:lstStyle/>
+          <a:p>
+            <a:r>
+              <a:rPr lang="fr-FR" smtClean="0"/>
+              <a:t>Motion control     Navigation &amp; Localization    Android</a:t>
+            </a:r>
+            <a:endParaRPr lang="fr-FR"/>
+          </a:p>
+        </p:txBody>
+      </p:sp>
+      <p:sp>
+        <p:nvSpPr>
+          <p:cNvPr id="5" name="Espace réservé du numéro de diapositive 4"/>
+          <p:cNvSpPr>
+            <a:spLocks noGrp="1"/>
+          </p:cNvSpPr>
+          <p:nvPr>
+            <p:ph type="sldNum" sz="quarter" idx="12"/>
+          </p:nvPr>
+        </p:nvSpPr>
+        <p:spPr/>
+        <p:txBody>
+          <a:bodyPr>
+            <a:normAutofit fontScale="92500" lnSpcReduction="10000"/>
+          </a:bodyPr>
+          <a:lstStyle/>
+          <a:p>
+            <a:fld id="{B5DB7FC2-8201-461D-A208-F496F60082A1}" type="slidenum">
+              <a:rPr lang="fr-FR" smtClean="0"/>
+              <a:pPr/>
+              <a:t>16</a:t>
+            </a:fld>
+            <a:endParaRPr lang="fr-FR"/>
+          </a:p>
+        </p:txBody>
+      </p:sp>
+    </p:spTree>
+    <p:extLst>
+      <p:ext uri="{BB962C8B-B14F-4D97-AF65-F5344CB8AC3E}">
+        <p14:creationId xmlns="" xmlns:p14="http://schemas.microsoft.com/office/powerpoint/2010/main" val="1709056602"/>
+      </p:ext>
+    </p:extLst>
+  </p:cSld>
+  <p:clrMapOvr>
+    <a:masterClrMapping/>
+  </p:clrMapOvr>
+</p:sld>
+</file>
+
+<file path=ppt/slides/slide2.xml><?xml version="1.0" encoding="utf-8"?>
+<p:sld xmlns:a="http://schemas.openxmlformats.org/drawingml/2006/main" xmlns:r="http://schemas.openxmlformats.org/officeDocument/2006/relationships" xmlns:p="http://schemas.openxmlformats.org/presentationml/2006/main">
+  <p:cSld>
+    <p:spTree>
+      <p:nvGrpSpPr>
+        <p:cNvPr id="1" name=""/>
+        <p:cNvGrpSpPr/>
+        <p:nvPr/>
+      </p:nvGrpSpPr>
+      <p:grpSpPr>
+        <a:xfrm>
+          <a:off x="0" y="0"/>
+          <a:ext cx="0" cy="0"/>
+          <a:chOff x="0" y="0"/>
+          <a:chExt cx="0" cy="0"/>
+        </a:xfrm>
+      </p:grpSpPr>
+      <p:sp>
+        <p:nvSpPr>
+          <p:cNvPr id="2" name="Titre 1"/>
+          <p:cNvSpPr>
+            <a:spLocks noGrp="1"/>
+          </p:cNvSpPr>
+          <p:nvPr>
+            <p:ph type="title"/>
+          </p:nvPr>
+        </p:nvSpPr>
+        <p:spPr/>
+        <p:txBody>
+          <a:bodyPr/>
+          <a:lstStyle/>
+          <a:p>
+            <a:r>
+              <a:rPr lang="fr-FR" dirty="0" smtClean="0"/>
+              <a:t>Introduction</a:t>
+            </a:r>
+            <a:endParaRPr lang="fr-FR" dirty="0"/>
+          </a:p>
+        </p:txBody>
+      </p:sp>
+      <p:sp>
+        <p:nvSpPr>
+          <p:cNvPr id="3" name="Espace réservé du contenu 2"/>
+          <p:cNvSpPr>
+            <a:spLocks noGrp="1"/>
+          </p:cNvSpPr>
+          <p:nvPr>
+            <p:ph idx="1"/>
+          </p:nvPr>
+        </p:nvSpPr>
+        <p:spPr/>
+        <p:txBody>
+          <a:bodyPr/>
+          <a:lstStyle/>
+          <a:p>
+            <a:pPr marL="0" indent="0">
+              <a:buNone/>
+            </a:pPr>
+            <a:endParaRPr lang="fr-FR" dirty="0" smtClean="0"/>
+          </a:p>
+          <a:p>
+            <a:endParaRPr lang="fr-FR" dirty="0"/>
+          </a:p>
+        </p:txBody>
+      </p:sp>
+      <p:sp>
+        <p:nvSpPr>
+          <p:cNvPr id="4" name="Espace réservé du pied de page 3"/>
+          <p:cNvSpPr>
+            <a:spLocks noGrp="1"/>
+          </p:cNvSpPr>
+          <p:nvPr>
+            <p:ph type="ftr" sz="quarter" idx="11"/>
+          </p:nvPr>
+        </p:nvSpPr>
+        <p:spPr/>
+        <p:txBody>
+          <a:bodyPr/>
+          <a:lstStyle/>
+          <a:p>
+            <a:r>
+              <a:rPr lang="fr-FR" smtClean="0"/>
+              <a:t>Motion control     Navigation &amp; Localization    Android</a:t>
+            </a:r>
+            <a:endParaRPr lang="fr-FR"/>
+          </a:p>
+        </p:txBody>
+      </p:sp>
+      <p:sp>
+        <p:nvSpPr>
+          <p:cNvPr id="5" name="Espace réservé du numéro de diapositive 4"/>
+          <p:cNvSpPr>
+            <a:spLocks noGrp="1"/>
+          </p:cNvSpPr>
+          <p:nvPr>
+            <p:ph type="sldNum" sz="quarter" idx="12"/>
+          </p:nvPr>
+        </p:nvSpPr>
+        <p:spPr/>
+        <p:txBody>
+          <a:bodyPr>
+            <a:normAutofit lnSpcReduction="10000"/>
+          </a:bodyPr>
+          <a:lstStyle/>
+          <a:p>
+            <a:fld id="{B5DB7FC2-8201-461D-A208-F496F60082A1}" type="slidenum">
+              <a:rPr lang="fr-FR" smtClean="0"/>
+              <a:pPr/>
+              <a:t>2</a:t>
+            </a:fld>
+            <a:endParaRPr lang="fr-FR"/>
+          </a:p>
+        </p:txBody>
+      </p:sp>
+    </p:spTree>
+    <p:extLst>
+      <p:ext uri="{BB962C8B-B14F-4D97-AF65-F5344CB8AC3E}">
+        <p14:creationId xmlns="" xmlns:p14="http://schemas.microsoft.com/office/powerpoint/2010/main" val="1338518905"/>
+      </p:ext>
+    </p:extLst>
+  </p:cSld>
+  <p:clrMapOvr>
+    <a:masterClrMapping/>
+  </p:clrMapOvr>
+</p:sld>
+</file>
+
+<file path=ppt/slides/slide3.xml><?xml version="1.0" encoding="utf-8"?>
+<p:sld xmlns:a="http://schemas.openxmlformats.org/drawingml/2006/main" xmlns:r="http://schemas.openxmlformats.org/officeDocument/2006/relationships" xmlns:p="http://schemas.openxmlformats.org/presentationml/2006/main">
+  <p:cSld>
+    <p:spTree>
+      <p:nvGrpSpPr>
+        <p:cNvPr id="1" name=""/>
+        <p:cNvGrpSpPr/>
+        <p:nvPr/>
+      </p:nvGrpSpPr>
+      <p:grpSpPr>
+        <a:xfrm>
+          <a:off x="0" y="0"/>
+          <a:ext cx="0" cy="0"/>
+          <a:chOff x="0" y="0"/>
+          <a:chExt cx="0" cy="0"/>
+        </a:xfrm>
+      </p:grpSpPr>
+      <p:sp>
+        <p:nvSpPr>
+          <p:cNvPr id="2" name="Titre 1"/>
+          <p:cNvSpPr>
+            <a:spLocks noGrp="1"/>
+          </p:cNvSpPr>
+          <p:nvPr>
+            <p:ph type="title"/>
+          </p:nvPr>
+        </p:nvSpPr>
+        <p:spPr/>
+        <p:txBody>
+          <a:bodyPr/>
+          <a:lstStyle/>
+          <a:p>
+            <a:r>
+              <a:rPr lang="fr-FR" dirty="0" smtClean="0"/>
+              <a:t>Contents</a:t>
+            </a:r>
+            <a:endParaRPr lang="fr-FR" dirty="0"/>
+          </a:p>
+        </p:txBody>
+      </p:sp>
+      <p:sp>
+        <p:nvSpPr>
+          <p:cNvPr id="3" name="Espace réservé du contenu 2"/>
+          <p:cNvSpPr>
+            <a:spLocks noGrp="1"/>
+          </p:cNvSpPr>
+          <p:nvPr>
+            <p:ph idx="1"/>
+          </p:nvPr>
+        </p:nvSpPr>
+        <p:spPr>
+          <a:xfrm>
+            <a:off x="1135685" y="2732810"/>
+            <a:ext cx="7735824" cy="3447328"/>
+          </a:xfrm>
+        </p:spPr>
+        <p:txBody>
+          <a:bodyPr>
+            <a:normAutofit/>
+          </a:bodyPr>
+          <a:lstStyle/>
+          <a:p>
+            <a:r>
+              <a:rPr lang="fr-FR" sz="3200" dirty="0" smtClean="0"/>
+              <a:t> 1. Motion Control</a:t>
+            </a:r>
+          </a:p>
+          <a:p>
+            <a:r>
+              <a:rPr lang="fr-FR" sz="3200" dirty="0"/>
+              <a:t> </a:t>
+            </a:r>
+            <a:r>
+              <a:rPr lang="fr-FR" sz="3200" dirty="0" smtClean="0"/>
+              <a:t>2. Navigation &amp; </a:t>
+            </a:r>
+            <a:r>
+              <a:rPr lang="fr-FR" sz="3200" dirty="0" err="1" smtClean="0"/>
+              <a:t>Localization</a:t>
+            </a:r>
+            <a:endParaRPr lang="fr-FR" sz="3200" dirty="0" smtClean="0"/>
+          </a:p>
+          <a:p>
+            <a:r>
+              <a:rPr lang="fr-FR" sz="3200" dirty="0"/>
+              <a:t> </a:t>
+            </a:r>
+            <a:r>
+              <a:rPr lang="fr-FR" sz="3200" dirty="0" smtClean="0"/>
+              <a:t>3. Android control </a:t>
+            </a:r>
+            <a:endParaRPr lang="fr-FR" sz="3200" dirty="0"/>
+          </a:p>
+        </p:txBody>
+      </p:sp>
+      <p:sp>
+        <p:nvSpPr>
+          <p:cNvPr id="4" name="Espace réservé du pied de page 3"/>
+          <p:cNvSpPr>
+            <a:spLocks noGrp="1"/>
+          </p:cNvSpPr>
+          <p:nvPr>
+            <p:ph type="ftr" sz="quarter" idx="11"/>
+          </p:nvPr>
+        </p:nvSpPr>
+        <p:spPr/>
+        <p:txBody>
+          <a:bodyPr/>
+          <a:lstStyle/>
+          <a:p>
+            <a:r>
+              <a:rPr lang="fr-FR" smtClean="0"/>
+              <a:t>Motion control     Navigation &amp; Localization    Android</a:t>
+            </a:r>
+            <a:endParaRPr lang="fr-FR"/>
+          </a:p>
+        </p:txBody>
+      </p:sp>
+      <p:sp>
+        <p:nvSpPr>
+          <p:cNvPr id="5" name="Espace réservé du numéro de diapositive 4"/>
+          <p:cNvSpPr>
+            <a:spLocks noGrp="1"/>
+          </p:cNvSpPr>
+          <p:nvPr>
+            <p:ph type="sldNum" sz="quarter" idx="12"/>
+          </p:nvPr>
+        </p:nvSpPr>
+        <p:spPr/>
+        <p:txBody>
+          <a:bodyPr>
+            <a:normAutofit lnSpcReduction="10000"/>
+          </a:bodyPr>
+          <a:lstStyle/>
+          <a:p>
+            <a:fld id="{B5DB7FC2-8201-461D-A208-F496F60082A1}" type="slidenum">
+              <a:rPr lang="fr-FR" smtClean="0"/>
+              <a:pPr/>
+              <a:t>3</a:t>
+            </a:fld>
+            <a:endParaRPr lang="fr-FR"/>
+          </a:p>
+        </p:txBody>
+      </p:sp>
+    </p:spTree>
+    <p:extLst>
+      <p:ext uri="{BB962C8B-B14F-4D97-AF65-F5344CB8AC3E}">
+        <p14:creationId xmlns="" xmlns:p14="http://schemas.microsoft.com/office/powerpoint/2010/main" val="256498503"/>
+      </p:ext>
+    </p:extLst>
+  </p:cSld>
+  <p:clrMapOvr>
+    <a:masterClrMapping/>
+  </p:clrMapOvr>
+</p:sld>
+</file>
+
+<file path=ppt/slides/slide4.xml><?xml version="1.0" encoding="utf-8"?>
+<p:sld xmlns:a="http://schemas.openxmlformats.org/drawingml/2006/main" xmlns:r="http://schemas.openxmlformats.org/officeDocument/2006/relationships" xmlns:p="http://schemas.openxmlformats.org/presentationml/2006/main">
+  <p:cSld>
+    <p:spTree>
+      <p:nvGrpSpPr>
+        <p:cNvPr id="1" name=""/>
+        <p:cNvGrpSpPr/>
+        <p:nvPr/>
+      </p:nvGrpSpPr>
+      <p:grpSpPr>
+        <a:xfrm>
+          <a:off x="0" y="0"/>
+          <a:ext cx="0" cy="0"/>
+          <a:chOff x="0" y="0"/>
+          <a:chExt cx="0" cy="0"/>
+        </a:xfrm>
+      </p:grpSpPr>
+      <p:sp>
+        <p:nvSpPr>
+          <p:cNvPr id="2" name="Titre 1"/>
+          <p:cNvSpPr>
+            <a:spLocks noGrp="1"/>
+          </p:cNvSpPr>
+          <p:nvPr>
+            <p:ph type="ctrTitle"/>
+          </p:nvPr>
+        </p:nvSpPr>
+        <p:spPr>
+          <a:xfrm>
+            <a:off x="228600" y="279400"/>
+            <a:ext cx="7406640" cy="749300"/>
+          </a:xfrm>
+        </p:spPr>
+        <p:txBody>
+          <a:bodyPr>
+            <a:noAutofit/>
+          </a:bodyPr>
+          <a:lstStyle/>
+          <a:p>
+            <a:r>
+              <a:rPr lang="fr-FR" sz="4800" dirty="0" err="1" smtClean="0"/>
+              <a:t>Levels</a:t>
+            </a:r>
+            <a:r>
+              <a:rPr lang="fr-FR" sz="4800" dirty="0" smtClean="0"/>
+              <a:t> of Motion Control</a:t>
+            </a:r>
+            <a:endParaRPr lang="fr-FR" sz="4800" dirty="0"/>
+          </a:p>
+        </p:txBody>
+      </p:sp>
+      <p:pic>
+        <p:nvPicPr>
+          <p:cNvPr id="1026" name="Picture 2" descr="C:\Users\EpicFailure\Desktop\bsc2\Robotic Engineering 2 (ROS)\Report\images\motion_control.png"/>
+          <p:cNvPicPr>
+            <a:picLocks noChangeAspect="1" noChangeArrowheads="1"/>
+          </p:cNvPicPr>
+          <p:nvPr/>
+        </p:nvPicPr>
+        <p:blipFill>
+          <a:blip r:embed="rId2"/>
+          <a:srcRect/>
+          <a:stretch>
+            <a:fillRect/>
+          </a:stretch>
+        </p:blipFill>
+        <p:spPr bwMode="auto">
+          <a:xfrm>
+            <a:off x="8013700" y="546100"/>
+            <a:ext cx="1841500" cy="5956300"/>
+          </a:xfrm>
+          <a:prstGeom prst="rect">
+            <a:avLst/>
+          </a:prstGeom>
+          <a:noFill/>
+        </p:spPr>
+      </p:pic>
+      <p:sp>
+        <p:nvSpPr>
+          <p:cNvPr id="4" name="Rectangle 3"/>
+          <p:cNvSpPr/>
+          <p:nvPr/>
+        </p:nvSpPr>
+        <p:spPr>
+          <a:xfrm>
+            <a:off x="800100" y="1446936"/>
+            <a:ext cx="7073900" cy="3539430"/>
+          </a:xfrm>
+          <a:prstGeom prst="rect">
+            <a:avLst/>
+          </a:prstGeom>
+        </p:spPr>
+        <p:txBody>
+          <a:bodyPr wrap="square">
+            <a:spAutoFit/>
+          </a:bodyPr>
+          <a:lstStyle/>
+          <a:p>
+            <a:r>
+              <a:rPr lang="en-US" sz="2800" dirty="0" smtClean="0"/>
+              <a:t>1. Motors, Wheels and Encoders</a:t>
+            </a:r>
+          </a:p>
+          <a:p>
+            <a:r>
+              <a:rPr lang="en-US" sz="2800" dirty="0" smtClean="0"/>
+              <a:t>2. Motor Controllers and Drivers</a:t>
+            </a:r>
+          </a:p>
+          <a:p>
+            <a:r>
+              <a:rPr lang="en-US" sz="2800" dirty="0" smtClean="0"/>
+              <a:t>3. The ROS Base Controller</a:t>
+            </a:r>
+          </a:p>
+          <a:p>
+            <a:r>
+              <a:rPr lang="en-US" sz="2800" dirty="0" smtClean="0"/>
+              <a:t>4. Frame-Base Motion using the move base ROS Package</a:t>
+            </a:r>
+          </a:p>
+          <a:p>
+            <a:r>
+              <a:rPr lang="en-US" sz="2800" dirty="0" smtClean="0"/>
+              <a:t>5. SLAM using the </a:t>
+            </a:r>
+            <a:r>
+              <a:rPr lang="en-US" sz="2800" dirty="0" err="1" smtClean="0"/>
+              <a:t>gmapping</a:t>
+            </a:r>
+            <a:r>
+              <a:rPr lang="en-US" sz="2800" dirty="0" smtClean="0"/>
+              <a:t> and </a:t>
+            </a:r>
+            <a:r>
+              <a:rPr lang="en-US" sz="2800" dirty="0" err="1" smtClean="0"/>
+              <a:t>amcl</a:t>
+            </a:r>
+            <a:r>
+              <a:rPr lang="en-US" sz="2800" dirty="0" smtClean="0"/>
+              <a:t> ROS Packages</a:t>
+            </a:r>
+          </a:p>
+          <a:p>
+            <a:r>
+              <a:rPr lang="en-US" sz="2800" dirty="0" smtClean="0"/>
+              <a:t>6. Semantic Goals</a:t>
+            </a:r>
+            <a:endParaRPr lang="en-US" sz="2800" dirty="0"/>
+          </a:p>
+        </p:txBody>
+      </p:sp>
+    </p:spTree>
+    <p:extLst>
+      <p:ext uri="{BB962C8B-B14F-4D97-AF65-F5344CB8AC3E}">
+        <p14:creationId xmlns="" xmlns:p14="http://schemas.microsoft.com/office/powerpoint/2010/main" val="827552370"/>
+      </p:ext>
+    </p:extLst>
+  </p:cSld>
+  <p:clrMapOvr>
+    <a:masterClrMapping/>
+  </p:clrMapOvr>
+</p:sld>
+</file>
+
+<file path=ppt/slides/slide5.xml><?xml version="1.0" encoding="utf-8"?>
+<p:sld xmlns:a="http://schemas.openxmlformats.org/drawingml/2006/main" xmlns:r="http://schemas.openxmlformats.org/officeDocument/2006/relationships" xmlns:p="http://schemas.openxmlformats.org/presentationml/2006/main">
+  <p:cSld>
+    <p:spTree>
+      <p:nvGrpSpPr>
+        <p:cNvPr id="1" name=""/>
+        <p:cNvGrpSpPr/>
+        <p:nvPr/>
+      </p:nvGrpSpPr>
+      <p:grpSpPr>
+        <a:xfrm>
+          <a:off x="0" y="0"/>
+          <a:ext cx="0" cy="0"/>
+          <a:chOff x="0" y="0"/>
+          <a:chExt cx="0" cy="0"/>
+        </a:xfrm>
+      </p:grpSpPr>
+      <p:sp>
+        <p:nvSpPr>
+          <p:cNvPr id="2" name="Titre 1"/>
+          <p:cNvSpPr>
+            <a:spLocks noGrp="1"/>
+          </p:cNvSpPr>
+          <p:nvPr>
+            <p:ph type="ctrTitle"/>
+          </p:nvPr>
+        </p:nvSpPr>
+        <p:spPr>
+          <a:xfrm>
+            <a:off x="228600" y="279400"/>
+            <a:ext cx="7406640" cy="749300"/>
+          </a:xfrm>
+        </p:spPr>
+        <p:txBody>
+          <a:bodyPr>
+            <a:noAutofit/>
+          </a:bodyPr>
+          <a:lstStyle/>
+          <a:p>
+            <a:r>
+              <a:rPr lang="en-US" sz="3600" b="1" dirty="0" smtClean="0"/>
+              <a:t>Twisting and Turning with ROS</a:t>
+            </a:r>
+            <a:endParaRPr lang="fr-FR" sz="3600" dirty="0"/>
+          </a:p>
+        </p:txBody>
+      </p:sp>
+      <p:sp>
+        <p:nvSpPr>
+          <p:cNvPr id="5" name="Rectangle 4"/>
+          <p:cNvSpPr/>
+          <p:nvPr/>
+        </p:nvSpPr>
+        <p:spPr>
+          <a:xfrm>
+            <a:off x="582931" y="995743"/>
+            <a:ext cx="8069581" cy="3108543"/>
+          </a:xfrm>
+          <a:prstGeom prst="rect">
+            <a:avLst/>
+          </a:prstGeom>
+        </p:spPr>
+        <p:txBody>
+          <a:bodyPr wrap="square">
+            <a:spAutoFit/>
+          </a:bodyPr>
+          <a:lstStyle/>
+          <a:p>
+            <a:r>
+              <a:rPr lang="en-US" sz="1400" dirty="0" smtClean="0"/>
+              <a:t>ROS uses the Twist message type (see details below) for publishing motion commands to be used by the base controller. The base controller node subscribes to the </a:t>
+            </a:r>
+            <a:r>
+              <a:rPr lang="en-US" sz="1400" b="1" dirty="0" smtClean="0"/>
+              <a:t>/</a:t>
+            </a:r>
+            <a:r>
+              <a:rPr lang="en-US" sz="1400" b="1" dirty="0" err="1" smtClean="0"/>
+              <a:t>cmd_vel</a:t>
+            </a:r>
+            <a:r>
+              <a:rPr lang="en-US" sz="1400" b="1" dirty="0" smtClean="0"/>
+              <a:t> </a:t>
+            </a:r>
+            <a:r>
+              <a:rPr lang="en-US" sz="1400" dirty="0" smtClean="0"/>
+              <a:t>topic and translates Twist messages into motor signals that actually turn the wheels.</a:t>
+            </a:r>
+          </a:p>
+          <a:p>
+            <a:endParaRPr lang="en-US" sz="1400" dirty="0" smtClean="0"/>
+          </a:p>
+          <a:p>
+            <a:r>
+              <a:rPr lang="en-US" sz="1400" dirty="0" smtClean="0"/>
+              <a:t>$</a:t>
+            </a:r>
+            <a:r>
+              <a:rPr lang="en-US" sz="1400" b="1" dirty="0" err="1" smtClean="0"/>
+              <a:t>rosmsg</a:t>
+            </a:r>
+            <a:r>
+              <a:rPr lang="en-US" sz="1400" b="1" dirty="0" smtClean="0"/>
+              <a:t> show </a:t>
+            </a:r>
+            <a:r>
+              <a:rPr lang="en-US" sz="1400" b="1" dirty="0" err="1" smtClean="0"/>
+              <a:t>geometry_msgs</a:t>
+            </a:r>
+            <a:r>
+              <a:rPr lang="en-US" sz="1400" b="1" dirty="0" smtClean="0"/>
+              <a:t>/Twist</a:t>
+            </a:r>
+          </a:p>
+          <a:p>
+            <a:endParaRPr lang="en-US" sz="1400" dirty="0" smtClean="0"/>
+          </a:p>
+          <a:p>
+            <a:r>
+              <a:rPr lang="en-US" sz="1400" dirty="0" err="1" smtClean="0"/>
+              <a:t>geometry_msgs</a:t>
+            </a:r>
+            <a:r>
+              <a:rPr lang="en-US" sz="1400" dirty="0" smtClean="0"/>
+              <a:t>/Vector3 linear </a:t>
+            </a:r>
+          </a:p>
+          <a:p>
+            <a:r>
+              <a:rPr lang="en-US" sz="1400" dirty="0" smtClean="0"/>
+              <a:t>float64 x </a:t>
+            </a:r>
+          </a:p>
+          <a:p>
+            <a:r>
+              <a:rPr lang="en-US" sz="1400" dirty="0" smtClean="0"/>
+              <a:t>float64 y </a:t>
+            </a:r>
+          </a:p>
+          <a:p>
+            <a:r>
+              <a:rPr lang="en-US" sz="1400" dirty="0" smtClean="0"/>
+              <a:t>float64 z </a:t>
+            </a:r>
+          </a:p>
+          <a:p>
+            <a:r>
+              <a:rPr lang="en-US" sz="1400" dirty="0" err="1" smtClean="0"/>
+              <a:t>geometry_msgs</a:t>
+            </a:r>
+            <a:r>
+              <a:rPr lang="en-US" sz="1400" dirty="0" smtClean="0"/>
+              <a:t>/Vector3 angular </a:t>
+            </a:r>
+          </a:p>
+          <a:p>
+            <a:r>
+              <a:rPr lang="en-US" sz="1400" dirty="0" smtClean="0"/>
+              <a:t>float64 x </a:t>
+            </a:r>
+          </a:p>
+          <a:p>
+            <a:r>
+              <a:rPr lang="en-US" sz="1400" dirty="0" smtClean="0"/>
+              <a:t>float64 y </a:t>
+            </a:r>
+          </a:p>
+          <a:p>
+            <a:r>
+              <a:rPr lang="en-US" sz="1400" dirty="0" smtClean="0"/>
+              <a:t>float64 z </a:t>
+            </a:r>
+            <a:endParaRPr lang="en-US" sz="1400" dirty="0"/>
+          </a:p>
+        </p:txBody>
+      </p:sp>
+      <p:sp>
+        <p:nvSpPr>
+          <p:cNvPr id="6" name="Rectangle 5"/>
+          <p:cNvSpPr/>
+          <p:nvPr/>
+        </p:nvSpPr>
+        <p:spPr>
+          <a:xfrm>
+            <a:off x="628650" y="4478638"/>
+            <a:ext cx="5337810" cy="646331"/>
+          </a:xfrm>
+          <a:prstGeom prst="rect">
+            <a:avLst/>
+          </a:prstGeom>
+        </p:spPr>
+        <p:txBody>
+          <a:bodyPr wrap="square">
+            <a:spAutoFit/>
+          </a:bodyPr>
+          <a:lstStyle/>
+          <a:p>
+            <a:r>
+              <a:rPr lang="en-US" dirty="0" smtClean="0"/>
+              <a:t>$</a:t>
+            </a:r>
+            <a:r>
+              <a:rPr lang="en-US" dirty="0" err="1" smtClean="0"/>
+              <a:t>rostopic</a:t>
+            </a:r>
+            <a:r>
+              <a:rPr lang="en-US" dirty="0" smtClean="0"/>
+              <a:t> pub -r 10 /</a:t>
+            </a:r>
+            <a:r>
+              <a:rPr lang="en-US" dirty="0" err="1" smtClean="0"/>
+              <a:t>cmd_vel</a:t>
+            </a:r>
+            <a:r>
+              <a:rPr lang="en-US" dirty="0" smtClean="0"/>
+              <a:t> </a:t>
+            </a:r>
+            <a:r>
+              <a:rPr lang="en-US" dirty="0" err="1" smtClean="0"/>
+              <a:t>geometry_msgs</a:t>
+            </a:r>
+            <a:r>
+              <a:rPr lang="en-US" dirty="0" smtClean="0"/>
+              <a:t>/Twist ’{linear: {x: 0.15, y: 0, z: 0}, </a:t>
+            </a:r>
+            <a:r>
+              <a:rPr lang="es-ES" dirty="0" smtClean="0"/>
+              <a:t>angular: {x: 0, y: 0, z: -0.4}}’</a:t>
+            </a:r>
+            <a:endParaRPr lang="en-US" dirty="0"/>
+          </a:p>
+        </p:txBody>
+      </p:sp>
+      <p:pic>
+        <p:nvPicPr>
+          <p:cNvPr id="2050" name="Picture 2" descr="C:\Users\EpicFailure\Desktop\bsc2\Robotic Engineering 2 (ROS)\Report\Presentation\twist.png"/>
+          <p:cNvPicPr>
+            <a:picLocks noChangeAspect="1" noChangeArrowheads="1"/>
+          </p:cNvPicPr>
+          <p:nvPr/>
+        </p:nvPicPr>
+        <p:blipFill>
+          <a:blip r:embed="rId2"/>
+          <a:srcRect/>
+          <a:stretch>
+            <a:fillRect/>
+          </a:stretch>
+        </p:blipFill>
+        <p:spPr bwMode="auto">
+          <a:xfrm>
+            <a:off x="6332224" y="1755775"/>
+            <a:ext cx="4251960" cy="3524250"/>
+          </a:xfrm>
+          <a:prstGeom prst="rect">
+            <a:avLst/>
+          </a:prstGeom>
+          <a:noFill/>
+        </p:spPr>
+      </p:pic>
+    </p:spTree>
+    <p:extLst>
+      <p:ext uri="{BB962C8B-B14F-4D97-AF65-F5344CB8AC3E}">
+        <p14:creationId xmlns="" xmlns:p14="http://schemas.microsoft.com/office/powerpoint/2010/main" val="827552370"/>
+      </p:ext>
+    </p:extLst>
+  </p:cSld>
+  <p:clrMapOvr>
+    <a:masterClrMapping/>
+  </p:clrMapOvr>
+</p:sld>
+</file>
+
+<file path=ppt/slides/slide6.xml><?xml version="1.0" encoding="utf-8"?>
+<p:sld xmlns:a="http://schemas.openxmlformats.org/drawingml/2006/main" xmlns:r="http://schemas.openxmlformats.org/officeDocument/2006/relationships" xmlns:p="http://schemas.openxmlformats.org/presentationml/2006/main">
+  <p:cSld>
+    <p:spTree>
+      <p:nvGrpSpPr>
+        <p:cNvPr id="1" name=""/>
+        <p:cNvGrpSpPr/>
+        <p:nvPr/>
+      </p:nvGrpSpPr>
+      <p:grpSpPr>
+        <a:xfrm>
+          <a:off x="0" y="0"/>
+          <a:ext cx="0" cy="0"/>
+          <a:chOff x="0" y="0"/>
+          <a:chExt cx="0" cy="0"/>
+        </a:xfrm>
+      </p:grpSpPr>
+      <p:sp>
+        <p:nvSpPr>
+          <p:cNvPr id="2" name="Titre 1"/>
+          <p:cNvSpPr>
+            <a:spLocks noGrp="1"/>
+          </p:cNvSpPr>
+          <p:nvPr>
+            <p:ph type="ctrTitle"/>
+          </p:nvPr>
+        </p:nvSpPr>
+        <p:spPr>
+          <a:xfrm>
+            <a:off x="228600" y="279400"/>
+            <a:ext cx="7886700" cy="749300"/>
+          </a:xfrm>
+        </p:spPr>
+        <p:txBody>
+          <a:bodyPr>
+            <a:noAutofit/>
+          </a:bodyPr>
+          <a:lstStyle/>
+          <a:p>
+            <a:r>
+              <a:rPr lang="en-US" sz="3600" dirty="0" smtClean="0"/>
+              <a:t>Goal 1 : Basic Motion of Mobile Base</a:t>
+            </a:r>
+            <a:endParaRPr lang="fr-FR" sz="3600" dirty="0"/>
+          </a:p>
+        </p:txBody>
+      </p:sp>
+      <p:sp>
+        <p:nvSpPr>
+          <p:cNvPr id="5" name="Rectangle 4"/>
+          <p:cNvSpPr/>
+          <p:nvPr/>
+        </p:nvSpPr>
+        <p:spPr>
+          <a:xfrm>
+            <a:off x="582932" y="995740"/>
+            <a:ext cx="5463541" cy="5016758"/>
+          </a:xfrm>
+          <a:prstGeom prst="rect">
+            <a:avLst/>
+          </a:prstGeom>
+        </p:spPr>
+        <p:txBody>
+          <a:bodyPr wrap="square">
+            <a:spAutoFit/>
+          </a:bodyPr>
+          <a:lstStyle/>
+          <a:p>
+            <a:r>
+              <a:rPr lang="en-US" b="1" u="sng" dirty="0" smtClean="0"/>
+              <a:t>Algorithm 1: Time and Speed based out and back (</a:t>
+            </a:r>
+            <a:endParaRPr lang="en-US" dirty="0" smtClean="0"/>
+          </a:p>
+          <a:p>
+            <a:r>
+              <a:rPr lang="en-US" dirty="0" smtClean="0"/>
+              <a:t>$</a:t>
+            </a:r>
+            <a:r>
+              <a:rPr lang="en-US" dirty="0" err="1" smtClean="0"/>
+              <a:t>rosrun</a:t>
+            </a:r>
+            <a:r>
+              <a:rPr lang="en-US" dirty="0" smtClean="0"/>
+              <a:t> rbx1_nav timed_out_and_back.py)</a:t>
+            </a:r>
+          </a:p>
+          <a:p>
+            <a:endParaRPr lang="en-US" b="1" u="sng" dirty="0" smtClean="0"/>
+          </a:p>
+          <a:p>
+            <a:r>
+              <a:rPr lang="en-US" sz="1400" dirty="0" smtClean="0"/>
+              <a:t>rate = 50</a:t>
+            </a:r>
+          </a:p>
+          <a:p>
+            <a:r>
+              <a:rPr lang="en-US" sz="1400" dirty="0" err="1" smtClean="0"/>
+              <a:t>goal_distance</a:t>
+            </a:r>
+            <a:r>
+              <a:rPr lang="en-US" sz="1400" dirty="0" smtClean="0"/>
+              <a:t> = 1.0 m</a:t>
+            </a:r>
+          </a:p>
+          <a:p>
+            <a:r>
+              <a:rPr lang="en-US" sz="1400" dirty="0" err="1" smtClean="0"/>
+              <a:t>linear_speed</a:t>
+            </a:r>
+            <a:r>
+              <a:rPr lang="en-US" sz="1400" dirty="0" smtClean="0"/>
+              <a:t> = 0.2m/s</a:t>
+            </a:r>
+          </a:p>
+          <a:p>
+            <a:r>
+              <a:rPr lang="en-US" sz="1400" dirty="0" err="1" smtClean="0"/>
+              <a:t>linear_duration</a:t>
+            </a:r>
+            <a:r>
+              <a:rPr lang="en-US" sz="1400" dirty="0" smtClean="0"/>
+              <a:t> = </a:t>
+            </a:r>
+            <a:r>
+              <a:rPr lang="en-US" sz="1400" dirty="0" err="1" smtClean="0"/>
+              <a:t>goal_distance</a:t>
+            </a:r>
+            <a:r>
+              <a:rPr lang="en-US" sz="1400" dirty="0" smtClean="0"/>
+              <a:t> / </a:t>
+            </a:r>
+            <a:r>
+              <a:rPr lang="en-US" sz="1400" dirty="0" err="1" smtClean="0"/>
+              <a:t>linear_speed</a:t>
+            </a:r>
+            <a:r>
+              <a:rPr lang="en-US" sz="1400" dirty="0" smtClean="0"/>
+              <a:t>;</a:t>
+            </a:r>
+          </a:p>
+          <a:p>
+            <a:endParaRPr lang="en-US" sz="1400" dirty="0" smtClean="0"/>
+          </a:p>
+          <a:p>
+            <a:r>
+              <a:rPr lang="en-US" sz="1400" dirty="0" err="1" smtClean="0"/>
+              <a:t>angular_speed</a:t>
+            </a:r>
+            <a:r>
+              <a:rPr lang="en-US" sz="1400" dirty="0" smtClean="0"/>
+              <a:t> = 1.0</a:t>
+            </a:r>
+          </a:p>
+          <a:p>
+            <a:r>
+              <a:rPr lang="en-US" sz="1400" dirty="0" err="1" smtClean="0"/>
+              <a:t>goal_angle</a:t>
+            </a:r>
+            <a:r>
+              <a:rPr lang="en-US" sz="1400" dirty="0" smtClean="0"/>
+              <a:t> = pi</a:t>
+            </a:r>
+          </a:p>
+          <a:p>
+            <a:r>
+              <a:rPr lang="en-US" sz="1400" dirty="0" err="1" smtClean="0"/>
+              <a:t>angular_duration</a:t>
+            </a:r>
+            <a:r>
+              <a:rPr lang="en-US" sz="1400" dirty="0" smtClean="0"/>
+              <a:t> = </a:t>
+            </a:r>
+            <a:r>
+              <a:rPr lang="en-US" sz="1400" dirty="0" err="1" smtClean="0"/>
+              <a:t>goal_angle</a:t>
+            </a:r>
+            <a:r>
+              <a:rPr lang="en-US" sz="1400" dirty="0" smtClean="0"/>
+              <a:t> / </a:t>
+            </a:r>
+            <a:r>
+              <a:rPr lang="en-US" sz="1400" dirty="0" err="1" smtClean="0"/>
+              <a:t>angular_speed</a:t>
+            </a:r>
+            <a:r>
+              <a:rPr lang="en-US" sz="1400" dirty="0" smtClean="0"/>
+              <a:t>;</a:t>
+            </a:r>
+          </a:p>
+          <a:p>
+            <a:endParaRPr lang="en-US" sz="1400" dirty="0" smtClean="0"/>
+          </a:p>
+          <a:p>
+            <a:r>
+              <a:rPr lang="en-US" sz="1400" dirty="0" smtClean="0"/>
+              <a:t>A: Repeat step 1 to 6 twice</a:t>
+            </a:r>
+          </a:p>
+          <a:p>
+            <a:r>
+              <a:rPr lang="en-US" sz="1400" dirty="0" smtClean="0"/>
+              <a:t>	1. ticks = </a:t>
+            </a:r>
+            <a:r>
+              <a:rPr lang="en-US" sz="1400" dirty="0" err="1" smtClean="0"/>
+              <a:t>linear_duration</a:t>
+            </a:r>
+            <a:r>
+              <a:rPr lang="en-US" sz="1400" dirty="0" smtClean="0"/>
+              <a:t> / rate</a:t>
+            </a:r>
+          </a:p>
+          <a:p>
+            <a:r>
+              <a:rPr lang="en-US" sz="1400" dirty="0" smtClean="0"/>
+              <a:t>	2. while(t &lt; ticks)</a:t>
+            </a:r>
+          </a:p>
+          <a:p>
+            <a:r>
+              <a:rPr lang="en-US" sz="1400" dirty="0" smtClean="0"/>
+              <a:t>		robot will walk 1 meter straight</a:t>
+            </a:r>
+          </a:p>
+          <a:p>
+            <a:r>
+              <a:rPr lang="en-US" sz="1400" dirty="0" smtClean="0"/>
+              <a:t>	3. robot will sleep 1 cycle</a:t>
+            </a:r>
+          </a:p>
+          <a:p>
+            <a:r>
+              <a:rPr lang="en-US" sz="1400" dirty="0" smtClean="0"/>
+              <a:t>	4. ticks = </a:t>
+            </a:r>
+            <a:r>
+              <a:rPr lang="en-US" sz="1400" dirty="0" err="1" smtClean="0"/>
+              <a:t>goal_angle</a:t>
+            </a:r>
+            <a:r>
+              <a:rPr lang="en-US" sz="1400" dirty="0" smtClean="0"/>
+              <a:t> * rate</a:t>
+            </a:r>
+          </a:p>
+          <a:p>
+            <a:r>
+              <a:rPr lang="en-US" sz="1400" dirty="0" smtClean="0"/>
+              <a:t>	5. while(t&lt;ticks)</a:t>
+            </a:r>
+          </a:p>
+          <a:p>
+            <a:r>
+              <a:rPr lang="en-US" sz="1400" dirty="0" smtClean="0"/>
+              <a:t>		robot rotates 180*</a:t>
+            </a:r>
+          </a:p>
+          <a:p>
+            <a:r>
+              <a:rPr lang="en-US" sz="1400" dirty="0" smtClean="0"/>
+              <a:t>	6. robot will sleep 1 cycle</a:t>
+            </a:r>
+          </a:p>
+          <a:p>
+            <a:r>
+              <a:rPr lang="en-US" sz="1400" dirty="0" smtClean="0"/>
+              <a:t>B: Program Terminates</a:t>
+            </a:r>
+            <a:endParaRPr lang="en-US" sz="1400" dirty="0"/>
+          </a:p>
+        </p:txBody>
+      </p:sp>
+      <p:pic>
+        <p:nvPicPr>
+          <p:cNvPr id="5123" name="Picture 3" descr="C:\Users\EpicFailure\Desktop\bsc2\Robotic Engineering 2 (ROS)\Report\Presentation\timed_out_and_back.png"/>
+          <p:cNvPicPr>
+            <a:picLocks noChangeAspect="1" noChangeArrowheads="1"/>
+          </p:cNvPicPr>
+          <p:nvPr/>
+        </p:nvPicPr>
+        <p:blipFill>
+          <a:blip r:embed="rId2"/>
+          <a:srcRect/>
+          <a:stretch>
+            <a:fillRect/>
+          </a:stretch>
+        </p:blipFill>
+        <p:spPr bwMode="auto">
+          <a:xfrm>
+            <a:off x="5580698" y="1876425"/>
+            <a:ext cx="4786312" cy="4066600"/>
+          </a:xfrm>
+          <a:prstGeom prst="rect">
+            <a:avLst/>
+          </a:prstGeom>
+          <a:noFill/>
+        </p:spPr>
+      </p:pic>
+    </p:spTree>
+    <p:extLst>
+      <p:ext uri="{BB962C8B-B14F-4D97-AF65-F5344CB8AC3E}">
+        <p14:creationId xmlns="" xmlns:p14="http://schemas.microsoft.com/office/powerpoint/2010/main" val="827552370"/>
+      </p:ext>
+    </p:extLst>
+  </p:cSld>
+  <p:clrMapOvr>
+    <a:masterClrMapping/>
+  </p:clrMapOvr>
+</p:sld>
+</file>
+
+<file path=ppt/slides/slide7.xml><?xml version="1.0" encoding="utf-8"?>
+<p:sld xmlns:a="http://schemas.openxmlformats.org/drawingml/2006/main" xmlns:r="http://schemas.openxmlformats.org/officeDocument/2006/relationships" xmlns:p="http://schemas.openxmlformats.org/presentationml/2006/main">
+  <p:cSld>
+    <p:spTree>
+      <p:nvGrpSpPr>
+        <p:cNvPr id="1" name=""/>
+        <p:cNvGrpSpPr/>
+        <p:nvPr/>
+      </p:nvGrpSpPr>
+      <p:grpSpPr>
+        <a:xfrm>
+          <a:off x="0" y="0"/>
+          <a:ext cx="0" cy="0"/>
+          <a:chOff x="0" y="0"/>
+          <a:chExt cx="0" cy="0"/>
+        </a:xfrm>
+      </p:grpSpPr>
+      <p:sp>
+        <p:nvSpPr>
+          <p:cNvPr id="2" name="Titre 1"/>
+          <p:cNvSpPr>
+            <a:spLocks noGrp="1"/>
+          </p:cNvSpPr>
+          <p:nvPr>
+            <p:ph type="ctrTitle"/>
+          </p:nvPr>
+        </p:nvSpPr>
+        <p:spPr>
+          <a:xfrm>
             <a:off x="228600" y="279400"/>
             <a:ext cx="7823200" cy="749300"/>
           </a:xfrm>
@@ -10091,11 +12675,7 @@
           <a:p>
             <a:r>
               <a:rPr lang="en-US" sz="1400" b="1" u="sng" dirty="0" smtClean="0"/>
-              <a:t>Algorithm 2: ODOMETRY based out and </a:t>
-            </a:r>
-            <a:r>
-              <a:rPr lang="en-US" sz="1400" b="1" u="sng" dirty="0" smtClean="0"/>
-              <a:t>back (</a:t>
+              <a:t>Algorithm 2: ODOMETRY based out and back (</a:t>
             </a:r>
             <a:r>
               <a:rPr lang="en-US" sz="1400" dirty="0" smtClean="0"/>
@@ -10210,21 +12790,13 @@
           <a:p>
             <a:r>
               <a:rPr lang="en-US" sz="1200" dirty="0" smtClean="0"/>
-              <a:t>	1</a:t>
-            </a:r>
+              <a:t>	1. get initial position</a:t>
+            </a:r>
+          </a:p>
+          <a:p>
             <a:r>
               <a:rPr lang="en-US" sz="1200" dirty="0" smtClean="0"/>
-              <a:t>. get initial position</a:t>
-            </a:r>
-          </a:p>
-          <a:p>
-            <a:r>
-              <a:rPr lang="en-US" sz="1200" dirty="0" smtClean="0"/>
-              <a:t>	2</a:t>
-            </a:r>
-            <a:r>
-              <a:rPr lang="en-US" sz="1200" dirty="0" smtClean="0"/>
-              <a:t>. while distance &lt; </a:t>
+              <a:t>	2. while distance &lt; </a:t>
             </a:r>
             <a:r>
               <a:rPr lang="en-US" sz="1200" dirty="0" err="1" smtClean="0"/>
@@ -10235,11 +12807,7 @@
           <a:p>
             <a:r>
               <a:rPr lang="en-US" sz="1200" dirty="0" smtClean="0"/>
-              <a:t>	robot </a:t>
-            </a:r>
-            <a:r>
-              <a:rPr lang="en-US" sz="1200" dirty="0" smtClean="0"/>
-              <a:t>will go at a speed set by </a:t>
+              <a:t>	robot will go at a speed set by </a:t>
             </a:r>
             <a:r>
               <a:rPr lang="en-US" sz="1200" dirty="0" err="1" smtClean="0"/>
@@ -10250,41 +12818,25 @@
           <a:p>
             <a:r>
               <a:rPr lang="en-US" sz="1200" dirty="0" smtClean="0"/>
-              <a:t>	sleep </a:t>
-            </a:r>
+              <a:t>	sleep 1 cycle</a:t>
+            </a:r>
+          </a:p>
+          <a:p>
             <a:r>
               <a:rPr lang="en-US" sz="1200" dirty="0" smtClean="0"/>
-              <a:t>1 cycle</a:t>
+              <a:t>	get new linear position from ODOMETRY</a:t>
             </a:r>
           </a:p>
           <a:p>
             <a:r>
               <a:rPr lang="en-US" sz="1200" dirty="0" smtClean="0"/>
-              <a:t>	get </a:t>
-            </a:r>
+              <a:t>	calculate new distance from new position and old position</a:t>
+            </a:r>
+          </a:p>
+          <a:p>
             <a:r>
               <a:rPr lang="en-US" sz="1200" dirty="0" smtClean="0"/>
-              <a:t>new linear position from ODOMETRY</a:t>
-            </a:r>
-          </a:p>
-          <a:p>
-            <a:r>
-              <a:rPr lang="en-US" sz="1200" dirty="0" smtClean="0"/>
-              <a:t>	calculate </a:t>
-            </a:r>
-            <a:r>
-              <a:rPr lang="en-US" sz="1200" dirty="0" smtClean="0"/>
-              <a:t>new distance from new position and old position</a:t>
-            </a:r>
-          </a:p>
-          <a:p>
-            <a:r>
-              <a:rPr lang="en-US" sz="1200" dirty="0" smtClean="0"/>
-              <a:t>	3</a:t>
-            </a:r>
-            <a:r>
-              <a:rPr lang="en-US" sz="1200" dirty="0" smtClean="0"/>
-              <a:t>. stop the robot</a:t>
+              <a:t>	3. stop the robot</a:t>
             </a:r>
           </a:p>
           <a:p>
@@ -10312,21 +12864,13 @@
             </a:r>
             <a:r>
               <a:rPr lang="en-US" sz="1200" dirty="0" smtClean="0"/>
-              <a:t> </a:t>
-            </a:r>
+              <a:t> = 0</a:t>
+            </a:r>
+          </a:p>
+          <a:p>
             <a:r>
               <a:rPr lang="en-US" sz="1200" dirty="0" smtClean="0"/>
-              <a:t>= 0</a:t>
-            </a:r>
-          </a:p>
-          <a:p>
-            <a:r>
-              <a:rPr lang="en-US" sz="1200" dirty="0" smtClean="0"/>
-              <a:t>	4</a:t>
-            </a:r>
-            <a:r>
-              <a:rPr lang="en-US" sz="1200" dirty="0" smtClean="0"/>
-              <a:t>. while (</a:t>
+              <a:t>	4. while (</a:t>
             </a:r>
             <a:r>
               <a:rPr lang="en-US" sz="1200" dirty="0" err="1" smtClean="0"/>
@@ -10348,37 +12892,20 @@
           <a:p>
             <a:r>
               <a:rPr lang="en-US" sz="1200" dirty="0" smtClean="0"/>
-              <a:t>	start </a:t>
-            </a:r>
+              <a:t>	start rotating</a:t>
+            </a:r>
+          </a:p>
+          <a:p>
             <a:r>
               <a:rPr lang="en-US" sz="1200" dirty="0" smtClean="0"/>
-              <a:t>rotating</a:t>
+              <a:t>	sleep 1 cycle</a:t>
             </a:r>
           </a:p>
           <a:p>
             <a:r>
               <a:rPr lang="en-US" sz="1200" dirty="0" smtClean="0"/>
-              <a:t>	sleep </a:t>
-            </a:r>
-            <a:r>
-              <a:rPr lang="en-US" sz="1200" dirty="0" smtClean="0"/>
-              <a:t>1 cycle</a:t>
-            </a:r>
-          </a:p>
-          <a:p>
-            <a:r>
-              <a:rPr lang="en-US" sz="1200" dirty="0" smtClean="0"/>
-              <a:t>	get </a:t>
-            </a:r>
-            <a:r>
-              <a:rPr lang="en-US" sz="1200" dirty="0" smtClean="0"/>
-              <a:t>new rotation position </a:t>
-            </a:r>
-            <a:r>
-              <a:rPr lang="en-US" sz="1200" dirty="0" smtClean="0"/>
-              <a:t>from ODOMETRY</a:t>
-            </a:r>
-            <a:endParaRPr lang="en-US" sz="1200" dirty="0" smtClean="0"/>
+              <a:t>	get new rotation position from ODOMETRY</a:t>
+            </a:r>
           </a:p>
           <a:p>
             <a:r>
@@ -10391,11 +12918,7 @@
             </a:r>
             <a:r>
               <a:rPr lang="en-US" sz="1200" dirty="0" smtClean="0"/>
-              <a:t> </a:t>
-            </a:r>
-            <a:r>
-              <a:rPr lang="en-US" sz="1200" dirty="0" smtClean="0"/>
-              <a:t>= (rotation - </a:t>
+              <a:t> = (rotation - </a:t>
             </a:r>
             <a:r>
               <a:rPr lang="en-US" sz="1200" dirty="0" err="1" smtClean="0"/>
@@ -10417,11 +12940,7 @@
             </a:r>
             <a:r>
               <a:rPr lang="en-US" sz="1200" dirty="0" smtClean="0"/>
-              <a:t> </a:t>
-            </a:r>
-            <a:r>
-              <a:rPr lang="en-US" sz="1200" dirty="0" smtClean="0"/>
-              <a:t>+= </a:t>
+              <a:t> += </a:t>
             </a:r>
             <a:r>
               <a:rPr lang="en-US" sz="1200" dirty="0" err="1" smtClean="0"/>
@@ -10440,21 +12959,13 @@
             </a:r>
             <a:r>
               <a:rPr lang="en-US" sz="1200" dirty="0" smtClean="0"/>
-              <a:t> </a:t>
-            </a:r>
+              <a:t> = rotation</a:t>
+            </a:r>
+          </a:p>
+          <a:p>
             <a:r>
               <a:rPr lang="en-US" sz="1200" dirty="0" smtClean="0"/>
-              <a:t>= rotation</a:t>
-            </a:r>
-          </a:p>
-          <a:p>
-            <a:r>
-              <a:rPr lang="en-US" sz="1200" dirty="0" smtClean="0"/>
-              <a:t>	5</a:t>
-            </a:r>
-            <a:r>
-              <a:rPr lang="en-US" sz="1200" dirty="0" smtClean="0"/>
-              <a:t>. stop the robot 1 cycle before next run</a:t>
+              <a:t>	5. stop the robot 1 cycle before next run</a:t>
             </a:r>
           </a:p>
           <a:p>
@@ -10495,7 +13006,7 @@
     </p:spTree>
     <p:extLst>
       <p:ext uri="{BB962C8B-B14F-4D97-AF65-F5344CB8AC3E}">
-        <p14:creationId xmlns:p14="http://schemas.microsoft.com/office/powerpoint/2010/main" xmlns="" val="827552370"/>
+        <p14:creationId xmlns="" xmlns:p14="http://schemas.microsoft.com/office/powerpoint/2010/main" val="827552370"/>
       </p:ext>
     </p:extLst>
   </p:cSld>
@@ -10505,7 +13016,7 @@
 </p:sld>
 </file>
 
-<file path=ppt/slides/slide11.xml><?xml version="1.0" encoding="utf-8"?>
+<file path=ppt/slides/slide8.xml><?xml version="1.0" encoding="utf-8"?>
 <p:sld xmlns:a="http://schemas.openxmlformats.org/drawingml/2006/main" xmlns:r="http://schemas.openxmlformats.org/officeDocument/2006/relationships" xmlns:p="http://schemas.openxmlformats.org/presentationml/2006/main">
   <p:cSld>
     <p:spTree>
@@ -10534,8 +13045,8 @@
         </p:nvSpPr>
         <p:spPr>
           <a:xfrm>
-            <a:off x="228603" y="279400"/>
-            <a:ext cx="9189720" cy="749300"/>
+            <a:off x="228600" y="279400"/>
+            <a:ext cx="7823200" cy="749300"/>
           </a:xfrm>
         </p:spPr>
         <p:txBody>
@@ -10545,31 +13056,49 @@
           <a:lstStyle/>
           <a:p>
             <a:r>
-              <a:rPr lang="en-US" sz="2800" dirty="0" smtClean="0"/>
-              <a:t>Goal </a:t>
-            </a:r>
-            <a:r>
-              <a:rPr lang="en-US" sz="2800" dirty="0" smtClean="0"/>
-              <a:t>3 : Navigating a Square using </a:t>
-            </a:r>
-            <a:r>
-              <a:rPr lang="en-US" sz="2800" dirty="0" err="1" smtClean="0"/>
-              <a:t>Twist+Odometry</a:t>
-            </a:r>
-            <a:endParaRPr lang="fr-FR" sz="2800" dirty="0"/>
-          </a:p>
-        </p:txBody>
-      </p:sp>
-      <p:sp>
-        <p:nvSpPr>
-          <p:cNvPr id="5" name="Rectangle 4"/>
+              <a:rPr lang="en-US" sz="3200" dirty="0" smtClean="0"/>
+              <a:t>Goal 2 : Advanced Motion of Mobile Base</a:t>
+            </a:r>
+            <a:endParaRPr lang="fr-FR" sz="3200" dirty="0"/>
+          </a:p>
+        </p:txBody>
+      </p:sp>
+      <p:pic>
+        <p:nvPicPr>
+          <p:cNvPr id="4099" name="Picture 3" descr="C:\Users\EpicFailure\Desktop\bsc2\Robotic Engineering 2 (ROS)\Report\images\simple_robot.png"/>
+          <p:cNvPicPr>
+            <a:picLocks noChangeAspect="1" noChangeArrowheads="1"/>
+          </p:cNvPicPr>
+          <p:nvPr/>
+        </p:nvPicPr>
+        <p:blipFill>
+          <a:blip r:embed="rId2"/>
+          <a:srcRect/>
+          <a:stretch>
+            <a:fillRect/>
+          </a:stretch>
+        </p:blipFill>
+        <p:spPr bwMode="auto">
+          <a:xfrm>
+            <a:off x="893763" y="1457325"/>
+            <a:ext cx="8067675" cy="1706563"/>
+          </a:xfrm>
+          <a:prstGeom prst="rect">
+            <a:avLst/>
+          </a:prstGeom>
+          <a:noFill/>
+        </p:spPr>
+      </p:pic>
+      <p:sp>
+        <p:nvSpPr>
+          <p:cNvPr id="6" name="Rectangle 5"/>
           <p:cNvSpPr/>
           <p:nvPr/>
         </p:nvSpPr>
         <p:spPr>
           <a:xfrm>
-            <a:off x="582932" y="995741"/>
-            <a:ext cx="5463541" cy="1600438"/>
+            <a:off x="660400" y="3627041"/>
+            <a:ext cx="8775700" cy="923330"/>
           </a:xfrm>
           <a:prstGeom prst="rect">
             <a:avLst/>
@@ -10582,16 +13111,161 @@
           <a:lstStyle/>
           <a:p>
             <a:r>
+              <a:rPr lang="en-US" dirty="0" err="1" smtClean="0"/>
+              <a:t>Turtlebot</a:t>
+            </a:r>
+            <a:r>
+              <a:rPr lang="en-US" dirty="0" smtClean="0"/>
+              <a:t> </a:t>
+            </a:r>
+            <a:r>
+              <a:rPr lang="en-US" dirty="0" err="1" smtClean="0"/>
+              <a:t>Odometry</a:t>
+            </a:r>
+            <a:r>
+              <a:rPr lang="en-US" dirty="0" smtClean="0"/>
+              <a:t> data we use to move the robot. While the </a:t>
+            </a:r>
+            <a:r>
+              <a:rPr lang="en-US" b="1" dirty="0" smtClean="0"/>
+              <a:t>/base link </a:t>
+            </a:r>
+            <a:r>
+              <a:rPr lang="en-US" dirty="0" smtClean="0"/>
+              <a:t>frame corresponds to a real physical part of Controlling a Mobile Base robot, the </a:t>
+            </a:r>
+            <a:r>
+              <a:rPr lang="en-US" b="1" dirty="0" smtClean="0"/>
+              <a:t>/</a:t>
+            </a:r>
+            <a:r>
+              <a:rPr lang="en-US" b="1" dirty="0" err="1" smtClean="0"/>
+              <a:t>odom</a:t>
+            </a:r>
+            <a:r>
+              <a:rPr lang="en-US" b="1" dirty="0" smtClean="0"/>
+              <a:t> </a:t>
+            </a:r>
+            <a:r>
+              <a:rPr lang="en-US" dirty="0" smtClean="0"/>
+              <a:t>frame is defined by the translations and rotations encapsulated in the </a:t>
+            </a:r>
+            <a:r>
+              <a:rPr lang="en-US" dirty="0" err="1" smtClean="0"/>
+              <a:t>odometry</a:t>
+            </a:r>
+            <a:r>
+              <a:rPr lang="en-US" dirty="0" smtClean="0"/>
+              <a:t> data. </a:t>
+            </a:r>
+            <a:endParaRPr lang="en-US" dirty="0"/>
+          </a:p>
+        </p:txBody>
+      </p:sp>
+    </p:spTree>
+    <p:extLst>
+      <p:ext uri="{BB962C8B-B14F-4D97-AF65-F5344CB8AC3E}">
+        <p14:creationId xmlns="" xmlns:p14="http://schemas.microsoft.com/office/powerpoint/2010/main" val="827552370"/>
+      </p:ext>
+    </p:extLst>
+  </p:cSld>
+  <p:clrMapOvr>
+    <a:masterClrMapping/>
+  </p:clrMapOvr>
+</p:sld>
+</file>
+
+<file path=ppt/slides/slide9.xml><?xml version="1.0" encoding="utf-8"?>
+<p:sld xmlns:a="http://schemas.openxmlformats.org/drawingml/2006/main" xmlns:r="http://schemas.openxmlformats.org/officeDocument/2006/relationships" xmlns:p="http://schemas.openxmlformats.org/presentationml/2006/main">
+  <p:cSld>
+    <p:spTree>
+      <p:nvGrpSpPr>
+        <p:cNvPr id="1" name=""/>
+        <p:cNvGrpSpPr/>
+        <p:nvPr/>
+      </p:nvGrpSpPr>
+      <p:grpSpPr>
+        <a:xfrm>
+          <a:off x="0" y="0"/>
+          <a:ext cx="0" cy="0"/>
+          <a:chOff x="0" y="0"/>
+          <a:chExt cx="0" cy="0"/>
+        </a:xfrm>
+      </p:grpSpPr>
+      <p:sp>
+        <p:nvSpPr>
+          <p:cNvPr id="2" name="Titre 1"/>
+          <p:cNvSpPr>
+            <a:spLocks noGrp="1"/>
+          </p:cNvSpPr>
+          <p:nvPr>
+            <p:ph type="ctrTitle"/>
+          </p:nvPr>
+        </p:nvSpPr>
+        <p:spPr>
+          <a:xfrm>
+            <a:off x="228603" y="279400"/>
+            <a:ext cx="9189720" cy="749300"/>
+          </a:xfrm>
+        </p:spPr>
+        <p:txBody>
+          <a:bodyPr>
+            <a:noAutofit/>
+          </a:bodyPr>
+          <a:lstStyle/>
+          <a:p>
+            <a:r>
+              <a:rPr lang="en-US" sz="2800" dirty="0" smtClean="0"/>
+              <a:t>Goal 3 : Navigating a Square using </a:t>
+            </a:r>
+            <a:r>
+              <a:rPr lang="en-US" sz="2800" dirty="0" err="1" smtClean="0"/>
+              <a:t>Twist+Odometry</a:t>
+            </a:r>
+            <a:endParaRPr lang="fr-FR" sz="2800" dirty="0"/>
+          </a:p>
+        </p:txBody>
+      </p:sp>
+      <p:sp>
+        <p:nvSpPr>
+          <p:cNvPr id="5" name="Rectangle 4"/>
+          <p:cNvSpPr/>
+          <p:nvPr/>
+        </p:nvSpPr>
+        <p:spPr>
+          <a:xfrm>
+            <a:off x="570232" y="1148141"/>
+            <a:ext cx="5463541" cy="1169551"/>
+          </a:xfrm>
+          <a:prstGeom prst="rect">
+            <a:avLst/>
+          </a:prstGeom>
+        </p:spPr>
+        <p:txBody>
+          <a:bodyPr wrap="square">
+            <a:spAutoFit/>
+          </a:bodyPr>
+          <a:lstStyle/>
+          <a:p>
+            <a:r>
               <a:rPr lang="en-US" sz="1400" dirty="0" smtClean="0"/>
-              <a:t>The </a:t>
-            </a:r>
-            <a:r>
-              <a:rPr lang="en-US" sz="1400" dirty="0" err="1" smtClean="0"/>
-              <a:t>nav</a:t>
+              <a:t>The difference </a:t>
             </a:r>
             <a:r>
               <a:rPr lang="en-US" sz="1400" dirty="0" smtClean="0"/>
-              <a:t> square.py algorithm is nearly identical to the </a:t>
+              <a:t>is that it we now send the robot along four 1 meter legs using 90 degree rotations instead of two 1 meter</a:t>
+            </a:r>
+          </a:p>
+          <a:p>
+            <a:r>
+              <a:rPr lang="en-US" sz="1400" dirty="0" smtClean="0"/>
+              <a:t>legs using 180 rotations.</a:t>
+            </a:r>
+          </a:p>
+          <a:p>
+            <a:r>
+              <a:rPr lang="en-US" sz="1400" dirty="0" smtClean="0"/>
+              <a:t>At the end of the run, we can see that the errors accumulated in </a:t>
             </a:r>
             <a:r>
               <a:rPr lang="en-US" sz="1400" dirty="0" err="1" smtClean="0"/>
@@ -10599,37 +13273,7 @@
             </a:r>
             <a:r>
               <a:rPr lang="en-US" sz="1400" dirty="0" smtClean="0"/>
-              <a:t>-based out-and-back algorithm. The only</a:t>
-            </a:r>
-          </a:p>
-          <a:p>
-            <a:r>
-              <a:rPr lang="en-US" sz="1400" dirty="0" smtClean="0"/>
-              <a:t>difference is that it we now send the robot along four 1 meter legs using 90 degree rotations instead of two 1 meter</a:t>
-            </a:r>
-          </a:p>
-          <a:p>
-            <a:r>
-              <a:rPr lang="en-US" sz="1400" dirty="0" smtClean="0"/>
-              <a:t>legs using 180 rotations.</a:t>
-            </a:r>
-          </a:p>
-          <a:p>
-            <a:r>
-              <a:rPr lang="en-US" sz="1400" dirty="0" smtClean="0"/>
-              <a:t>At the end of the run, we can see that the errors accumulated in </a:t>
-            </a:r>
-            <a:r>
-              <a:rPr lang="en-US" sz="1400" dirty="0" err="1" smtClean="0"/>
-              <a:t>odometry</a:t>
-            </a:r>
-            <a:r>
-              <a:rPr lang="en-US" sz="1400" dirty="0" smtClean="0"/>
-              <a:t> are visible, it didn’t move in a </a:t>
-            </a:r>
-            <a:r>
-              <a:rPr lang="en-US" sz="1400" dirty="0" smtClean="0"/>
-              <a:t>perfect square.</a:t>
+              <a:t> are visible, it didn’t move in a perfect square.</a:t>
             </a:r>
             <a:endParaRPr lang="en-US" sz="1050" dirty="0"/>
           </a:p>
@@ -10664,3659 +13308,7 @@
     </p:spTree>
     <p:extLst>
       <p:ext uri="{BB962C8B-B14F-4D97-AF65-F5344CB8AC3E}">
-        <p14:creationId xmlns:p14="http://schemas.microsoft.com/office/powerpoint/2010/main" xmlns="" val="827552370"/>
-      </p:ext>
-    </p:extLst>
-  </p:cSld>
-  <p:clrMapOvr>
-    <a:masterClrMapping/>
-  </p:clrMapOvr>
-</p:sld>
-</file>
-
-<file path=ppt/slides/slide12.xml><?xml version="1.0" encoding="utf-8"?>
-<p:sld xmlns:a="http://schemas.openxmlformats.org/drawingml/2006/main" xmlns:r="http://schemas.openxmlformats.org/officeDocument/2006/relationships" xmlns:p="http://schemas.openxmlformats.org/presentationml/2006/main">
-  <p:cSld>
-    <p:spTree>
-      <p:nvGrpSpPr>
-        <p:cNvPr id="1" name=""/>
-        <p:cNvGrpSpPr/>
-        <p:nvPr/>
-      </p:nvGrpSpPr>
-      <p:grpSpPr>
-        <a:xfrm>
-          <a:off x="0" y="0"/>
-          <a:ext cx="0" cy="0"/>
-          <a:chOff x="0" y="0"/>
-          <a:chExt cx="0" cy="0"/>
-        </a:xfrm>
-      </p:grpSpPr>
-      <p:sp>
-        <p:nvSpPr>
-          <p:cNvPr id="2" name="Titre 1"/>
-          <p:cNvSpPr>
-            <a:spLocks noGrp="1"/>
-          </p:cNvSpPr>
-          <p:nvPr>
-            <p:ph type="ctrTitle"/>
-          </p:nvPr>
-        </p:nvSpPr>
-        <p:spPr>
-          <a:xfrm>
-            <a:off x="228603" y="279400"/>
-            <a:ext cx="9189720" cy="749300"/>
-          </a:xfrm>
-        </p:spPr>
-        <p:txBody>
-          <a:bodyPr>
-            <a:noAutofit/>
-          </a:bodyPr>
-          <a:lstStyle/>
-          <a:p>
-            <a:r>
-              <a:rPr lang="en-US" sz="2800" b="1" dirty="0" smtClean="0"/>
-              <a:t>Goal </a:t>
-            </a:r>
-            <a:r>
-              <a:rPr lang="en-US" sz="2800" b="1" dirty="0" smtClean="0"/>
-              <a:t>4: </a:t>
-            </a:r>
-            <a:r>
-              <a:rPr lang="en-US" sz="2800" b="1" dirty="0" smtClean="0"/>
-              <a:t>Navigation with Path Planning -&gt; </a:t>
-            </a:r>
-            <a:r>
-              <a:rPr lang="en-US" sz="2800" b="1" dirty="0" err="1" smtClean="0"/>
-              <a:t>move_base</a:t>
-            </a:r>
-            <a:endParaRPr lang="fr-FR" sz="2800" b="1" dirty="0"/>
-          </a:p>
-        </p:txBody>
-      </p:sp>
-      <p:pic>
-        <p:nvPicPr>
-          <p:cNvPr id="6" name="Picture 2" descr="attachment:overview_tf.png"/>
-          <p:cNvPicPr>
-            <a:picLocks noChangeAspect="1" noChangeArrowheads="1"/>
-          </p:cNvPicPr>
-          <p:nvPr/>
-        </p:nvPicPr>
-        <p:blipFill>
-          <a:blip r:embed="rId2"/>
-          <a:srcRect/>
-          <a:stretch>
-            <a:fillRect/>
-          </a:stretch>
-        </p:blipFill>
-        <p:spPr bwMode="auto">
-          <a:xfrm>
-            <a:off x="431800" y="1185862"/>
-            <a:ext cx="9799251" cy="4452937"/>
-          </a:xfrm>
-          <a:prstGeom prst="rect">
-            <a:avLst/>
-          </a:prstGeom>
-          <a:noFill/>
-        </p:spPr>
-      </p:pic>
-      <p:sp>
-        <p:nvSpPr>
-          <p:cNvPr id="7" name="Rectangle 6"/>
-          <p:cNvSpPr/>
-          <p:nvPr/>
-        </p:nvSpPr>
-        <p:spPr>
-          <a:xfrm>
-            <a:off x="558800" y="5701437"/>
-            <a:ext cx="9626600" cy="1200329"/>
-          </a:xfrm>
-          <a:prstGeom prst="rect">
-            <a:avLst/>
-          </a:prstGeom>
-        </p:spPr>
-        <p:txBody>
-          <a:bodyPr wrap="square">
-            <a:spAutoFit/>
-          </a:bodyPr>
-          <a:lstStyle/>
-          <a:p>
-            <a:r>
-              <a:rPr lang="en-US" dirty="0" smtClean="0"/>
-              <a:t>This package includes a node also called </a:t>
-            </a:r>
-            <a:r>
-              <a:rPr lang="en-US" b="1" dirty="0" err="1" smtClean="0"/>
-              <a:t>move_base</a:t>
-            </a:r>
-            <a:r>
-              <a:rPr lang="en-US" dirty="0" smtClean="0"/>
-              <a:t>, which subscribes to the topic </a:t>
-            </a:r>
-            <a:r>
-              <a:rPr lang="en-US" b="1" dirty="0" smtClean="0"/>
-              <a:t>/map </a:t>
-            </a:r>
-            <a:r>
-              <a:rPr lang="en-US" dirty="0" smtClean="0"/>
-              <a:t>of the node </a:t>
-            </a:r>
-            <a:r>
-              <a:rPr lang="en-US" b="1" dirty="0" err="1" smtClean="0"/>
-              <a:t>map_server</a:t>
-            </a:r>
-            <a:r>
-              <a:rPr lang="en-US" dirty="0" smtClean="0"/>
-              <a:t>, and to other topics as </a:t>
-            </a:r>
-            <a:r>
-              <a:rPr lang="en-US" b="1" dirty="0" smtClean="0"/>
-              <a:t>/</a:t>
-            </a:r>
-            <a:r>
-              <a:rPr lang="en-US" b="1" dirty="0" err="1" smtClean="0"/>
-              <a:t>odom</a:t>
-            </a:r>
-            <a:r>
-              <a:rPr lang="en-US" dirty="0" smtClean="0"/>
-              <a:t>, </a:t>
-            </a:r>
-            <a:r>
-              <a:rPr lang="en-US" b="1" dirty="0" smtClean="0"/>
-              <a:t>/</a:t>
-            </a:r>
-            <a:r>
-              <a:rPr lang="en-US" b="1" dirty="0" err="1" smtClean="0"/>
-              <a:t>tf</a:t>
-            </a:r>
-            <a:r>
-              <a:rPr lang="en-US" b="1" dirty="0" smtClean="0"/>
-              <a:t> </a:t>
-            </a:r>
-            <a:r>
-              <a:rPr lang="en-US" dirty="0" smtClean="0"/>
-              <a:t>(sensor transforms) and to the probabilistic localization system </a:t>
-            </a:r>
-            <a:r>
-              <a:rPr lang="en-US" dirty="0" err="1" smtClean="0"/>
-              <a:t>amcl</a:t>
-            </a:r>
-            <a:r>
-              <a:rPr lang="en-US" dirty="0" smtClean="0"/>
-              <a:t> (adaptive Monte Carlo localization approach), to control the robot </a:t>
-            </a:r>
-            <a:r>
-              <a:rPr lang="en-US" dirty="0" smtClean="0"/>
-              <a:t>movement and publishes to /</a:t>
-            </a:r>
-            <a:r>
-              <a:rPr lang="en-US" dirty="0" err="1" smtClean="0"/>
-              <a:t>cmd_vel</a:t>
-            </a:r>
-            <a:r>
-              <a:rPr lang="en-US" dirty="0" smtClean="0"/>
-              <a:t> topic</a:t>
-            </a:r>
-            <a:endParaRPr lang="en-US" dirty="0"/>
-          </a:p>
-        </p:txBody>
-      </p:sp>
-    </p:spTree>
-    <p:extLst>
-      <p:ext uri="{BB962C8B-B14F-4D97-AF65-F5344CB8AC3E}">
-        <p14:creationId xmlns:p14="http://schemas.microsoft.com/office/powerpoint/2010/main" xmlns="" val="827552370"/>
-      </p:ext>
-    </p:extLst>
-  </p:cSld>
-  <p:clrMapOvr>
-    <a:masterClrMapping/>
-  </p:clrMapOvr>
-</p:sld>
-</file>
-
-<file path=ppt/slides/slide13.xml><?xml version="1.0" encoding="utf-8"?>
-<p:sld xmlns:a="http://schemas.openxmlformats.org/drawingml/2006/main" xmlns:r="http://schemas.openxmlformats.org/officeDocument/2006/relationships" xmlns:p="http://schemas.openxmlformats.org/presentationml/2006/main">
-  <p:cSld>
-    <p:spTree>
-      <p:nvGrpSpPr>
-        <p:cNvPr id="1" name=""/>
-        <p:cNvGrpSpPr/>
-        <p:nvPr/>
-      </p:nvGrpSpPr>
-      <p:grpSpPr>
-        <a:xfrm>
-          <a:off x="0" y="0"/>
-          <a:ext cx="0" cy="0"/>
-          <a:chOff x="0" y="0"/>
-          <a:chExt cx="0" cy="0"/>
-        </a:xfrm>
-      </p:grpSpPr>
-      <p:sp>
-        <p:nvSpPr>
-          <p:cNvPr id="2" name="Titre 1"/>
-          <p:cNvSpPr>
-            <a:spLocks noGrp="1"/>
-          </p:cNvSpPr>
-          <p:nvPr>
-            <p:ph type="ctrTitle"/>
-          </p:nvPr>
-        </p:nvSpPr>
-        <p:spPr>
-          <a:xfrm>
-            <a:off x="228603" y="279400"/>
-            <a:ext cx="9189720" cy="749300"/>
-          </a:xfrm>
-        </p:spPr>
-        <p:txBody>
-          <a:bodyPr>
-            <a:noAutofit/>
-          </a:bodyPr>
-          <a:lstStyle/>
-          <a:p>
-            <a:r>
-              <a:rPr lang="en-US" sz="2800" b="1" dirty="0" smtClean="0"/>
-              <a:t>Goal </a:t>
-            </a:r>
-            <a:r>
-              <a:rPr lang="en-US" sz="2800" b="1" dirty="0" smtClean="0"/>
-              <a:t>4: </a:t>
-            </a:r>
-            <a:r>
-              <a:rPr lang="en-US" sz="2800" b="1" dirty="0" smtClean="0"/>
-              <a:t>Navigation with Path Planning -&gt; </a:t>
-            </a:r>
-            <a:r>
-              <a:rPr lang="en-US" sz="2800" b="1" dirty="0" err="1" smtClean="0"/>
-              <a:t>move_base</a:t>
-            </a:r>
-            <a:endParaRPr lang="fr-FR" sz="2800" b="1" dirty="0"/>
-          </a:p>
-        </p:txBody>
-      </p:sp>
-      <p:sp>
-        <p:nvSpPr>
-          <p:cNvPr id="4" name="Rectangle 3"/>
-          <p:cNvSpPr/>
-          <p:nvPr/>
-        </p:nvSpPr>
-        <p:spPr>
-          <a:xfrm>
-            <a:off x="825500" y="1282700"/>
-            <a:ext cx="7404100" cy="3139321"/>
-          </a:xfrm>
-          <a:prstGeom prst="rect">
-            <a:avLst/>
-          </a:prstGeom>
-        </p:spPr>
-        <p:txBody>
-          <a:bodyPr wrap="square">
-            <a:spAutoFit/>
-          </a:bodyPr>
-          <a:lstStyle/>
-          <a:p>
-            <a:r>
-              <a:rPr lang="en-US" dirty="0" smtClean="0"/>
-              <a:t>Move base nodes requires four configuration files before it can run. These files defines a number of parameters related to the cost of running into obstacle, the radius of the robot, the range of velocities, the resolution of the map, the robot base </a:t>
-            </a:r>
-            <a:r>
-              <a:rPr lang="en-US" dirty="0" smtClean="0"/>
-              <a:t>frame and </a:t>
-            </a:r>
-            <a:r>
-              <a:rPr lang="en-US" dirty="0" smtClean="0"/>
-              <a:t>how far the path planner should look.</a:t>
-            </a:r>
-          </a:p>
-          <a:p>
-            <a:endParaRPr lang="en-US" dirty="0" smtClean="0"/>
-          </a:p>
-          <a:p>
-            <a:r>
-              <a:rPr lang="en-US" dirty="0" smtClean="0"/>
-              <a:t>The </a:t>
-            </a:r>
-            <a:r>
-              <a:rPr lang="en-US" dirty="0" smtClean="0"/>
-              <a:t>four configuration files can be found in the </a:t>
-            </a:r>
-            <a:r>
-              <a:rPr lang="en-US" dirty="0" err="1" smtClean="0"/>
-              <a:t>config</a:t>
-            </a:r>
-            <a:r>
-              <a:rPr lang="en-US" dirty="0" smtClean="0"/>
-              <a:t> subdirectory of the rbx1 </a:t>
-            </a:r>
-            <a:r>
-              <a:rPr lang="en-US" dirty="0" err="1" smtClean="0"/>
-              <a:t>nav</a:t>
-            </a:r>
-            <a:r>
-              <a:rPr lang="en-US" dirty="0" smtClean="0"/>
-              <a:t> package and are called:</a:t>
-            </a:r>
-          </a:p>
-          <a:p>
-            <a:r>
-              <a:rPr lang="en-US" dirty="0" smtClean="0"/>
-              <a:t>- base local planner </a:t>
-            </a:r>
-            <a:r>
-              <a:rPr lang="en-US" dirty="0" err="1" smtClean="0"/>
-              <a:t>params.yaml</a:t>
-            </a:r>
-            <a:endParaRPr lang="en-US" dirty="0" smtClean="0"/>
-          </a:p>
-          <a:p>
-            <a:r>
-              <a:rPr lang="en-US" dirty="0" smtClean="0"/>
-              <a:t>- </a:t>
-            </a:r>
-            <a:r>
-              <a:rPr lang="en-US" dirty="0" err="1" smtClean="0"/>
-              <a:t>costmap</a:t>
-            </a:r>
-            <a:r>
-              <a:rPr lang="en-US" dirty="0" smtClean="0"/>
-              <a:t> common </a:t>
-            </a:r>
-            <a:r>
-              <a:rPr lang="en-US" dirty="0" err="1" smtClean="0"/>
-              <a:t>params.yaml</a:t>
-            </a:r>
-            <a:endParaRPr lang="en-US" dirty="0" smtClean="0"/>
-          </a:p>
-          <a:p>
-            <a:r>
-              <a:rPr lang="en-US" dirty="0" smtClean="0"/>
-              <a:t>- global </a:t>
-            </a:r>
-            <a:r>
-              <a:rPr lang="en-US" dirty="0" err="1" smtClean="0"/>
-              <a:t>costmap</a:t>
-            </a:r>
-            <a:r>
-              <a:rPr lang="en-US" dirty="0" smtClean="0"/>
-              <a:t> </a:t>
-            </a:r>
-            <a:r>
-              <a:rPr lang="en-US" dirty="0" err="1" smtClean="0"/>
-              <a:t>params.yaml</a:t>
-            </a:r>
-            <a:r>
-              <a:rPr lang="en-US" dirty="0" smtClean="0"/>
-              <a:t> </a:t>
-            </a:r>
-          </a:p>
-          <a:p>
-            <a:r>
-              <a:rPr lang="en-US" dirty="0" smtClean="0"/>
-              <a:t>- local </a:t>
-            </a:r>
-            <a:r>
-              <a:rPr lang="en-US" dirty="0" err="1" smtClean="0"/>
-              <a:t>costmap</a:t>
-            </a:r>
-            <a:r>
-              <a:rPr lang="en-US" dirty="0" smtClean="0"/>
-              <a:t> </a:t>
-            </a:r>
-            <a:r>
-              <a:rPr lang="en-US" dirty="0" err="1" smtClean="0"/>
-              <a:t>params.yaml</a:t>
-            </a:r>
-            <a:endParaRPr lang="en-US" dirty="0" smtClean="0"/>
-          </a:p>
-        </p:txBody>
-      </p:sp>
-      <p:pic>
-        <p:nvPicPr>
-          <p:cNvPr id="55298" name="Picture 2" descr="C:\Users\EpicFailure\Desktop\bsc2\Robotic Engineering 2 (ROS)\Report\images\move_base_square.jpg"/>
-          <p:cNvPicPr>
-            <a:picLocks noChangeAspect="1" noChangeArrowheads="1"/>
-          </p:cNvPicPr>
-          <p:nvPr/>
-        </p:nvPicPr>
-        <p:blipFill>
-          <a:blip r:embed="rId2" cstate="print"/>
-          <a:srcRect/>
-          <a:stretch>
-            <a:fillRect/>
-          </a:stretch>
-        </p:blipFill>
-        <p:spPr bwMode="auto">
-          <a:xfrm>
-            <a:off x="6537430" y="3238500"/>
-            <a:ext cx="3838470" cy="2930524"/>
-          </a:xfrm>
-          <a:prstGeom prst="rect">
-            <a:avLst/>
-          </a:prstGeom>
-          <a:noFill/>
-        </p:spPr>
-      </p:pic>
-    </p:spTree>
-    <p:extLst>
-      <p:ext uri="{BB962C8B-B14F-4D97-AF65-F5344CB8AC3E}">
-        <p14:creationId xmlns:p14="http://schemas.microsoft.com/office/powerpoint/2010/main" xmlns="" val="827552370"/>
-      </p:ext>
-    </p:extLst>
-  </p:cSld>
-  <p:clrMapOvr>
-    <a:masterClrMapping/>
-  </p:clrMapOvr>
-</p:sld>
-</file>
-
-<file path=ppt/slides/slide14.xml><?xml version="1.0" encoding="utf-8"?>
-<p:sld xmlns:a="http://schemas.openxmlformats.org/drawingml/2006/main" xmlns:r="http://schemas.openxmlformats.org/officeDocument/2006/relationships" xmlns:p="http://schemas.openxmlformats.org/presentationml/2006/main">
-  <p:cSld>
-    <p:spTree>
-      <p:nvGrpSpPr>
-        <p:cNvPr id="1" name=""/>
-        <p:cNvGrpSpPr/>
-        <p:nvPr/>
-      </p:nvGrpSpPr>
-      <p:grpSpPr>
-        <a:xfrm>
-          <a:off x="0" y="0"/>
-          <a:ext cx="0" cy="0"/>
-          <a:chOff x="0" y="0"/>
-          <a:chExt cx="0" cy="0"/>
-        </a:xfrm>
-      </p:grpSpPr>
-      <p:sp>
-        <p:nvSpPr>
-          <p:cNvPr id="2" name="Titre 1"/>
-          <p:cNvSpPr>
-            <a:spLocks noGrp="1"/>
-          </p:cNvSpPr>
-          <p:nvPr>
-            <p:ph type="ctrTitle"/>
-          </p:nvPr>
-        </p:nvSpPr>
-        <p:spPr>
-          <a:xfrm>
-            <a:off x="228603" y="279400"/>
-            <a:ext cx="9189720" cy="749300"/>
-          </a:xfrm>
-        </p:spPr>
-        <p:txBody>
-          <a:bodyPr>
-            <a:noAutofit/>
-          </a:bodyPr>
-          <a:lstStyle/>
-          <a:p>
-            <a:r>
-              <a:rPr lang="en-US" sz="2800" b="1" dirty="0" smtClean="0"/>
-              <a:t>Goal </a:t>
-            </a:r>
-            <a:r>
-              <a:rPr lang="en-US" sz="2800" b="1" dirty="0" smtClean="0"/>
-              <a:t>4: </a:t>
-            </a:r>
-            <a:r>
-              <a:rPr lang="en-US" sz="2800" b="1" dirty="0" smtClean="0"/>
-              <a:t>Navigation with Path Planning -&gt; </a:t>
-            </a:r>
-            <a:r>
-              <a:rPr lang="en-US" sz="2800" b="1" dirty="0" err="1" smtClean="0"/>
-              <a:t>move_base</a:t>
-            </a:r>
-            <a:endParaRPr lang="fr-FR" sz="2800" b="1" dirty="0"/>
-          </a:p>
-        </p:txBody>
-      </p:sp>
-      <p:sp>
-        <p:nvSpPr>
-          <p:cNvPr id="4" name="Rectangle 3"/>
-          <p:cNvSpPr/>
-          <p:nvPr/>
-        </p:nvSpPr>
-        <p:spPr>
-          <a:xfrm>
-            <a:off x="508000" y="1206500"/>
-            <a:ext cx="7404100" cy="3139321"/>
-          </a:xfrm>
-          <a:prstGeom prst="rect">
-            <a:avLst/>
-          </a:prstGeom>
-        </p:spPr>
-        <p:txBody>
-          <a:bodyPr wrap="square">
-            <a:spAutoFit/>
-          </a:bodyPr>
-          <a:lstStyle/>
-          <a:p>
-            <a:r>
-              <a:rPr lang="en-US" dirty="0" smtClean="0"/>
-              <a:t>The </a:t>
-            </a:r>
-            <a:r>
-              <a:rPr lang="en-US" dirty="0" err="1" smtClean="0"/>
-              <a:t>move_base</a:t>
-            </a:r>
-            <a:r>
-              <a:rPr lang="en-US" dirty="0" smtClean="0"/>
-              <a:t> package, which includes a path planner and is linked to the </a:t>
-            </a:r>
-            <a:r>
-              <a:rPr lang="en-US" b="1" dirty="0" err="1" smtClean="0"/>
-              <a:t>base_local_planner</a:t>
-            </a:r>
-            <a:r>
-              <a:rPr lang="en-US" dirty="0" smtClean="0"/>
-              <a:t>, a package that uses </a:t>
-            </a:r>
-            <a:r>
-              <a:rPr lang="en-US" b="1" dirty="0" err="1" smtClean="0"/>
-              <a:t>odometry</a:t>
-            </a:r>
-            <a:r>
-              <a:rPr lang="en-US" dirty="0" smtClean="0"/>
-              <a:t> besides </a:t>
-            </a:r>
-            <a:r>
-              <a:rPr lang="en-US" b="1" dirty="0" smtClean="0"/>
-              <a:t>global and local cost maps </a:t>
-            </a:r>
-            <a:r>
-              <a:rPr lang="en-US" dirty="0" smtClean="0"/>
-              <a:t>to define the path. With the </a:t>
-            </a:r>
-            <a:r>
-              <a:rPr lang="en-US" b="1" dirty="0" err="1" smtClean="0"/>
-              <a:t>move_base</a:t>
-            </a:r>
-            <a:r>
-              <a:rPr lang="en-US" dirty="0" smtClean="0"/>
-              <a:t> package it is possible to set a target position and orientation of the robot using a reference frame, and it will try to move the robot to the goal avoiding obstacles</a:t>
-            </a:r>
-            <a:r>
-              <a:rPr lang="en-US" dirty="0" smtClean="0"/>
-              <a:t>.</a:t>
-            </a:r>
-          </a:p>
-          <a:p>
-            <a:endParaRPr lang="en-US" dirty="0" smtClean="0"/>
-          </a:p>
-          <a:p>
-            <a:r>
-              <a:rPr lang="en-US" dirty="0" smtClean="0"/>
-              <a:t>The </a:t>
-            </a:r>
-            <a:r>
-              <a:rPr lang="en-US" dirty="0" err="1" smtClean="0"/>
-              <a:t>move_base</a:t>
-            </a:r>
-            <a:r>
-              <a:rPr lang="en-US" dirty="0" smtClean="0"/>
-              <a:t> package uses messages of type </a:t>
-            </a:r>
-            <a:r>
-              <a:rPr lang="en-US" b="1" dirty="0" err="1" smtClean="0"/>
-              <a:t>MoveBaseActionGoal</a:t>
-            </a:r>
-            <a:r>
-              <a:rPr lang="en-US" dirty="0" smtClean="0"/>
-              <a:t> and includes sub-messages of type </a:t>
-            </a:r>
-            <a:r>
-              <a:rPr lang="en-US" b="1" dirty="0" err="1" smtClean="0"/>
-              <a:t>PoseStamped</a:t>
-            </a:r>
-            <a:r>
-              <a:rPr lang="en-US" dirty="0" smtClean="0"/>
-              <a:t>. This type of sub-message encompass a header and a pose, which contains a </a:t>
-            </a:r>
-            <a:r>
-              <a:rPr lang="en-US" b="1" dirty="0" smtClean="0"/>
-              <a:t>position</a:t>
-            </a:r>
-            <a:r>
-              <a:rPr lang="en-US" dirty="0" smtClean="0"/>
-              <a:t> and an </a:t>
-            </a:r>
-            <a:r>
-              <a:rPr lang="en-US" b="1" dirty="0" smtClean="0"/>
-              <a:t>orientation</a:t>
-            </a:r>
-            <a:r>
-              <a:rPr lang="en-US" dirty="0" smtClean="0"/>
-              <a:t>, given by a point of coordinates x, y, z and a quaternion of coordinates x, y, z, w, respectively.</a:t>
-            </a:r>
-          </a:p>
-        </p:txBody>
-      </p:sp>
-      <p:sp>
-        <p:nvSpPr>
-          <p:cNvPr id="5" name="Rectangle 4"/>
-          <p:cNvSpPr/>
-          <p:nvPr/>
-        </p:nvSpPr>
-        <p:spPr>
-          <a:xfrm>
-            <a:off x="7772400" y="2216646"/>
-            <a:ext cx="2933700" cy="4339650"/>
-          </a:xfrm>
-          <a:prstGeom prst="rect">
-            <a:avLst/>
-          </a:prstGeom>
-        </p:spPr>
-        <p:txBody>
-          <a:bodyPr wrap="square">
-            <a:spAutoFit/>
-          </a:bodyPr>
-          <a:lstStyle/>
-          <a:p>
-            <a:r>
-              <a:rPr lang="en-US" sz="1200" dirty="0" smtClean="0"/>
-              <a:t>Header </a:t>
-            </a:r>
-            <a:r>
-              <a:rPr lang="en-US" sz="1200" dirty="0" err="1" smtClean="0"/>
-              <a:t>header</a:t>
-            </a:r>
-            <a:r>
-              <a:rPr lang="en-US" sz="1200" dirty="0" smtClean="0"/>
-              <a:t> </a:t>
-            </a:r>
-          </a:p>
-          <a:p>
-            <a:r>
-              <a:rPr lang="en-US" sz="1200" dirty="0" smtClean="0"/>
-              <a:t>uint32 </a:t>
-            </a:r>
-            <a:r>
-              <a:rPr lang="en-US" sz="1200" dirty="0" err="1" smtClean="0"/>
-              <a:t>seq</a:t>
-            </a:r>
-            <a:r>
-              <a:rPr lang="en-US" sz="1200" dirty="0" smtClean="0"/>
-              <a:t> </a:t>
-            </a:r>
-          </a:p>
-          <a:p>
-            <a:r>
-              <a:rPr lang="en-US" sz="1200" dirty="0" smtClean="0"/>
-              <a:t>time stamp </a:t>
-            </a:r>
-          </a:p>
-          <a:p>
-            <a:r>
-              <a:rPr lang="en-US" sz="1200" dirty="0" smtClean="0"/>
-              <a:t>string </a:t>
-            </a:r>
-            <a:r>
-              <a:rPr lang="en-US" sz="1200" dirty="0" err="1" smtClean="0"/>
-              <a:t>frame_id</a:t>
-            </a:r>
-            <a:r>
-              <a:rPr lang="en-US" sz="1200" dirty="0" smtClean="0"/>
-              <a:t> </a:t>
-            </a:r>
-          </a:p>
-          <a:p>
-            <a:r>
-              <a:rPr lang="en-US" sz="1200" dirty="0" err="1" smtClean="0"/>
-              <a:t>actionlib_msgs</a:t>
-            </a:r>
-            <a:r>
-              <a:rPr lang="en-US" sz="1200" dirty="0" smtClean="0"/>
-              <a:t>/</a:t>
-            </a:r>
-            <a:r>
-              <a:rPr lang="en-US" sz="1200" dirty="0" err="1" smtClean="0"/>
-              <a:t>GoalID</a:t>
-            </a:r>
-            <a:r>
-              <a:rPr lang="en-US" sz="1200" dirty="0" smtClean="0"/>
-              <a:t> </a:t>
-            </a:r>
-            <a:r>
-              <a:rPr lang="en-US" sz="1200" dirty="0" err="1" smtClean="0"/>
-              <a:t>goal_id</a:t>
-            </a:r>
-            <a:r>
-              <a:rPr lang="en-US" sz="1200" dirty="0" smtClean="0"/>
-              <a:t> </a:t>
-            </a:r>
-          </a:p>
-          <a:p>
-            <a:r>
-              <a:rPr lang="en-US" sz="1200" dirty="0" smtClean="0"/>
-              <a:t>time stamp </a:t>
-            </a:r>
-          </a:p>
-          <a:p>
-            <a:r>
-              <a:rPr lang="en-US" sz="1200" dirty="0" smtClean="0"/>
-              <a:t>string id </a:t>
-            </a:r>
-          </a:p>
-          <a:p>
-            <a:r>
-              <a:rPr lang="en-US" sz="1200" dirty="0" err="1" smtClean="0"/>
-              <a:t>move_base_msgs</a:t>
-            </a:r>
-            <a:r>
-              <a:rPr lang="en-US" sz="1200" dirty="0" smtClean="0"/>
-              <a:t>/</a:t>
-            </a:r>
-            <a:r>
-              <a:rPr lang="en-US" sz="1200" dirty="0" err="1" smtClean="0"/>
-              <a:t>MoveBaseGoal</a:t>
-            </a:r>
-            <a:r>
-              <a:rPr lang="en-US" sz="1200" dirty="0" smtClean="0"/>
-              <a:t> goal </a:t>
-            </a:r>
-          </a:p>
-          <a:p>
-            <a:r>
-              <a:rPr lang="en-US" sz="1200" dirty="0" err="1" smtClean="0"/>
-              <a:t>geometry_msgs</a:t>
-            </a:r>
-            <a:r>
-              <a:rPr lang="en-US" sz="1200" dirty="0" smtClean="0"/>
-              <a:t>/</a:t>
-            </a:r>
-            <a:r>
-              <a:rPr lang="en-US" sz="1200" dirty="0" err="1" smtClean="0"/>
-              <a:t>PoseStamped</a:t>
-            </a:r>
-            <a:r>
-              <a:rPr lang="en-US" sz="1200" dirty="0" smtClean="0"/>
-              <a:t> </a:t>
-            </a:r>
-            <a:r>
-              <a:rPr lang="en-US" sz="1200" dirty="0" err="1" smtClean="0"/>
-              <a:t>target_pose</a:t>
-            </a:r>
-            <a:r>
-              <a:rPr lang="en-US" sz="1200" dirty="0" smtClean="0"/>
-              <a:t> </a:t>
-            </a:r>
-          </a:p>
-          <a:p>
-            <a:r>
-              <a:rPr lang="en-US" sz="1200" dirty="0" smtClean="0"/>
-              <a:t>Header </a:t>
-            </a:r>
-            <a:r>
-              <a:rPr lang="en-US" sz="1200" dirty="0" err="1" smtClean="0"/>
-              <a:t>header</a:t>
-            </a:r>
-            <a:r>
-              <a:rPr lang="en-US" sz="1200" dirty="0" smtClean="0"/>
-              <a:t> </a:t>
-            </a:r>
-          </a:p>
-          <a:p>
-            <a:r>
-              <a:rPr lang="en-US" sz="1200" dirty="0" smtClean="0"/>
-              <a:t>uint32 </a:t>
-            </a:r>
-            <a:r>
-              <a:rPr lang="en-US" sz="1200" dirty="0" err="1" smtClean="0"/>
-              <a:t>seq</a:t>
-            </a:r>
-            <a:r>
-              <a:rPr lang="en-US" sz="1200" dirty="0" smtClean="0"/>
-              <a:t> </a:t>
-            </a:r>
-          </a:p>
-          <a:p>
-            <a:r>
-              <a:rPr lang="en-US" sz="1200" dirty="0" smtClean="0"/>
-              <a:t>time stamp </a:t>
-            </a:r>
-          </a:p>
-          <a:p>
-            <a:r>
-              <a:rPr lang="en-US" sz="1200" dirty="0" smtClean="0"/>
-              <a:t>string </a:t>
-            </a:r>
-            <a:r>
-              <a:rPr lang="en-US" sz="1200" dirty="0" err="1" smtClean="0"/>
-              <a:t>frame_id</a:t>
-            </a:r>
-            <a:r>
-              <a:rPr lang="en-US" sz="1200" dirty="0" smtClean="0"/>
-              <a:t> </a:t>
-            </a:r>
-          </a:p>
-          <a:p>
-            <a:r>
-              <a:rPr lang="en-US" sz="1200" dirty="0" err="1" smtClean="0"/>
-              <a:t>geometry_msgs</a:t>
-            </a:r>
-            <a:r>
-              <a:rPr lang="en-US" sz="1200" dirty="0" smtClean="0"/>
-              <a:t>/Pose </a:t>
-            </a:r>
-            <a:r>
-              <a:rPr lang="en-US" sz="1200" dirty="0" err="1" smtClean="0"/>
-              <a:t>pose</a:t>
-            </a:r>
-            <a:r>
-              <a:rPr lang="en-US" sz="1200" dirty="0" smtClean="0"/>
-              <a:t> </a:t>
-            </a:r>
-          </a:p>
-          <a:p>
-            <a:r>
-              <a:rPr lang="en-US" sz="1200" dirty="0" err="1" smtClean="0"/>
-              <a:t>geometry_msgs</a:t>
-            </a:r>
-            <a:r>
-              <a:rPr lang="en-US" sz="1200" dirty="0" smtClean="0"/>
-              <a:t>/Point position </a:t>
-            </a:r>
-          </a:p>
-          <a:p>
-            <a:r>
-              <a:rPr lang="en-US" sz="1200" dirty="0" smtClean="0"/>
-              <a:t>float64 x </a:t>
-            </a:r>
-          </a:p>
-          <a:p>
-            <a:r>
-              <a:rPr lang="en-US" sz="1200" dirty="0" smtClean="0"/>
-              <a:t>float64 y </a:t>
-            </a:r>
-          </a:p>
-          <a:p>
-            <a:r>
-              <a:rPr lang="en-US" sz="1200" dirty="0" smtClean="0"/>
-              <a:t>float64 z </a:t>
-            </a:r>
-          </a:p>
-          <a:p>
-            <a:r>
-              <a:rPr lang="en-US" sz="1200" dirty="0" err="1" smtClean="0"/>
-              <a:t>geometry_msgs</a:t>
-            </a:r>
-            <a:r>
-              <a:rPr lang="en-US" sz="1200" dirty="0" smtClean="0"/>
-              <a:t>/Quaternion orientation </a:t>
-            </a:r>
-          </a:p>
-          <a:p>
-            <a:r>
-              <a:rPr lang="en-US" sz="1200" dirty="0" smtClean="0"/>
-              <a:t>float64 x </a:t>
-            </a:r>
-          </a:p>
-          <a:p>
-            <a:r>
-              <a:rPr lang="en-US" sz="1200" dirty="0" smtClean="0"/>
-              <a:t>float64 y </a:t>
-            </a:r>
-          </a:p>
-          <a:p>
-            <a:r>
-              <a:rPr lang="en-US" sz="1200" dirty="0" smtClean="0"/>
-              <a:t>float64 z </a:t>
-            </a:r>
-          </a:p>
-          <a:p>
-            <a:r>
-              <a:rPr lang="en-US" sz="1200" dirty="0" smtClean="0"/>
-              <a:t>float64 w</a:t>
-            </a:r>
-            <a:endParaRPr lang="en-US" sz="1200" dirty="0"/>
-          </a:p>
-        </p:txBody>
-      </p:sp>
-    </p:spTree>
-    <p:extLst>
-      <p:ext uri="{BB962C8B-B14F-4D97-AF65-F5344CB8AC3E}">
-        <p14:creationId xmlns:p14="http://schemas.microsoft.com/office/powerpoint/2010/main" xmlns="" val="827552370"/>
-      </p:ext>
-    </p:extLst>
-  </p:cSld>
-  <p:clrMapOvr>
-    <a:masterClrMapping/>
-  </p:clrMapOvr>
-</p:sld>
-</file>
-
-<file path=ppt/slides/slide15.xml><?xml version="1.0" encoding="utf-8"?>
-<p:sld xmlns:a="http://schemas.openxmlformats.org/drawingml/2006/main" xmlns:r="http://schemas.openxmlformats.org/officeDocument/2006/relationships" xmlns:p="http://schemas.openxmlformats.org/presentationml/2006/main">
-  <p:cSld>
-    <p:spTree>
-      <p:nvGrpSpPr>
-        <p:cNvPr id="1" name=""/>
-        <p:cNvGrpSpPr/>
-        <p:nvPr/>
-      </p:nvGrpSpPr>
-      <p:grpSpPr>
-        <a:xfrm>
-          <a:off x="0" y="0"/>
-          <a:ext cx="0" cy="0"/>
-          <a:chOff x="0" y="0"/>
-          <a:chExt cx="0" cy="0"/>
-        </a:xfrm>
-      </p:grpSpPr>
-      <p:sp>
-        <p:nvSpPr>
-          <p:cNvPr id="2" name="Titre 1"/>
-          <p:cNvSpPr>
-            <a:spLocks noGrp="1"/>
-          </p:cNvSpPr>
-          <p:nvPr>
-            <p:ph type="ctrTitle"/>
-          </p:nvPr>
-        </p:nvSpPr>
-        <p:spPr/>
-        <p:txBody>
-          <a:bodyPr/>
-          <a:lstStyle/>
-          <a:p>
-            <a:r>
-              <a:rPr lang="fr-FR" dirty="0" smtClean="0"/>
-              <a:t>Android Control</a:t>
-            </a:r>
-            <a:endParaRPr lang="fr-FR" dirty="0"/>
-          </a:p>
-        </p:txBody>
-      </p:sp>
-      <p:sp>
-        <p:nvSpPr>
-          <p:cNvPr id="3" name="Sous-titre 2"/>
-          <p:cNvSpPr>
-            <a:spLocks noGrp="1"/>
-          </p:cNvSpPr>
-          <p:nvPr>
-            <p:ph type="subTitle" idx="1"/>
-          </p:nvPr>
-        </p:nvSpPr>
-        <p:spPr/>
-        <p:txBody>
-          <a:bodyPr/>
-          <a:lstStyle/>
-          <a:p>
-            <a:r>
-              <a:rPr lang="fr-FR" dirty="0" err="1" smtClean="0"/>
-              <a:t>Pairing</a:t>
-            </a:r>
-            <a:r>
-              <a:rPr lang="fr-FR" dirty="0" smtClean="0"/>
-              <a:t> </a:t>
-            </a:r>
-            <a:r>
-              <a:rPr lang="fr-FR" dirty="0" smtClean="0"/>
-              <a:t>and </a:t>
-            </a:r>
-            <a:r>
-              <a:rPr lang="fr-FR" dirty="0" err="1" smtClean="0"/>
-              <a:t>Demonstration</a:t>
-            </a:r>
-            <a:endParaRPr lang="fr-FR" dirty="0"/>
-          </a:p>
-        </p:txBody>
-      </p:sp>
-    </p:spTree>
-    <p:extLst>
-      <p:ext uri="{BB962C8B-B14F-4D97-AF65-F5344CB8AC3E}">
-        <p14:creationId xmlns:p14="http://schemas.microsoft.com/office/powerpoint/2010/main" xmlns="" val="827552370"/>
-      </p:ext>
-    </p:extLst>
-  </p:cSld>
-  <p:clrMapOvr>
-    <a:masterClrMapping/>
-  </p:clrMapOvr>
-</p:sld>
-</file>
-
-<file path=ppt/slides/slide16.xml><?xml version="1.0" encoding="utf-8"?>
-<p:sld xmlns:a="http://schemas.openxmlformats.org/drawingml/2006/main" xmlns:r="http://schemas.openxmlformats.org/officeDocument/2006/relationships" xmlns:p="http://schemas.openxmlformats.org/presentationml/2006/main">
-  <p:cSld>
-    <p:spTree>
-      <p:nvGrpSpPr>
-        <p:cNvPr id="1" name=""/>
-        <p:cNvGrpSpPr/>
-        <p:nvPr/>
-      </p:nvGrpSpPr>
-      <p:grpSpPr>
-        <a:xfrm>
-          <a:off x="0" y="0"/>
-          <a:ext cx="0" cy="0"/>
-          <a:chOff x="0" y="0"/>
-          <a:chExt cx="0" cy="0"/>
-        </a:xfrm>
-      </p:grpSpPr>
-      <p:sp>
-        <p:nvSpPr>
-          <p:cNvPr id="4" name="Titre 3"/>
-          <p:cNvSpPr>
-            <a:spLocks noGrp="1"/>
-          </p:cNvSpPr>
-          <p:nvPr>
-            <p:ph type="title"/>
-          </p:nvPr>
-        </p:nvSpPr>
-        <p:spPr/>
-        <p:txBody>
-          <a:bodyPr/>
-          <a:lstStyle/>
-          <a:p>
-            <a:r>
-              <a:rPr lang="fr-FR" dirty="0" err="1" smtClean="0"/>
-              <a:t>Pairing</a:t>
-            </a:r>
-            <a:endParaRPr lang="fr-FR" dirty="0"/>
-          </a:p>
-        </p:txBody>
-      </p:sp>
-      <p:sp>
-        <p:nvSpPr>
-          <p:cNvPr id="5" name="Espace réservé du contenu 4"/>
-          <p:cNvSpPr>
-            <a:spLocks noGrp="1"/>
-          </p:cNvSpPr>
-          <p:nvPr>
-            <p:ph idx="1"/>
-          </p:nvPr>
-        </p:nvSpPr>
-        <p:spPr/>
-        <p:txBody>
-          <a:bodyPr/>
-          <a:lstStyle/>
-          <a:p>
-            <a:r>
-              <a:rPr lang="fr-FR" dirty="0" smtClean="0"/>
-              <a:t> </a:t>
-            </a:r>
-            <a:r>
-              <a:rPr lang="fr-FR" dirty="0" err="1" smtClean="0"/>
-              <a:t>Connect</a:t>
-            </a:r>
-            <a:r>
-              <a:rPr lang="fr-FR" dirty="0" smtClean="0"/>
-              <a:t> on the </a:t>
-            </a:r>
-            <a:r>
-              <a:rPr lang="fr-FR" dirty="0" err="1" smtClean="0"/>
-              <a:t>same</a:t>
-            </a:r>
-            <a:r>
-              <a:rPr lang="fr-FR" dirty="0" smtClean="0"/>
-              <a:t> Network </a:t>
-            </a:r>
-          </a:p>
-          <a:p>
-            <a:endParaRPr lang="fr-FR" dirty="0" smtClean="0"/>
-          </a:p>
-          <a:p>
-            <a:endParaRPr lang="fr-FR" dirty="0"/>
-          </a:p>
-          <a:p>
-            <a:r>
-              <a:rPr lang="fr-FR" dirty="0" smtClean="0"/>
-              <a:t> </a:t>
-            </a:r>
-            <a:r>
-              <a:rPr lang="fr-FR" dirty="0" err="1" smtClean="0"/>
-              <a:t>Download</a:t>
-            </a:r>
-            <a:r>
-              <a:rPr lang="fr-FR" dirty="0" smtClean="0"/>
-              <a:t> ROS </a:t>
-            </a:r>
-            <a:r>
-              <a:rPr lang="fr-FR" dirty="0" err="1" smtClean="0"/>
-              <a:t>Teleop</a:t>
-            </a:r>
-            <a:r>
-              <a:rPr lang="fr-FR" dirty="0" smtClean="0"/>
-              <a:t> (Hydro)</a:t>
-            </a:r>
-          </a:p>
-          <a:p>
-            <a:endParaRPr lang="fr-FR" dirty="0" smtClean="0"/>
-          </a:p>
-          <a:p>
-            <a:pPr marL="0" indent="0">
-              <a:buNone/>
-            </a:pPr>
-            <a:endParaRPr lang="fr-FR" dirty="0"/>
-          </a:p>
-          <a:p>
-            <a:r>
-              <a:rPr lang="fr-FR" dirty="0" err="1" smtClean="0"/>
-              <a:t>Bringup</a:t>
-            </a:r>
-            <a:r>
-              <a:rPr lang="fr-FR" dirty="0" smtClean="0"/>
-              <a:t> </a:t>
-            </a:r>
-            <a:r>
-              <a:rPr lang="fr-FR" dirty="0" err="1" smtClean="0"/>
-              <a:t>with</a:t>
-            </a:r>
-            <a:r>
-              <a:rPr lang="fr-FR" dirty="0" smtClean="0"/>
-              <a:t> concert file </a:t>
-            </a:r>
-            <a:endParaRPr lang="fr-FR" dirty="0"/>
-          </a:p>
-        </p:txBody>
-      </p:sp>
-      <p:sp>
-        <p:nvSpPr>
-          <p:cNvPr id="2" name="Espace réservé du pied de page 1"/>
-          <p:cNvSpPr>
-            <a:spLocks noGrp="1"/>
-          </p:cNvSpPr>
-          <p:nvPr>
-            <p:ph type="ftr" sz="quarter" idx="11"/>
-          </p:nvPr>
-        </p:nvSpPr>
-        <p:spPr/>
-        <p:txBody>
-          <a:bodyPr/>
-          <a:lstStyle/>
-          <a:p>
-            <a:r>
-              <a:rPr lang="fr-FR" dirty="0" smtClean="0"/>
-              <a:t>Motion control     Navigation &amp; </a:t>
-            </a:r>
-            <a:r>
-              <a:rPr lang="fr-FR" dirty="0" err="1" smtClean="0"/>
-              <a:t>Localization</a:t>
-            </a:r>
-            <a:r>
-              <a:rPr lang="fr-FR" dirty="0" smtClean="0"/>
-              <a:t>    </a:t>
-            </a:r>
-            <a:r>
-              <a:rPr lang="fr-FR" dirty="0" smtClean="0">
-                <a:solidFill>
-                  <a:srgbClr val="FF0000"/>
-                </a:solidFill>
-              </a:rPr>
-              <a:t>Android</a:t>
-            </a:r>
-            <a:endParaRPr lang="fr-FR" dirty="0">
-              <a:solidFill>
-                <a:srgbClr val="FF0000"/>
-              </a:solidFill>
-            </a:endParaRPr>
-          </a:p>
-        </p:txBody>
-      </p:sp>
-      <p:sp>
-        <p:nvSpPr>
-          <p:cNvPr id="3" name="Espace réservé du numéro de diapositive 2"/>
-          <p:cNvSpPr>
-            <a:spLocks noGrp="1"/>
-          </p:cNvSpPr>
-          <p:nvPr>
-            <p:ph type="sldNum" sz="quarter" idx="12"/>
-          </p:nvPr>
-        </p:nvSpPr>
-        <p:spPr/>
-        <p:txBody>
-          <a:bodyPr>
-            <a:normAutofit fontScale="92500" lnSpcReduction="10000"/>
-          </a:bodyPr>
-          <a:lstStyle/>
-          <a:p>
-            <a:fld id="{B5DB7FC2-8201-461D-A208-F496F60082A1}" type="slidenum">
-              <a:rPr lang="fr-FR" smtClean="0"/>
-              <a:pPr/>
-              <a:t>16</a:t>
-            </a:fld>
-            <a:endParaRPr lang="fr-FR"/>
-          </a:p>
-        </p:txBody>
-      </p:sp>
-      <p:pic>
-        <p:nvPicPr>
-          <p:cNvPr id="6" name="Image 5"/>
-          <p:cNvPicPr>
-            <a:picLocks noChangeAspect="1"/>
-          </p:cNvPicPr>
-          <p:nvPr/>
-        </p:nvPicPr>
-        <p:blipFill>
-          <a:blip r:embed="rId3">
-            <a:extLst>
-              <a:ext uri="{28A0092B-C50C-407E-A947-70E740481C1C}">
-                <a14:useLocalDpi xmlns:a14="http://schemas.microsoft.com/office/drawing/2010/main" xmlns="" val="0"/>
-              </a:ext>
-            </a:extLst>
-          </a:blip>
-          <a:stretch>
-            <a:fillRect/>
-          </a:stretch>
-        </p:blipFill>
-        <p:spPr>
-          <a:xfrm>
-            <a:off x="4787826" y="2920657"/>
-            <a:ext cx="3153137" cy="1083812"/>
-          </a:xfrm>
-          <a:prstGeom prst="rect">
-            <a:avLst/>
-          </a:prstGeom>
-        </p:spPr>
-      </p:pic>
-      <p:pic>
-        <p:nvPicPr>
-          <p:cNvPr id="7" name="Image 6"/>
-          <p:cNvPicPr>
-            <a:picLocks noChangeAspect="1"/>
-          </p:cNvPicPr>
-          <p:nvPr/>
-        </p:nvPicPr>
-        <p:blipFill>
-          <a:blip r:embed="rId4" cstate="print">
-            <a:extLst>
-              <a:ext uri="{28A0092B-C50C-407E-A947-70E740481C1C}">
-                <a14:useLocalDpi xmlns:a14="http://schemas.microsoft.com/office/drawing/2010/main" xmlns="" val="0"/>
-              </a:ext>
-            </a:extLst>
-          </a:blip>
-          <a:stretch>
-            <a:fillRect/>
-          </a:stretch>
-        </p:blipFill>
-        <p:spPr>
-          <a:xfrm flipV="1">
-            <a:off x="4921301" y="4652929"/>
-            <a:ext cx="4937760" cy="1816135"/>
-          </a:xfrm>
-          <a:prstGeom prst="rect">
-            <a:avLst/>
-          </a:prstGeom>
-        </p:spPr>
-      </p:pic>
-    </p:spTree>
-    <p:extLst>
-      <p:ext uri="{BB962C8B-B14F-4D97-AF65-F5344CB8AC3E}">
-        <p14:creationId xmlns:p14="http://schemas.microsoft.com/office/powerpoint/2010/main" xmlns="" val="35265262"/>
-      </p:ext>
-    </p:extLst>
-  </p:cSld>
-  <p:clrMapOvr>
-    <a:masterClrMapping/>
-  </p:clrMapOvr>
-</p:sld>
-</file>
-
-<file path=ppt/slides/slide17.xml><?xml version="1.0" encoding="utf-8"?>
-<p:sld xmlns:a="http://schemas.openxmlformats.org/drawingml/2006/main" xmlns:r="http://schemas.openxmlformats.org/officeDocument/2006/relationships" xmlns:p="http://schemas.openxmlformats.org/presentationml/2006/main">
-  <p:cSld>
-    <p:spTree>
-      <p:nvGrpSpPr>
-        <p:cNvPr id="1" name=""/>
-        <p:cNvGrpSpPr/>
-        <p:nvPr/>
-      </p:nvGrpSpPr>
-      <p:grpSpPr>
-        <a:xfrm>
-          <a:off x="0" y="0"/>
-          <a:ext cx="0" cy="0"/>
-          <a:chOff x="0" y="0"/>
-          <a:chExt cx="0" cy="0"/>
-        </a:xfrm>
-      </p:grpSpPr>
-      <p:sp>
-        <p:nvSpPr>
-          <p:cNvPr id="2" name="Titre 1"/>
-          <p:cNvSpPr>
-            <a:spLocks noGrp="1"/>
-          </p:cNvSpPr>
-          <p:nvPr>
-            <p:ph type="title"/>
-          </p:nvPr>
-        </p:nvSpPr>
-        <p:spPr/>
-        <p:txBody>
-          <a:bodyPr/>
-          <a:lstStyle/>
-          <a:p>
-            <a:r>
-              <a:rPr lang="fr-FR" dirty="0" err="1" smtClean="0"/>
-              <a:t>Demonstration</a:t>
-            </a:r>
-            <a:endParaRPr lang="fr-FR" dirty="0"/>
-          </a:p>
-        </p:txBody>
-      </p:sp>
-      <p:sp>
-        <p:nvSpPr>
-          <p:cNvPr id="3" name="Espace réservé du contenu 2"/>
-          <p:cNvSpPr>
-            <a:spLocks noGrp="1"/>
-          </p:cNvSpPr>
-          <p:nvPr>
-            <p:ph idx="1"/>
-          </p:nvPr>
-        </p:nvSpPr>
-        <p:spPr>
-          <a:xfrm>
-            <a:off x="1135685" y="5560365"/>
-            <a:ext cx="7735824" cy="413182"/>
-          </a:xfrm>
-        </p:spPr>
-        <p:txBody>
-          <a:bodyPr/>
-          <a:lstStyle/>
-          <a:p>
-            <a:pPr algn="ctr"/>
-            <a:r>
-              <a:rPr lang="fr-FR" dirty="0"/>
-              <a:t>https://www.youtube.com/watch?v=pBYmtod4o18</a:t>
-            </a:r>
-          </a:p>
-        </p:txBody>
-      </p:sp>
-      <p:sp>
-        <p:nvSpPr>
-          <p:cNvPr id="4" name="Espace réservé du pied de page 3"/>
-          <p:cNvSpPr>
-            <a:spLocks noGrp="1"/>
-          </p:cNvSpPr>
-          <p:nvPr>
-            <p:ph type="ftr" sz="quarter" idx="11"/>
-          </p:nvPr>
-        </p:nvSpPr>
-        <p:spPr/>
-        <p:txBody>
-          <a:bodyPr/>
-          <a:lstStyle/>
-          <a:p>
-            <a:r>
-              <a:rPr lang="fr-FR" dirty="0" smtClean="0"/>
-              <a:t>Motion control     Navigation &amp; </a:t>
-            </a:r>
-            <a:r>
-              <a:rPr lang="fr-FR" dirty="0" err="1" smtClean="0"/>
-              <a:t>Localization</a:t>
-            </a:r>
-            <a:r>
-              <a:rPr lang="fr-FR" dirty="0" smtClean="0"/>
-              <a:t>    </a:t>
-            </a:r>
-            <a:r>
-              <a:rPr lang="fr-FR" dirty="0" smtClean="0">
-                <a:solidFill>
-                  <a:srgbClr val="FF0000"/>
-                </a:solidFill>
-              </a:rPr>
-              <a:t>Android</a:t>
-            </a:r>
-            <a:endParaRPr lang="fr-FR" dirty="0">
-              <a:solidFill>
-                <a:srgbClr val="FF0000"/>
-              </a:solidFill>
-            </a:endParaRPr>
-          </a:p>
-        </p:txBody>
-      </p:sp>
-      <p:sp>
-        <p:nvSpPr>
-          <p:cNvPr id="5" name="Espace réservé du numéro de diapositive 4"/>
-          <p:cNvSpPr>
-            <a:spLocks noGrp="1"/>
-          </p:cNvSpPr>
-          <p:nvPr>
-            <p:ph type="sldNum" sz="quarter" idx="12"/>
-          </p:nvPr>
-        </p:nvSpPr>
-        <p:spPr/>
-        <p:txBody>
-          <a:bodyPr>
-            <a:normAutofit fontScale="92500" lnSpcReduction="10000"/>
-          </a:bodyPr>
-          <a:lstStyle/>
-          <a:p>
-            <a:fld id="{B5DB7FC2-8201-461D-A208-F496F60082A1}" type="slidenum">
-              <a:rPr lang="fr-FR" smtClean="0"/>
-              <a:pPr/>
-              <a:t>17</a:t>
-            </a:fld>
-            <a:endParaRPr lang="fr-FR"/>
-          </a:p>
-        </p:txBody>
-      </p:sp>
-      <p:pic>
-        <p:nvPicPr>
-          <p:cNvPr id="6" name="Image 5"/>
-          <p:cNvPicPr>
-            <a:picLocks noChangeAspect="1"/>
-          </p:cNvPicPr>
-          <p:nvPr/>
-        </p:nvPicPr>
-        <p:blipFill>
-          <a:blip r:embed="rId2">
-            <a:extLst>
-              <a:ext uri="{28A0092B-C50C-407E-A947-70E740481C1C}">
-                <a14:useLocalDpi xmlns:a14="http://schemas.microsoft.com/office/drawing/2010/main" xmlns="" val="0"/>
-              </a:ext>
-            </a:extLst>
-          </a:blip>
-          <a:stretch>
-            <a:fillRect/>
-          </a:stretch>
-        </p:blipFill>
-        <p:spPr>
-          <a:xfrm>
-            <a:off x="2243694" y="2004199"/>
-            <a:ext cx="5519813" cy="3449883"/>
-          </a:xfrm>
-          <a:prstGeom prst="rect">
-            <a:avLst/>
-          </a:prstGeom>
-        </p:spPr>
-      </p:pic>
-    </p:spTree>
-    <p:extLst>
-      <p:ext uri="{BB962C8B-B14F-4D97-AF65-F5344CB8AC3E}">
-        <p14:creationId xmlns:p14="http://schemas.microsoft.com/office/powerpoint/2010/main" xmlns="" val="30160649"/>
-      </p:ext>
-    </p:extLst>
-  </p:cSld>
-  <p:clrMapOvr>
-    <a:masterClrMapping/>
-  </p:clrMapOvr>
-</p:sld>
-</file>
-
-<file path=ppt/slides/slide18.xml><?xml version="1.0" encoding="utf-8"?>
-<p:sld xmlns:a="http://schemas.openxmlformats.org/drawingml/2006/main" xmlns:r="http://schemas.openxmlformats.org/officeDocument/2006/relationships" xmlns:p="http://schemas.openxmlformats.org/presentationml/2006/main">
-  <p:cSld>
-    <p:spTree>
-      <p:nvGrpSpPr>
-        <p:cNvPr id="1" name=""/>
-        <p:cNvGrpSpPr/>
-        <p:nvPr/>
-      </p:nvGrpSpPr>
-      <p:grpSpPr>
-        <a:xfrm>
-          <a:off x="0" y="0"/>
-          <a:ext cx="0" cy="0"/>
-          <a:chOff x="0" y="0"/>
-          <a:chExt cx="0" cy="0"/>
-        </a:xfrm>
-      </p:grpSpPr>
-      <p:sp>
-        <p:nvSpPr>
-          <p:cNvPr id="2" name="Titre 1"/>
-          <p:cNvSpPr>
-            <a:spLocks noGrp="1"/>
-          </p:cNvSpPr>
-          <p:nvPr>
-            <p:ph type="title"/>
-          </p:nvPr>
-        </p:nvSpPr>
-        <p:spPr/>
-        <p:txBody>
-          <a:bodyPr/>
-          <a:lstStyle/>
-          <a:p>
-            <a:r>
-              <a:rPr lang="fr-FR" dirty="0" smtClean="0"/>
-              <a:t>Conclusion</a:t>
-            </a:r>
-            <a:endParaRPr lang="fr-FR" dirty="0"/>
-          </a:p>
-        </p:txBody>
-      </p:sp>
-      <p:sp>
-        <p:nvSpPr>
-          <p:cNvPr id="3" name="Espace réservé du contenu 2"/>
-          <p:cNvSpPr>
-            <a:spLocks noGrp="1"/>
-          </p:cNvSpPr>
-          <p:nvPr>
-            <p:ph idx="1"/>
-          </p:nvPr>
-        </p:nvSpPr>
-        <p:spPr/>
-        <p:txBody>
-          <a:bodyPr/>
-          <a:lstStyle/>
-          <a:p>
-            <a:r>
-              <a:rPr lang="fr-FR" dirty="0" smtClean="0"/>
-              <a:t> Time </a:t>
-            </a:r>
-            <a:r>
-              <a:rPr lang="fr-FR" dirty="0" err="1" smtClean="0"/>
-              <a:t>spent</a:t>
-            </a:r>
-            <a:r>
-              <a:rPr lang="fr-FR" dirty="0" smtClean="0"/>
-              <a:t> on </a:t>
-            </a:r>
-            <a:r>
-              <a:rPr lang="fr-FR" dirty="0" err="1" smtClean="0"/>
-              <a:t>android</a:t>
-            </a:r>
-            <a:r>
-              <a:rPr lang="fr-FR" dirty="0" smtClean="0"/>
-              <a:t> code and home made concert file </a:t>
-            </a:r>
-            <a:endParaRPr lang="fr-FR" dirty="0"/>
-          </a:p>
-        </p:txBody>
-      </p:sp>
-      <p:sp>
-        <p:nvSpPr>
-          <p:cNvPr id="4" name="Espace réservé du pied de page 3"/>
-          <p:cNvSpPr>
-            <a:spLocks noGrp="1"/>
-          </p:cNvSpPr>
-          <p:nvPr>
-            <p:ph type="ftr" sz="quarter" idx="11"/>
-          </p:nvPr>
-        </p:nvSpPr>
-        <p:spPr/>
-        <p:txBody>
-          <a:bodyPr/>
-          <a:lstStyle/>
-          <a:p>
-            <a:r>
-              <a:rPr lang="fr-FR" smtClean="0"/>
-              <a:t>Motion control     Navigation &amp; Localization    Android</a:t>
-            </a:r>
-            <a:endParaRPr lang="fr-FR"/>
-          </a:p>
-        </p:txBody>
-      </p:sp>
-      <p:sp>
-        <p:nvSpPr>
-          <p:cNvPr id="5" name="Espace réservé du numéro de diapositive 4"/>
-          <p:cNvSpPr>
-            <a:spLocks noGrp="1"/>
-          </p:cNvSpPr>
-          <p:nvPr>
-            <p:ph type="sldNum" sz="quarter" idx="12"/>
-          </p:nvPr>
-        </p:nvSpPr>
-        <p:spPr/>
-        <p:txBody>
-          <a:bodyPr>
-            <a:normAutofit fontScale="92500" lnSpcReduction="10000"/>
-          </a:bodyPr>
-          <a:lstStyle/>
-          <a:p>
-            <a:fld id="{B5DB7FC2-8201-461D-A208-F496F60082A1}" type="slidenum">
-              <a:rPr lang="fr-FR" smtClean="0"/>
-              <a:pPr/>
-              <a:t>18</a:t>
-            </a:fld>
-            <a:endParaRPr lang="fr-FR"/>
-          </a:p>
-        </p:txBody>
-      </p:sp>
-    </p:spTree>
-    <p:extLst>
-      <p:ext uri="{BB962C8B-B14F-4D97-AF65-F5344CB8AC3E}">
-        <p14:creationId xmlns:p14="http://schemas.microsoft.com/office/powerpoint/2010/main" xmlns="" val="1709056602"/>
-      </p:ext>
-    </p:extLst>
-  </p:cSld>
-  <p:clrMapOvr>
-    <a:masterClrMapping/>
-  </p:clrMapOvr>
-</p:sld>
-</file>
-
-<file path=ppt/slides/slide2.xml><?xml version="1.0" encoding="utf-8"?>
-<p:sld xmlns:a="http://schemas.openxmlformats.org/drawingml/2006/main" xmlns:r="http://schemas.openxmlformats.org/officeDocument/2006/relationships" xmlns:p="http://schemas.openxmlformats.org/presentationml/2006/main">
-  <p:cSld>
-    <p:spTree>
-      <p:nvGrpSpPr>
-        <p:cNvPr id="1" name=""/>
-        <p:cNvGrpSpPr/>
-        <p:nvPr/>
-      </p:nvGrpSpPr>
-      <p:grpSpPr>
-        <a:xfrm>
-          <a:off x="0" y="0"/>
-          <a:ext cx="0" cy="0"/>
-          <a:chOff x="0" y="0"/>
-          <a:chExt cx="0" cy="0"/>
-        </a:xfrm>
-      </p:grpSpPr>
-      <p:sp>
-        <p:nvSpPr>
-          <p:cNvPr id="2" name="Titre 1"/>
-          <p:cNvSpPr>
-            <a:spLocks noGrp="1"/>
-          </p:cNvSpPr>
-          <p:nvPr>
-            <p:ph type="title"/>
-          </p:nvPr>
-        </p:nvSpPr>
-        <p:spPr/>
-        <p:txBody>
-          <a:bodyPr/>
-          <a:lstStyle/>
-          <a:p>
-            <a:r>
-              <a:rPr lang="fr-FR" dirty="0" smtClean="0"/>
-              <a:t>Introduction</a:t>
-            </a:r>
-            <a:endParaRPr lang="fr-FR" dirty="0"/>
-          </a:p>
-        </p:txBody>
-      </p:sp>
-      <p:sp>
-        <p:nvSpPr>
-          <p:cNvPr id="3" name="Espace réservé du contenu 2"/>
-          <p:cNvSpPr>
-            <a:spLocks noGrp="1"/>
-          </p:cNvSpPr>
-          <p:nvPr>
-            <p:ph idx="1"/>
-          </p:nvPr>
-        </p:nvSpPr>
-        <p:spPr/>
-        <p:txBody>
-          <a:bodyPr/>
-          <a:lstStyle/>
-          <a:p>
-            <a:pPr marL="0" indent="0">
-              <a:buNone/>
-            </a:pPr>
-            <a:endParaRPr lang="fr-FR" dirty="0" smtClean="0"/>
-          </a:p>
-          <a:p>
-            <a:endParaRPr lang="fr-FR" dirty="0"/>
-          </a:p>
-        </p:txBody>
-      </p:sp>
-      <p:sp>
-        <p:nvSpPr>
-          <p:cNvPr id="4" name="Espace réservé du pied de page 3"/>
-          <p:cNvSpPr>
-            <a:spLocks noGrp="1"/>
-          </p:cNvSpPr>
-          <p:nvPr>
-            <p:ph type="ftr" sz="quarter" idx="11"/>
-          </p:nvPr>
-        </p:nvSpPr>
-        <p:spPr/>
-        <p:txBody>
-          <a:bodyPr/>
-          <a:lstStyle/>
-          <a:p>
-            <a:r>
-              <a:rPr lang="fr-FR" smtClean="0"/>
-              <a:t>Motion control     Navigation &amp; Localization    Android</a:t>
-            </a:r>
-            <a:endParaRPr lang="fr-FR"/>
-          </a:p>
-        </p:txBody>
-      </p:sp>
-      <p:sp>
-        <p:nvSpPr>
-          <p:cNvPr id="5" name="Espace réservé du numéro de diapositive 4"/>
-          <p:cNvSpPr>
-            <a:spLocks noGrp="1"/>
-          </p:cNvSpPr>
-          <p:nvPr>
-            <p:ph type="sldNum" sz="quarter" idx="12"/>
-          </p:nvPr>
-        </p:nvSpPr>
-        <p:spPr/>
-        <p:txBody>
-          <a:bodyPr>
-            <a:normAutofit lnSpcReduction="10000"/>
-          </a:bodyPr>
-          <a:lstStyle/>
-          <a:p>
-            <a:fld id="{B5DB7FC2-8201-461D-A208-F496F60082A1}" type="slidenum">
-              <a:rPr lang="fr-FR" smtClean="0"/>
-              <a:pPr/>
-              <a:t>2</a:t>
-            </a:fld>
-            <a:endParaRPr lang="fr-FR"/>
-          </a:p>
-        </p:txBody>
-      </p:sp>
-    </p:spTree>
-    <p:extLst>
-      <p:ext uri="{BB962C8B-B14F-4D97-AF65-F5344CB8AC3E}">
-        <p14:creationId xmlns:p14="http://schemas.microsoft.com/office/powerpoint/2010/main" xmlns="" val="1338518905"/>
-      </p:ext>
-    </p:extLst>
-  </p:cSld>
-  <p:clrMapOvr>
-    <a:masterClrMapping/>
-  </p:clrMapOvr>
-</p:sld>
-</file>
-
-<file path=ppt/slides/slide3.xml><?xml version="1.0" encoding="utf-8"?>
-<p:sld xmlns:a="http://schemas.openxmlformats.org/drawingml/2006/main" xmlns:r="http://schemas.openxmlformats.org/officeDocument/2006/relationships" xmlns:p="http://schemas.openxmlformats.org/presentationml/2006/main">
-  <p:cSld>
-    <p:spTree>
-      <p:nvGrpSpPr>
-        <p:cNvPr id="1" name=""/>
-        <p:cNvGrpSpPr/>
-        <p:nvPr/>
-      </p:nvGrpSpPr>
-      <p:grpSpPr>
-        <a:xfrm>
-          <a:off x="0" y="0"/>
-          <a:ext cx="0" cy="0"/>
-          <a:chOff x="0" y="0"/>
-          <a:chExt cx="0" cy="0"/>
-        </a:xfrm>
-      </p:grpSpPr>
-      <p:sp>
-        <p:nvSpPr>
-          <p:cNvPr id="2" name="Titre 1"/>
-          <p:cNvSpPr>
-            <a:spLocks noGrp="1"/>
-          </p:cNvSpPr>
-          <p:nvPr>
-            <p:ph type="title"/>
-          </p:nvPr>
-        </p:nvSpPr>
-        <p:spPr/>
-        <p:txBody>
-          <a:bodyPr/>
-          <a:lstStyle/>
-          <a:p>
-            <a:r>
-              <a:rPr lang="fr-FR" dirty="0" smtClean="0"/>
-              <a:t>Contents</a:t>
-            </a:r>
-            <a:endParaRPr lang="fr-FR" dirty="0"/>
-          </a:p>
-        </p:txBody>
-      </p:sp>
-      <p:sp>
-        <p:nvSpPr>
-          <p:cNvPr id="3" name="Espace réservé du contenu 2"/>
-          <p:cNvSpPr>
-            <a:spLocks noGrp="1"/>
-          </p:cNvSpPr>
-          <p:nvPr>
-            <p:ph idx="1"/>
-          </p:nvPr>
-        </p:nvSpPr>
-        <p:spPr>
-          <a:xfrm>
-            <a:off x="1135685" y="2732810"/>
-            <a:ext cx="7735824" cy="3447328"/>
-          </a:xfrm>
-        </p:spPr>
-        <p:txBody>
-          <a:bodyPr>
-            <a:normAutofit/>
-          </a:bodyPr>
-          <a:lstStyle/>
-          <a:p>
-            <a:r>
-              <a:rPr lang="fr-FR" sz="3200" dirty="0" smtClean="0"/>
-              <a:t> 1. Motion Control</a:t>
-            </a:r>
-          </a:p>
-          <a:p>
-            <a:r>
-              <a:rPr lang="fr-FR" sz="3200" dirty="0"/>
-              <a:t> </a:t>
-            </a:r>
-            <a:r>
-              <a:rPr lang="fr-FR" sz="3200" dirty="0" smtClean="0"/>
-              <a:t>2. Navigation &amp; </a:t>
-            </a:r>
-            <a:r>
-              <a:rPr lang="fr-FR" sz="3200" dirty="0" err="1" smtClean="0"/>
-              <a:t>Localization</a:t>
-            </a:r>
-            <a:endParaRPr lang="fr-FR" sz="3200" dirty="0" smtClean="0"/>
-          </a:p>
-          <a:p>
-            <a:r>
-              <a:rPr lang="fr-FR" sz="3200" dirty="0"/>
-              <a:t> </a:t>
-            </a:r>
-            <a:r>
-              <a:rPr lang="fr-FR" sz="3200" dirty="0" smtClean="0"/>
-              <a:t>3. Android control </a:t>
-            </a:r>
-            <a:endParaRPr lang="fr-FR" sz="3200" dirty="0"/>
-          </a:p>
-        </p:txBody>
-      </p:sp>
-      <p:sp>
-        <p:nvSpPr>
-          <p:cNvPr id="4" name="Espace réservé du pied de page 3"/>
-          <p:cNvSpPr>
-            <a:spLocks noGrp="1"/>
-          </p:cNvSpPr>
-          <p:nvPr>
-            <p:ph type="ftr" sz="quarter" idx="11"/>
-          </p:nvPr>
-        </p:nvSpPr>
-        <p:spPr/>
-        <p:txBody>
-          <a:bodyPr/>
-          <a:lstStyle/>
-          <a:p>
-            <a:r>
-              <a:rPr lang="fr-FR" smtClean="0"/>
-              <a:t>Motion control     Navigation &amp; Localization    Android</a:t>
-            </a:r>
-            <a:endParaRPr lang="fr-FR"/>
-          </a:p>
-        </p:txBody>
-      </p:sp>
-      <p:sp>
-        <p:nvSpPr>
-          <p:cNvPr id="5" name="Espace réservé du numéro de diapositive 4"/>
-          <p:cNvSpPr>
-            <a:spLocks noGrp="1"/>
-          </p:cNvSpPr>
-          <p:nvPr>
-            <p:ph type="sldNum" sz="quarter" idx="12"/>
-          </p:nvPr>
-        </p:nvSpPr>
-        <p:spPr/>
-        <p:txBody>
-          <a:bodyPr>
-            <a:normAutofit lnSpcReduction="10000"/>
-          </a:bodyPr>
-          <a:lstStyle/>
-          <a:p>
-            <a:fld id="{B5DB7FC2-8201-461D-A208-F496F60082A1}" type="slidenum">
-              <a:rPr lang="fr-FR" smtClean="0"/>
-              <a:pPr/>
-              <a:t>3</a:t>
-            </a:fld>
-            <a:endParaRPr lang="fr-FR"/>
-          </a:p>
-        </p:txBody>
-      </p:sp>
-    </p:spTree>
-    <p:extLst>
-      <p:ext uri="{BB962C8B-B14F-4D97-AF65-F5344CB8AC3E}">
-        <p14:creationId xmlns:p14="http://schemas.microsoft.com/office/powerpoint/2010/main" xmlns="" val="256498503"/>
-      </p:ext>
-    </p:extLst>
-  </p:cSld>
-  <p:clrMapOvr>
-    <a:masterClrMapping/>
-  </p:clrMapOvr>
-</p:sld>
-</file>
-
-<file path=ppt/slides/slide4.xml><?xml version="1.0" encoding="utf-8"?>
-<p:sld xmlns:a="http://schemas.openxmlformats.org/drawingml/2006/main" xmlns:r="http://schemas.openxmlformats.org/officeDocument/2006/relationships" xmlns:p="http://schemas.openxmlformats.org/presentationml/2006/main">
-  <p:cSld>
-    <p:spTree>
-      <p:nvGrpSpPr>
-        <p:cNvPr id="1" name=""/>
-        <p:cNvGrpSpPr/>
-        <p:nvPr/>
-      </p:nvGrpSpPr>
-      <p:grpSpPr>
-        <a:xfrm>
-          <a:off x="0" y="0"/>
-          <a:ext cx="0" cy="0"/>
-          <a:chOff x="0" y="0"/>
-          <a:chExt cx="0" cy="0"/>
-        </a:xfrm>
-      </p:grpSpPr>
-      <p:sp>
-        <p:nvSpPr>
-          <p:cNvPr id="2" name="Titre 1"/>
-          <p:cNvSpPr>
-            <a:spLocks noGrp="1"/>
-          </p:cNvSpPr>
-          <p:nvPr>
-            <p:ph type="ctrTitle"/>
-          </p:nvPr>
-        </p:nvSpPr>
-        <p:spPr>
-          <a:xfrm>
-            <a:off x="228600" y="279400"/>
-            <a:ext cx="7406640" cy="749300"/>
-          </a:xfrm>
-        </p:spPr>
-        <p:txBody>
-          <a:bodyPr>
-            <a:noAutofit/>
-          </a:bodyPr>
-          <a:lstStyle/>
-          <a:p>
-            <a:r>
-              <a:rPr lang="fr-FR" sz="4800" dirty="0" err="1" smtClean="0"/>
-              <a:t>Levels</a:t>
-            </a:r>
-            <a:r>
-              <a:rPr lang="fr-FR" sz="4800" dirty="0" smtClean="0"/>
-              <a:t> of Motion </a:t>
-            </a:r>
-            <a:r>
-              <a:rPr lang="fr-FR" sz="4800" dirty="0" smtClean="0"/>
-              <a:t>Control</a:t>
-            </a:r>
-            <a:endParaRPr lang="fr-FR" sz="4800" dirty="0"/>
-          </a:p>
-        </p:txBody>
-      </p:sp>
-      <p:pic>
-        <p:nvPicPr>
-          <p:cNvPr id="1026" name="Picture 2" descr="C:\Users\EpicFailure\Desktop\bsc2\Robotic Engineering 2 (ROS)\Report\images\motion_control.png"/>
-          <p:cNvPicPr>
-            <a:picLocks noChangeAspect="1" noChangeArrowheads="1"/>
-          </p:cNvPicPr>
-          <p:nvPr/>
-        </p:nvPicPr>
-        <p:blipFill>
-          <a:blip r:embed="rId2"/>
-          <a:srcRect/>
-          <a:stretch>
-            <a:fillRect/>
-          </a:stretch>
-        </p:blipFill>
-        <p:spPr bwMode="auto">
-          <a:xfrm>
-            <a:off x="4363404" y="1079501"/>
-            <a:ext cx="1157288" cy="5141914"/>
-          </a:xfrm>
-          <a:prstGeom prst="rect">
-            <a:avLst/>
-          </a:prstGeom>
-          <a:noFill/>
-        </p:spPr>
-      </p:pic>
-    </p:spTree>
-    <p:extLst>
-      <p:ext uri="{BB962C8B-B14F-4D97-AF65-F5344CB8AC3E}">
-        <p14:creationId xmlns:p14="http://schemas.microsoft.com/office/powerpoint/2010/main" xmlns="" val="827552370"/>
-      </p:ext>
-    </p:extLst>
-  </p:cSld>
-  <p:clrMapOvr>
-    <a:masterClrMapping/>
-  </p:clrMapOvr>
-</p:sld>
-</file>
-
-<file path=ppt/slides/slide5.xml><?xml version="1.0" encoding="utf-8"?>
-<p:sld xmlns:a="http://schemas.openxmlformats.org/drawingml/2006/main" xmlns:r="http://schemas.openxmlformats.org/officeDocument/2006/relationships" xmlns:p="http://schemas.openxmlformats.org/presentationml/2006/main">
-  <p:cSld>
-    <p:spTree>
-      <p:nvGrpSpPr>
-        <p:cNvPr id="1" name=""/>
-        <p:cNvGrpSpPr/>
-        <p:nvPr/>
-      </p:nvGrpSpPr>
-      <p:grpSpPr>
-        <a:xfrm>
-          <a:off x="0" y="0"/>
-          <a:ext cx="0" cy="0"/>
-          <a:chOff x="0" y="0"/>
-          <a:chExt cx="0" cy="0"/>
-        </a:xfrm>
-      </p:grpSpPr>
-      <p:sp>
-        <p:nvSpPr>
-          <p:cNvPr id="2" name="Titre 1"/>
-          <p:cNvSpPr>
-            <a:spLocks noGrp="1"/>
-          </p:cNvSpPr>
-          <p:nvPr>
-            <p:ph type="ctrTitle"/>
-          </p:nvPr>
-        </p:nvSpPr>
-        <p:spPr>
-          <a:xfrm>
-            <a:off x="228600" y="279400"/>
-            <a:ext cx="7406640" cy="749300"/>
-          </a:xfrm>
-        </p:spPr>
-        <p:txBody>
-          <a:bodyPr>
-            <a:noAutofit/>
-          </a:bodyPr>
-          <a:lstStyle/>
-          <a:p>
-            <a:r>
-              <a:rPr lang="fr-FR" sz="4800" dirty="0" err="1" smtClean="0"/>
-              <a:t>Levels</a:t>
-            </a:r>
-            <a:r>
-              <a:rPr lang="fr-FR" sz="4800" dirty="0" smtClean="0"/>
-              <a:t> of Motion </a:t>
-            </a:r>
-            <a:r>
-              <a:rPr lang="fr-FR" sz="4800" dirty="0" smtClean="0"/>
-              <a:t>Control</a:t>
-            </a:r>
-            <a:endParaRPr lang="fr-FR" sz="4800" dirty="0"/>
-          </a:p>
-        </p:txBody>
-      </p:sp>
-      <p:pic>
-        <p:nvPicPr>
-          <p:cNvPr id="1026" name="Picture 2" descr="C:\Users\EpicFailure\Desktop\bsc2\Robotic Engineering 2 (ROS)\Report\images\motion_control.png"/>
-          <p:cNvPicPr>
-            <a:picLocks noChangeAspect="1" noChangeArrowheads="1"/>
-          </p:cNvPicPr>
-          <p:nvPr/>
-        </p:nvPicPr>
-        <p:blipFill>
-          <a:blip r:embed="rId2"/>
-          <a:srcRect/>
-          <a:stretch>
-            <a:fillRect/>
-          </a:stretch>
-        </p:blipFill>
-        <p:spPr bwMode="auto">
-          <a:xfrm>
-            <a:off x="9015415" y="787401"/>
-            <a:ext cx="1157288" cy="5141914"/>
-          </a:xfrm>
-          <a:prstGeom prst="rect">
-            <a:avLst/>
-          </a:prstGeom>
-          <a:noFill/>
-        </p:spPr>
-      </p:pic>
-      <p:sp>
-        <p:nvSpPr>
-          <p:cNvPr id="5" name="Rectangle 4"/>
-          <p:cNvSpPr/>
-          <p:nvPr/>
-        </p:nvSpPr>
-        <p:spPr>
-          <a:xfrm>
-            <a:off x="582931" y="995743"/>
-            <a:ext cx="8069581" cy="1384995"/>
-          </a:xfrm>
-          <a:prstGeom prst="rect">
-            <a:avLst/>
-          </a:prstGeom>
-        </p:spPr>
-        <p:txBody>
-          <a:bodyPr wrap="square">
-            <a:spAutoFit/>
-          </a:bodyPr>
-          <a:lstStyle/>
-          <a:p>
-            <a:r>
-              <a:rPr lang="en-US" sz="1400" b="1" dirty="0" smtClean="0"/>
-              <a:t>1.2.1 Motors, Wheels and Encoders</a:t>
-            </a:r>
-          </a:p>
-          <a:p>
-            <a:r>
-              <a:rPr lang="en-US" sz="1400" dirty="0" err="1" smtClean="0"/>
-              <a:t>Turtlebot</a:t>
-            </a:r>
-            <a:r>
-              <a:rPr lang="en-US" sz="1400" dirty="0" smtClean="0"/>
-              <a:t> uses </a:t>
-            </a:r>
-            <a:r>
-              <a:rPr lang="en-US" sz="1400" b="1" dirty="0" smtClean="0"/>
-              <a:t>Encoders</a:t>
-            </a:r>
-            <a:r>
-              <a:rPr lang="en-US" sz="1400" dirty="0" smtClean="0"/>
-              <a:t> to drive it’s </a:t>
-            </a:r>
-            <a:r>
-              <a:rPr lang="en-US" sz="1400" b="1" dirty="0" smtClean="0"/>
-              <a:t>motors or wheels</a:t>
-            </a:r>
-            <a:r>
-              <a:rPr lang="en-US" sz="1400" dirty="0" smtClean="0"/>
-              <a:t>. Encoder registers certain number of </a:t>
-            </a:r>
-            <a:r>
-              <a:rPr lang="en-US" sz="1400" b="1" dirty="0" smtClean="0"/>
-              <a:t>ticks</a:t>
-            </a:r>
-            <a:r>
-              <a:rPr lang="en-US" sz="1400" dirty="0" smtClean="0"/>
-              <a:t> per </a:t>
-            </a:r>
-            <a:r>
-              <a:rPr lang="en-US" sz="1400" dirty="0" smtClean="0"/>
-              <a:t>revolution for </a:t>
-            </a:r>
-            <a:r>
-              <a:rPr lang="en-US" sz="1400" dirty="0" smtClean="0"/>
-              <a:t>a wheel. Knowing the diameter and distance between the wheels, from these ticks we can find distance </a:t>
-            </a:r>
-            <a:r>
-              <a:rPr lang="en-US" sz="1400" dirty="0" smtClean="0"/>
-              <a:t>traveled by </a:t>
-            </a:r>
-            <a:r>
-              <a:rPr lang="en-US" sz="1400" dirty="0" smtClean="0"/>
-              <a:t>the robot. To compute </a:t>
-            </a:r>
-            <a:r>
-              <a:rPr lang="en-US" sz="1400" b="1" dirty="0" smtClean="0"/>
-              <a:t>speed</a:t>
-            </a:r>
-            <a:r>
-              <a:rPr lang="en-US" sz="1400" dirty="0" smtClean="0"/>
-              <a:t>, these values are simply divided by the time interval between measurements. </a:t>
-            </a:r>
-            <a:r>
-              <a:rPr lang="en-US" sz="1400" dirty="0" smtClean="0"/>
-              <a:t>This internal </a:t>
-            </a:r>
-            <a:r>
-              <a:rPr lang="en-US" sz="1400" dirty="0" smtClean="0"/>
-              <a:t>motion data is known as </a:t>
-            </a:r>
-            <a:r>
-              <a:rPr lang="en-US" sz="1400" b="1" dirty="0" err="1" smtClean="0"/>
-              <a:t>odometry</a:t>
-            </a:r>
-            <a:r>
-              <a:rPr lang="en-US" sz="1400" dirty="0" smtClean="0"/>
-              <a:t>. </a:t>
-            </a:r>
-            <a:r>
-              <a:rPr lang="en-US" sz="1400" dirty="0" smtClean="0"/>
-              <a:t>Due to Environmental and other errors this data is not </a:t>
-            </a:r>
-            <a:r>
-              <a:rPr lang="en-US" sz="1400" dirty="0" smtClean="0"/>
-              <a:t>generally accurate</a:t>
-            </a:r>
-            <a:r>
-              <a:rPr lang="en-US" sz="1400" dirty="0" smtClean="0"/>
-              <a:t>. We need to use other motion data sources to get better estimation.</a:t>
-            </a:r>
-            <a:endParaRPr lang="en-US" sz="1400" dirty="0"/>
-          </a:p>
-        </p:txBody>
-      </p:sp>
-      <p:sp>
-        <p:nvSpPr>
-          <p:cNvPr id="7" name="Rectangle 6"/>
-          <p:cNvSpPr/>
-          <p:nvPr/>
-        </p:nvSpPr>
-        <p:spPr>
-          <a:xfrm>
-            <a:off x="617219" y="2425704"/>
-            <a:ext cx="7783830" cy="3539430"/>
-          </a:xfrm>
-          <a:prstGeom prst="rect">
-            <a:avLst/>
-          </a:prstGeom>
-        </p:spPr>
-        <p:txBody>
-          <a:bodyPr wrap="square">
-            <a:spAutoFit/>
-          </a:bodyPr>
-          <a:lstStyle/>
-          <a:p>
-            <a:r>
-              <a:rPr lang="en-US" sz="1400" b="1" dirty="0" smtClean="0"/>
-              <a:t>1.2.2 Motor Controllers and Drivers</a:t>
-            </a:r>
-          </a:p>
-          <a:p>
-            <a:r>
-              <a:rPr lang="en-US" sz="1400" dirty="0" smtClean="0"/>
-              <a:t>At the lowest level of motion control, a </a:t>
-            </a:r>
-            <a:r>
-              <a:rPr lang="en-US" sz="1400" b="1" dirty="0" smtClean="0"/>
-              <a:t>driver</a:t>
-            </a:r>
-            <a:r>
-              <a:rPr lang="en-US" sz="1400" dirty="0" smtClean="0"/>
-              <a:t> for the robot’s motor controller turns the wheels at a desired </a:t>
-            </a:r>
-            <a:r>
-              <a:rPr lang="en-US" sz="1400" b="1" dirty="0" smtClean="0"/>
-              <a:t>speed</a:t>
-            </a:r>
-            <a:r>
-              <a:rPr lang="en-US" sz="1400" dirty="0" smtClean="0"/>
-              <a:t>, usually </a:t>
-            </a:r>
-            <a:r>
-              <a:rPr lang="en-US" sz="1400" dirty="0" smtClean="0"/>
-              <a:t>using internal units such </a:t>
-            </a:r>
-            <a:r>
-              <a:rPr lang="en-US" sz="1400" b="1" dirty="0" smtClean="0"/>
-              <a:t>as encoder ticks per second </a:t>
-            </a:r>
-            <a:r>
-              <a:rPr lang="en-US" sz="1400" dirty="0" smtClean="0"/>
-              <a:t>or a percentage of max speed.</a:t>
-            </a:r>
-          </a:p>
-          <a:p>
-            <a:endParaRPr lang="en-US" sz="1400" b="1" dirty="0" smtClean="0"/>
-          </a:p>
-          <a:p>
-            <a:r>
-              <a:rPr lang="en-US" sz="1400" b="1" dirty="0" smtClean="0"/>
-              <a:t>1.2.3 </a:t>
-            </a:r>
-            <a:r>
-              <a:rPr lang="en-US" sz="1400" b="1" dirty="0" smtClean="0"/>
-              <a:t>The ROS Base Controller</a:t>
-            </a:r>
-          </a:p>
-          <a:p>
-            <a:r>
-              <a:rPr lang="en-US" sz="1400" dirty="0" smtClean="0"/>
-              <a:t>At this level of abstraction, the desired speed of the robot is specified in real-world units such </a:t>
-            </a:r>
-            <a:r>
-              <a:rPr lang="en-US" sz="1400" b="1" dirty="0" smtClean="0"/>
-              <a:t>as meters </a:t>
-            </a:r>
-            <a:r>
-              <a:rPr lang="en-US" sz="1400" b="1" dirty="0" smtClean="0"/>
-              <a:t>and radians </a:t>
-            </a:r>
-            <a:r>
-              <a:rPr lang="en-US" sz="1400" b="1" dirty="0" smtClean="0"/>
-              <a:t>per second</a:t>
-            </a:r>
-            <a:r>
-              <a:rPr lang="en-US" sz="1400" dirty="0" smtClean="0"/>
-              <a:t>. It also commonly employs </a:t>
-            </a:r>
-            <a:r>
-              <a:rPr lang="en-US" sz="1400" dirty="0" smtClean="0"/>
-              <a:t>some PID control (Proportional Integral Derivative), which in layman </a:t>
-            </a:r>
-            <a:r>
-              <a:rPr lang="en-US" sz="1400" dirty="0" smtClean="0"/>
-              <a:t>terms generally does it’s best to move the robot in the way we have requested</a:t>
-            </a:r>
-            <a:r>
-              <a:rPr lang="en-US" sz="1400" dirty="0" smtClean="0"/>
-              <a:t>.</a:t>
-            </a:r>
-            <a:endParaRPr lang="en-US" sz="1400" dirty="0" smtClean="0"/>
-          </a:p>
-          <a:p>
-            <a:r>
-              <a:rPr lang="en-US" sz="1400" dirty="0" smtClean="0"/>
-              <a:t>The </a:t>
-            </a:r>
-            <a:r>
-              <a:rPr lang="en-US" sz="1400" b="1" dirty="0" smtClean="0"/>
-              <a:t>driver</a:t>
-            </a:r>
-            <a:r>
-              <a:rPr lang="en-US" sz="1400" dirty="0" smtClean="0"/>
-              <a:t> and </a:t>
-            </a:r>
-            <a:r>
-              <a:rPr lang="en-US" sz="1400" b="1" dirty="0" smtClean="0"/>
-              <a:t>PID control </a:t>
-            </a:r>
-            <a:r>
-              <a:rPr lang="en-US" sz="1400" dirty="0" smtClean="0"/>
-              <a:t>are combined inside a single ROS node called </a:t>
-            </a:r>
-            <a:r>
-              <a:rPr lang="en-US" sz="1400" b="1" dirty="0" smtClean="0"/>
-              <a:t>base controller</a:t>
-            </a:r>
-            <a:r>
-              <a:rPr lang="en-US" sz="1400" dirty="0" smtClean="0"/>
-              <a:t>.</a:t>
-            </a:r>
-          </a:p>
-          <a:p>
-            <a:r>
-              <a:rPr lang="en-US" sz="1400" dirty="0" smtClean="0"/>
-              <a:t>The base controller node typically </a:t>
-            </a:r>
-            <a:r>
-              <a:rPr lang="en-US" sz="1400" b="1" dirty="0" smtClean="0"/>
-              <a:t>publishes </a:t>
-            </a:r>
-            <a:r>
-              <a:rPr lang="en-US" sz="1400" b="1" dirty="0" err="1" smtClean="0"/>
-              <a:t>odometry</a:t>
-            </a:r>
-            <a:r>
-              <a:rPr lang="en-US" sz="1400" b="1" dirty="0" smtClean="0"/>
-              <a:t> data </a:t>
-            </a:r>
-            <a:r>
-              <a:rPr lang="en-US" sz="1400" dirty="0" smtClean="0"/>
-              <a:t>on the</a:t>
-            </a:r>
-            <a:r>
-              <a:rPr lang="en-US" sz="1400" b="1" dirty="0" smtClean="0"/>
-              <a:t> /</a:t>
-            </a:r>
-            <a:r>
-              <a:rPr lang="en-US" sz="1400" b="1" dirty="0" err="1" smtClean="0"/>
-              <a:t>odom</a:t>
-            </a:r>
-            <a:r>
-              <a:rPr lang="en-US" sz="1400" b="1" dirty="0" smtClean="0"/>
-              <a:t> </a:t>
-            </a:r>
-            <a:r>
-              <a:rPr lang="en-US" sz="1400" dirty="0" smtClean="0"/>
-              <a:t>topic and listens for motion </a:t>
-            </a:r>
-            <a:r>
-              <a:rPr lang="en-US" sz="1400" dirty="0" smtClean="0"/>
-              <a:t>commands on </a:t>
-            </a:r>
-            <a:r>
-              <a:rPr lang="en-US" sz="1400" dirty="0" smtClean="0"/>
-              <a:t>the </a:t>
-            </a:r>
-            <a:r>
-              <a:rPr lang="en-US" sz="1400" b="1" dirty="0" smtClean="0"/>
-              <a:t>/</a:t>
-            </a:r>
-            <a:r>
-              <a:rPr lang="en-US" sz="1400" b="1" dirty="0" err="1" smtClean="0"/>
-              <a:t>cmd</a:t>
-            </a:r>
-            <a:r>
-              <a:rPr lang="en-US" sz="1400" b="1" dirty="0" smtClean="0"/>
-              <a:t> </a:t>
-            </a:r>
-            <a:r>
-              <a:rPr lang="en-US" sz="1400" b="1" dirty="0" err="1" smtClean="0"/>
-              <a:t>vel</a:t>
-            </a:r>
-            <a:r>
-              <a:rPr lang="en-US" sz="1400" b="1" dirty="0" smtClean="0"/>
-              <a:t> </a:t>
-            </a:r>
-            <a:r>
-              <a:rPr lang="en-US" sz="1400" dirty="0" smtClean="0"/>
-              <a:t>topic.</a:t>
-            </a:r>
-          </a:p>
-          <a:p>
-            <a:r>
-              <a:rPr lang="en-US" sz="1400" dirty="0" smtClean="0"/>
-              <a:t>Also a transform from the </a:t>
-            </a:r>
-            <a:r>
-              <a:rPr lang="en-US" sz="1400" b="1" dirty="0" smtClean="0"/>
-              <a:t>/</a:t>
-            </a:r>
-            <a:r>
-              <a:rPr lang="en-US" sz="1400" b="1" dirty="0" err="1" smtClean="0"/>
-              <a:t>odom</a:t>
-            </a:r>
-            <a:r>
-              <a:rPr lang="en-US" sz="1400" b="1" dirty="0" smtClean="0"/>
-              <a:t> </a:t>
-            </a:r>
-            <a:r>
-              <a:rPr lang="en-US" sz="1400" dirty="0" smtClean="0"/>
-              <a:t>frame to the base frame—either /base link or </a:t>
-            </a:r>
-            <a:r>
-              <a:rPr lang="en-US" sz="1400" b="1" dirty="0" smtClean="0"/>
-              <a:t>/base footprint </a:t>
-            </a:r>
-            <a:r>
-              <a:rPr lang="en-US" sz="1400" dirty="0" smtClean="0"/>
-              <a:t>(</a:t>
-            </a:r>
-            <a:r>
-              <a:rPr lang="en-US" sz="1400" dirty="0" err="1" smtClean="0"/>
-              <a:t>Turtlebot</a:t>
-            </a:r>
-            <a:r>
-              <a:rPr lang="en-US" sz="1400" dirty="0" smtClean="0"/>
-              <a:t>) is </a:t>
-            </a:r>
-            <a:r>
-              <a:rPr lang="en-US" sz="1400" dirty="0" smtClean="0"/>
-              <a:t>done depending on the robot types.</a:t>
-            </a:r>
-          </a:p>
-          <a:p>
-            <a:r>
-              <a:rPr lang="en-US" sz="1400" dirty="0" smtClean="0"/>
-              <a:t>Once we have our </a:t>
-            </a:r>
-            <a:r>
-              <a:rPr lang="en-US" sz="1400" b="1" dirty="0" smtClean="0"/>
-              <a:t>base controller with a ROS interface </a:t>
-            </a:r>
-            <a:r>
-              <a:rPr lang="en-US" sz="1400" dirty="0" smtClean="0"/>
-              <a:t>our programming can focus purely on the desired</a:t>
-            </a:r>
-          </a:p>
-          <a:p>
-            <a:r>
-              <a:rPr lang="en-US" sz="1400" dirty="0" smtClean="0"/>
-              <a:t>linear and angular velocities in real-world units</a:t>
-            </a:r>
-            <a:r>
-              <a:rPr lang="en-US" sz="1400" dirty="0" smtClean="0"/>
-              <a:t>.</a:t>
-            </a:r>
-            <a:endParaRPr lang="en-US" sz="1400" dirty="0" smtClean="0"/>
-          </a:p>
-        </p:txBody>
-      </p:sp>
-    </p:spTree>
-    <p:extLst>
-      <p:ext uri="{BB962C8B-B14F-4D97-AF65-F5344CB8AC3E}">
-        <p14:creationId xmlns:p14="http://schemas.microsoft.com/office/powerpoint/2010/main" xmlns="" val="827552370"/>
-      </p:ext>
-    </p:extLst>
-  </p:cSld>
-  <p:clrMapOvr>
-    <a:masterClrMapping/>
-  </p:clrMapOvr>
-</p:sld>
-</file>
-
-<file path=ppt/slides/slide6.xml><?xml version="1.0" encoding="utf-8"?>
-<p:sld xmlns:a="http://schemas.openxmlformats.org/drawingml/2006/main" xmlns:r="http://schemas.openxmlformats.org/officeDocument/2006/relationships" xmlns:p="http://schemas.openxmlformats.org/presentationml/2006/main">
-  <p:cSld>
-    <p:spTree>
-      <p:nvGrpSpPr>
-        <p:cNvPr id="1" name=""/>
-        <p:cNvGrpSpPr/>
-        <p:nvPr/>
-      </p:nvGrpSpPr>
-      <p:grpSpPr>
-        <a:xfrm>
-          <a:off x="0" y="0"/>
-          <a:ext cx="0" cy="0"/>
-          <a:chOff x="0" y="0"/>
-          <a:chExt cx="0" cy="0"/>
-        </a:xfrm>
-      </p:grpSpPr>
-      <p:sp>
-        <p:nvSpPr>
-          <p:cNvPr id="2" name="Titre 1"/>
-          <p:cNvSpPr>
-            <a:spLocks noGrp="1"/>
-          </p:cNvSpPr>
-          <p:nvPr>
-            <p:ph type="ctrTitle"/>
-          </p:nvPr>
-        </p:nvSpPr>
-        <p:spPr>
-          <a:xfrm>
-            <a:off x="228600" y="279400"/>
-            <a:ext cx="7406640" cy="749300"/>
-          </a:xfrm>
-        </p:spPr>
-        <p:txBody>
-          <a:bodyPr>
-            <a:noAutofit/>
-          </a:bodyPr>
-          <a:lstStyle/>
-          <a:p>
-            <a:r>
-              <a:rPr lang="fr-FR" sz="4800" dirty="0" err="1" smtClean="0"/>
-              <a:t>Levels</a:t>
-            </a:r>
-            <a:r>
-              <a:rPr lang="fr-FR" sz="4800" dirty="0" smtClean="0"/>
-              <a:t> of Motion </a:t>
-            </a:r>
-            <a:r>
-              <a:rPr lang="fr-FR" sz="4800" dirty="0" smtClean="0"/>
-              <a:t>Control</a:t>
-            </a:r>
-            <a:endParaRPr lang="fr-FR" sz="4800" dirty="0"/>
-          </a:p>
-        </p:txBody>
-      </p:sp>
-      <p:pic>
-        <p:nvPicPr>
-          <p:cNvPr id="1026" name="Picture 2" descr="C:\Users\EpicFailure\Desktop\bsc2\Robotic Engineering 2 (ROS)\Report\images\motion_control.png"/>
-          <p:cNvPicPr>
-            <a:picLocks noChangeAspect="1" noChangeArrowheads="1"/>
-          </p:cNvPicPr>
-          <p:nvPr/>
-        </p:nvPicPr>
-        <p:blipFill>
-          <a:blip r:embed="rId2"/>
-          <a:srcRect/>
-          <a:stretch>
-            <a:fillRect/>
-          </a:stretch>
-        </p:blipFill>
-        <p:spPr bwMode="auto">
-          <a:xfrm>
-            <a:off x="9015415" y="787401"/>
-            <a:ext cx="1157288" cy="5141914"/>
-          </a:xfrm>
-          <a:prstGeom prst="rect">
-            <a:avLst/>
-          </a:prstGeom>
-          <a:noFill/>
-        </p:spPr>
-      </p:pic>
-      <p:sp>
-        <p:nvSpPr>
-          <p:cNvPr id="5" name="Rectangle 4"/>
-          <p:cNvSpPr/>
-          <p:nvPr/>
-        </p:nvSpPr>
-        <p:spPr>
-          <a:xfrm>
-            <a:off x="582931" y="995743"/>
-            <a:ext cx="8069581" cy="3970318"/>
-          </a:xfrm>
-          <a:prstGeom prst="rect">
-            <a:avLst/>
-          </a:prstGeom>
-        </p:spPr>
-        <p:txBody>
-          <a:bodyPr wrap="square">
-            <a:spAutoFit/>
-          </a:bodyPr>
-          <a:lstStyle/>
-          <a:p>
-            <a:r>
-              <a:rPr lang="en-US" sz="1400" b="1" dirty="0" smtClean="0"/>
-              <a:t>1.2.4 Frame-Base Motion using the move base ROS Package</a:t>
-            </a:r>
-          </a:p>
-          <a:p>
-            <a:r>
-              <a:rPr lang="en-US" sz="1400" dirty="0" smtClean="0"/>
-              <a:t>The </a:t>
-            </a:r>
-            <a:r>
-              <a:rPr lang="en-US" sz="1400" b="1" dirty="0" smtClean="0"/>
-              <a:t>move base </a:t>
-            </a:r>
-            <a:r>
-              <a:rPr lang="en-US" sz="1400" dirty="0" smtClean="0"/>
-              <a:t>package is a very sophisticated path planner and combines </a:t>
-            </a:r>
-            <a:r>
-              <a:rPr lang="en-US" sz="1400" b="1" dirty="0" err="1" smtClean="0"/>
-              <a:t>odometry</a:t>
-            </a:r>
-            <a:r>
-              <a:rPr lang="en-US" sz="1400" dirty="0" smtClean="0"/>
-              <a:t> data with </a:t>
-            </a:r>
-            <a:r>
-              <a:rPr lang="en-US" sz="1400" b="1" dirty="0" smtClean="0"/>
-              <a:t>both local and</a:t>
-            </a:r>
-          </a:p>
-          <a:p>
-            <a:r>
-              <a:rPr lang="en-US" sz="1400" b="1" dirty="0" smtClean="0"/>
-              <a:t>global cost maps </a:t>
-            </a:r>
-            <a:r>
-              <a:rPr lang="en-US" sz="1400" dirty="0" smtClean="0"/>
-              <a:t>when selecting a path for the robot to follow. </a:t>
-            </a:r>
-            <a:endParaRPr lang="en-US" sz="1400" dirty="0" smtClean="0"/>
-          </a:p>
-          <a:p>
-            <a:endParaRPr lang="en-US" sz="1400" dirty="0" smtClean="0"/>
-          </a:p>
-          <a:p>
-            <a:r>
-              <a:rPr lang="en-US" sz="1400" b="1" dirty="0" smtClean="0"/>
-              <a:t>1.2.5 </a:t>
-            </a:r>
-            <a:r>
-              <a:rPr lang="en-US" sz="1400" b="1" dirty="0" smtClean="0"/>
-              <a:t>SLAM using the </a:t>
-            </a:r>
-            <a:r>
-              <a:rPr lang="en-US" sz="1400" b="1" dirty="0" err="1" smtClean="0"/>
-              <a:t>gmapping</a:t>
-            </a:r>
-            <a:r>
-              <a:rPr lang="en-US" sz="1400" b="1" dirty="0" smtClean="0"/>
-              <a:t> and </a:t>
-            </a:r>
-            <a:r>
-              <a:rPr lang="en-US" sz="1400" b="1" dirty="0" err="1" smtClean="0"/>
-              <a:t>amcl</a:t>
-            </a:r>
-            <a:r>
-              <a:rPr lang="en-US" sz="1400" b="1" dirty="0" smtClean="0"/>
-              <a:t> ROS Packages</a:t>
-            </a:r>
-          </a:p>
-          <a:p>
-            <a:r>
-              <a:rPr lang="en-US" sz="1400" dirty="0" smtClean="0"/>
-              <a:t>At an even higher level, ROS enables our robot to create a map of its environment using the </a:t>
-            </a:r>
-            <a:r>
-              <a:rPr lang="en-US" sz="1400" b="1" dirty="0" smtClean="0"/>
-              <a:t>SLAM </a:t>
-            </a:r>
-            <a:r>
-              <a:rPr lang="en-US" sz="1400" b="1" dirty="0" err="1" smtClean="0"/>
-              <a:t>gmapping</a:t>
-            </a:r>
-            <a:endParaRPr lang="en-US" sz="1400" b="1" dirty="0" smtClean="0"/>
-          </a:p>
-          <a:p>
-            <a:r>
-              <a:rPr lang="en-US" sz="1400" dirty="0" smtClean="0"/>
-              <a:t>package.</a:t>
-            </a:r>
-          </a:p>
-          <a:p>
-            <a:r>
-              <a:rPr lang="en-US" sz="1400" dirty="0" smtClean="0"/>
-              <a:t>Once a map of the environment is available, ROS provides the </a:t>
-            </a:r>
-            <a:r>
-              <a:rPr lang="en-US" sz="1400" b="1" dirty="0" err="1" smtClean="0"/>
-              <a:t>amcl</a:t>
-            </a:r>
-            <a:r>
-              <a:rPr lang="en-US" sz="1400" b="1" dirty="0" smtClean="0"/>
-              <a:t> package </a:t>
-            </a:r>
-            <a:r>
-              <a:rPr lang="en-US" sz="1400" dirty="0" smtClean="0"/>
-              <a:t>(adaptive Monte Carlo localization)</a:t>
-            </a:r>
-          </a:p>
-          <a:p>
-            <a:r>
-              <a:rPr lang="en-US" sz="1400" dirty="0" smtClean="0"/>
-              <a:t>for automatically </a:t>
-            </a:r>
-            <a:r>
-              <a:rPr lang="en-US" sz="1400" b="1" dirty="0" smtClean="0"/>
-              <a:t>localizing the robot based on its current scan and </a:t>
-            </a:r>
-            <a:r>
-              <a:rPr lang="en-US" sz="1400" b="1" dirty="0" err="1" smtClean="0"/>
-              <a:t>odometry</a:t>
-            </a:r>
-            <a:r>
-              <a:rPr lang="en-US" sz="1400" b="1" dirty="0" smtClean="0"/>
-              <a:t> data</a:t>
-            </a:r>
-            <a:r>
-              <a:rPr lang="en-US" sz="1400" dirty="0" smtClean="0"/>
-              <a:t>.</a:t>
-            </a:r>
-          </a:p>
-          <a:p>
-            <a:endParaRPr lang="en-US" sz="1400" dirty="0" smtClean="0"/>
-          </a:p>
-          <a:p>
-            <a:r>
-              <a:rPr lang="en-US" sz="1400" b="1" dirty="0" smtClean="0"/>
-              <a:t>1.2.6 </a:t>
-            </a:r>
-            <a:r>
-              <a:rPr lang="en-US" sz="1400" b="1" dirty="0" smtClean="0"/>
-              <a:t>Semantic Goals</a:t>
-            </a:r>
-          </a:p>
-          <a:p>
-            <a:r>
-              <a:rPr lang="en-US" sz="1400" dirty="0" smtClean="0"/>
-              <a:t>Finally, at the highest level of abstraction, motion goals are specified semantically such as ”go to the kitchen and</a:t>
-            </a:r>
-          </a:p>
-          <a:p>
-            <a:r>
-              <a:rPr lang="en-US" sz="1400" dirty="0" smtClean="0"/>
-              <a:t>bring me a beer”, or simply, ”bring me a beer”. These are generally segmented into smaller tasks and passed to</a:t>
-            </a:r>
-          </a:p>
-          <a:p>
-            <a:r>
-              <a:rPr lang="en-US" sz="1400" dirty="0" smtClean="0"/>
-              <a:t>lower levels.</a:t>
-            </a:r>
-            <a:endParaRPr lang="en-US" sz="1400" dirty="0"/>
-          </a:p>
-        </p:txBody>
-      </p:sp>
-    </p:spTree>
-    <p:extLst>
-      <p:ext uri="{BB962C8B-B14F-4D97-AF65-F5344CB8AC3E}">
-        <p14:creationId xmlns:p14="http://schemas.microsoft.com/office/powerpoint/2010/main" xmlns="" val="827552370"/>
-      </p:ext>
-    </p:extLst>
-  </p:cSld>
-  <p:clrMapOvr>
-    <a:masterClrMapping/>
-  </p:clrMapOvr>
-</p:sld>
-</file>
-
-<file path=ppt/slides/slide7.xml><?xml version="1.0" encoding="utf-8"?>
-<p:sld xmlns:a="http://schemas.openxmlformats.org/drawingml/2006/main" xmlns:r="http://schemas.openxmlformats.org/officeDocument/2006/relationships" xmlns:p="http://schemas.openxmlformats.org/presentationml/2006/main">
-  <p:cSld>
-    <p:spTree>
-      <p:nvGrpSpPr>
-        <p:cNvPr id="1" name=""/>
-        <p:cNvGrpSpPr/>
-        <p:nvPr/>
-      </p:nvGrpSpPr>
-      <p:grpSpPr>
-        <a:xfrm>
-          <a:off x="0" y="0"/>
-          <a:ext cx="0" cy="0"/>
-          <a:chOff x="0" y="0"/>
-          <a:chExt cx="0" cy="0"/>
-        </a:xfrm>
-      </p:grpSpPr>
-      <p:sp>
-        <p:nvSpPr>
-          <p:cNvPr id="2" name="Titre 1"/>
-          <p:cNvSpPr>
-            <a:spLocks noGrp="1"/>
-          </p:cNvSpPr>
-          <p:nvPr>
-            <p:ph type="ctrTitle"/>
-          </p:nvPr>
-        </p:nvSpPr>
-        <p:spPr>
-          <a:xfrm>
-            <a:off x="228600" y="279400"/>
-            <a:ext cx="7406640" cy="749300"/>
-          </a:xfrm>
-        </p:spPr>
-        <p:txBody>
-          <a:bodyPr>
-            <a:noAutofit/>
-          </a:bodyPr>
-          <a:lstStyle/>
-          <a:p>
-            <a:r>
-              <a:rPr lang="en-US" sz="3600" b="1" dirty="0" smtClean="0"/>
-              <a:t>Twisting and Turning with ROS</a:t>
-            </a:r>
-            <a:endParaRPr lang="fr-FR" sz="3600" dirty="0"/>
-          </a:p>
-        </p:txBody>
-      </p:sp>
-      <p:sp>
-        <p:nvSpPr>
-          <p:cNvPr id="5" name="Rectangle 4"/>
-          <p:cNvSpPr/>
-          <p:nvPr/>
-        </p:nvSpPr>
-        <p:spPr>
-          <a:xfrm>
-            <a:off x="582931" y="995743"/>
-            <a:ext cx="8069581" cy="3108543"/>
-          </a:xfrm>
-          <a:prstGeom prst="rect">
-            <a:avLst/>
-          </a:prstGeom>
-        </p:spPr>
-        <p:txBody>
-          <a:bodyPr wrap="square">
-            <a:spAutoFit/>
-          </a:bodyPr>
-          <a:lstStyle/>
-          <a:p>
-            <a:r>
-              <a:rPr lang="en-US" sz="1400" dirty="0" smtClean="0"/>
-              <a:t>ROS </a:t>
-            </a:r>
-            <a:r>
-              <a:rPr lang="en-US" sz="1400" dirty="0" smtClean="0"/>
-              <a:t>uses the Twist message type (see details below) for publishing motion commands to be used by the base controller. </a:t>
-            </a:r>
-            <a:r>
-              <a:rPr lang="en-US" sz="1400" dirty="0" smtClean="0"/>
-              <a:t>The </a:t>
-            </a:r>
-            <a:r>
-              <a:rPr lang="en-US" sz="1400" dirty="0" smtClean="0"/>
-              <a:t>base controller node subscribes to the </a:t>
-            </a:r>
-            <a:r>
-              <a:rPr lang="en-US" sz="1400" b="1" dirty="0" smtClean="0"/>
-              <a:t>/</a:t>
-            </a:r>
-            <a:r>
-              <a:rPr lang="en-US" sz="1400" b="1" dirty="0" err="1" smtClean="0"/>
-              <a:t>cmd_vel</a:t>
-            </a:r>
-            <a:r>
-              <a:rPr lang="en-US" sz="1400" b="1" dirty="0" smtClean="0"/>
-              <a:t> </a:t>
-            </a:r>
-            <a:r>
-              <a:rPr lang="en-US" sz="1400" dirty="0" smtClean="0"/>
-              <a:t>topic and translates Twist messages into motor signals that actually turn the </a:t>
-            </a:r>
-            <a:r>
-              <a:rPr lang="en-US" sz="1400" dirty="0" smtClean="0"/>
-              <a:t>wheels.</a:t>
-            </a:r>
-            <a:endParaRPr lang="en-US" sz="1400" dirty="0" smtClean="0"/>
-          </a:p>
-          <a:p>
-            <a:endParaRPr lang="en-US" sz="1400" dirty="0" smtClean="0"/>
-          </a:p>
-          <a:p>
-            <a:r>
-              <a:rPr lang="en-US" sz="1400" dirty="0" smtClean="0"/>
-              <a:t>$</a:t>
-            </a:r>
-            <a:r>
-              <a:rPr lang="en-US" sz="1400" b="1" dirty="0" err="1" smtClean="0"/>
-              <a:t>rosmsg</a:t>
-            </a:r>
-            <a:r>
-              <a:rPr lang="en-US" sz="1400" b="1" dirty="0" smtClean="0"/>
-              <a:t> show </a:t>
-            </a:r>
-            <a:r>
-              <a:rPr lang="en-US" sz="1400" b="1" dirty="0" err="1" smtClean="0"/>
-              <a:t>geometry_msgs</a:t>
-            </a:r>
-            <a:r>
-              <a:rPr lang="en-US" sz="1400" b="1" dirty="0" smtClean="0"/>
-              <a:t>/Twist</a:t>
-            </a:r>
-          </a:p>
-          <a:p>
-            <a:endParaRPr lang="en-US" sz="1400" dirty="0" smtClean="0"/>
-          </a:p>
-          <a:p>
-            <a:r>
-              <a:rPr lang="en-US" sz="1400" dirty="0" err="1" smtClean="0"/>
-              <a:t>geometry_msgs</a:t>
-            </a:r>
-            <a:r>
-              <a:rPr lang="en-US" sz="1400" dirty="0" smtClean="0"/>
-              <a:t>/Vector3 </a:t>
-            </a:r>
-            <a:r>
-              <a:rPr lang="en-US" sz="1400" dirty="0" smtClean="0"/>
-              <a:t>linear </a:t>
-            </a:r>
-          </a:p>
-          <a:p>
-            <a:r>
-              <a:rPr lang="en-US" sz="1400" dirty="0" smtClean="0"/>
-              <a:t>float64 x </a:t>
-            </a:r>
-          </a:p>
-          <a:p>
-            <a:r>
-              <a:rPr lang="en-US" sz="1400" dirty="0" smtClean="0"/>
-              <a:t>float64 y </a:t>
-            </a:r>
-          </a:p>
-          <a:p>
-            <a:r>
-              <a:rPr lang="en-US" sz="1400" dirty="0" smtClean="0"/>
-              <a:t>float64 z </a:t>
-            </a:r>
-          </a:p>
-          <a:p>
-            <a:r>
-              <a:rPr lang="en-US" sz="1400" dirty="0" err="1" smtClean="0"/>
-              <a:t>geometry_msgs</a:t>
-            </a:r>
-            <a:r>
-              <a:rPr lang="en-US" sz="1400" dirty="0" smtClean="0"/>
-              <a:t>/Vector3 angular </a:t>
-            </a:r>
-          </a:p>
-          <a:p>
-            <a:r>
-              <a:rPr lang="en-US" sz="1400" dirty="0" smtClean="0"/>
-              <a:t>float64 x </a:t>
-            </a:r>
-          </a:p>
-          <a:p>
-            <a:r>
-              <a:rPr lang="en-US" sz="1400" dirty="0" smtClean="0"/>
-              <a:t>float64 y </a:t>
-            </a:r>
-          </a:p>
-          <a:p>
-            <a:r>
-              <a:rPr lang="en-US" sz="1400" dirty="0" smtClean="0"/>
-              <a:t>float64 z </a:t>
-            </a:r>
-            <a:endParaRPr lang="en-US" sz="1400" dirty="0"/>
-          </a:p>
-        </p:txBody>
-      </p:sp>
-      <p:sp>
-        <p:nvSpPr>
-          <p:cNvPr id="6" name="Rectangle 5"/>
-          <p:cNvSpPr/>
-          <p:nvPr/>
-        </p:nvSpPr>
-        <p:spPr>
-          <a:xfrm>
-            <a:off x="628650" y="4478638"/>
-            <a:ext cx="5337810" cy="646331"/>
-          </a:xfrm>
-          <a:prstGeom prst="rect">
-            <a:avLst/>
-          </a:prstGeom>
-        </p:spPr>
-        <p:txBody>
-          <a:bodyPr wrap="square">
-            <a:spAutoFit/>
-          </a:bodyPr>
-          <a:lstStyle/>
-          <a:p>
-            <a:r>
-              <a:rPr lang="en-US" dirty="0" smtClean="0"/>
-              <a:t>$</a:t>
-            </a:r>
-            <a:r>
-              <a:rPr lang="en-US" dirty="0" err="1" smtClean="0"/>
-              <a:t>rostopic</a:t>
-            </a:r>
-            <a:r>
-              <a:rPr lang="en-US" dirty="0" smtClean="0"/>
-              <a:t> pub -r 10 /</a:t>
-            </a:r>
-            <a:r>
-              <a:rPr lang="en-US" dirty="0" err="1" smtClean="0"/>
-              <a:t>cmd_vel</a:t>
-            </a:r>
-            <a:r>
-              <a:rPr lang="en-US" dirty="0" smtClean="0"/>
-              <a:t> </a:t>
-            </a:r>
-            <a:r>
-              <a:rPr lang="en-US" dirty="0" err="1" smtClean="0"/>
-              <a:t>geometry_msgs</a:t>
-            </a:r>
-            <a:r>
-              <a:rPr lang="en-US" dirty="0" smtClean="0"/>
-              <a:t>/Twist ’{linear: {x: 0.15, y: 0, z: 0</a:t>
-            </a:r>
-            <a:r>
-              <a:rPr lang="en-US" dirty="0" smtClean="0"/>
-              <a:t>}, </a:t>
-            </a:r>
-            <a:r>
-              <a:rPr lang="es-ES" dirty="0" smtClean="0"/>
-              <a:t>angular</a:t>
-            </a:r>
-            <a:r>
-              <a:rPr lang="es-ES" dirty="0" smtClean="0"/>
-              <a:t>: {x: 0, y: 0, z: -0.4}}’</a:t>
-            </a:r>
-            <a:endParaRPr lang="en-US" dirty="0"/>
-          </a:p>
-        </p:txBody>
-      </p:sp>
-      <p:pic>
-        <p:nvPicPr>
-          <p:cNvPr id="2050" name="Picture 2" descr="C:\Users\EpicFailure\Desktop\bsc2\Robotic Engineering 2 (ROS)\Report\Presentation\twist.png"/>
-          <p:cNvPicPr>
-            <a:picLocks noChangeAspect="1" noChangeArrowheads="1"/>
-          </p:cNvPicPr>
-          <p:nvPr/>
-        </p:nvPicPr>
-        <p:blipFill>
-          <a:blip r:embed="rId2"/>
-          <a:srcRect/>
-          <a:stretch>
-            <a:fillRect/>
-          </a:stretch>
-        </p:blipFill>
-        <p:spPr bwMode="auto">
-          <a:xfrm>
-            <a:off x="6332224" y="1755775"/>
-            <a:ext cx="4251960" cy="3524250"/>
-          </a:xfrm>
-          <a:prstGeom prst="rect">
-            <a:avLst/>
-          </a:prstGeom>
-          <a:noFill/>
-        </p:spPr>
-      </p:pic>
-    </p:spTree>
-    <p:extLst>
-      <p:ext uri="{BB962C8B-B14F-4D97-AF65-F5344CB8AC3E}">
-        <p14:creationId xmlns:p14="http://schemas.microsoft.com/office/powerpoint/2010/main" xmlns="" val="827552370"/>
-      </p:ext>
-    </p:extLst>
-  </p:cSld>
-  <p:clrMapOvr>
-    <a:masterClrMapping/>
-  </p:clrMapOvr>
-</p:sld>
-</file>
-
-<file path=ppt/slides/slide8.xml><?xml version="1.0" encoding="utf-8"?>
-<p:sld xmlns:a="http://schemas.openxmlformats.org/drawingml/2006/main" xmlns:r="http://schemas.openxmlformats.org/officeDocument/2006/relationships" xmlns:p="http://schemas.openxmlformats.org/presentationml/2006/main">
-  <p:cSld>
-    <p:spTree>
-      <p:nvGrpSpPr>
-        <p:cNvPr id="1" name=""/>
-        <p:cNvGrpSpPr/>
-        <p:nvPr/>
-      </p:nvGrpSpPr>
-      <p:grpSpPr>
-        <a:xfrm>
-          <a:off x="0" y="0"/>
-          <a:ext cx="0" cy="0"/>
-          <a:chOff x="0" y="0"/>
-          <a:chExt cx="0" cy="0"/>
-        </a:xfrm>
-      </p:grpSpPr>
-      <p:sp>
-        <p:nvSpPr>
-          <p:cNvPr id="2" name="Titre 1"/>
-          <p:cNvSpPr>
-            <a:spLocks noGrp="1"/>
-          </p:cNvSpPr>
-          <p:nvPr>
-            <p:ph type="ctrTitle"/>
-          </p:nvPr>
-        </p:nvSpPr>
-        <p:spPr>
-          <a:xfrm>
-            <a:off x="228600" y="279400"/>
-            <a:ext cx="7886700" cy="749300"/>
-          </a:xfrm>
-        </p:spPr>
-        <p:txBody>
-          <a:bodyPr>
-            <a:noAutofit/>
-          </a:bodyPr>
-          <a:lstStyle/>
-          <a:p>
-            <a:r>
-              <a:rPr lang="en-US" sz="3600" dirty="0" smtClean="0"/>
-              <a:t>Goal 1 : Basic Motion of Mobile Base</a:t>
-            </a:r>
-            <a:endParaRPr lang="fr-FR" sz="3600" dirty="0"/>
-          </a:p>
-        </p:txBody>
-      </p:sp>
-      <p:sp>
-        <p:nvSpPr>
-          <p:cNvPr id="5" name="Rectangle 4"/>
-          <p:cNvSpPr/>
-          <p:nvPr/>
-        </p:nvSpPr>
-        <p:spPr>
-          <a:xfrm>
-            <a:off x="582932" y="995740"/>
-            <a:ext cx="5463541" cy="5016758"/>
-          </a:xfrm>
-          <a:prstGeom prst="rect">
-            <a:avLst/>
-          </a:prstGeom>
-        </p:spPr>
-        <p:txBody>
-          <a:bodyPr wrap="square">
-            <a:spAutoFit/>
-          </a:bodyPr>
-          <a:lstStyle/>
-          <a:p>
-            <a:r>
-              <a:rPr lang="en-US" b="1" u="sng" dirty="0" smtClean="0"/>
-              <a:t>Algorithm 1: Time and Speed based out and </a:t>
-            </a:r>
-            <a:r>
-              <a:rPr lang="en-US" b="1" u="sng" dirty="0" smtClean="0"/>
-              <a:t>back (</a:t>
-            </a:r>
-            <a:endParaRPr lang="en-US" dirty="0" smtClean="0"/>
-          </a:p>
-          <a:p>
-            <a:r>
-              <a:rPr lang="en-US" dirty="0" smtClean="0"/>
-              <a:t>$</a:t>
-            </a:r>
-            <a:r>
-              <a:rPr lang="en-US" dirty="0" err="1" smtClean="0"/>
-              <a:t>rosrun</a:t>
-            </a:r>
-            <a:r>
-              <a:rPr lang="en-US" dirty="0" smtClean="0"/>
-              <a:t> rbx1_nav </a:t>
-            </a:r>
-            <a:r>
-              <a:rPr lang="en-US" dirty="0" smtClean="0"/>
-              <a:t>timed_out_and_back.py)</a:t>
-            </a:r>
-          </a:p>
-          <a:p>
-            <a:endParaRPr lang="en-US" b="1" u="sng" dirty="0" smtClean="0"/>
-          </a:p>
-          <a:p>
-            <a:r>
-              <a:rPr lang="en-US" sz="1400" dirty="0" smtClean="0"/>
-              <a:t>rate </a:t>
-            </a:r>
-            <a:r>
-              <a:rPr lang="en-US" sz="1400" dirty="0" smtClean="0"/>
-              <a:t>= 50</a:t>
-            </a:r>
-          </a:p>
-          <a:p>
-            <a:r>
-              <a:rPr lang="en-US" sz="1400" dirty="0" err="1" smtClean="0"/>
-              <a:t>goal_distance</a:t>
-            </a:r>
-            <a:r>
-              <a:rPr lang="en-US" sz="1400" dirty="0" smtClean="0"/>
-              <a:t> = 1.0 m</a:t>
-            </a:r>
-          </a:p>
-          <a:p>
-            <a:r>
-              <a:rPr lang="en-US" sz="1400" dirty="0" err="1" smtClean="0"/>
-              <a:t>linear_speed</a:t>
-            </a:r>
-            <a:r>
-              <a:rPr lang="en-US" sz="1400" dirty="0" smtClean="0"/>
-              <a:t> = 0.2m/s</a:t>
-            </a:r>
-          </a:p>
-          <a:p>
-            <a:r>
-              <a:rPr lang="en-US" sz="1400" dirty="0" err="1" smtClean="0"/>
-              <a:t>linear_duration</a:t>
-            </a:r>
-            <a:r>
-              <a:rPr lang="en-US" sz="1400" dirty="0" smtClean="0"/>
-              <a:t> = </a:t>
-            </a:r>
-            <a:r>
-              <a:rPr lang="en-US" sz="1400" dirty="0" err="1" smtClean="0"/>
-              <a:t>goal_distance</a:t>
-            </a:r>
-            <a:r>
-              <a:rPr lang="en-US" sz="1400" dirty="0" smtClean="0"/>
-              <a:t> / </a:t>
-            </a:r>
-            <a:r>
-              <a:rPr lang="en-US" sz="1400" dirty="0" err="1" smtClean="0"/>
-              <a:t>linear_speed</a:t>
-            </a:r>
-            <a:r>
-              <a:rPr lang="en-US" sz="1400" dirty="0" smtClean="0"/>
-              <a:t>;</a:t>
-            </a:r>
-          </a:p>
-          <a:p>
-            <a:endParaRPr lang="en-US" sz="1400" dirty="0" smtClean="0"/>
-          </a:p>
-          <a:p>
-            <a:r>
-              <a:rPr lang="en-US" sz="1400" dirty="0" err="1" smtClean="0"/>
-              <a:t>angular_speed</a:t>
-            </a:r>
-            <a:r>
-              <a:rPr lang="en-US" sz="1400" dirty="0" smtClean="0"/>
-              <a:t> </a:t>
-            </a:r>
-            <a:r>
-              <a:rPr lang="en-US" sz="1400" dirty="0" smtClean="0"/>
-              <a:t>= 1.0</a:t>
-            </a:r>
-          </a:p>
-          <a:p>
-            <a:r>
-              <a:rPr lang="en-US" sz="1400" dirty="0" err="1" smtClean="0"/>
-              <a:t>goal_angle</a:t>
-            </a:r>
-            <a:r>
-              <a:rPr lang="en-US" sz="1400" dirty="0" smtClean="0"/>
-              <a:t> = pi</a:t>
-            </a:r>
-          </a:p>
-          <a:p>
-            <a:r>
-              <a:rPr lang="en-US" sz="1400" dirty="0" err="1" smtClean="0"/>
-              <a:t>angular_duration</a:t>
-            </a:r>
-            <a:r>
-              <a:rPr lang="en-US" sz="1400" dirty="0" smtClean="0"/>
-              <a:t> = </a:t>
-            </a:r>
-            <a:r>
-              <a:rPr lang="en-US" sz="1400" dirty="0" err="1" smtClean="0"/>
-              <a:t>goal_angle</a:t>
-            </a:r>
-            <a:r>
-              <a:rPr lang="en-US" sz="1400" dirty="0" smtClean="0"/>
-              <a:t> / </a:t>
-            </a:r>
-            <a:r>
-              <a:rPr lang="en-US" sz="1400" dirty="0" err="1" smtClean="0"/>
-              <a:t>angular_speed</a:t>
-            </a:r>
-            <a:r>
-              <a:rPr lang="en-US" sz="1400" dirty="0" smtClean="0"/>
-              <a:t>;</a:t>
-            </a:r>
-          </a:p>
-          <a:p>
-            <a:endParaRPr lang="en-US" sz="1400" dirty="0" smtClean="0"/>
-          </a:p>
-          <a:p>
-            <a:r>
-              <a:rPr lang="en-US" sz="1400" dirty="0" smtClean="0"/>
-              <a:t>A: Repeat step 1 to 6 twice</a:t>
-            </a:r>
-          </a:p>
-          <a:p>
-            <a:r>
-              <a:rPr lang="en-US" sz="1400" dirty="0" smtClean="0"/>
-              <a:t>	1</a:t>
-            </a:r>
-            <a:r>
-              <a:rPr lang="en-US" sz="1400" dirty="0" smtClean="0"/>
-              <a:t>. ticks = </a:t>
-            </a:r>
-            <a:r>
-              <a:rPr lang="en-US" sz="1400" dirty="0" err="1" smtClean="0"/>
-              <a:t>linear_duration</a:t>
-            </a:r>
-            <a:r>
-              <a:rPr lang="en-US" sz="1400" dirty="0" smtClean="0"/>
-              <a:t> / rate</a:t>
-            </a:r>
-          </a:p>
-          <a:p>
-            <a:r>
-              <a:rPr lang="en-US" sz="1400" dirty="0" smtClean="0"/>
-              <a:t>	2</a:t>
-            </a:r>
-            <a:r>
-              <a:rPr lang="en-US" sz="1400" dirty="0" smtClean="0"/>
-              <a:t>. while(t &lt; ticks)</a:t>
-            </a:r>
-          </a:p>
-          <a:p>
-            <a:r>
-              <a:rPr lang="en-US" sz="1400" dirty="0" smtClean="0"/>
-              <a:t>		robot </a:t>
-            </a:r>
-            <a:r>
-              <a:rPr lang="en-US" sz="1400" dirty="0" smtClean="0"/>
-              <a:t>will walk 1 meter straight</a:t>
-            </a:r>
-          </a:p>
-          <a:p>
-            <a:r>
-              <a:rPr lang="en-US" sz="1400" dirty="0" smtClean="0"/>
-              <a:t>	3</a:t>
-            </a:r>
-            <a:r>
-              <a:rPr lang="en-US" sz="1400" dirty="0" smtClean="0"/>
-              <a:t>. robot will sleep 1 cycle</a:t>
-            </a:r>
-          </a:p>
-          <a:p>
-            <a:r>
-              <a:rPr lang="en-US" sz="1400" dirty="0" smtClean="0"/>
-              <a:t>	4</a:t>
-            </a:r>
-            <a:r>
-              <a:rPr lang="en-US" sz="1400" dirty="0" smtClean="0"/>
-              <a:t>. ticks = </a:t>
-            </a:r>
-            <a:r>
-              <a:rPr lang="en-US" sz="1400" dirty="0" err="1" smtClean="0"/>
-              <a:t>goal_angle</a:t>
-            </a:r>
-            <a:r>
-              <a:rPr lang="en-US" sz="1400" dirty="0" smtClean="0"/>
-              <a:t> * rate</a:t>
-            </a:r>
-          </a:p>
-          <a:p>
-            <a:r>
-              <a:rPr lang="en-US" sz="1400" dirty="0" smtClean="0"/>
-              <a:t>	5</a:t>
-            </a:r>
-            <a:r>
-              <a:rPr lang="en-US" sz="1400" dirty="0" smtClean="0"/>
-              <a:t>. while(t&lt;ticks)</a:t>
-            </a:r>
-          </a:p>
-          <a:p>
-            <a:r>
-              <a:rPr lang="en-US" sz="1400" dirty="0" smtClean="0"/>
-              <a:t>		robot </a:t>
-            </a:r>
-            <a:r>
-              <a:rPr lang="en-US" sz="1400" dirty="0" smtClean="0"/>
-              <a:t>rotates 180*</a:t>
-            </a:r>
-          </a:p>
-          <a:p>
-            <a:r>
-              <a:rPr lang="en-US" sz="1400" dirty="0" smtClean="0"/>
-              <a:t>	6</a:t>
-            </a:r>
-            <a:r>
-              <a:rPr lang="en-US" sz="1400" dirty="0" smtClean="0"/>
-              <a:t>. robot will sleep 1 cycle</a:t>
-            </a:r>
-          </a:p>
-          <a:p>
-            <a:r>
-              <a:rPr lang="en-US" sz="1400" dirty="0" smtClean="0"/>
-              <a:t>B: Program Terminates</a:t>
-            </a:r>
-            <a:endParaRPr lang="en-US" sz="1400" dirty="0"/>
-          </a:p>
-        </p:txBody>
-      </p:sp>
-      <p:pic>
-        <p:nvPicPr>
-          <p:cNvPr id="5123" name="Picture 3" descr="C:\Users\EpicFailure\Desktop\bsc2\Robotic Engineering 2 (ROS)\Report\Presentation\timed_out_and_back.png"/>
-          <p:cNvPicPr>
-            <a:picLocks noChangeAspect="1" noChangeArrowheads="1"/>
-          </p:cNvPicPr>
-          <p:nvPr/>
-        </p:nvPicPr>
-        <p:blipFill>
-          <a:blip r:embed="rId2"/>
-          <a:srcRect/>
-          <a:stretch>
-            <a:fillRect/>
-          </a:stretch>
-        </p:blipFill>
-        <p:spPr bwMode="auto">
-          <a:xfrm>
-            <a:off x="5580698" y="1876425"/>
-            <a:ext cx="4786312" cy="4066600"/>
-          </a:xfrm>
-          <a:prstGeom prst="rect">
-            <a:avLst/>
-          </a:prstGeom>
-          <a:noFill/>
-        </p:spPr>
-      </p:pic>
-    </p:spTree>
-    <p:extLst>
-      <p:ext uri="{BB962C8B-B14F-4D97-AF65-F5344CB8AC3E}">
-        <p14:creationId xmlns:p14="http://schemas.microsoft.com/office/powerpoint/2010/main" xmlns="" val="827552370"/>
-      </p:ext>
-    </p:extLst>
-  </p:cSld>
-  <p:clrMapOvr>
-    <a:masterClrMapping/>
-  </p:clrMapOvr>
-</p:sld>
-</file>
-
-<file path=ppt/slides/slide9.xml><?xml version="1.0" encoding="utf-8"?>
-<p:sld xmlns:a="http://schemas.openxmlformats.org/drawingml/2006/main" xmlns:r="http://schemas.openxmlformats.org/officeDocument/2006/relationships" xmlns:p="http://schemas.openxmlformats.org/presentationml/2006/main">
-  <p:cSld>
-    <p:spTree>
-      <p:nvGrpSpPr>
-        <p:cNvPr id="1" name=""/>
-        <p:cNvGrpSpPr/>
-        <p:nvPr/>
-      </p:nvGrpSpPr>
-      <p:grpSpPr>
-        <a:xfrm>
-          <a:off x="0" y="0"/>
-          <a:ext cx="0" cy="0"/>
-          <a:chOff x="0" y="0"/>
-          <a:chExt cx="0" cy="0"/>
-        </a:xfrm>
-      </p:grpSpPr>
-      <p:sp>
-        <p:nvSpPr>
-          <p:cNvPr id="2" name="Titre 1"/>
-          <p:cNvSpPr>
-            <a:spLocks noGrp="1"/>
-          </p:cNvSpPr>
-          <p:nvPr>
-            <p:ph type="ctrTitle"/>
-          </p:nvPr>
-        </p:nvSpPr>
-        <p:spPr>
-          <a:xfrm>
-            <a:off x="228600" y="279400"/>
-            <a:ext cx="7823200" cy="749300"/>
-          </a:xfrm>
-        </p:spPr>
-        <p:txBody>
-          <a:bodyPr>
-            <a:noAutofit/>
-          </a:bodyPr>
-          <a:lstStyle/>
-          <a:p>
-            <a:r>
-              <a:rPr lang="en-US" sz="3200" dirty="0" smtClean="0"/>
-              <a:t>Goal 2 : Advanced Motion of Mobile Base</a:t>
-            </a:r>
-            <a:endParaRPr lang="fr-FR" sz="3200" dirty="0"/>
-          </a:p>
-        </p:txBody>
-      </p:sp>
-      <p:pic>
-        <p:nvPicPr>
-          <p:cNvPr id="4099" name="Picture 3" descr="C:\Users\EpicFailure\Desktop\bsc2\Robotic Engineering 2 (ROS)\Report\images\simple_robot.png"/>
-          <p:cNvPicPr>
-            <a:picLocks noChangeAspect="1" noChangeArrowheads="1"/>
-          </p:cNvPicPr>
-          <p:nvPr/>
-        </p:nvPicPr>
-        <p:blipFill>
-          <a:blip r:embed="rId2"/>
-          <a:srcRect/>
-          <a:stretch>
-            <a:fillRect/>
-          </a:stretch>
-        </p:blipFill>
-        <p:spPr bwMode="auto">
-          <a:xfrm>
-            <a:off x="893763" y="1457325"/>
-            <a:ext cx="8067675" cy="1706563"/>
-          </a:xfrm>
-          <a:prstGeom prst="rect">
-            <a:avLst/>
-          </a:prstGeom>
-          <a:noFill/>
-        </p:spPr>
-      </p:pic>
-      <p:sp>
-        <p:nvSpPr>
-          <p:cNvPr id="6" name="Rectangle 5"/>
-          <p:cNvSpPr/>
-          <p:nvPr/>
-        </p:nvSpPr>
-        <p:spPr>
-          <a:xfrm>
-            <a:off x="660400" y="3627041"/>
-            <a:ext cx="8775700" cy="2031325"/>
-          </a:xfrm>
-          <a:prstGeom prst="rect">
-            <a:avLst/>
-          </a:prstGeom>
-        </p:spPr>
-        <p:txBody>
-          <a:bodyPr wrap="square">
-            <a:spAutoFit/>
-          </a:bodyPr>
-          <a:lstStyle/>
-          <a:p>
-            <a:r>
-              <a:rPr lang="en-US" dirty="0" smtClean="0"/>
-              <a:t>Such is the case for the </a:t>
-            </a:r>
-            <a:r>
-              <a:rPr lang="en-US" dirty="0" err="1" smtClean="0"/>
-              <a:t>turtlebot</a:t>
-            </a:r>
-            <a:r>
-              <a:rPr lang="en-US" dirty="0" smtClean="0"/>
-              <a:t> </a:t>
-            </a:r>
-            <a:r>
-              <a:rPr lang="en-US" dirty="0" err="1" smtClean="0"/>
-              <a:t>Odometry</a:t>
-            </a:r>
-            <a:r>
-              <a:rPr lang="en-US" dirty="0" smtClean="0"/>
-              <a:t> data we use to move the robot. While the </a:t>
-            </a:r>
-            <a:r>
-              <a:rPr lang="en-US" b="1" dirty="0" smtClean="0"/>
-              <a:t>/base link </a:t>
-            </a:r>
-            <a:r>
-              <a:rPr lang="en-US" dirty="0" smtClean="0"/>
-              <a:t>frame corresponds to a real physical part of Controlling a Mobile Base robot, the </a:t>
-            </a:r>
-            <a:r>
-              <a:rPr lang="en-US" b="1" dirty="0" smtClean="0"/>
-              <a:t>/</a:t>
-            </a:r>
-            <a:r>
-              <a:rPr lang="en-US" b="1" dirty="0" err="1" smtClean="0"/>
-              <a:t>odom</a:t>
-            </a:r>
-            <a:r>
-              <a:rPr lang="en-US" b="1" dirty="0" smtClean="0"/>
-              <a:t> </a:t>
-            </a:r>
-            <a:r>
-              <a:rPr lang="en-US" dirty="0" smtClean="0"/>
-              <a:t>frame is defined by the translations and rotations encapsulated in the </a:t>
-            </a:r>
-            <a:r>
-              <a:rPr lang="en-US" dirty="0" err="1" smtClean="0"/>
-              <a:t>odometry</a:t>
-            </a:r>
-            <a:r>
-              <a:rPr lang="en-US" dirty="0" smtClean="0"/>
-              <a:t> data. These transformations move the robot relative to the /</a:t>
-            </a:r>
-            <a:r>
-              <a:rPr lang="en-US" dirty="0" err="1" smtClean="0"/>
-              <a:t>odom</a:t>
-            </a:r>
-            <a:r>
-              <a:rPr lang="en-US" dirty="0" smtClean="0"/>
-              <a:t> frame. In ROS if we see the </a:t>
-            </a:r>
-            <a:r>
-              <a:rPr lang="en-US" dirty="0" err="1" smtClean="0"/>
-              <a:t>nav</a:t>
-            </a:r>
-            <a:r>
-              <a:rPr lang="en-US" dirty="0" smtClean="0"/>
-              <a:t> </a:t>
-            </a:r>
-            <a:r>
-              <a:rPr lang="en-US" dirty="0" err="1" smtClean="0"/>
-              <a:t>msgs</a:t>
-            </a:r>
-            <a:r>
-              <a:rPr lang="en-US" dirty="0" smtClean="0"/>
-              <a:t>/</a:t>
-            </a:r>
-            <a:r>
-              <a:rPr lang="en-US" dirty="0" err="1" smtClean="0"/>
-              <a:t>Odometry</a:t>
-            </a:r>
-            <a:r>
-              <a:rPr lang="en-US" dirty="0" smtClean="0"/>
-              <a:t> message structure, </a:t>
-            </a:r>
-            <a:r>
-              <a:rPr lang="en-US" b="1" dirty="0" smtClean="0"/>
-              <a:t>/</a:t>
-            </a:r>
-            <a:r>
-              <a:rPr lang="en-US" b="1" dirty="0" err="1" smtClean="0"/>
-              <a:t>odom</a:t>
-            </a:r>
-            <a:r>
-              <a:rPr lang="en-US" b="1" dirty="0" smtClean="0"/>
-              <a:t> </a:t>
-            </a:r>
-            <a:r>
-              <a:rPr lang="en-US" dirty="0" smtClean="0"/>
-              <a:t>is used as the parent frame and</a:t>
-            </a:r>
-          </a:p>
-          <a:p>
-            <a:r>
-              <a:rPr lang="en-US" b="1" dirty="0" smtClean="0"/>
-              <a:t>/</a:t>
-            </a:r>
-            <a:r>
-              <a:rPr lang="en-US" b="1" dirty="0" err="1" smtClean="0"/>
-              <a:t>base_footprint</a:t>
-            </a:r>
-            <a:r>
-              <a:rPr lang="en-US" dirty="0" smtClean="0"/>
-              <a:t> </a:t>
-            </a:r>
-            <a:r>
-              <a:rPr lang="en-US" dirty="0" smtClean="0"/>
-              <a:t>(for </a:t>
-            </a:r>
-            <a:r>
-              <a:rPr lang="en-US" dirty="0" err="1" smtClean="0"/>
-              <a:t>turtlebot</a:t>
-            </a:r>
-            <a:r>
-              <a:rPr lang="en-US" dirty="0" smtClean="0"/>
-              <a:t>) as the child frame id. The transformation between these two frames, is with </a:t>
-            </a:r>
-            <a:r>
-              <a:rPr lang="en-US" dirty="0" smtClean="0"/>
-              <a:t>the help </a:t>
-            </a:r>
-            <a:r>
-              <a:rPr lang="en-US" dirty="0" smtClean="0"/>
-              <a:t>of </a:t>
-            </a:r>
-            <a:r>
-              <a:rPr lang="en-US" b="1" dirty="0" err="1" smtClean="0"/>
-              <a:t>tf</a:t>
-            </a:r>
-            <a:r>
-              <a:rPr lang="en-US" dirty="0" smtClean="0"/>
-              <a:t> library.</a:t>
-            </a:r>
-            <a:endParaRPr lang="en-US" dirty="0"/>
-          </a:p>
-        </p:txBody>
-      </p:sp>
-    </p:spTree>
-    <p:extLst>
-      <p:ext uri="{BB962C8B-B14F-4D97-AF65-F5344CB8AC3E}">
-        <p14:creationId xmlns:p14="http://schemas.microsoft.com/office/powerpoint/2010/main" xmlns="" val="827552370"/>
+        <p14:creationId xmlns="" xmlns:p14="http://schemas.microsoft.com/office/powerpoint/2010/main" val="827552370"/>
       </p:ext>
     </p:extLst>
   </p:cSld>
@@ -15079,7 +14071,7 @@
   <a:extraClrSchemeLst/>
   <a:extLst>
     <a:ext uri="{05A4C25C-085E-4340-85A3-A5531E510DB2}">
-      <thm15:themeFamily xmlns:thm15="http://schemas.microsoft.com/office/thememl/2012/main" xmlns="" name="View" id="{BA0EB5A6-F2D4-4F82-977B-64ADEE4A2A69}" vid="{3969A8A2-35DB-4E3B-8885-16FD20568674}"/>
+      <thm15:themeFamily xmlns="" xmlns:thm15="http://schemas.microsoft.com/office/thememl/2012/main" name="View" id="{BA0EB5A6-F2D4-4F82-977B-64ADEE4A2A69}" vid="{3969A8A2-35DB-4E3B-8885-16FD20568674}"/>
     </a:ext>
   </a:extLst>
 </a:theme>
@@ -15340,7 +14332,7 @@
   <a:extraClrSchemeLst/>
   <a:extLst>
     <a:ext uri="{05A4C25C-085E-4340-85A3-A5531E510DB2}">
-      <thm15:themeFamily xmlns:thm15="http://schemas.microsoft.com/office/thememl/2012/main" xmlns="" name="Office Theme" id="{62F939B6-93AF-4DB8-9C6B-D6C7DFDC589F}" vid="{4A3C46E8-61CC-4603-A589-7422A47A8E4A}"/>
+      <thm15:themeFamily xmlns="" xmlns:thm15="http://schemas.microsoft.com/office/thememl/2012/main" name="Office Theme" id="{62F939B6-93AF-4DB8-9C6B-D6C7DFDC589F}" vid="{4A3C46E8-61CC-4603-A589-7422A47A8E4A}"/>
     </a:ext>
   </a:extLst>
 </a:theme>
